--- a/LeaderboardTest1.pptx
+++ b/LeaderboardTest1.pptx
@@ -9,9 +9,6 @@
     <p:sldId id="262" r:id="rId3"/>
     <p:sldId id="263" r:id="rId4"/>
     <p:sldId id="265" r:id="rId5"/>
-    <p:sldId id="260" r:id="rId6"/>
-    <p:sldId id="258" r:id="rId7"/>
-    <p:sldId id="259" r:id="rId8"/>
   </p:sldIdLst>
   <p:sldSz cx="12192000" cy="6858000"/>
   <p:notesSz cx="6858000" cy="9144000"/>
@@ -160,10 +157,9 @@
           </a:lstStyle>
           <a:p>
             <a:r>
-              <a:rPr lang="en-US" smtClean="0"/>
+              <a:rPr lang="en-US"/>
               <a:t>Click to edit Master title style</a:t>
             </a:r>
-            <a:endParaRPr lang="en-US"/>
           </a:p>
         </p:txBody>
       </p:sp>
@@ -225,10 +221,9 @@
           </a:lstStyle>
           <a:p>
             <a:r>
-              <a:rPr lang="en-US" smtClean="0"/>
+              <a:rPr lang="en-US"/>
               <a:t>Click to edit Master subtitle style</a:t>
             </a:r>
-            <a:endParaRPr lang="en-US"/>
           </a:p>
         </p:txBody>
       </p:sp>
@@ -249,7 +244,7 @@
           <a:p>
             <a:fld id="{B93B0B30-BF83-45B1-9000-043C4821AC19}" type="datetimeFigureOut">
               <a:rPr lang="en-US" smtClean="0"/>
-              <a:t>3/10/2022</a:t>
+              <a:t>8/26/2022</a:t>
             </a:fld>
             <a:endParaRPr lang="en-US"/>
           </a:p>
@@ -343,10 +338,9 @@
           <a:lstStyle/>
           <a:p>
             <a:r>
-              <a:rPr lang="en-US" smtClean="0"/>
+              <a:rPr lang="en-US"/>
               <a:t>Click to edit Master title style</a:t>
             </a:r>
-            <a:endParaRPr lang="en-US"/>
           </a:p>
         </p:txBody>
       </p:sp>
@@ -367,38 +361,37 @@
           <a:p>
             <a:pPr lvl="0"/>
             <a:r>
-              <a:rPr lang="en-US" smtClean="0"/>
+              <a:rPr lang="en-US"/>
               <a:t>Edit Master text styles</a:t>
             </a:r>
           </a:p>
           <a:p>
             <a:pPr lvl="1"/>
             <a:r>
-              <a:rPr lang="en-US" smtClean="0"/>
+              <a:rPr lang="en-US"/>
               <a:t>Second level</a:t>
             </a:r>
           </a:p>
           <a:p>
             <a:pPr lvl="2"/>
             <a:r>
-              <a:rPr lang="en-US" smtClean="0"/>
+              <a:rPr lang="en-US"/>
               <a:t>Third level</a:t>
             </a:r>
           </a:p>
           <a:p>
             <a:pPr lvl="3"/>
             <a:r>
-              <a:rPr lang="en-US" smtClean="0"/>
+              <a:rPr lang="en-US"/>
               <a:t>Fourth level</a:t>
             </a:r>
           </a:p>
           <a:p>
             <a:pPr lvl="4"/>
             <a:r>
-              <a:rPr lang="en-US" smtClean="0"/>
+              <a:rPr lang="en-US"/>
               <a:t>Fifth level</a:t>
             </a:r>
-            <a:endParaRPr lang="en-US"/>
           </a:p>
         </p:txBody>
       </p:sp>
@@ -419,7 +412,7 @@
           <a:p>
             <a:fld id="{B93B0B30-BF83-45B1-9000-043C4821AC19}" type="datetimeFigureOut">
               <a:rPr lang="en-US" smtClean="0"/>
-              <a:t>3/10/2022</a:t>
+              <a:t>8/26/2022</a:t>
             </a:fld>
             <a:endParaRPr lang="en-US"/>
           </a:p>
@@ -518,10 +511,9 @@
           <a:lstStyle/>
           <a:p>
             <a:r>
-              <a:rPr lang="en-US" smtClean="0"/>
+              <a:rPr lang="en-US"/>
               <a:t>Click to edit Master title style</a:t>
             </a:r>
-            <a:endParaRPr lang="en-US"/>
           </a:p>
         </p:txBody>
       </p:sp>
@@ -547,38 +539,37 @@
           <a:p>
             <a:pPr lvl="0"/>
             <a:r>
-              <a:rPr lang="en-US" smtClean="0"/>
+              <a:rPr lang="en-US"/>
               <a:t>Edit Master text styles</a:t>
             </a:r>
           </a:p>
           <a:p>
             <a:pPr lvl="1"/>
             <a:r>
-              <a:rPr lang="en-US" smtClean="0"/>
+              <a:rPr lang="en-US"/>
               <a:t>Second level</a:t>
             </a:r>
           </a:p>
           <a:p>
             <a:pPr lvl="2"/>
             <a:r>
-              <a:rPr lang="en-US" smtClean="0"/>
+              <a:rPr lang="en-US"/>
               <a:t>Third level</a:t>
             </a:r>
           </a:p>
           <a:p>
             <a:pPr lvl="3"/>
             <a:r>
-              <a:rPr lang="en-US" smtClean="0"/>
+              <a:rPr lang="en-US"/>
               <a:t>Fourth level</a:t>
             </a:r>
           </a:p>
           <a:p>
             <a:pPr lvl="4"/>
             <a:r>
-              <a:rPr lang="en-US" smtClean="0"/>
+              <a:rPr lang="en-US"/>
               <a:t>Fifth level</a:t>
             </a:r>
-            <a:endParaRPr lang="en-US"/>
           </a:p>
         </p:txBody>
       </p:sp>
@@ -599,7 +590,7 @@
           <a:p>
             <a:fld id="{B93B0B30-BF83-45B1-9000-043C4821AC19}" type="datetimeFigureOut">
               <a:rPr lang="en-US" smtClean="0"/>
-              <a:t>3/10/2022</a:t>
+              <a:t>8/26/2022</a:t>
             </a:fld>
             <a:endParaRPr lang="en-US"/>
           </a:p>
@@ -693,10 +684,9 @@
           <a:lstStyle/>
           <a:p>
             <a:r>
-              <a:rPr lang="en-US" smtClean="0"/>
+              <a:rPr lang="en-US"/>
               <a:t>Click to edit Master title style</a:t>
             </a:r>
-            <a:endParaRPr lang="en-US"/>
           </a:p>
         </p:txBody>
       </p:sp>
@@ -717,38 +707,37 @@
           <a:p>
             <a:pPr lvl="0"/>
             <a:r>
-              <a:rPr lang="en-US" smtClean="0"/>
+              <a:rPr lang="en-US"/>
               <a:t>Edit Master text styles</a:t>
             </a:r>
           </a:p>
           <a:p>
             <a:pPr lvl="1"/>
             <a:r>
-              <a:rPr lang="en-US" smtClean="0"/>
+              <a:rPr lang="en-US"/>
               <a:t>Second level</a:t>
             </a:r>
           </a:p>
           <a:p>
             <a:pPr lvl="2"/>
             <a:r>
-              <a:rPr lang="en-US" smtClean="0"/>
+              <a:rPr lang="en-US"/>
               <a:t>Third level</a:t>
             </a:r>
           </a:p>
           <a:p>
             <a:pPr lvl="3"/>
             <a:r>
-              <a:rPr lang="en-US" smtClean="0"/>
+              <a:rPr lang="en-US"/>
               <a:t>Fourth level</a:t>
             </a:r>
           </a:p>
           <a:p>
             <a:pPr lvl="4"/>
             <a:r>
-              <a:rPr lang="en-US" smtClean="0"/>
+              <a:rPr lang="en-US"/>
               <a:t>Fifth level</a:t>
             </a:r>
-            <a:endParaRPr lang="en-US"/>
           </a:p>
         </p:txBody>
       </p:sp>
@@ -769,7 +758,7 @@
           <a:p>
             <a:fld id="{B93B0B30-BF83-45B1-9000-043C4821AC19}" type="datetimeFigureOut">
               <a:rPr lang="en-US" smtClean="0"/>
-              <a:t>3/10/2022</a:t>
+              <a:t>8/26/2022</a:t>
             </a:fld>
             <a:endParaRPr lang="en-US"/>
           </a:p>
@@ -872,10 +861,9 @@
           </a:lstStyle>
           <a:p>
             <a:r>
-              <a:rPr lang="en-US" smtClean="0"/>
+              <a:rPr lang="en-US"/>
               <a:t>Click to edit Master title style</a:t>
             </a:r>
-            <a:endParaRPr lang="en-US"/>
           </a:p>
         </p:txBody>
       </p:sp>
@@ -992,7 +980,7 @@
           <a:p>
             <a:pPr lvl="0"/>
             <a:r>
-              <a:rPr lang="en-US" smtClean="0"/>
+              <a:rPr lang="en-US"/>
               <a:t>Edit Master text styles</a:t>
             </a:r>
           </a:p>
@@ -1015,7 +1003,7 @@
           <a:p>
             <a:fld id="{B93B0B30-BF83-45B1-9000-043C4821AC19}" type="datetimeFigureOut">
               <a:rPr lang="en-US" smtClean="0"/>
-              <a:t>3/10/2022</a:t>
+              <a:t>8/26/2022</a:t>
             </a:fld>
             <a:endParaRPr lang="en-US"/>
           </a:p>
@@ -1109,10 +1097,9 @@
           <a:lstStyle/>
           <a:p>
             <a:r>
-              <a:rPr lang="en-US" smtClean="0"/>
+              <a:rPr lang="en-US"/>
               <a:t>Click to edit Master title style</a:t>
             </a:r>
-            <a:endParaRPr lang="en-US"/>
           </a:p>
         </p:txBody>
       </p:sp>
@@ -1138,38 +1125,37 @@
           <a:p>
             <a:pPr lvl="0"/>
             <a:r>
-              <a:rPr lang="en-US" smtClean="0"/>
+              <a:rPr lang="en-US"/>
               <a:t>Edit Master text styles</a:t>
             </a:r>
           </a:p>
           <a:p>
             <a:pPr lvl="1"/>
             <a:r>
-              <a:rPr lang="en-US" smtClean="0"/>
+              <a:rPr lang="en-US"/>
               <a:t>Second level</a:t>
             </a:r>
           </a:p>
           <a:p>
             <a:pPr lvl="2"/>
             <a:r>
-              <a:rPr lang="en-US" smtClean="0"/>
+              <a:rPr lang="en-US"/>
               <a:t>Third level</a:t>
             </a:r>
           </a:p>
           <a:p>
             <a:pPr lvl="3"/>
             <a:r>
-              <a:rPr lang="en-US" smtClean="0"/>
+              <a:rPr lang="en-US"/>
               <a:t>Fourth level</a:t>
             </a:r>
           </a:p>
           <a:p>
             <a:pPr lvl="4"/>
             <a:r>
-              <a:rPr lang="en-US" smtClean="0"/>
+              <a:rPr lang="en-US"/>
               <a:t>Fifth level</a:t>
             </a:r>
-            <a:endParaRPr lang="en-US"/>
           </a:p>
         </p:txBody>
       </p:sp>
@@ -1195,38 +1181,37 @@
           <a:p>
             <a:pPr lvl="0"/>
             <a:r>
-              <a:rPr lang="en-US" smtClean="0"/>
+              <a:rPr lang="en-US"/>
               <a:t>Edit Master text styles</a:t>
             </a:r>
           </a:p>
           <a:p>
             <a:pPr lvl="1"/>
             <a:r>
-              <a:rPr lang="en-US" smtClean="0"/>
+              <a:rPr lang="en-US"/>
               <a:t>Second level</a:t>
             </a:r>
           </a:p>
           <a:p>
             <a:pPr lvl="2"/>
             <a:r>
-              <a:rPr lang="en-US" smtClean="0"/>
+              <a:rPr lang="en-US"/>
               <a:t>Third level</a:t>
             </a:r>
           </a:p>
           <a:p>
             <a:pPr lvl="3"/>
             <a:r>
-              <a:rPr lang="en-US" smtClean="0"/>
+              <a:rPr lang="en-US"/>
               <a:t>Fourth level</a:t>
             </a:r>
           </a:p>
           <a:p>
             <a:pPr lvl="4"/>
             <a:r>
-              <a:rPr lang="en-US" smtClean="0"/>
+              <a:rPr lang="en-US"/>
               <a:t>Fifth level</a:t>
             </a:r>
-            <a:endParaRPr lang="en-US"/>
           </a:p>
         </p:txBody>
       </p:sp>
@@ -1247,7 +1232,7 @@
           <a:p>
             <a:fld id="{B93B0B30-BF83-45B1-9000-043C4821AC19}" type="datetimeFigureOut">
               <a:rPr lang="en-US" smtClean="0"/>
-              <a:t>3/10/2022</a:t>
+              <a:t>8/26/2022</a:t>
             </a:fld>
             <a:endParaRPr lang="en-US"/>
           </a:p>
@@ -1346,10 +1331,9 @@
           <a:lstStyle/>
           <a:p>
             <a:r>
-              <a:rPr lang="en-US" smtClean="0"/>
+              <a:rPr lang="en-US"/>
               <a:t>Click to edit Master title style</a:t>
             </a:r>
-            <a:endParaRPr lang="en-US"/>
           </a:p>
         </p:txBody>
       </p:sp>
@@ -1412,7 +1396,7 @@
           <a:p>
             <a:pPr lvl="0"/>
             <a:r>
-              <a:rPr lang="en-US" smtClean="0"/>
+              <a:rPr lang="en-US"/>
               <a:t>Edit Master text styles</a:t>
             </a:r>
           </a:p>
@@ -1440,38 +1424,37 @@
           <a:p>
             <a:pPr lvl="0"/>
             <a:r>
-              <a:rPr lang="en-US" smtClean="0"/>
+              <a:rPr lang="en-US"/>
               <a:t>Edit Master text styles</a:t>
             </a:r>
           </a:p>
           <a:p>
             <a:pPr lvl="1"/>
             <a:r>
-              <a:rPr lang="en-US" smtClean="0"/>
+              <a:rPr lang="en-US"/>
               <a:t>Second level</a:t>
             </a:r>
           </a:p>
           <a:p>
             <a:pPr lvl="2"/>
             <a:r>
-              <a:rPr lang="en-US" smtClean="0"/>
+              <a:rPr lang="en-US"/>
               <a:t>Third level</a:t>
             </a:r>
           </a:p>
           <a:p>
             <a:pPr lvl="3"/>
             <a:r>
-              <a:rPr lang="en-US" smtClean="0"/>
+              <a:rPr lang="en-US"/>
               <a:t>Fourth level</a:t>
             </a:r>
           </a:p>
           <a:p>
             <a:pPr lvl="4"/>
             <a:r>
-              <a:rPr lang="en-US" smtClean="0"/>
+              <a:rPr lang="en-US"/>
               <a:t>Fifth level</a:t>
             </a:r>
-            <a:endParaRPr lang="en-US"/>
           </a:p>
         </p:txBody>
       </p:sp>
@@ -1534,7 +1517,7 @@
           <a:p>
             <a:pPr lvl="0"/>
             <a:r>
-              <a:rPr lang="en-US" smtClean="0"/>
+              <a:rPr lang="en-US"/>
               <a:t>Edit Master text styles</a:t>
             </a:r>
           </a:p>
@@ -1562,38 +1545,37 @@
           <a:p>
             <a:pPr lvl="0"/>
             <a:r>
-              <a:rPr lang="en-US" smtClean="0"/>
+              <a:rPr lang="en-US"/>
               <a:t>Edit Master text styles</a:t>
             </a:r>
           </a:p>
           <a:p>
             <a:pPr lvl="1"/>
             <a:r>
-              <a:rPr lang="en-US" smtClean="0"/>
+              <a:rPr lang="en-US"/>
               <a:t>Second level</a:t>
             </a:r>
           </a:p>
           <a:p>
             <a:pPr lvl="2"/>
             <a:r>
-              <a:rPr lang="en-US" smtClean="0"/>
+              <a:rPr lang="en-US"/>
               <a:t>Third level</a:t>
             </a:r>
           </a:p>
           <a:p>
             <a:pPr lvl="3"/>
             <a:r>
-              <a:rPr lang="en-US" smtClean="0"/>
+              <a:rPr lang="en-US"/>
               <a:t>Fourth level</a:t>
             </a:r>
           </a:p>
           <a:p>
             <a:pPr lvl="4"/>
             <a:r>
-              <a:rPr lang="en-US" smtClean="0"/>
+              <a:rPr lang="en-US"/>
               <a:t>Fifth level</a:t>
             </a:r>
-            <a:endParaRPr lang="en-US"/>
           </a:p>
         </p:txBody>
       </p:sp>
@@ -1614,7 +1596,7 @@
           <a:p>
             <a:fld id="{B93B0B30-BF83-45B1-9000-043C4821AC19}" type="datetimeFigureOut">
               <a:rPr lang="en-US" smtClean="0"/>
-              <a:t>3/10/2022</a:t>
+              <a:t>8/26/2022</a:t>
             </a:fld>
             <a:endParaRPr lang="en-US"/>
           </a:p>
@@ -1708,10 +1690,9 @@
           <a:lstStyle/>
           <a:p>
             <a:r>
-              <a:rPr lang="en-US" smtClean="0"/>
+              <a:rPr lang="en-US"/>
               <a:t>Click to edit Master title style</a:t>
             </a:r>
-            <a:endParaRPr lang="en-US"/>
           </a:p>
         </p:txBody>
       </p:sp>
@@ -1732,7 +1713,7 @@
           <a:p>
             <a:fld id="{B93B0B30-BF83-45B1-9000-043C4821AC19}" type="datetimeFigureOut">
               <a:rPr lang="en-US" smtClean="0"/>
-              <a:t>3/10/2022</a:t>
+              <a:t>8/26/2022</a:t>
             </a:fld>
             <a:endParaRPr lang="en-US"/>
           </a:p>
@@ -1827,7 +1808,7 @@
           <a:p>
             <a:fld id="{B93B0B30-BF83-45B1-9000-043C4821AC19}" type="datetimeFigureOut">
               <a:rPr lang="en-US" smtClean="0"/>
-              <a:t>3/10/2022</a:t>
+              <a:t>8/26/2022</a:t>
             </a:fld>
             <a:endParaRPr lang="en-US"/>
           </a:p>
@@ -1930,10 +1911,9 @@
           </a:lstStyle>
           <a:p>
             <a:r>
-              <a:rPr lang="en-US" smtClean="0"/>
+              <a:rPr lang="en-US"/>
               <a:t>Click to edit Master title style</a:t>
             </a:r>
-            <a:endParaRPr lang="en-US"/>
           </a:p>
         </p:txBody>
       </p:sp>
@@ -1987,38 +1967,37 @@
           <a:p>
             <a:pPr lvl="0"/>
             <a:r>
-              <a:rPr lang="en-US" smtClean="0"/>
+              <a:rPr lang="en-US"/>
               <a:t>Edit Master text styles</a:t>
             </a:r>
           </a:p>
           <a:p>
             <a:pPr lvl="1"/>
             <a:r>
-              <a:rPr lang="en-US" smtClean="0"/>
+              <a:rPr lang="en-US"/>
               <a:t>Second level</a:t>
             </a:r>
           </a:p>
           <a:p>
             <a:pPr lvl="2"/>
             <a:r>
-              <a:rPr lang="en-US" smtClean="0"/>
+              <a:rPr lang="en-US"/>
               <a:t>Third level</a:t>
             </a:r>
           </a:p>
           <a:p>
             <a:pPr lvl="3"/>
             <a:r>
-              <a:rPr lang="en-US" smtClean="0"/>
+              <a:rPr lang="en-US"/>
               <a:t>Fourth level</a:t>
             </a:r>
           </a:p>
           <a:p>
             <a:pPr lvl="4"/>
             <a:r>
-              <a:rPr lang="en-US" smtClean="0"/>
+              <a:rPr lang="en-US"/>
               <a:t>Fifth level</a:t>
             </a:r>
-            <a:endParaRPr lang="en-US"/>
           </a:p>
         </p:txBody>
       </p:sp>
@@ -2081,7 +2060,7 @@
           <a:p>
             <a:pPr lvl="0"/>
             <a:r>
-              <a:rPr lang="en-US" smtClean="0"/>
+              <a:rPr lang="en-US"/>
               <a:t>Edit Master text styles</a:t>
             </a:r>
           </a:p>
@@ -2104,7 +2083,7 @@
           <a:p>
             <a:fld id="{B93B0B30-BF83-45B1-9000-043C4821AC19}" type="datetimeFigureOut">
               <a:rPr lang="en-US" smtClean="0"/>
-              <a:t>3/10/2022</a:t>
+              <a:t>8/26/2022</a:t>
             </a:fld>
             <a:endParaRPr lang="en-US"/>
           </a:p>
@@ -2207,10 +2186,9 @@
           </a:lstStyle>
           <a:p>
             <a:r>
-              <a:rPr lang="en-US" smtClean="0"/>
+              <a:rPr lang="en-US"/>
               <a:t>Click to edit Master title style</a:t>
             </a:r>
-            <a:endParaRPr lang="en-US"/>
           </a:p>
         </p:txBody>
       </p:sp>
@@ -2334,7 +2312,7 @@
           <a:p>
             <a:pPr lvl="0"/>
             <a:r>
-              <a:rPr lang="en-US" smtClean="0"/>
+              <a:rPr lang="en-US"/>
               <a:t>Edit Master text styles</a:t>
             </a:r>
           </a:p>
@@ -2357,7 +2335,7 @@
           <a:p>
             <a:fld id="{B93B0B30-BF83-45B1-9000-043C4821AC19}" type="datetimeFigureOut">
               <a:rPr lang="en-US" smtClean="0"/>
-              <a:t>3/10/2022</a:t>
+              <a:t>8/26/2022</a:t>
             </a:fld>
             <a:endParaRPr lang="en-US"/>
           </a:p>
@@ -2466,10 +2444,9 @@
           <a:lstStyle/>
           <a:p>
             <a:r>
-              <a:rPr lang="en-US" smtClean="0"/>
+              <a:rPr lang="en-US"/>
               <a:t>Click to edit Master title style</a:t>
             </a:r>
-            <a:endParaRPr lang="en-US"/>
           </a:p>
         </p:txBody>
       </p:sp>
@@ -2500,38 +2477,37 @@
           <a:p>
             <a:pPr lvl="0"/>
             <a:r>
-              <a:rPr lang="en-US" smtClean="0"/>
+              <a:rPr lang="en-US"/>
               <a:t>Edit Master text styles</a:t>
             </a:r>
           </a:p>
           <a:p>
             <a:pPr lvl="1"/>
             <a:r>
-              <a:rPr lang="en-US" smtClean="0"/>
+              <a:rPr lang="en-US"/>
               <a:t>Second level</a:t>
             </a:r>
           </a:p>
           <a:p>
             <a:pPr lvl="2"/>
             <a:r>
-              <a:rPr lang="en-US" smtClean="0"/>
+              <a:rPr lang="en-US"/>
               <a:t>Third level</a:t>
             </a:r>
           </a:p>
           <a:p>
             <a:pPr lvl="3"/>
             <a:r>
-              <a:rPr lang="en-US" smtClean="0"/>
+              <a:rPr lang="en-US"/>
               <a:t>Fourth level</a:t>
             </a:r>
           </a:p>
           <a:p>
             <a:pPr lvl="4"/>
             <a:r>
-              <a:rPr lang="en-US" smtClean="0"/>
+              <a:rPr lang="en-US"/>
               <a:t>Fifth level</a:t>
             </a:r>
-            <a:endParaRPr lang="en-US"/>
           </a:p>
         </p:txBody>
       </p:sp>
@@ -2570,7 +2546,7 @@
           <a:p>
             <a:fld id="{B93B0B30-BF83-45B1-9000-043C4821AC19}" type="datetimeFigureOut">
               <a:rPr lang="en-US" smtClean="0"/>
-              <a:t>3/10/2022</a:t>
+              <a:t>8/26/2022</a:t>
             </a:fld>
             <a:endParaRPr lang="en-US"/>
           </a:p>
@@ -3128,14 +3104,14 @@
                     <a:p>
                       <a:pPr algn="ctr"/>
                       <a:r>
-                        <a:rPr lang="en-US" sz="1050" b="0" dirty="0" smtClean="0">
+                        <a:rPr lang="en-US" sz="1050" b="0" dirty="0">
                           <a:latin typeface="EMprint" panose="020B0503020204020204" pitchFamily="34" charset="0"/>
                           <a:ea typeface="EMprint" panose="020B0503020204020204" pitchFamily="34" charset="0"/>
                         </a:rPr>
                         <a:t>TOP</a:t>
                       </a:r>
                       <a:r>
-                        <a:rPr lang="en-US" sz="1050" b="0" baseline="0" dirty="0" smtClean="0">
+                        <a:rPr lang="en-US" sz="1050" b="0" baseline="0" dirty="0">
                           <a:latin typeface="EMprint" panose="020B0503020204020204" pitchFamily="34" charset="0"/>
                           <a:ea typeface="EMprint" panose="020B0503020204020204" pitchFamily="34" charset="0"/>
                         </a:rPr>
@@ -3160,16 +3136,12 @@
                     <a:p>
                       <a:pPr algn="ctr"/>
                       <a:r>
-                        <a:rPr lang="en-US" sz="1200" b="0" dirty="0" smtClean="0">
+                        <a:rPr lang="en-US" sz="1200" b="0" dirty="0">
                           <a:latin typeface="EMprint" panose="020B0503020204020204" pitchFamily="34" charset="0"/>
                           <a:ea typeface="EMprint" panose="020B0503020204020204" pitchFamily="34" charset="0"/>
                         </a:rPr>
                         <a:t>Team</a:t>
                       </a:r>
-                      <a:endParaRPr lang="en-US" sz="1200" b="0" dirty="0">
-                        <a:latin typeface="EMprint" panose="020B0503020204020204" pitchFamily="34" charset="0"/>
-                        <a:ea typeface="EMprint" panose="020B0503020204020204" pitchFamily="34" charset="0"/>
-                      </a:endParaRPr>
                     </a:p>
                   </a:txBody>
                   <a:tcPr>
@@ -3185,7 +3157,7 @@
                     <a:p>
                       <a:pPr algn="ctr"/>
                       <a:r>
-                        <a:rPr lang="en-US" sz="1100" b="0" dirty="0" smtClean="0">
+                        <a:rPr lang="en-US" sz="1100" b="0" dirty="0">
                           <a:latin typeface="EMprint" panose="020B0503020204020204" pitchFamily="34" charset="0"/>
                           <a:ea typeface="EMprint" panose="020B0503020204020204" pitchFamily="34" charset="0"/>
                         </a:rPr>
@@ -3216,7 +3188,7 @@
                     <a:lstStyle/>
                     <a:p>
                       <a:r>
-                        <a:rPr lang="en-US" sz="1200" b="0" i="0" kern="1200" dirty="0" smtClean="0">
+                        <a:rPr lang="en-US" sz="1200" b="0" i="0" kern="1200" dirty="0">
                           <a:solidFill>
                             <a:schemeClr val="dk1"/>
                           </a:solidFill>
@@ -3247,14 +3219,14 @@
                     <a:lstStyle/>
                     <a:p>
                       <a:r>
-                        <a:rPr lang="en-US" sz="1200" dirty="0" smtClean="0">
+                        <a:rPr lang="en-US" sz="1200" dirty="0">
                           <a:latin typeface="EMprint" panose="020B0503020204020204" pitchFamily="34" charset="0"/>
                           <a:ea typeface="EMprint" panose="020B0503020204020204" pitchFamily="34" charset="0"/>
                         </a:rPr>
                         <a:t>EM</a:t>
                       </a:r>
                       <a:r>
-                        <a:rPr lang="en-US" sz="1200" baseline="0" dirty="0" smtClean="0">
+                        <a:rPr lang="en-US" sz="1200" baseline="0" dirty="0">
                           <a:latin typeface="EMprint" panose="020B0503020204020204" pitchFamily="34" charset="0"/>
                           <a:ea typeface="EMprint" panose="020B0503020204020204" pitchFamily="34" charset="0"/>
                         </a:rPr>
@@ -3281,16 +3253,12 @@
                     <a:p>
                       <a:pPr algn="ctr"/>
                       <a:r>
-                        <a:rPr lang="en-US" sz="1200" dirty="0" smtClean="0">
+                        <a:rPr lang="en-US" sz="1200" dirty="0">
                           <a:latin typeface="EMprint" panose="020B0503020204020204" pitchFamily="34" charset="0"/>
                           <a:ea typeface="EMprint" panose="020B0503020204020204" pitchFamily="34" charset="0"/>
                         </a:rPr>
                         <a:t>450</a:t>
                       </a:r>
-                      <a:endParaRPr lang="en-US" sz="1200" dirty="0">
-                        <a:latin typeface="EMprint" panose="020B0503020204020204" pitchFamily="34" charset="0"/>
-                        <a:ea typeface="EMprint" panose="020B0503020204020204" pitchFamily="34" charset="0"/>
-                      </a:endParaRPr>
                     </a:p>
                   </a:txBody>
                   <a:tcPr>
@@ -3314,7 +3282,7 @@
                     <a:lstStyle/>
                     <a:p>
                       <a:r>
-                        <a:rPr lang="en-US" sz="1200" b="0" i="0" kern="1200" dirty="0" smtClean="0">
+                        <a:rPr lang="en-US" sz="1200" b="0" i="0" kern="1200" dirty="0">
                           <a:solidFill>
                             <a:schemeClr val="dk1"/>
                           </a:solidFill>
@@ -3345,14 +3313,14 @@
                     <a:lstStyle/>
                     <a:p>
                       <a:r>
-                        <a:rPr lang="en-US" sz="1200" dirty="0" smtClean="0">
+                        <a:rPr lang="en-US" sz="1200" dirty="0">
                           <a:latin typeface="EMprint" panose="020B0503020204020204" pitchFamily="34" charset="0"/>
                           <a:ea typeface="EMprint" panose="020B0503020204020204" pitchFamily="34" charset="0"/>
                         </a:rPr>
                         <a:t>EM</a:t>
                       </a:r>
                       <a:r>
-                        <a:rPr lang="en-US" sz="1200" baseline="0" dirty="0" smtClean="0">
+                        <a:rPr lang="en-US" sz="1200" baseline="0" dirty="0">
                           <a:latin typeface="EMprint" panose="020B0503020204020204" pitchFamily="34" charset="0"/>
                           <a:ea typeface="EMprint" panose="020B0503020204020204" pitchFamily="34" charset="0"/>
                         </a:rPr>
@@ -3379,16 +3347,12 @@
                     <a:p>
                       <a:pPr algn="ctr"/>
                       <a:r>
-                        <a:rPr lang="en-US" sz="1200" dirty="0" smtClean="0">
+                        <a:rPr lang="en-US" sz="1200" dirty="0">
                           <a:latin typeface="EMprint" panose="020B0503020204020204" pitchFamily="34" charset="0"/>
                           <a:ea typeface="EMprint" panose="020B0503020204020204" pitchFamily="34" charset="0"/>
                         </a:rPr>
                         <a:t>400</a:t>
                       </a:r>
-                      <a:endParaRPr lang="en-US" sz="1200" dirty="0">
-                        <a:latin typeface="EMprint" panose="020B0503020204020204" pitchFamily="34" charset="0"/>
-                        <a:ea typeface="EMprint" panose="020B0503020204020204" pitchFamily="34" charset="0"/>
-                      </a:endParaRPr>
                     </a:p>
                   </a:txBody>
                   <a:tcPr>
@@ -3412,7 +3376,7 @@
                     <a:lstStyle/>
                     <a:p>
                       <a:r>
-                        <a:rPr lang="en-US" sz="1200" b="0" i="0" kern="1200" dirty="0" smtClean="0">
+                        <a:rPr lang="en-US" sz="1200" b="0" i="0" kern="1200" dirty="0">
                           <a:solidFill>
                             <a:schemeClr val="dk1"/>
                           </a:solidFill>
@@ -3443,14 +3407,14 @@
                     <a:lstStyle/>
                     <a:p>
                       <a:r>
-                        <a:rPr lang="en-US" sz="1200" dirty="0" smtClean="0">
+                        <a:rPr lang="en-US" sz="1200" dirty="0">
                           <a:latin typeface="EMprint" panose="020B0503020204020204" pitchFamily="34" charset="0"/>
                           <a:ea typeface="EMprint" panose="020B0503020204020204" pitchFamily="34" charset="0"/>
                         </a:rPr>
                         <a:t>EM</a:t>
                       </a:r>
                       <a:r>
-                        <a:rPr lang="en-US" sz="1200" baseline="0" dirty="0" smtClean="0">
+                        <a:rPr lang="en-US" sz="1200" baseline="0" dirty="0">
                           <a:latin typeface="EMprint" panose="020B0503020204020204" pitchFamily="34" charset="0"/>
                           <a:ea typeface="EMprint" panose="020B0503020204020204" pitchFamily="34" charset="0"/>
                         </a:rPr>
@@ -3477,16 +3441,12 @@
                     <a:p>
                       <a:pPr algn="ctr"/>
                       <a:r>
-                        <a:rPr lang="en-US" sz="1200" dirty="0" smtClean="0">
+                        <a:rPr lang="en-US" sz="1200" dirty="0">
                           <a:latin typeface="EMprint" panose="020B0503020204020204" pitchFamily="34" charset="0"/>
                           <a:ea typeface="EMprint" panose="020B0503020204020204" pitchFamily="34" charset="0"/>
                         </a:rPr>
                         <a:t>350</a:t>
                       </a:r>
-                      <a:endParaRPr lang="en-US" sz="1200" dirty="0">
-                        <a:latin typeface="EMprint" panose="020B0503020204020204" pitchFamily="34" charset="0"/>
-                        <a:ea typeface="EMprint" panose="020B0503020204020204" pitchFamily="34" charset="0"/>
-                      </a:endParaRPr>
                     </a:p>
                   </a:txBody>
                   <a:tcPr>
@@ -3510,14 +3470,14 @@
                     <a:lstStyle/>
                     <a:p>
                       <a:r>
-                        <a:rPr lang="en-US" sz="1200" dirty="0" smtClean="0">
+                        <a:rPr lang="en-US" sz="1200" dirty="0">
                           <a:latin typeface="EMprint" panose="020B0503020204020204" pitchFamily="34" charset="0"/>
                           <a:ea typeface="EMprint" panose="020B0503020204020204" pitchFamily="34" charset="0"/>
                         </a:rPr>
                         <a:t>4. </a:t>
                       </a:r>
                       <a:r>
-                        <a:rPr lang="en-US" sz="1200" b="0" i="0" kern="1200" dirty="0" smtClean="0">
+                        <a:rPr lang="en-US" sz="1200" b="0" i="0" kern="1200" dirty="0">
                           <a:solidFill>
                             <a:schemeClr val="dk1"/>
                           </a:solidFill>
@@ -3548,14 +3508,14 @@
                     <a:lstStyle/>
                     <a:p>
                       <a:r>
-                        <a:rPr lang="en-US" sz="1200" dirty="0" smtClean="0">
+                        <a:rPr lang="en-US" sz="1200" dirty="0">
                           <a:latin typeface="EMprint" panose="020B0503020204020204" pitchFamily="34" charset="0"/>
                           <a:ea typeface="EMprint" panose="020B0503020204020204" pitchFamily="34" charset="0"/>
                         </a:rPr>
                         <a:t>EM</a:t>
                       </a:r>
                       <a:r>
-                        <a:rPr lang="en-US" sz="1200" baseline="0" dirty="0" smtClean="0">
+                        <a:rPr lang="en-US" sz="1200" baseline="0" dirty="0">
                           <a:latin typeface="EMprint" panose="020B0503020204020204" pitchFamily="34" charset="0"/>
                           <a:ea typeface="EMprint" panose="020B0503020204020204" pitchFamily="34" charset="0"/>
                         </a:rPr>
@@ -3582,16 +3542,12 @@
                     <a:p>
                       <a:pPr algn="ctr"/>
                       <a:r>
-                        <a:rPr lang="en-US" sz="1200" dirty="0" smtClean="0">
+                        <a:rPr lang="en-US" sz="1200" dirty="0">
                           <a:latin typeface="EMprint" panose="020B0503020204020204" pitchFamily="34" charset="0"/>
                           <a:ea typeface="EMprint" panose="020B0503020204020204" pitchFamily="34" charset="0"/>
                         </a:rPr>
                         <a:t>300</a:t>
                       </a:r>
-                      <a:endParaRPr lang="en-US" sz="1200" dirty="0">
-                        <a:latin typeface="EMprint" panose="020B0503020204020204" pitchFamily="34" charset="0"/>
-                        <a:ea typeface="EMprint" panose="020B0503020204020204" pitchFamily="34" charset="0"/>
-                      </a:endParaRPr>
                     </a:p>
                   </a:txBody>
                   <a:tcPr>
@@ -3615,14 +3571,14 @@
                     <a:lstStyle/>
                     <a:p>
                       <a:r>
-                        <a:rPr lang="en-US" sz="1200" dirty="0" smtClean="0">
+                        <a:rPr lang="en-US" sz="1200" dirty="0">
                           <a:latin typeface="EMprint" panose="020B0503020204020204" pitchFamily="34" charset="0"/>
                           <a:ea typeface="EMprint" panose="020B0503020204020204" pitchFamily="34" charset="0"/>
                         </a:rPr>
                         <a:t>5. </a:t>
                       </a:r>
                       <a:r>
-                        <a:rPr lang="en-US" sz="1200" b="0" i="0" kern="1200" dirty="0" smtClean="0">
+                        <a:rPr lang="en-US" sz="1200" b="0" i="0" kern="1200" dirty="0">
                           <a:solidFill>
                             <a:schemeClr val="dk1"/>
                           </a:solidFill>
@@ -3653,14 +3609,14 @@
                     <a:lstStyle/>
                     <a:p>
                       <a:r>
-                        <a:rPr lang="en-US" sz="1200" dirty="0" smtClean="0">
+                        <a:rPr lang="en-US" sz="1200" dirty="0">
                           <a:latin typeface="EMprint" panose="020B0503020204020204" pitchFamily="34" charset="0"/>
                           <a:ea typeface="EMprint" panose="020B0503020204020204" pitchFamily="34" charset="0"/>
                         </a:rPr>
                         <a:t>EM</a:t>
                       </a:r>
                       <a:r>
-                        <a:rPr lang="en-US" sz="1200" baseline="0" dirty="0" smtClean="0">
+                        <a:rPr lang="en-US" sz="1200" baseline="0" dirty="0">
                           <a:latin typeface="EMprint" panose="020B0503020204020204" pitchFamily="34" charset="0"/>
                           <a:ea typeface="EMprint" panose="020B0503020204020204" pitchFamily="34" charset="0"/>
                         </a:rPr>
@@ -3687,16 +3643,12 @@
                     <a:p>
                       <a:pPr algn="ctr"/>
                       <a:r>
-                        <a:rPr lang="en-US" sz="1200" dirty="0" smtClean="0">
+                        <a:rPr lang="en-US" sz="1200" dirty="0">
                           <a:latin typeface="EMprint" panose="020B0503020204020204" pitchFamily="34" charset="0"/>
                           <a:ea typeface="EMprint" panose="020B0503020204020204" pitchFamily="34" charset="0"/>
                         </a:rPr>
                         <a:t>250</a:t>
                       </a:r>
-                      <a:endParaRPr lang="en-US" sz="1200" dirty="0">
-                        <a:latin typeface="EMprint" panose="020B0503020204020204" pitchFamily="34" charset="0"/>
-                        <a:ea typeface="EMprint" panose="020B0503020204020204" pitchFamily="34" charset="0"/>
-                      </a:endParaRPr>
                     </a:p>
                   </a:txBody>
                   <a:tcPr>
@@ -3948,28 +3900,28 @@
                     <a:p>
                       <a:pPr algn="ctr"/>
                       <a:r>
-                        <a:rPr lang="en-US" sz="1050" b="0" dirty="0" smtClean="0">
+                        <a:rPr lang="en-US" sz="1050" b="0" dirty="0">
                           <a:latin typeface="EMprint" panose="020B0503020204020204" pitchFamily="34" charset="0"/>
                           <a:ea typeface="EMprint" panose="020B0503020204020204" pitchFamily="34" charset="0"/>
                         </a:rPr>
                         <a:t>Team</a:t>
                       </a:r>
                       <a:r>
-                        <a:rPr lang="en-US" sz="1050" b="0" baseline="0" dirty="0" smtClean="0">
+                        <a:rPr lang="en-US" sz="1050" b="0" baseline="0" dirty="0">
                           <a:latin typeface="EMprint" panose="020B0503020204020204" pitchFamily="34" charset="0"/>
                           <a:ea typeface="EMprint" panose="020B0503020204020204" pitchFamily="34" charset="0"/>
                         </a:rPr>
                         <a:t> A </a:t>
                       </a:r>
                       <a:r>
-                        <a:rPr lang="en-US" sz="1050" b="0" dirty="0" smtClean="0">
+                        <a:rPr lang="en-US" sz="1050" b="0" dirty="0">
                           <a:latin typeface="EMprint" panose="020B0503020204020204" pitchFamily="34" charset="0"/>
                           <a:ea typeface="EMprint" panose="020B0503020204020204" pitchFamily="34" charset="0"/>
                         </a:rPr>
                         <a:t>TOP</a:t>
                       </a:r>
                       <a:r>
-                        <a:rPr lang="en-US" sz="1050" b="0" baseline="0" dirty="0" smtClean="0">
+                        <a:rPr lang="en-US" sz="1050" b="0" baseline="0" dirty="0">
                           <a:latin typeface="EMprint" panose="020B0503020204020204" pitchFamily="34" charset="0"/>
                           <a:ea typeface="EMprint" panose="020B0503020204020204" pitchFamily="34" charset="0"/>
                         </a:rPr>
@@ -3994,7 +3946,7 @@
                     <a:p>
                       <a:pPr algn="ctr"/>
                       <a:r>
-                        <a:rPr lang="en-US" sz="1100" b="0" dirty="0" smtClean="0">
+                        <a:rPr lang="en-US" sz="1100" b="0" dirty="0">
                           <a:latin typeface="EMprint" panose="020B0503020204020204" pitchFamily="34" charset="0"/>
                           <a:ea typeface="EMprint" panose="020B0503020204020204" pitchFamily="34" charset="0"/>
                         </a:rPr>
@@ -4019,7 +3971,7 @@
                     <a:p>
                       <a:pPr algn="ctr"/>
                       <a:r>
-                        <a:rPr lang="en-US" sz="1100" b="0" dirty="0" smtClean="0">
+                        <a:rPr lang="en-US" sz="1100" b="0" dirty="0">
                           <a:latin typeface="EMprint" panose="020B0503020204020204" pitchFamily="34" charset="0"/>
                           <a:ea typeface="EMprint" panose="020B0503020204020204" pitchFamily="34" charset="0"/>
                         </a:rPr>
@@ -4050,7 +4002,7 @@
                     <a:lstStyle/>
                     <a:p>
                       <a:r>
-                        <a:rPr lang="en-US" sz="1200" b="0" i="0" kern="1200" dirty="0" smtClean="0">
+                        <a:rPr lang="en-US" sz="1200" b="0" i="0" kern="1200" dirty="0">
                           <a:solidFill>
                             <a:schemeClr val="dk1"/>
                           </a:solidFill>
@@ -4081,14 +4033,14 @@
                     <a:lstStyle/>
                     <a:p>
                       <a:r>
-                        <a:rPr lang="en-US" sz="1200" dirty="0" smtClean="0">
+                        <a:rPr lang="en-US" sz="1200" dirty="0">
                           <a:latin typeface="EMprint" panose="020B0503020204020204" pitchFamily="34" charset="0"/>
                           <a:ea typeface="EMprint" panose="020B0503020204020204" pitchFamily="34" charset="0"/>
                         </a:rPr>
                         <a:t>EM</a:t>
                       </a:r>
                       <a:r>
-                        <a:rPr lang="en-US" sz="1200" baseline="0" dirty="0" smtClean="0">
+                        <a:rPr lang="en-US" sz="1200" baseline="0" dirty="0">
                           <a:latin typeface="EMprint" panose="020B0503020204020204" pitchFamily="34" charset="0"/>
                           <a:ea typeface="EMprint" panose="020B0503020204020204" pitchFamily="34" charset="0"/>
                         </a:rPr>
@@ -4115,16 +4067,12 @@
                     <a:p>
                       <a:pPr algn="ctr"/>
                       <a:r>
-                        <a:rPr lang="en-US" sz="1200" dirty="0" smtClean="0">
+                        <a:rPr lang="en-US" sz="1200" dirty="0">
                           <a:latin typeface="EMprint" panose="020B0503020204020204" pitchFamily="34" charset="0"/>
                           <a:ea typeface="EMprint" panose="020B0503020204020204" pitchFamily="34" charset="0"/>
                         </a:rPr>
                         <a:t>450</a:t>
                       </a:r>
-                      <a:endParaRPr lang="en-US" sz="1200" dirty="0">
-                        <a:latin typeface="EMprint" panose="020B0503020204020204" pitchFamily="34" charset="0"/>
-                        <a:ea typeface="EMprint" panose="020B0503020204020204" pitchFamily="34" charset="0"/>
-                      </a:endParaRPr>
                     </a:p>
                   </a:txBody>
                   <a:tcPr>
@@ -4148,7 +4096,7 @@
                     <a:lstStyle/>
                     <a:p>
                       <a:r>
-                        <a:rPr lang="en-US" sz="1200" b="0" i="0" kern="1200" dirty="0" smtClean="0">
+                        <a:rPr lang="en-US" sz="1200" b="0" i="0" kern="1200" dirty="0">
                           <a:solidFill>
                             <a:schemeClr val="dk1"/>
                           </a:solidFill>
@@ -4179,14 +4127,14 @@
                     <a:lstStyle/>
                     <a:p>
                       <a:r>
-                        <a:rPr lang="en-US" sz="1200" dirty="0" smtClean="0">
+                        <a:rPr lang="en-US" sz="1200" dirty="0">
                           <a:latin typeface="EMprint" panose="020B0503020204020204" pitchFamily="34" charset="0"/>
                           <a:ea typeface="EMprint" panose="020B0503020204020204" pitchFamily="34" charset="0"/>
                         </a:rPr>
                         <a:t>EM</a:t>
                       </a:r>
                       <a:r>
-                        <a:rPr lang="en-US" sz="1200" baseline="0" dirty="0" smtClean="0">
+                        <a:rPr lang="en-US" sz="1200" baseline="0" dirty="0">
                           <a:latin typeface="EMprint" panose="020B0503020204020204" pitchFamily="34" charset="0"/>
                           <a:ea typeface="EMprint" panose="020B0503020204020204" pitchFamily="34" charset="0"/>
                         </a:rPr>
@@ -4213,16 +4161,12 @@
                     <a:p>
                       <a:pPr algn="ctr"/>
                       <a:r>
-                        <a:rPr lang="en-US" sz="1200" dirty="0" smtClean="0">
+                        <a:rPr lang="en-US" sz="1200" dirty="0">
                           <a:latin typeface="EMprint" panose="020B0503020204020204" pitchFamily="34" charset="0"/>
                           <a:ea typeface="EMprint" panose="020B0503020204020204" pitchFamily="34" charset="0"/>
                         </a:rPr>
                         <a:t>400</a:t>
                       </a:r>
-                      <a:endParaRPr lang="en-US" sz="1200" dirty="0">
-                        <a:latin typeface="EMprint" panose="020B0503020204020204" pitchFamily="34" charset="0"/>
-                        <a:ea typeface="EMprint" panose="020B0503020204020204" pitchFamily="34" charset="0"/>
-                      </a:endParaRPr>
                     </a:p>
                   </a:txBody>
                   <a:tcPr>
@@ -4246,7 +4190,7 @@
                     <a:lstStyle/>
                     <a:p>
                       <a:r>
-                        <a:rPr lang="en-US" sz="1200" b="0" i="0" kern="1200" dirty="0" smtClean="0">
+                        <a:rPr lang="en-US" sz="1200" b="0" i="0" kern="1200" dirty="0">
                           <a:solidFill>
                             <a:schemeClr val="dk1"/>
                           </a:solidFill>
@@ -4277,14 +4221,14 @@
                     <a:lstStyle/>
                     <a:p>
                       <a:r>
-                        <a:rPr lang="en-US" sz="1200" dirty="0" smtClean="0">
+                        <a:rPr lang="en-US" sz="1200" dirty="0">
                           <a:latin typeface="EMprint" panose="020B0503020204020204" pitchFamily="34" charset="0"/>
                           <a:ea typeface="EMprint" panose="020B0503020204020204" pitchFamily="34" charset="0"/>
                         </a:rPr>
                         <a:t>EM</a:t>
                       </a:r>
                       <a:r>
-                        <a:rPr lang="en-US" sz="1200" baseline="0" dirty="0" smtClean="0">
+                        <a:rPr lang="en-US" sz="1200" baseline="0" dirty="0">
                           <a:latin typeface="EMprint" panose="020B0503020204020204" pitchFamily="34" charset="0"/>
                           <a:ea typeface="EMprint" panose="020B0503020204020204" pitchFamily="34" charset="0"/>
                         </a:rPr>
@@ -4311,16 +4255,12 @@
                     <a:p>
                       <a:pPr algn="ctr"/>
                       <a:r>
-                        <a:rPr lang="en-US" sz="1200" dirty="0" smtClean="0">
+                        <a:rPr lang="en-US" sz="1200" dirty="0">
                           <a:latin typeface="EMprint" panose="020B0503020204020204" pitchFamily="34" charset="0"/>
                           <a:ea typeface="EMprint" panose="020B0503020204020204" pitchFamily="34" charset="0"/>
                         </a:rPr>
                         <a:t>350</a:t>
                       </a:r>
-                      <a:endParaRPr lang="en-US" sz="1200" dirty="0">
-                        <a:latin typeface="EMprint" panose="020B0503020204020204" pitchFamily="34" charset="0"/>
-                        <a:ea typeface="EMprint" panose="020B0503020204020204" pitchFamily="34" charset="0"/>
-                      </a:endParaRPr>
                     </a:p>
                   </a:txBody>
                   <a:tcPr>
@@ -4344,14 +4284,14 @@
                     <a:lstStyle/>
                     <a:p>
                       <a:r>
-                        <a:rPr lang="en-US" sz="1200" dirty="0" smtClean="0">
+                        <a:rPr lang="en-US" sz="1200" dirty="0">
                           <a:latin typeface="EMprint" panose="020B0503020204020204" pitchFamily="34" charset="0"/>
                           <a:ea typeface="EMprint" panose="020B0503020204020204" pitchFamily="34" charset="0"/>
                         </a:rPr>
                         <a:t>12. </a:t>
                       </a:r>
                       <a:r>
-                        <a:rPr lang="en-US" sz="1200" b="0" i="0" kern="1200" dirty="0" smtClean="0">
+                        <a:rPr lang="en-US" sz="1200" b="0" i="0" kern="1200" dirty="0">
                           <a:solidFill>
                             <a:schemeClr val="dk1"/>
                           </a:solidFill>
@@ -4382,14 +4322,14 @@
                     <a:lstStyle/>
                     <a:p>
                       <a:r>
-                        <a:rPr lang="en-US" sz="1200" dirty="0" smtClean="0">
+                        <a:rPr lang="en-US" sz="1200" dirty="0">
                           <a:latin typeface="EMprint" panose="020B0503020204020204" pitchFamily="34" charset="0"/>
                           <a:ea typeface="EMprint" panose="020B0503020204020204" pitchFamily="34" charset="0"/>
                         </a:rPr>
                         <a:t>EM</a:t>
                       </a:r>
                       <a:r>
-                        <a:rPr lang="en-US" sz="1200" baseline="0" dirty="0" smtClean="0">
+                        <a:rPr lang="en-US" sz="1200" baseline="0" dirty="0">
                           <a:latin typeface="EMprint" panose="020B0503020204020204" pitchFamily="34" charset="0"/>
                           <a:ea typeface="EMprint" panose="020B0503020204020204" pitchFamily="34" charset="0"/>
                         </a:rPr>
@@ -4416,16 +4356,12 @@
                     <a:p>
                       <a:pPr algn="ctr"/>
                       <a:r>
-                        <a:rPr lang="en-US" sz="1200" dirty="0" smtClean="0">
+                        <a:rPr lang="en-US" sz="1200" dirty="0">
                           <a:latin typeface="EMprint" panose="020B0503020204020204" pitchFamily="34" charset="0"/>
                           <a:ea typeface="EMprint" panose="020B0503020204020204" pitchFamily="34" charset="0"/>
                         </a:rPr>
                         <a:t>300</a:t>
                       </a:r>
-                      <a:endParaRPr lang="en-US" sz="1200" dirty="0">
-                        <a:latin typeface="EMprint" panose="020B0503020204020204" pitchFamily="34" charset="0"/>
-                        <a:ea typeface="EMprint" panose="020B0503020204020204" pitchFamily="34" charset="0"/>
-                      </a:endParaRPr>
                     </a:p>
                   </a:txBody>
                   <a:tcPr>
@@ -4449,14 +4385,14 @@
                     <a:lstStyle/>
                     <a:p>
                       <a:r>
-                        <a:rPr lang="en-US" sz="1200" dirty="0" smtClean="0">
+                        <a:rPr lang="en-US" sz="1200" dirty="0">
                           <a:latin typeface="EMprint" panose="020B0503020204020204" pitchFamily="34" charset="0"/>
                           <a:ea typeface="EMprint" panose="020B0503020204020204" pitchFamily="34" charset="0"/>
                         </a:rPr>
                         <a:t>15. </a:t>
                       </a:r>
                       <a:r>
-                        <a:rPr lang="en-US" sz="1200" b="0" i="0" kern="1200" dirty="0" smtClean="0">
+                        <a:rPr lang="en-US" sz="1200" b="0" i="0" kern="1200" dirty="0">
                           <a:solidFill>
                             <a:schemeClr val="dk1"/>
                           </a:solidFill>
@@ -4487,14 +4423,14 @@
                     <a:lstStyle/>
                     <a:p>
                       <a:r>
-                        <a:rPr lang="en-US" sz="1200" dirty="0" smtClean="0">
+                        <a:rPr lang="en-US" sz="1200" dirty="0">
                           <a:latin typeface="EMprint" panose="020B0503020204020204" pitchFamily="34" charset="0"/>
                           <a:ea typeface="EMprint" panose="020B0503020204020204" pitchFamily="34" charset="0"/>
                         </a:rPr>
                         <a:t>EM</a:t>
                       </a:r>
                       <a:r>
-                        <a:rPr lang="en-US" sz="1200" baseline="0" dirty="0" smtClean="0">
+                        <a:rPr lang="en-US" sz="1200" baseline="0" dirty="0">
                           <a:latin typeface="EMprint" panose="020B0503020204020204" pitchFamily="34" charset="0"/>
                           <a:ea typeface="EMprint" panose="020B0503020204020204" pitchFamily="34" charset="0"/>
                         </a:rPr>
@@ -4521,16 +4457,12 @@
                     <a:p>
                       <a:pPr algn="ctr"/>
                       <a:r>
-                        <a:rPr lang="en-US" sz="1200" dirty="0" smtClean="0">
+                        <a:rPr lang="en-US" sz="1200" dirty="0">
                           <a:latin typeface="EMprint" panose="020B0503020204020204" pitchFamily="34" charset="0"/>
                           <a:ea typeface="EMprint" panose="020B0503020204020204" pitchFamily="34" charset="0"/>
                         </a:rPr>
                         <a:t>250</a:t>
                       </a:r>
-                      <a:endParaRPr lang="en-US" sz="1200" dirty="0">
-                        <a:latin typeface="EMprint" panose="020B0503020204020204" pitchFamily="34" charset="0"/>
-                        <a:ea typeface="EMprint" panose="020B0503020204020204" pitchFamily="34" charset="0"/>
-                      </a:endParaRPr>
                     </a:p>
                   </a:txBody>
                   <a:tcPr>
@@ -4782,7 +4714,7 @@
                     <a:p>
                       <a:pPr algn="ctr"/>
                       <a:r>
-                        <a:rPr lang="en-US" sz="1050" b="0" dirty="0" smtClean="0">
+                        <a:rPr lang="en-US" sz="1050" b="0" dirty="0">
                           <a:latin typeface="EMprint" panose="020B0503020204020204" pitchFamily="34" charset="0"/>
                           <a:ea typeface="EMprint" panose="020B0503020204020204" pitchFamily="34" charset="0"/>
                         </a:rPr>
@@ -4807,7 +4739,7 @@
                     <a:p>
                       <a:pPr algn="ctr"/>
                       <a:r>
-                        <a:rPr lang="en-US" sz="1200" b="0" dirty="0" smtClean="0">
+                        <a:rPr lang="en-US" sz="1200" b="0" dirty="0">
                           <a:latin typeface="EMprint" panose="020B0503020204020204" pitchFamily="34" charset="0"/>
                           <a:ea typeface="EMprint" panose="020B0503020204020204" pitchFamily="34" charset="0"/>
                         </a:rPr>
@@ -4832,7 +4764,7 @@
                     <a:p>
                       <a:pPr algn="ctr"/>
                       <a:r>
-                        <a:rPr lang="en-US" sz="1100" b="0" dirty="0" smtClean="0">
+                        <a:rPr lang="en-US" sz="1100" b="0" dirty="0">
                           <a:latin typeface="EMprint" panose="020B0503020204020204" pitchFamily="34" charset="0"/>
                           <a:ea typeface="EMprint" panose="020B0503020204020204" pitchFamily="34" charset="0"/>
                         </a:rPr>
@@ -4863,7 +4795,7 @@
                     <a:lstStyle/>
                     <a:p>
                       <a:r>
-                        <a:rPr lang="en-US" sz="1200" b="0" i="0" kern="1200" dirty="0" smtClean="0">
+                        <a:rPr lang="en-US" sz="1200" b="0" i="0" kern="1200" dirty="0">
                           <a:solidFill>
                             <a:schemeClr val="dk1"/>
                           </a:solidFill>
@@ -4872,19 +4804,7 @@
                           <a:ea typeface="EMprint" panose="020B0503020204020204" pitchFamily="34" charset="0"/>
                           <a:cs typeface="+mn-cs"/>
                         </a:rPr>
-                        <a:t>21</a:t>
-                      </a:r>
-                      <a:r>
-                        <a:rPr lang="en-US" sz="1200" b="0" i="0" kern="1200" dirty="0" smtClean="0">
-                          <a:solidFill>
-                            <a:schemeClr val="dk1"/>
-                          </a:solidFill>
-                          <a:effectLst/>
-                          <a:latin typeface="EMprint" panose="020B0503020204020204" pitchFamily="34" charset="0"/>
-                          <a:ea typeface="EMprint" panose="020B0503020204020204" pitchFamily="34" charset="0"/>
-                          <a:cs typeface="+mn-cs"/>
-                        </a:rPr>
-                        <a:t>. Employee A</a:t>
+                        <a:t>21. Employee A</a:t>
                       </a:r>
                       <a:endParaRPr lang="en-US" sz="1200" dirty="0">
                         <a:latin typeface="EMprint" panose="020B0503020204020204" pitchFamily="34" charset="0"/>
@@ -4906,14 +4826,14 @@
                     <a:lstStyle/>
                     <a:p>
                       <a:r>
-                        <a:rPr lang="en-US" sz="1200" dirty="0" smtClean="0">
+                        <a:rPr lang="en-US" sz="1200" dirty="0">
                           <a:latin typeface="EMprint" panose="020B0503020204020204" pitchFamily="34" charset="0"/>
                           <a:ea typeface="EMprint" panose="020B0503020204020204" pitchFamily="34" charset="0"/>
                         </a:rPr>
                         <a:t>EM</a:t>
                       </a:r>
                       <a:r>
-                        <a:rPr lang="en-US" sz="1200" baseline="0" dirty="0" smtClean="0">
+                        <a:rPr lang="en-US" sz="1200" baseline="0" dirty="0">
                           <a:latin typeface="EMprint" panose="020B0503020204020204" pitchFamily="34" charset="0"/>
                           <a:ea typeface="EMprint" panose="020B0503020204020204" pitchFamily="34" charset="0"/>
                         </a:rPr>
@@ -4940,16 +4860,12 @@
                     <a:p>
                       <a:pPr algn="ctr"/>
                       <a:r>
-                        <a:rPr lang="en-US" sz="1200" dirty="0" smtClean="0">
+                        <a:rPr lang="en-US" sz="1200" dirty="0">
                           <a:latin typeface="EMprint" panose="020B0503020204020204" pitchFamily="34" charset="0"/>
                           <a:ea typeface="EMprint" panose="020B0503020204020204" pitchFamily="34" charset="0"/>
                         </a:rPr>
                         <a:t>450</a:t>
                       </a:r>
-                      <a:endParaRPr lang="en-US" sz="1200" dirty="0">
-                        <a:latin typeface="EMprint" panose="020B0503020204020204" pitchFamily="34" charset="0"/>
-                        <a:ea typeface="EMprint" panose="020B0503020204020204" pitchFamily="34" charset="0"/>
-                      </a:endParaRPr>
                     </a:p>
                   </a:txBody>
                   <a:tcPr>
@@ -4973,7 +4889,7 @@
                     <a:lstStyle/>
                     <a:p>
                       <a:r>
-                        <a:rPr lang="en-US" sz="1200" b="0" i="0" kern="1200" dirty="0" smtClean="0">
+                        <a:rPr lang="en-US" sz="1200" b="0" i="0" kern="1200" dirty="0">
                           <a:solidFill>
                             <a:schemeClr val="dk1"/>
                           </a:solidFill>
@@ -4982,19 +4898,7 @@
                           <a:ea typeface="EMprint" panose="020B0503020204020204" pitchFamily="34" charset="0"/>
                           <a:cs typeface="+mn-cs"/>
                         </a:rPr>
-                        <a:t>22. </a:t>
-                      </a:r>
-                      <a:r>
-                        <a:rPr lang="en-US" sz="1200" b="0" i="0" kern="1200" dirty="0" smtClean="0">
-                          <a:solidFill>
-                            <a:schemeClr val="dk1"/>
-                          </a:solidFill>
-                          <a:effectLst/>
-                          <a:latin typeface="EMprint" panose="020B0503020204020204" pitchFamily="34" charset="0"/>
-                          <a:ea typeface="EMprint" panose="020B0503020204020204" pitchFamily="34" charset="0"/>
-                          <a:cs typeface="+mn-cs"/>
-                        </a:rPr>
-                        <a:t>Employee B</a:t>
+                        <a:t>22. Employee B</a:t>
                       </a:r>
                       <a:endParaRPr lang="en-US" sz="1200" dirty="0">
                         <a:latin typeface="EMprint" panose="020B0503020204020204" pitchFamily="34" charset="0"/>
@@ -5016,14 +4920,14 @@
                     <a:lstStyle/>
                     <a:p>
                       <a:r>
-                        <a:rPr lang="en-US" sz="1200" dirty="0" smtClean="0">
+                        <a:rPr lang="en-US" sz="1200" dirty="0">
                           <a:latin typeface="EMprint" panose="020B0503020204020204" pitchFamily="34" charset="0"/>
                           <a:ea typeface="EMprint" panose="020B0503020204020204" pitchFamily="34" charset="0"/>
                         </a:rPr>
                         <a:t>EM</a:t>
                       </a:r>
                       <a:r>
-                        <a:rPr lang="en-US" sz="1200" baseline="0" dirty="0" smtClean="0">
+                        <a:rPr lang="en-US" sz="1200" baseline="0" dirty="0">
                           <a:latin typeface="EMprint" panose="020B0503020204020204" pitchFamily="34" charset="0"/>
                           <a:ea typeface="EMprint" panose="020B0503020204020204" pitchFamily="34" charset="0"/>
                         </a:rPr>
@@ -5050,16 +4954,12 @@
                     <a:p>
                       <a:pPr algn="ctr"/>
                       <a:r>
-                        <a:rPr lang="en-US" sz="1200" dirty="0" smtClean="0">
+                        <a:rPr lang="en-US" sz="1200" dirty="0">
                           <a:latin typeface="EMprint" panose="020B0503020204020204" pitchFamily="34" charset="0"/>
                           <a:ea typeface="EMprint" panose="020B0503020204020204" pitchFamily="34" charset="0"/>
                         </a:rPr>
                         <a:t>400</a:t>
                       </a:r>
-                      <a:endParaRPr lang="en-US" sz="1200" dirty="0">
-                        <a:latin typeface="EMprint" panose="020B0503020204020204" pitchFamily="34" charset="0"/>
-                        <a:ea typeface="EMprint" panose="020B0503020204020204" pitchFamily="34" charset="0"/>
-                      </a:endParaRPr>
                     </a:p>
                   </a:txBody>
                   <a:tcPr>
@@ -5083,7 +4983,7 @@
                     <a:lstStyle/>
                     <a:p>
                       <a:r>
-                        <a:rPr lang="en-US" sz="1200" b="0" i="0" kern="1200" dirty="0" smtClean="0">
+                        <a:rPr lang="en-US" sz="1200" b="0" i="0" kern="1200" dirty="0">
                           <a:solidFill>
                             <a:schemeClr val="dk1"/>
                           </a:solidFill>
@@ -5114,14 +5014,14 @@
                     <a:lstStyle/>
                     <a:p>
                       <a:r>
-                        <a:rPr lang="en-US" sz="1200" dirty="0" smtClean="0">
+                        <a:rPr lang="en-US" sz="1200" dirty="0">
                           <a:latin typeface="EMprint" panose="020B0503020204020204" pitchFamily="34" charset="0"/>
                           <a:ea typeface="EMprint" panose="020B0503020204020204" pitchFamily="34" charset="0"/>
                         </a:rPr>
                         <a:t>EM</a:t>
                       </a:r>
                       <a:r>
-                        <a:rPr lang="en-US" sz="1200" baseline="0" dirty="0" smtClean="0">
+                        <a:rPr lang="en-US" sz="1200" baseline="0" dirty="0">
                           <a:latin typeface="EMprint" panose="020B0503020204020204" pitchFamily="34" charset="0"/>
                           <a:ea typeface="EMprint" panose="020B0503020204020204" pitchFamily="34" charset="0"/>
                         </a:rPr>
@@ -5148,16 +5048,12 @@
                     <a:p>
                       <a:pPr algn="ctr"/>
                       <a:r>
-                        <a:rPr lang="en-US" sz="1200" dirty="0" smtClean="0">
+                        <a:rPr lang="en-US" sz="1200" dirty="0">
                           <a:latin typeface="EMprint" panose="020B0503020204020204" pitchFamily="34" charset="0"/>
                           <a:ea typeface="EMprint" panose="020B0503020204020204" pitchFamily="34" charset="0"/>
                         </a:rPr>
                         <a:t>350</a:t>
                       </a:r>
-                      <a:endParaRPr lang="en-US" sz="1200" dirty="0">
-                        <a:latin typeface="EMprint" panose="020B0503020204020204" pitchFamily="34" charset="0"/>
-                        <a:ea typeface="EMprint" panose="020B0503020204020204" pitchFamily="34" charset="0"/>
-                      </a:endParaRPr>
                     </a:p>
                   </a:txBody>
                   <a:tcPr>
@@ -5181,21 +5077,14 @@
                     <a:lstStyle/>
                     <a:p>
                       <a:r>
-                        <a:rPr lang="en-US" sz="1200" dirty="0" smtClean="0">
-                          <a:latin typeface="EMprint" panose="020B0503020204020204" pitchFamily="34" charset="0"/>
-                          <a:ea typeface="EMprint" panose="020B0503020204020204" pitchFamily="34" charset="0"/>
-                        </a:rPr>
-                        <a:t>24</a:t>
-                      </a:r>
-                      <a:r>
-                        <a:rPr lang="en-US" sz="1200" dirty="0" smtClean="0">
-                          <a:latin typeface="EMprint" panose="020B0503020204020204" pitchFamily="34" charset="0"/>
-                          <a:ea typeface="EMprint" panose="020B0503020204020204" pitchFamily="34" charset="0"/>
-                        </a:rPr>
-                        <a:t>. </a:t>
-                      </a:r>
-                      <a:r>
-                        <a:rPr lang="en-US" sz="1200" b="0" i="0" kern="1200" dirty="0" smtClean="0">
+                        <a:rPr lang="en-US" sz="1200" dirty="0">
+                          <a:latin typeface="EMprint" panose="020B0503020204020204" pitchFamily="34" charset="0"/>
+                          <a:ea typeface="EMprint" panose="020B0503020204020204" pitchFamily="34" charset="0"/>
+                        </a:rPr>
+                        <a:t>24. </a:t>
+                      </a:r>
+                      <a:r>
+                        <a:rPr lang="en-US" sz="1200" b="0" i="0" kern="1200" dirty="0">
                           <a:solidFill>
                             <a:schemeClr val="dk1"/>
                           </a:solidFill>
@@ -5226,14 +5115,14 @@
                     <a:lstStyle/>
                     <a:p>
                       <a:r>
-                        <a:rPr lang="en-US" sz="1200" dirty="0" smtClean="0">
+                        <a:rPr lang="en-US" sz="1200" dirty="0">
                           <a:latin typeface="EMprint" panose="020B0503020204020204" pitchFamily="34" charset="0"/>
                           <a:ea typeface="EMprint" panose="020B0503020204020204" pitchFamily="34" charset="0"/>
                         </a:rPr>
                         <a:t>EM</a:t>
                       </a:r>
                       <a:r>
-                        <a:rPr lang="en-US" sz="1200" baseline="0" dirty="0" smtClean="0">
+                        <a:rPr lang="en-US" sz="1200" baseline="0" dirty="0">
                           <a:latin typeface="EMprint" panose="020B0503020204020204" pitchFamily="34" charset="0"/>
                           <a:ea typeface="EMprint" panose="020B0503020204020204" pitchFamily="34" charset="0"/>
                         </a:rPr>
@@ -5260,16 +5149,12 @@
                     <a:p>
                       <a:pPr algn="ctr"/>
                       <a:r>
-                        <a:rPr lang="en-US" sz="1200" dirty="0" smtClean="0">
+                        <a:rPr lang="en-US" sz="1200" dirty="0">
                           <a:latin typeface="EMprint" panose="020B0503020204020204" pitchFamily="34" charset="0"/>
                           <a:ea typeface="EMprint" panose="020B0503020204020204" pitchFamily="34" charset="0"/>
                         </a:rPr>
                         <a:t>200</a:t>
                       </a:r>
-                      <a:endParaRPr lang="en-US" sz="1200" dirty="0">
-                        <a:latin typeface="EMprint" panose="020B0503020204020204" pitchFamily="34" charset="0"/>
-                        <a:ea typeface="EMprint" panose="020B0503020204020204" pitchFamily="34" charset="0"/>
-                      </a:endParaRPr>
                     </a:p>
                   </a:txBody>
                   <a:tcPr>
@@ -5293,14 +5178,14 @@
                     <a:lstStyle/>
                     <a:p>
                       <a:r>
-                        <a:rPr lang="en-US" sz="1200" dirty="0" smtClean="0">
+                        <a:rPr lang="en-US" sz="1200" dirty="0">
                           <a:latin typeface="EMprint" panose="020B0503020204020204" pitchFamily="34" charset="0"/>
                           <a:ea typeface="EMprint" panose="020B0503020204020204" pitchFamily="34" charset="0"/>
                         </a:rPr>
                         <a:t>25. </a:t>
                       </a:r>
                       <a:r>
-                        <a:rPr lang="en-US" sz="1200" b="0" i="0" kern="1200" dirty="0" smtClean="0">
+                        <a:rPr lang="en-US" sz="1200" b="0" i="0" kern="1200" dirty="0">
                           <a:solidFill>
                             <a:schemeClr val="dk1"/>
                           </a:solidFill>
@@ -5331,14 +5216,14 @@
                     <a:lstStyle/>
                     <a:p>
                       <a:r>
-                        <a:rPr lang="en-US" sz="1200" dirty="0" smtClean="0">
+                        <a:rPr lang="en-US" sz="1200" dirty="0">
                           <a:latin typeface="EMprint" panose="020B0503020204020204" pitchFamily="34" charset="0"/>
                           <a:ea typeface="EMprint" panose="020B0503020204020204" pitchFamily="34" charset="0"/>
                         </a:rPr>
                         <a:t>EM</a:t>
                       </a:r>
                       <a:r>
-                        <a:rPr lang="en-US" sz="1200" baseline="0" dirty="0" smtClean="0">
+                        <a:rPr lang="en-US" sz="1200" baseline="0" dirty="0">
                           <a:latin typeface="EMprint" panose="020B0503020204020204" pitchFamily="34" charset="0"/>
                           <a:ea typeface="EMprint" panose="020B0503020204020204" pitchFamily="34" charset="0"/>
                         </a:rPr>
@@ -5365,16 +5250,12 @@
                     <a:p>
                       <a:pPr algn="ctr"/>
                       <a:r>
-                        <a:rPr lang="en-US" sz="1200" dirty="0" smtClean="0">
+                        <a:rPr lang="en-US" sz="1200" dirty="0">
                           <a:latin typeface="EMprint" panose="020B0503020204020204" pitchFamily="34" charset="0"/>
                           <a:ea typeface="EMprint" panose="020B0503020204020204" pitchFamily="34" charset="0"/>
                         </a:rPr>
                         <a:t>50</a:t>
                       </a:r>
-                      <a:endParaRPr lang="en-US" sz="1200" dirty="0">
-                        <a:latin typeface="EMprint" panose="020B0503020204020204" pitchFamily="34" charset="0"/>
-                        <a:ea typeface="EMprint" panose="020B0503020204020204" pitchFamily="34" charset="0"/>
-                      </a:endParaRPr>
                     </a:p>
                   </a:txBody>
                   <a:tcPr>
@@ -5626,7 +5507,7 @@
                     <a:p>
                       <a:pPr algn="ctr"/>
                       <a:r>
-                        <a:rPr lang="en-US" sz="1050" b="0" dirty="0" smtClean="0">
+                        <a:rPr lang="en-US" sz="1050" b="0" dirty="0">
                           <a:latin typeface="EMprint" panose="020B0503020204020204" pitchFamily="34" charset="0"/>
                           <a:ea typeface="EMprint" panose="020B0503020204020204" pitchFamily="34" charset="0"/>
                         </a:rPr>
@@ -5651,7 +5532,7 @@
                     <a:p>
                       <a:pPr algn="ctr"/>
                       <a:r>
-                        <a:rPr lang="en-US" sz="1200" b="0" dirty="0" smtClean="0">
+                        <a:rPr lang="en-US" sz="1200" b="0" dirty="0">
                           <a:latin typeface="EMprint" panose="020B0503020204020204" pitchFamily="34" charset="0"/>
                           <a:ea typeface="EMprint" panose="020B0503020204020204" pitchFamily="34" charset="0"/>
                         </a:rPr>
@@ -5676,7 +5557,7 @@
                     <a:p>
                       <a:pPr algn="ctr"/>
                       <a:r>
-                        <a:rPr lang="en-US" sz="1100" b="0" dirty="0" smtClean="0">
+                        <a:rPr lang="en-US" sz="1100" b="0" dirty="0">
                           <a:latin typeface="EMprint" panose="020B0503020204020204" pitchFamily="34" charset="0"/>
                           <a:ea typeface="EMprint" panose="020B0503020204020204" pitchFamily="34" charset="0"/>
                         </a:rPr>
@@ -5707,7 +5588,7 @@
                     <a:lstStyle/>
                     <a:p>
                       <a:r>
-                        <a:rPr lang="en-US" sz="1200" b="0" i="0" kern="1200" dirty="0" smtClean="0">
+                        <a:rPr lang="en-US" sz="1200" b="0" i="0" kern="1200" dirty="0">
                           <a:solidFill>
                             <a:schemeClr val="dk1"/>
                           </a:solidFill>
@@ -5738,14 +5619,14 @@
                     <a:lstStyle/>
                     <a:p>
                       <a:r>
-                        <a:rPr lang="en-US" sz="1200" dirty="0" smtClean="0">
+                        <a:rPr lang="en-US" sz="1200" dirty="0">
                           <a:latin typeface="EMprint" panose="020B0503020204020204" pitchFamily="34" charset="0"/>
                           <a:ea typeface="EMprint" panose="020B0503020204020204" pitchFamily="34" charset="0"/>
                         </a:rPr>
                         <a:t>EM</a:t>
                       </a:r>
                       <a:r>
-                        <a:rPr lang="en-US" sz="1200" baseline="0" dirty="0" smtClean="0">
+                        <a:rPr lang="en-US" sz="1200" baseline="0" dirty="0">
                           <a:latin typeface="EMprint" panose="020B0503020204020204" pitchFamily="34" charset="0"/>
                           <a:ea typeface="EMprint" panose="020B0503020204020204" pitchFamily="34" charset="0"/>
                         </a:rPr>
@@ -5772,16 +5653,12 @@
                     <a:p>
                       <a:pPr algn="ctr"/>
                       <a:r>
-                        <a:rPr lang="en-US" sz="1200" dirty="0" smtClean="0">
+                        <a:rPr lang="en-US" sz="1200" dirty="0">
                           <a:latin typeface="EMprint" panose="020B0503020204020204" pitchFamily="34" charset="0"/>
                           <a:ea typeface="EMprint" panose="020B0503020204020204" pitchFamily="34" charset="0"/>
                         </a:rPr>
                         <a:t>450</a:t>
                       </a:r>
-                      <a:endParaRPr lang="en-US" sz="1200" dirty="0">
-                        <a:latin typeface="EMprint" panose="020B0503020204020204" pitchFamily="34" charset="0"/>
-                        <a:ea typeface="EMprint" panose="020B0503020204020204" pitchFamily="34" charset="0"/>
-                      </a:endParaRPr>
                     </a:p>
                   </a:txBody>
                   <a:tcPr>
@@ -5805,7 +5682,7 @@
                     <a:lstStyle/>
                     <a:p>
                       <a:r>
-                        <a:rPr lang="en-US" sz="1200" b="0" i="0" kern="1200" dirty="0" smtClean="0">
+                        <a:rPr lang="en-US" sz="1200" b="0" i="0" kern="1200" dirty="0">
                           <a:solidFill>
                             <a:schemeClr val="dk1"/>
                           </a:solidFill>
@@ -5836,14 +5713,14 @@
                     <a:lstStyle/>
                     <a:p>
                       <a:r>
-                        <a:rPr lang="en-US" sz="1200" dirty="0" smtClean="0">
+                        <a:rPr lang="en-US" sz="1200" dirty="0">
                           <a:latin typeface="EMprint" panose="020B0503020204020204" pitchFamily="34" charset="0"/>
                           <a:ea typeface="EMprint" panose="020B0503020204020204" pitchFamily="34" charset="0"/>
                         </a:rPr>
                         <a:t>EM</a:t>
                       </a:r>
                       <a:r>
-                        <a:rPr lang="en-US" sz="1200" baseline="0" dirty="0" smtClean="0">
+                        <a:rPr lang="en-US" sz="1200" baseline="0" dirty="0">
                           <a:latin typeface="EMprint" panose="020B0503020204020204" pitchFamily="34" charset="0"/>
                           <a:ea typeface="EMprint" panose="020B0503020204020204" pitchFamily="34" charset="0"/>
                         </a:rPr>
@@ -5870,16 +5747,12 @@
                     <a:p>
                       <a:pPr algn="ctr"/>
                       <a:r>
-                        <a:rPr lang="en-US" sz="1200" dirty="0" smtClean="0">
+                        <a:rPr lang="en-US" sz="1200" dirty="0">
                           <a:latin typeface="EMprint" panose="020B0503020204020204" pitchFamily="34" charset="0"/>
                           <a:ea typeface="EMprint" panose="020B0503020204020204" pitchFamily="34" charset="0"/>
                         </a:rPr>
                         <a:t>400</a:t>
                       </a:r>
-                      <a:endParaRPr lang="en-US" sz="1200" dirty="0">
-                        <a:latin typeface="EMprint" panose="020B0503020204020204" pitchFamily="34" charset="0"/>
-                        <a:ea typeface="EMprint" panose="020B0503020204020204" pitchFamily="34" charset="0"/>
-                      </a:endParaRPr>
                     </a:p>
                   </a:txBody>
                   <a:tcPr>
@@ -5903,7 +5776,7 @@
                     <a:lstStyle/>
                     <a:p>
                       <a:r>
-                        <a:rPr lang="en-US" sz="1200" b="0" i="0" kern="1200" dirty="0" smtClean="0">
+                        <a:rPr lang="en-US" sz="1200" b="0" i="0" kern="1200" dirty="0">
                           <a:solidFill>
                             <a:schemeClr val="dk1"/>
                           </a:solidFill>
@@ -5934,14 +5807,14 @@
                     <a:lstStyle/>
                     <a:p>
                       <a:r>
-                        <a:rPr lang="en-US" sz="1200" dirty="0" smtClean="0">
+                        <a:rPr lang="en-US" sz="1200" dirty="0">
                           <a:latin typeface="EMprint" panose="020B0503020204020204" pitchFamily="34" charset="0"/>
                           <a:ea typeface="EMprint" panose="020B0503020204020204" pitchFamily="34" charset="0"/>
                         </a:rPr>
                         <a:t>EM</a:t>
                       </a:r>
                       <a:r>
-                        <a:rPr lang="en-US" sz="1200" baseline="0" dirty="0" smtClean="0">
+                        <a:rPr lang="en-US" sz="1200" baseline="0" dirty="0">
                           <a:latin typeface="EMprint" panose="020B0503020204020204" pitchFamily="34" charset="0"/>
                           <a:ea typeface="EMprint" panose="020B0503020204020204" pitchFamily="34" charset="0"/>
                         </a:rPr>
@@ -5968,16 +5841,12 @@
                     <a:p>
                       <a:pPr algn="ctr"/>
                       <a:r>
-                        <a:rPr lang="en-US" sz="1200" dirty="0" smtClean="0">
+                        <a:rPr lang="en-US" sz="1200" dirty="0">
                           <a:latin typeface="EMprint" panose="020B0503020204020204" pitchFamily="34" charset="0"/>
                           <a:ea typeface="EMprint" panose="020B0503020204020204" pitchFamily="34" charset="0"/>
                         </a:rPr>
                         <a:t>350</a:t>
                       </a:r>
-                      <a:endParaRPr lang="en-US" sz="1200" dirty="0">
-                        <a:latin typeface="EMprint" panose="020B0503020204020204" pitchFamily="34" charset="0"/>
-                        <a:ea typeface="EMprint" panose="020B0503020204020204" pitchFamily="34" charset="0"/>
-                      </a:endParaRPr>
                     </a:p>
                   </a:txBody>
                   <a:tcPr>
@@ -6001,14 +5870,14 @@
                     <a:lstStyle/>
                     <a:p>
                       <a:r>
-                        <a:rPr lang="en-US" sz="1200" dirty="0" smtClean="0">
+                        <a:rPr lang="en-US" sz="1200" dirty="0">
                           <a:latin typeface="EMprint" panose="020B0503020204020204" pitchFamily="34" charset="0"/>
                           <a:ea typeface="EMprint" panose="020B0503020204020204" pitchFamily="34" charset="0"/>
                         </a:rPr>
                         <a:t>21. </a:t>
                       </a:r>
                       <a:r>
-                        <a:rPr lang="en-US" sz="1200" b="0" i="0" kern="1200" dirty="0" smtClean="0">
+                        <a:rPr lang="en-US" sz="1200" b="0" i="0" kern="1200" dirty="0">
                           <a:solidFill>
                             <a:schemeClr val="dk1"/>
                           </a:solidFill>
@@ -6039,14 +5908,14 @@
                     <a:lstStyle/>
                     <a:p>
                       <a:r>
-                        <a:rPr lang="en-US" sz="1200" dirty="0" smtClean="0">
+                        <a:rPr lang="en-US" sz="1200" dirty="0">
                           <a:latin typeface="EMprint" panose="020B0503020204020204" pitchFamily="34" charset="0"/>
                           <a:ea typeface="EMprint" panose="020B0503020204020204" pitchFamily="34" charset="0"/>
                         </a:rPr>
                         <a:t>EM</a:t>
                       </a:r>
                       <a:r>
-                        <a:rPr lang="en-US" sz="1200" baseline="0" dirty="0" smtClean="0">
+                        <a:rPr lang="en-US" sz="1200" baseline="0" dirty="0">
                           <a:latin typeface="EMprint" panose="020B0503020204020204" pitchFamily="34" charset="0"/>
                           <a:ea typeface="EMprint" panose="020B0503020204020204" pitchFamily="34" charset="0"/>
                         </a:rPr>
@@ -6073,16 +5942,12 @@
                     <a:p>
                       <a:pPr algn="ctr"/>
                       <a:r>
-                        <a:rPr lang="en-US" sz="1200" dirty="0" smtClean="0">
+                        <a:rPr lang="en-US" sz="1200" dirty="0">
                           <a:latin typeface="EMprint" panose="020B0503020204020204" pitchFamily="34" charset="0"/>
                           <a:ea typeface="EMprint" panose="020B0503020204020204" pitchFamily="34" charset="0"/>
                         </a:rPr>
                         <a:t>300</a:t>
                       </a:r>
-                      <a:endParaRPr lang="en-US" sz="1200" dirty="0">
-                        <a:latin typeface="EMprint" panose="020B0503020204020204" pitchFamily="34" charset="0"/>
-                        <a:ea typeface="EMprint" panose="020B0503020204020204" pitchFamily="34" charset="0"/>
-                      </a:endParaRPr>
                     </a:p>
                   </a:txBody>
                   <a:tcPr>
@@ -6106,14 +5971,14 @@
                     <a:lstStyle/>
                     <a:p>
                       <a:r>
-                        <a:rPr lang="en-US" sz="1200" dirty="0" smtClean="0">
+                        <a:rPr lang="en-US" sz="1200" dirty="0">
                           <a:latin typeface="EMprint" panose="020B0503020204020204" pitchFamily="34" charset="0"/>
                           <a:ea typeface="EMprint" panose="020B0503020204020204" pitchFamily="34" charset="0"/>
                         </a:rPr>
                         <a:t>55. </a:t>
                       </a:r>
                       <a:r>
-                        <a:rPr lang="en-US" sz="1200" b="0" i="0" kern="1200" dirty="0" smtClean="0">
+                        <a:rPr lang="en-US" sz="1200" b="0" i="0" kern="1200" dirty="0">
                           <a:solidFill>
                             <a:schemeClr val="dk1"/>
                           </a:solidFill>
@@ -6144,14 +6009,14 @@
                     <a:lstStyle/>
                     <a:p>
                       <a:r>
-                        <a:rPr lang="en-US" sz="1200" dirty="0" smtClean="0">
+                        <a:rPr lang="en-US" sz="1200" dirty="0">
                           <a:latin typeface="EMprint" panose="020B0503020204020204" pitchFamily="34" charset="0"/>
                           <a:ea typeface="EMprint" panose="020B0503020204020204" pitchFamily="34" charset="0"/>
                         </a:rPr>
                         <a:t>EM</a:t>
                       </a:r>
                       <a:r>
-                        <a:rPr lang="en-US" sz="1200" baseline="0" dirty="0" smtClean="0">
+                        <a:rPr lang="en-US" sz="1200" baseline="0" dirty="0">
                           <a:latin typeface="EMprint" panose="020B0503020204020204" pitchFamily="34" charset="0"/>
                           <a:ea typeface="EMprint" panose="020B0503020204020204" pitchFamily="34" charset="0"/>
                         </a:rPr>
@@ -6178,16 +6043,12 @@
                     <a:p>
                       <a:pPr algn="ctr"/>
                       <a:r>
-                        <a:rPr lang="en-US" sz="1200" dirty="0" smtClean="0">
+                        <a:rPr lang="en-US" sz="1200" dirty="0">
                           <a:latin typeface="EMprint" panose="020B0503020204020204" pitchFamily="34" charset="0"/>
                           <a:ea typeface="EMprint" panose="020B0503020204020204" pitchFamily="34" charset="0"/>
                         </a:rPr>
                         <a:t>250</a:t>
                       </a:r>
-                      <a:endParaRPr lang="en-US" sz="1200" dirty="0">
-                        <a:latin typeface="EMprint" panose="020B0503020204020204" pitchFamily="34" charset="0"/>
-                        <a:ea typeface="EMprint" panose="020B0503020204020204" pitchFamily="34" charset="0"/>
-                      </a:endParaRPr>
                     </a:p>
                   </a:txBody>
                   <a:tcPr>
@@ -6296,7 +6157,7 @@
           <a:p>
             <a:pPr algn="ctr"/>
             <a:r>
-              <a:rPr lang="en-US" sz="1400" dirty="0" smtClean="0">
+              <a:rPr lang="en-US" sz="1400" dirty="0">
                 <a:solidFill>
                   <a:schemeClr val="tx1"/>
                 </a:solidFill>
@@ -6305,13 +6166,6 @@
               </a:rPr>
               <a:t>Add friends name</a:t>
             </a:r>
-            <a:endParaRPr lang="en-US" sz="1400" dirty="0">
-              <a:solidFill>
-                <a:schemeClr val="tx1"/>
-              </a:solidFill>
-              <a:latin typeface="EMprint" panose="020B0503020204020204" pitchFamily="34" charset="0"/>
-              <a:ea typeface="EMprint" panose="020B0503020204020204" pitchFamily="34" charset="0"/>
-            </a:endParaRPr>
           </a:p>
         </p:txBody>
       </p:sp>
@@ -6325,2572 +6179,6 @@
   <p:clrMapOvr>
     <a:masterClrMapping/>
   </p:clrMapOvr>
-</p:sld>
-</file>
-
-<file path=ppt/slides/slide5.xml><?xml version="1.0" encoding="utf-8"?>
-<p:sld xmlns:a="http://schemas.openxmlformats.org/drawingml/2006/main" xmlns:r="http://schemas.openxmlformats.org/officeDocument/2006/relationships" xmlns:p="http://schemas.openxmlformats.org/presentationml/2006/main" show="0">
-  <p:cSld>
-    <p:spTree>
-      <p:nvGrpSpPr>
-        <p:cNvPr id="1" name=""/>
-        <p:cNvGrpSpPr/>
-        <p:nvPr/>
-      </p:nvGrpSpPr>
-      <p:grpSpPr>
-        <a:xfrm>
-          <a:off x="0" y="0"/>
-          <a:ext cx="0" cy="0"/>
-          <a:chOff x="0" y="0"/>
-          <a:chExt cx="0" cy="0"/>
-        </a:xfrm>
-      </p:grpSpPr>
-      <p:pic>
-        <p:nvPicPr>
-          <p:cNvPr id="6" name="Picture 5"/>
-          <p:cNvPicPr>
-            <a:picLocks noChangeAspect="1"/>
-          </p:cNvPicPr>
-          <p:nvPr/>
-        </p:nvPicPr>
-        <p:blipFill>
-          <a:blip r:embed="rId2">
-            <a:extLst>
-              <a:ext uri="{28A0092B-C50C-407E-A947-70E740481C1C}">
-                <a14:useLocalDpi xmlns:a14="http://schemas.microsoft.com/office/drawing/2010/main" val="0"/>
-              </a:ext>
-            </a:extLst>
-          </a:blip>
-          <a:stretch>
-            <a:fillRect/>
-          </a:stretch>
-        </p:blipFill>
-        <p:spPr>
-          <a:xfrm>
-            <a:off x="16626" y="0"/>
-            <a:ext cx="12128269" cy="5976851"/>
-          </a:xfrm>
-          <a:prstGeom prst="rect">
-            <a:avLst/>
-          </a:prstGeom>
-          <a:ln>
-            <a:solidFill>
-              <a:schemeClr val="bg1"/>
-            </a:solidFill>
-          </a:ln>
-        </p:spPr>
-      </p:pic>
-      <p:graphicFrame>
-        <p:nvGraphicFramePr>
-          <p:cNvPr id="4" name="Table 3"/>
-          <p:cNvGraphicFramePr>
-            <a:graphicFrameLocks noGrp="1"/>
-          </p:cNvGraphicFramePr>
-          <p:nvPr>
-            <p:extLst>
-              <p:ext uri="{D42A27DB-BD31-4B8C-83A1-F6EECF244321}">
-                <p14:modId xmlns:p14="http://schemas.microsoft.com/office/powerpoint/2010/main" val="2648372438"/>
-              </p:ext>
-            </p:extLst>
-          </p:nvPr>
-        </p:nvGraphicFramePr>
-        <p:xfrm>
-          <a:off x="4862945" y="885920"/>
-          <a:ext cx="6059978" cy="2081724"/>
-        </p:xfrm>
-        <a:graphic>
-          <a:graphicData uri="http://schemas.openxmlformats.org/drawingml/2006/table">
-            <a:tbl>
-              <a:tblPr firstRow="1" bandRow="1">
-                <a:tableStyleId>{5C22544A-7EE6-4342-B048-85BDC9FD1C3A}</a:tableStyleId>
-              </a:tblPr>
-              <a:tblGrid>
-                <a:gridCol w="2786213">
-                  <a:extLst>
-                    <a:ext uri="{9D8B030D-6E8A-4147-A177-3AD203B41FA5}">
-                      <a16:colId xmlns:a16="http://schemas.microsoft.com/office/drawing/2014/main" val="2392704665"/>
-                    </a:ext>
-                  </a:extLst>
-                </a:gridCol>
-                <a:gridCol w="1865509">
-                  <a:extLst>
-                    <a:ext uri="{9D8B030D-6E8A-4147-A177-3AD203B41FA5}">
-                      <a16:colId xmlns:a16="http://schemas.microsoft.com/office/drawing/2014/main" val="1219337431"/>
-                    </a:ext>
-                  </a:extLst>
-                </a:gridCol>
-                <a:gridCol w="1408256">
-                  <a:extLst>
-                    <a:ext uri="{9D8B030D-6E8A-4147-A177-3AD203B41FA5}">
-                      <a16:colId xmlns:a16="http://schemas.microsoft.com/office/drawing/2014/main" val="1796620363"/>
-                    </a:ext>
-                  </a:extLst>
-                </a:gridCol>
-              </a:tblGrid>
-              <a:tr h="491799">
-                <a:tc>
-                  <a:txBody>
-                    <a:bodyPr/>
-                    <a:lstStyle/>
-                    <a:p>
-                      <a:pPr algn="ctr"/>
-                      <a:r>
-                        <a:rPr lang="en-US" sz="1050" b="0" dirty="0" smtClean="0">
-                          <a:latin typeface="EMprint" panose="020B0503020204020204" pitchFamily="34" charset="0"/>
-                          <a:ea typeface="EMprint" panose="020B0503020204020204" pitchFamily="34" charset="0"/>
-                        </a:rPr>
-                        <a:t>TOP THREE</a:t>
-                      </a:r>
-                      <a:endParaRPr lang="en-US" sz="1400" b="0" dirty="0">
-                        <a:latin typeface="EMprint" panose="020B0503020204020204" pitchFamily="34" charset="0"/>
-                        <a:ea typeface="EMprint" panose="020B0503020204020204" pitchFamily="34" charset="0"/>
-                      </a:endParaRPr>
-                    </a:p>
-                  </a:txBody>
-                  <a:tcPr>
-                    <a:solidFill>
-                      <a:srgbClr val="B71F1F"/>
-                    </a:solidFill>
-                  </a:tcPr>
-                </a:tc>
-                <a:tc>
-                  <a:txBody>
-                    <a:bodyPr/>
-                    <a:lstStyle/>
-                    <a:p>
-                      <a:endParaRPr lang="en-US" dirty="0">
-                        <a:latin typeface="EMprint" panose="020B0503020204020204" pitchFamily="34" charset="0"/>
-                        <a:ea typeface="EMprint" panose="020B0503020204020204" pitchFamily="34" charset="0"/>
-                      </a:endParaRPr>
-                    </a:p>
-                  </a:txBody>
-                  <a:tcPr>
-                    <a:solidFill>
-                      <a:srgbClr val="B71F1F"/>
-                    </a:solidFill>
-                  </a:tcPr>
-                </a:tc>
-                <a:tc>
-                  <a:txBody>
-                    <a:bodyPr/>
-                    <a:lstStyle/>
-                    <a:p>
-                      <a:pPr algn="ctr"/>
-                      <a:endParaRPr lang="en-US" dirty="0">
-                        <a:latin typeface="EMprint" panose="020B0503020204020204" pitchFamily="34" charset="0"/>
-                        <a:ea typeface="EMprint" panose="020B0503020204020204" pitchFamily="34" charset="0"/>
-                      </a:endParaRPr>
-                    </a:p>
-                  </a:txBody>
-                  <a:tcPr>
-                    <a:solidFill>
-                      <a:srgbClr val="B71F1F"/>
-                    </a:solidFill>
-                  </a:tcPr>
-                </a:tc>
-                <a:extLst>
-                  <a:ext uri="{0D108BD9-81ED-4DB2-BD59-A6C34878D82A}">
-                    <a16:rowId xmlns:a16="http://schemas.microsoft.com/office/drawing/2014/main" val="1562972995"/>
-                  </a:ext>
-                </a:extLst>
-              </a:tr>
-              <a:tr h="491799">
-                <a:tc>
-                  <a:txBody>
-                    <a:bodyPr/>
-                    <a:lstStyle/>
-                    <a:p>
-                      <a:r>
-                        <a:rPr lang="en-US" sz="1200" b="0" i="0" kern="1200" dirty="0" smtClean="0">
-                          <a:solidFill>
-                            <a:schemeClr val="dk1"/>
-                          </a:solidFill>
-                          <a:effectLst/>
-                          <a:latin typeface="EMprint" panose="020B0503020204020204" pitchFamily="34" charset="0"/>
-                          <a:ea typeface="EMprint" panose="020B0503020204020204" pitchFamily="34" charset="0"/>
-                          <a:cs typeface="+mn-cs"/>
-                        </a:rPr>
-                        <a:t>1. Chalong, Sasithorn</a:t>
-                      </a:r>
-                      <a:endParaRPr lang="en-US" sz="1200" dirty="0">
-                        <a:latin typeface="EMprint" panose="020B0503020204020204" pitchFamily="34" charset="0"/>
-                        <a:ea typeface="EMprint" panose="020B0503020204020204" pitchFamily="34" charset="0"/>
-                      </a:endParaRPr>
-                    </a:p>
-                  </a:txBody>
-                  <a:tcPr>
-                    <a:solidFill>
-                      <a:schemeClr val="accent4"/>
-                    </a:solidFill>
-                  </a:tcPr>
-                </a:tc>
-                <a:tc>
-                  <a:txBody>
-                    <a:bodyPr/>
-                    <a:lstStyle/>
-                    <a:p>
-                      <a:r>
-                        <a:rPr lang="en-US" sz="1200" dirty="0" smtClean="0">
-                          <a:latin typeface="EMprint" panose="020B0503020204020204" pitchFamily="34" charset="0"/>
-                          <a:ea typeface="EMprint" panose="020B0503020204020204" pitchFamily="34" charset="0"/>
-                        </a:rPr>
-                        <a:t>GSC EMIT</a:t>
-                      </a:r>
-                      <a:endParaRPr lang="en-US" sz="1200" dirty="0">
-                        <a:latin typeface="EMprint" panose="020B0503020204020204" pitchFamily="34" charset="0"/>
-                        <a:ea typeface="EMprint" panose="020B0503020204020204" pitchFamily="34" charset="0"/>
-                      </a:endParaRPr>
-                    </a:p>
-                  </a:txBody>
-                  <a:tcPr>
-                    <a:solidFill>
-                      <a:schemeClr val="accent4"/>
-                    </a:solidFill>
-                  </a:tcPr>
-                </a:tc>
-                <a:tc>
-                  <a:txBody>
-                    <a:bodyPr/>
-                    <a:lstStyle/>
-                    <a:p>
-                      <a:pPr algn="ctr"/>
-                      <a:r>
-                        <a:rPr lang="en-US" sz="1200" dirty="0" smtClean="0">
-                          <a:latin typeface="EMprint" panose="020B0503020204020204" pitchFamily="34" charset="0"/>
-                          <a:ea typeface="EMprint" panose="020B0503020204020204" pitchFamily="34" charset="0"/>
-                        </a:rPr>
-                        <a:t>450</a:t>
-                      </a:r>
-                      <a:endParaRPr lang="en-US" sz="1200" dirty="0">
-                        <a:latin typeface="EMprint" panose="020B0503020204020204" pitchFamily="34" charset="0"/>
-                        <a:ea typeface="EMprint" panose="020B0503020204020204" pitchFamily="34" charset="0"/>
-                      </a:endParaRPr>
-                    </a:p>
-                  </a:txBody>
-                  <a:tcPr>
-                    <a:solidFill>
-                      <a:schemeClr val="accent4"/>
-                    </a:solidFill>
-                  </a:tcPr>
-                </a:tc>
-                <a:extLst>
-                  <a:ext uri="{0D108BD9-81ED-4DB2-BD59-A6C34878D82A}">
-                    <a16:rowId xmlns:a16="http://schemas.microsoft.com/office/drawing/2014/main" val="3830907580"/>
-                  </a:ext>
-                </a:extLst>
-              </a:tr>
-              <a:tr h="491799">
-                <a:tc>
-                  <a:txBody>
-                    <a:bodyPr/>
-                    <a:lstStyle/>
-                    <a:p>
-                      <a:r>
-                        <a:rPr lang="en-US" sz="1200" b="0" i="0" kern="1200" dirty="0" smtClean="0">
-                          <a:solidFill>
-                            <a:schemeClr val="dk1"/>
-                          </a:solidFill>
-                          <a:effectLst/>
-                          <a:latin typeface="EMprint" panose="020B0503020204020204" pitchFamily="34" charset="0"/>
-                          <a:ea typeface="EMprint" panose="020B0503020204020204" pitchFamily="34" charset="0"/>
-                          <a:cs typeface="+mn-cs"/>
-                        </a:rPr>
-                        <a:t>2. Wongkornvanich, Anunsith (Sea)</a:t>
-                      </a:r>
-                      <a:endParaRPr lang="en-US" sz="1200" dirty="0">
-                        <a:latin typeface="EMprint" panose="020B0503020204020204" pitchFamily="34" charset="0"/>
-                        <a:ea typeface="EMprint" panose="020B0503020204020204" pitchFamily="34" charset="0"/>
-                      </a:endParaRPr>
-                    </a:p>
-                  </a:txBody>
-                  <a:tcPr>
-                    <a:solidFill>
-                      <a:schemeClr val="bg1"/>
-                    </a:solidFill>
-                  </a:tcPr>
-                </a:tc>
-                <a:tc>
-                  <a:txBody>
-                    <a:bodyPr/>
-                    <a:lstStyle/>
-                    <a:p>
-                      <a:r>
-                        <a:rPr lang="en-US" sz="1200" dirty="0" smtClean="0">
-                          <a:latin typeface="EMprint" panose="020B0503020204020204" pitchFamily="34" charset="0"/>
-                          <a:ea typeface="EMprint" panose="020B0503020204020204" pitchFamily="34" charset="0"/>
-                        </a:rPr>
-                        <a:t>GSC EMIT</a:t>
-                      </a:r>
-                      <a:endParaRPr lang="en-US" sz="1200" dirty="0">
-                        <a:latin typeface="EMprint" panose="020B0503020204020204" pitchFamily="34" charset="0"/>
-                        <a:ea typeface="EMprint" panose="020B0503020204020204" pitchFamily="34" charset="0"/>
-                      </a:endParaRPr>
-                    </a:p>
-                  </a:txBody>
-                  <a:tcPr>
-                    <a:solidFill>
-                      <a:schemeClr val="bg1"/>
-                    </a:solidFill>
-                  </a:tcPr>
-                </a:tc>
-                <a:tc>
-                  <a:txBody>
-                    <a:bodyPr/>
-                    <a:lstStyle/>
-                    <a:p>
-                      <a:pPr algn="ctr"/>
-                      <a:r>
-                        <a:rPr lang="en-US" sz="1200" dirty="0" smtClean="0">
-                          <a:latin typeface="EMprint" panose="020B0503020204020204" pitchFamily="34" charset="0"/>
-                          <a:ea typeface="EMprint" panose="020B0503020204020204" pitchFamily="34" charset="0"/>
-                        </a:rPr>
-                        <a:t>400</a:t>
-                      </a:r>
-                      <a:endParaRPr lang="en-US" sz="1200" dirty="0">
-                        <a:latin typeface="EMprint" panose="020B0503020204020204" pitchFamily="34" charset="0"/>
-                        <a:ea typeface="EMprint" panose="020B0503020204020204" pitchFamily="34" charset="0"/>
-                      </a:endParaRPr>
-                    </a:p>
-                  </a:txBody>
-                  <a:tcPr>
-                    <a:solidFill>
-                      <a:schemeClr val="bg1"/>
-                    </a:solidFill>
-                  </a:tcPr>
-                </a:tc>
-                <a:extLst>
-                  <a:ext uri="{0D108BD9-81ED-4DB2-BD59-A6C34878D82A}">
-                    <a16:rowId xmlns:a16="http://schemas.microsoft.com/office/drawing/2014/main" val="2329145063"/>
-                  </a:ext>
-                </a:extLst>
-              </a:tr>
-              <a:tr h="606327">
-                <a:tc>
-                  <a:txBody>
-                    <a:bodyPr/>
-                    <a:lstStyle/>
-                    <a:p>
-                      <a:r>
-                        <a:rPr lang="en-US" sz="1200" b="0" i="0" kern="1200" dirty="0" smtClean="0">
-                          <a:solidFill>
-                            <a:schemeClr val="dk1"/>
-                          </a:solidFill>
-                          <a:effectLst/>
-                          <a:latin typeface="EMprint" panose="020B0503020204020204" pitchFamily="34" charset="0"/>
-                          <a:ea typeface="EMprint" panose="020B0503020204020204" pitchFamily="34" charset="0"/>
-                          <a:cs typeface="+mn-cs"/>
-                        </a:rPr>
-                        <a:t>3. Chia-Piyasakul, Karnrawee</a:t>
-                      </a:r>
-                      <a:endParaRPr lang="en-US" sz="1200" dirty="0">
-                        <a:latin typeface="EMprint" panose="020B0503020204020204" pitchFamily="34" charset="0"/>
-                        <a:ea typeface="EMprint" panose="020B0503020204020204" pitchFamily="34" charset="0"/>
-                      </a:endParaRPr>
-                    </a:p>
-                  </a:txBody>
-                  <a:tcPr>
-                    <a:solidFill>
-                      <a:schemeClr val="accent2">
-                        <a:lumMod val="40000"/>
-                        <a:lumOff val="60000"/>
-                      </a:schemeClr>
-                    </a:solidFill>
-                  </a:tcPr>
-                </a:tc>
-                <a:tc>
-                  <a:txBody>
-                    <a:bodyPr/>
-                    <a:lstStyle/>
-                    <a:p>
-                      <a:pPr marL="0" marR="0" lvl="0" indent="0" algn="l" defTabSz="914400" rtl="0" eaLnBrk="1" fontAlgn="auto" latinLnBrk="0" hangingPunct="1">
-                        <a:lnSpc>
-                          <a:spcPct val="100000"/>
-                        </a:lnSpc>
-                        <a:spcBef>
-                          <a:spcPts val="0"/>
-                        </a:spcBef>
-                        <a:spcAft>
-                          <a:spcPts val="0"/>
-                        </a:spcAft>
-                        <a:buClrTx/>
-                        <a:buSzTx/>
-                        <a:buFontTx/>
-                        <a:buNone/>
-                        <a:tabLst/>
-                        <a:defRPr/>
-                      </a:pPr>
-                      <a:r>
-                        <a:rPr lang="en-US" sz="1200" dirty="0" smtClean="0">
-                          <a:latin typeface="EMprint" panose="020B0503020204020204" pitchFamily="34" charset="0"/>
-                          <a:ea typeface="EMprint" panose="020B0503020204020204" pitchFamily="34" charset="0"/>
-                        </a:rPr>
-                        <a:t>GSC EMIT</a:t>
-                      </a:r>
-                    </a:p>
-                    <a:p>
-                      <a:endParaRPr lang="en-US" sz="1200" dirty="0">
-                        <a:latin typeface="EMprint" panose="020B0503020204020204" pitchFamily="34" charset="0"/>
-                        <a:ea typeface="EMprint" panose="020B0503020204020204" pitchFamily="34" charset="0"/>
-                      </a:endParaRPr>
-                    </a:p>
-                  </a:txBody>
-                  <a:tcPr>
-                    <a:solidFill>
-                      <a:schemeClr val="accent2">
-                        <a:lumMod val="40000"/>
-                        <a:lumOff val="60000"/>
-                      </a:schemeClr>
-                    </a:solidFill>
-                  </a:tcPr>
-                </a:tc>
-                <a:tc>
-                  <a:txBody>
-                    <a:bodyPr/>
-                    <a:lstStyle/>
-                    <a:p>
-                      <a:pPr algn="ctr"/>
-                      <a:r>
-                        <a:rPr lang="en-US" sz="1200" dirty="0" smtClean="0">
-                          <a:latin typeface="EMprint" panose="020B0503020204020204" pitchFamily="34" charset="0"/>
-                          <a:ea typeface="EMprint" panose="020B0503020204020204" pitchFamily="34" charset="0"/>
-                        </a:rPr>
-                        <a:t>350</a:t>
-                      </a:r>
-                      <a:endParaRPr lang="en-US" sz="1200" dirty="0">
-                        <a:latin typeface="EMprint" panose="020B0503020204020204" pitchFamily="34" charset="0"/>
-                        <a:ea typeface="EMprint" panose="020B0503020204020204" pitchFamily="34" charset="0"/>
-                      </a:endParaRPr>
-                    </a:p>
-                  </a:txBody>
-                  <a:tcPr>
-                    <a:solidFill>
-                      <a:schemeClr val="accent2">
-                        <a:lumMod val="40000"/>
-                        <a:lumOff val="60000"/>
-                      </a:schemeClr>
-                    </a:solidFill>
-                  </a:tcPr>
-                </a:tc>
-                <a:extLst>
-                  <a:ext uri="{0D108BD9-81ED-4DB2-BD59-A6C34878D82A}">
-                    <a16:rowId xmlns:a16="http://schemas.microsoft.com/office/drawing/2014/main" val="2523538187"/>
-                  </a:ext>
-                </a:extLst>
-              </a:tr>
-            </a:tbl>
-          </a:graphicData>
-        </a:graphic>
-      </p:graphicFrame>
-      <p:graphicFrame>
-        <p:nvGraphicFramePr>
-          <p:cNvPr id="5" name="Table 4"/>
-          <p:cNvGraphicFramePr>
-            <a:graphicFrameLocks noGrp="1"/>
-          </p:cNvGraphicFramePr>
-          <p:nvPr>
-            <p:extLst>
-              <p:ext uri="{D42A27DB-BD31-4B8C-83A1-F6EECF244321}">
-                <p14:modId xmlns:p14="http://schemas.microsoft.com/office/powerpoint/2010/main" val="379662420"/>
-              </p:ext>
-            </p:extLst>
-          </p:nvPr>
-        </p:nvGraphicFramePr>
-        <p:xfrm>
-          <a:off x="4862945" y="2967645"/>
-          <a:ext cx="6059978" cy="2036616"/>
-        </p:xfrm>
-        <a:graphic>
-          <a:graphicData uri="http://schemas.openxmlformats.org/drawingml/2006/table">
-            <a:tbl>
-              <a:tblPr firstRow="1" bandRow="1">
-                <a:tableStyleId>{5C22544A-7EE6-4342-B048-85BDC9FD1C3A}</a:tableStyleId>
-              </a:tblPr>
-              <a:tblGrid>
-                <a:gridCol w="2786213">
-                  <a:extLst>
-                    <a:ext uri="{9D8B030D-6E8A-4147-A177-3AD203B41FA5}">
-                      <a16:colId xmlns:a16="http://schemas.microsoft.com/office/drawing/2014/main" val="2392704665"/>
-                    </a:ext>
-                  </a:extLst>
-                </a:gridCol>
-                <a:gridCol w="1865509">
-                  <a:extLst>
-                    <a:ext uri="{9D8B030D-6E8A-4147-A177-3AD203B41FA5}">
-                      <a16:colId xmlns:a16="http://schemas.microsoft.com/office/drawing/2014/main" val="1219337431"/>
-                    </a:ext>
-                  </a:extLst>
-                </a:gridCol>
-                <a:gridCol w="1408256">
-                  <a:extLst>
-                    <a:ext uri="{9D8B030D-6E8A-4147-A177-3AD203B41FA5}">
-                      <a16:colId xmlns:a16="http://schemas.microsoft.com/office/drawing/2014/main" val="1796620363"/>
-                    </a:ext>
-                  </a:extLst>
-                </a:gridCol>
-              </a:tblGrid>
-              <a:tr h="481142">
-                <a:tc>
-                  <a:txBody>
-                    <a:bodyPr/>
-                    <a:lstStyle/>
-                    <a:p>
-                      <a:pPr algn="ctr"/>
-                      <a:r>
-                        <a:rPr lang="en-US" sz="1050" b="0" dirty="0" smtClean="0">
-                          <a:latin typeface="EMprint" panose="020B0503020204020204" pitchFamily="34" charset="0"/>
-                          <a:ea typeface="EMprint" panose="020B0503020204020204" pitchFamily="34" charset="0"/>
-                        </a:rPr>
-                        <a:t>Your score</a:t>
-                      </a:r>
-                      <a:endParaRPr lang="en-US" sz="1400" b="0" dirty="0">
-                        <a:latin typeface="EMprint" panose="020B0503020204020204" pitchFamily="34" charset="0"/>
-                        <a:ea typeface="EMprint" panose="020B0503020204020204" pitchFamily="34" charset="0"/>
-                      </a:endParaRPr>
-                    </a:p>
-                  </a:txBody>
-                  <a:tcPr>
-                    <a:solidFill>
-                      <a:srgbClr val="B71F1F"/>
-                    </a:solidFill>
-                  </a:tcPr>
-                </a:tc>
-                <a:tc>
-                  <a:txBody>
-                    <a:bodyPr/>
-                    <a:lstStyle/>
-                    <a:p>
-                      <a:endParaRPr lang="en-US" dirty="0">
-                        <a:latin typeface="EMprint" panose="020B0503020204020204" pitchFamily="34" charset="0"/>
-                        <a:ea typeface="EMprint" panose="020B0503020204020204" pitchFamily="34" charset="0"/>
-                      </a:endParaRPr>
-                    </a:p>
-                  </a:txBody>
-                  <a:tcPr>
-                    <a:solidFill>
-                      <a:srgbClr val="B71F1F"/>
-                    </a:solidFill>
-                  </a:tcPr>
-                </a:tc>
-                <a:tc>
-                  <a:txBody>
-                    <a:bodyPr/>
-                    <a:lstStyle/>
-                    <a:p>
-                      <a:pPr algn="ctr"/>
-                      <a:endParaRPr lang="en-US" dirty="0">
-                        <a:latin typeface="EMprint" panose="020B0503020204020204" pitchFamily="34" charset="0"/>
-                        <a:ea typeface="EMprint" panose="020B0503020204020204" pitchFamily="34" charset="0"/>
-                      </a:endParaRPr>
-                    </a:p>
-                  </a:txBody>
-                  <a:tcPr>
-                    <a:solidFill>
-                      <a:srgbClr val="B71F1F"/>
-                    </a:solidFill>
-                  </a:tcPr>
-                </a:tc>
-                <a:extLst>
-                  <a:ext uri="{0D108BD9-81ED-4DB2-BD59-A6C34878D82A}">
-                    <a16:rowId xmlns:a16="http://schemas.microsoft.com/office/drawing/2014/main" val="1562972995"/>
-                  </a:ext>
-                </a:extLst>
-              </a:tr>
-              <a:tr h="481142">
-                <a:tc>
-                  <a:txBody>
-                    <a:bodyPr/>
-                    <a:lstStyle/>
-                    <a:p>
-                      <a:r>
-                        <a:rPr lang="en-US" sz="1200" b="0" i="0" kern="1200" dirty="0" smtClean="0">
-                          <a:solidFill>
-                            <a:schemeClr val="dk1"/>
-                          </a:solidFill>
-                          <a:effectLst/>
-                          <a:latin typeface="EMprint" panose="020B0503020204020204" pitchFamily="34" charset="0"/>
-                          <a:ea typeface="EMprint" panose="020B0503020204020204" pitchFamily="34" charset="0"/>
-                          <a:cs typeface="+mn-cs"/>
-                        </a:rPr>
-                        <a:t>1. Chalong, Sasithorn</a:t>
-                      </a:r>
-                      <a:endParaRPr lang="en-US" sz="1200" dirty="0">
-                        <a:latin typeface="EMprint" panose="020B0503020204020204" pitchFamily="34" charset="0"/>
-                        <a:ea typeface="EMprint" panose="020B0503020204020204" pitchFamily="34" charset="0"/>
-                      </a:endParaRPr>
-                    </a:p>
-                  </a:txBody>
-                  <a:tcPr>
-                    <a:solidFill>
-                      <a:schemeClr val="tx2">
-                        <a:lumMod val="20000"/>
-                        <a:lumOff val="80000"/>
-                      </a:schemeClr>
-                    </a:solidFill>
-                  </a:tcPr>
-                </a:tc>
-                <a:tc>
-                  <a:txBody>
-                    <a:bodyPr/>
-                    <a:lstStyle/>
-                    <a:p>
-                      <a:r>
-                        <a:rPr lang="en-US" sz="1200" dirty="0" smtClean="0">
-                          <a:latin typeface="EMprint" panose="020B0503020204020204" pitchFamily="34" charset="0"/>
-                          <a:ea typeface="EMprint" panose="020B0503020204020204" pitchFamily="34" charset="0"/>
-                        </a:rPr>
-                        <a:t>GSC EMIT</a:t>
-                      </a:r>
-                      <a:endParaRPr lang="en-US" sz="1200" dirty="0">
-                        <a:latin typeface="EMprint" panose="020B0503020204020204" pitchFamily="34" charset="0"/>
-                        <a:ea typeface="EMprint" panose="020B0503020204020204" pitchFamily="34" charset="0"/>
-                      </a:endParaRPr>
-                    </a:p>
-                  </a:txBody>
-                  <a:tcPr>
-                    <a:solidFill>
-                      <a:schemeClr val="tx2">
-                        <a:lumMod val="20000"/>
-                        <a:lumOff val="80000"/>
-                      </a:schemeClr>
-                    </a:solidFill>
-                  </a:tcPr>
-                </a:tc>
-                <a:tc>
-                  <a:txBody>
-                    <a:bodyPr/>
-                    <a:lstStyle/>
-                    <a:p>
-                      <a:pPr algn="ctr"/>
-                      <a:r>
-                        <a:rPr lang="en-US" sz="1200" dirty="0" smtClean="0">
-                          <a:latin typeface="EMprint" panose="020B0503020204020204" pitchFamily="34" charset="0"/>
-                          <a:ea typeface="EMprint" panose="020B0503020204020204" pitchFamily="34" charset="0"/>
-                        </a:rPr>
-                        <a:t>450</a:t>
-                      </a:r>
-                      <a:endParaRPr lang="en-US" sz="1200" dirty="0">
-                        <a:latin typeface="EMprint" panose="020B0503020204020204" pitchFamily="34" charset="0"/>
-                        <a:ea typeface="EMprint" panose="020B0503020204020204" pitchFamily="34" charset="0"/>
-                      </a:endParaRPr>
-                    </a:p>
-                  </a:txBody>
-                  <a:tcPr>
-                    <a:solidFill>
-                      <a:schemeClr val="tx2">
-                        <a:lumMod val="20000"/>
-                        <a:lumOff val="80000"/>
-                      </a:schemeClr>
-                    </a:solidFill>
-                  </a:tcPr>
-                </a:tc>
-                <a:extLst>
-                  <a:ext uri="{0D108BD9-81ED-4DB2-BD59-A6C34878D82A}">
-                    <a16:rowId xmlns:a16="http://schemas.microsoft.com/office/drawing/2014/main" val="3830907580"/>
-                  </a:ext>
-                </a:extLst>
-              </a:tr>
-              <a:tr h="481142">
-                <a:tc>
-                  <a:txBody>
-                    <a:bodyPr/>
-                    <a:lstStyle/>
-                    <a:p>
-                      <a:r>
-                        <a:rPr lang="en-US" sz="1200" b="0" i="0" kern="1200" dirty="0" smtClean="0">
-                          <a:solidFill>
-                            <a:schemeClr val="dk1"/>
-                          </a:solidFill>
-                          <a:effectLst/>
-                          <a:latin typeface="EMprint" panose="020B0503020204020204" pitchFamily="34" charset="0"/>
-                          <a:ea typeface="EMprint" panose="020B0503020204020204" pitchFamily="34" charset="0"/>
-                          <a:cs typeface="+mn-cs"/>
-                        </a:rPr>
-                        <a:t>2. Wongkornvanich, Anunsith (Sea)</a:t>
-                      </a:r>
-                      <a:endParaRPr lang="en-US" sz="1200" dirty="0">
-                        <a:latin typeface="EMprint" panose="020B0503020204020204" pitchFamily="34" charset="0"/>
-                        <a:ea typeface="EMprint" panose="020B0503020204020204" pitchFamily="34" charset="0"/>
-                      </a:endParaRPr>
-                    </a:p>
-                  </a:txBody>
-                  <a:tcPr>
-                    <a:solidFill>
-                      <a:schemeClr val="bg1"/>
-                    </a:solidFill>
-                  </a:tcPr>
-                </a:tc>
-                <a:tc>
-                  <a:txBody>
-                    <a:bodyPr/>
-                    <a:lstStyle/>
-                    <a:p>
-                      <a:r>
-                        <a:rPr lang="en-US" sz="1200" dirty="0" smtClean="0">
-                          <a:latin typeface="EMprint" panose="020B0503020204020204" pitchFamily="34" charset="0"/>
-                          <a:ea typeface="EMprint" panose="020B0503020204020204" pitchFamily="34" charset="0"/>
-                        </a:rPr>
-                        <a:t>GSC EMIT</a:t>
-                      </a:r>
-                      <a:endParaRPr lang="en-US" sz="1200" dirty="0">
-                        <a:latin typeface="EMprint" panose="020B0503020204020204" pitchFamily="34" charset="0"/>
-                        <a:ea typeface="EMprint" panose="020B0503020204020204" pitchFamily="34" charset="0"/>
-                      </a:endParaRPr>
-                    </a:p>
-                  </a:txBody>
-                  <a:tcPr>
-                    <a:solidFill>
-                      <a:schemeClr val="bg1"/>
-                    </a:solidFill>
-                  </a:tcPr>
-                </a:tc>
-                <a:tc>
-                  <a:txBody>
-                    <a:bodyPr/>
-                    <a:lstStyle/>
-                    <a:p>
-                      <a:pPr algn="ctr"/>
-                      <a:r>
-                        <a:rPr lang="en-US" sz="1200" dirty="0" smtClean="0">
-                          <a:latin typeface="EMprint" panose="020B0503020204020204" pitchFamily="34" charset="0"/>
-                          <a:ea typeface="EMprint" panose="020B0503020204020204" pitchFamily="34" charset="0"/>
-                        </a:rPr>
-                        <a:t>400</a:t>
-                      </a:r>
-                      <a:endParaRPr lang="en-US" sz="1200" dirty="0">
-                        <a:latin typeface="EMprint" panose="020B0503020204020204" pitchFamily="34" charset="0"/>
-                        <a:ea typeface="EMprint" panose="020B0503020204020204" pitchFamily="34" charset="0"/>
-                      </a:endParaRPr>
-                    </a:p>
-                  </a:txBody>
-                  <a:tcPr>
-                    <a:solidFill>
-                      <a:schemeClr val="bg1"/>
-                    </a:solidFill>
-                  </a:tcPr>
-                </a:tc>
-                <a:extLst>
-                  <a:ext uri="{0D108BD9-81ED-4DB2-BD59-A6C34878D82A}">
-                    <a16:rowId xmlns:a16="http://schemas.microsoft.com/office/drawing/2014/main" val="2329145063"/>
-                  </a:ext>
-                </a:extLst>
-              </a:tr>
-              <a:tr h="593190">
-                <a:tc>
-                  <a:txBody>
-                    <a:bodyPr/>
-                    <a:lstStyle/>
-                    <a:p>
-                      <a:r>
-                        <a:rPr lang="en-US" sz="1200" b="0" i="0" kern="1200" dirty="0" smtClean="0">
-                          <a:solidFill>
-                            <a:schemeClr val="dk1"/>
-                          </a:solidFill>
-                          <a:effectLst/>
-                          <a:latin typeface="EMprint" panose="020B0503020204020204" pitchFamily="34" charset="0"/>
-                          <a:ea typeface="EMprint" panose="020B0503020204020204" pitchFamily="34" charset="0"/>
-                          <a:cs typeface="+mn-cs"/>
-                        </a:rPr>
-                        <a:t>3. Chia-Piyasakul, Karnrawee</a:t>
-                      </a:r>
-                      <a:endParaRPr lang="en-US" sz="1200" dirty="0">
-                        <a:latin typeface="EMprint" panose="020B0503020204020204" pitchFamily="34" charset="0"/>
-                        <a:ea typeface="EMprint" panose="020B0503020204020204" pitchFamily="34" charset="0"/>
-                      </a:endParaRPr>
-                    </a:p>
-                  </a:txBody>
-                  <a:tcPr>
-                    <a:solidFill>
-                      <a:schemeClr val="tx2">
-                        <a:lumMod val="20000"/>
-                        <a:lumOff val="80000"/>
-                      </a:schemeClr>
-                    </a:solidFill>
-                  </a:tcPr>
-                </a:tc>
-                <a:tc>
-                  <a:txBody>
-                    <a:bodyPr/>
-                    <a:lstStyle/>
-                    <a:p>
-                      <a:pPr marL="0" marR="0" lvl="0" indent="0" algn="l" defTabSz="914400" rtl="0" eaLnBrk="1" fontAlgn="auto" latinLnBrk="0" hangingPunct="1">
-                        <a:lnSpc>
-                          <a:spcPct val="100000"/>
-                        </a:lnSpc>
-                        <a:spcBef>
-                          <a:spcPts val="0"/>
-                        </a:spcBef>
-                        <a:spcAft>
-                          <a:spcPts val="0"/>
-                        </a:spcAft>
-                        <a:buClrTx/>
-                        <a:buSzTx/>
-                        <a:buFontTx/>
-                        <a:buNone/>
-                        <a:tabLst/>
-                        <a:defRPr/>
-                      </a:pPr>
-                      <a:r>
-                        <a:rPr lang="en-US" sz="1200" dirty="0" smtClean="0">
-                          <a:latin typeface="EMprint" panose="020B0503020204020204" pitchFamily="34" charset="0"/>
-                          <a:ea typeface="EMprint" panose="020B0503020204020204" pitchFamily="34" charset="0"/>
-                        </a:rPr>
-                        <a:t>GSC EMIT</a:t>
-                      </a:r>
-                    </a:p>
-                    <a:p>
-                      <a:endParaRPr lang="en-US" sz="1200" dirty="0">
-                        <a:latin typeface="EMprint" panose="020B0503020204020204" pitchFamily="34" charset="0"/>
-                        <a:ea typeface="EMprint" panose="020B0503020204020204" pitchFamily="34" charset="0"/>
-                      </a:endParaRPr>
-                    </a:p>
-                  </a:txBody>
-                  <a:tcPr>
-                    <a:solidFill>
-                      <a:schemeClr val="tx2">
-                        <a:lumMod val="20000"/>
-                        <a:lumOff val="80000"/>
-                      </a:schemeClr>
-                    </a:solidFill>
-                  </a:tcPr>
-                </a:tc>
-                <a:tc>
-                  <a:txBody>
-                    <a:bodyPr/>
-                    <a:lstStyle/>
-                    <a:p>
-                      <a:pPr algn="ctr"/>
-                      <a:r>
-                        <a:rPr lang="en-US" sz="1200" dirty="0" smtClean="0">
-                          <a:latin typeface="EMprint" panose="020B0503020204020204" pitchFamily="34" charset="0"/>
-                          <a:ea typeface="EMprint" panose="020B0503020204020204" pitchFamily="34" charset="0"/>
-                        </a:rPr>
-                        <a:t>350</a:t>
-                      </a:r>
-                      <a:endParaRPr lang="en-US" sz="1200" dirty="0">
-                        <a:latin typeface="EMprint" panose="020B0503020204020204" pitchFamily="34" charset="0"/>
-                        <a:ea typeface="EMprint" panose="020B0503020204020204" pitchFamily="34" charset="0"/>
-                      </a:endParaRPr>
-                    </a:p>
-                  </a:txBody>
-                  <a:tcPr>
-                    <a:solidFill>
-                      <a:schemeClr val="tx2">
-                        <a:lumMod val="20000"/>
-                        <a:lumOff val="80000"/>
-                      </a:schemeClr>
-                    </a:solidFill>
-                  </a:tcPr>
-                </a:tc>
-                <a:extLst>
-                  <a:ext uri="{0D108BD9-81ED-4DB2-BD59-A6C34878D82A}">
-                    <a16:rowId xmlns:a16="http://schemas.microsoft.com/office/drawing/2014/main" val="2523538187"/>
-                  </a:ext>
-                </a:extLst>
-              </a:tr>
-            </a:tbl>
-          </a:graphicData>
-        </a:graphic>
-      </p:graphicFrame>
-      <p:sp>
-        <p:nvSpPr>
-          <p:cNvPr id="7" name="Rectangle 6"/>
-          <p:cNvSpPr/>
-          <p:nvPr/>
-        </p:nvSpPr>
-        <p:spPr>
-          <a:xfrm>
-            <a:off x="9543011" y="274320"/>
-            <a:ext cx="1654233" cy="191193"/>
-          </a:xfrm>
-          <a:prstGeom prst="rect">
-            <a:avLst/>
-          </a:prstGeom>
-          <a:solidFill>
-            <a:schemeClr val="bg1"/>
-          </a:solidFill>
-          <a:ln>
-            <a:solidFill>
-              <a:schemeClr val="bg1"/>
-            </a:solidFill>
-          </a:ln>
-        </p:spPr>
-        <p:style>
-          <a:lnRef idx="2">
-            <a:schemeClr val="accent1">
-              <a:shade val="50000"/>
-            </a:schemeClr>
-          </a:lnRef>
-          <a:fillRef idx="1">
-            <a:schemeClr val="accent1"/>
-          </a:fillRef>
-          <a:effectRef idx="0">
-            <a:schemeClr val="accent1"/>
-          </a:effectRef>
-          <a:fontRef idx="minor">
-            <a:schemeClr val="lt1"/>
-          </a:fontRef>
-        </p:style>
-        <p:txBody>
-          <a:bodyPr rtlCol="0" anchor="ctr"/>
-          <a:lstStyle/>
-          <a:p>
-            <a:pPr algn="ctr"/>
-            <a:endParaRPr lang="en-US"/>
-          </a:p>
-        </p:txBody>
-      </p:sp>
-    </p:spTree>
-    <p:extLst>
-      <p:ext uri="{BB962C8B-B14F-4D97-AF65-F5344CB8AC3E}">
-        <p14:creationId xmlns:p14="http://schemas.microsoft.com/office/powerpoint/2010/main" val="1166550029"/>
-      </p:ext>
-    </p:extLst>
-  </p:cSld>
-  <p:clrMapOvr>
-    <a:masterClrMapping/>
-  </p:clrMapOvr>
-  <mc:AlternateContent xmlns:mc="http://schemas.openxmlformats.org/markup-compatibility/2006" xmlns:p14="http://schemas.microsoft.com/office/powerpoint/2010/main">
-    <mc:Choice Requires="p14">
-      <p:transition spd="slow" p14:dur="2000"/>
-    </mc:Choice>
-    <mc:Fallback xmlns="">
-      <p:transition spd="slow"/>
-    </mc:Fallback>
-  </mc:AlternateContent>
-</p:sld>
-</file>
-
-<file path=ppt/slides/slide6.xml><?xml version="1.0" encoding="utf-8"?>
-<p:sld xmlns:a="http://schemas.openxmlformats.org/drawingml/2006/main" xmlns:r="http://schemas.openxmlformats.org/officeDocument/2006/relationships" xmlns:p="http://schemas.openxmlformats.org/presentationml/2006/main" show="0">
-  <p:cSld>
-    <p:spTree>
-      <p:nvGrpSpPr>
-        <p:cNvPr id="1" name=""/>
-        <p:cNvGrpSpPr/>
-        <p:nvPr/>
-      </p:nvGrpSpPr>
-      <p:grpSpPr>
-        <a:xfrm>
-          <a:off x="0" y="0"/>
-          <a:ext cx="0" cy="0"/>
-          <a:chOff x="0" y="0"/>
-          <a:chExt cx="0" cy="0"/>
-        </a:xfrm>
-      </p:grpSpPr>
-      <p:pic>
-        <p:nvPicPr>
-          <p:cNvPr id="6" name="Picture 5"/>
-          <p:cNvPicPr>
-            <a:picLocks noChangeAspect="1"/>
-          </p:cNvPicPr>
-          <p:nvPr/>
-        </p:nvPicPr>
-        <p:blipFill>
-          <a:blip r:embed="rId2">
-            <a:extLst>
-              <a:ext uri="{28A0092B-C50C-407E-A947-70E740481C1C}">
-                <a14:useLocalDpi xmlns:a14="http://schemas.microsoft.com/office/drawing/2010/main" val="0"/>
-              </a:ext>
-            </a:extLst>
-          </a:blip>
-          <a:stretch>
-            <a:fillRect/>
-          </a:stretch>
-        </p:blipFill>
-        <p:spPr>
-          <a:xfrm>
-            <a:off x="0" y="0"/>
-            <a:ext cx="12128269" cy="5976851"/>
-          </a:xfrm>
-          <a:prstGeom prst="rect">
-            <a:avLst/>
-          </a:prstGeom>
-          <a:ln>
-            <a:solidFill>
-              <a:schemeClr val="bg1"/>
-            </a:solidFill>
-          </a:ln>
-        </p:spPr>
-      </p:pic>
-      <p:graphicFrame>
-        <p:nvGraphicFramePr>
-          <p:cNvPr id="4" name="Table 3"/>
-          <p:cNvGraphicFramePr>
-            <a:graphicFrameLocks noGrp="1"/>
-          </p:cNvGraphicFramePr>
-          <p:nvPr>
-            <p:extLst>
-              <p:ext uri="{D42A27DB-BD31-4B8C-83A1-F6EECF244321}">
-                <p14:modId xmlns:p14="http://schemas.microsoft.com/office/powerpoint/2010/main" val="3818400911"/>
-              </p:ext>
-            </p:extLst>
-          </p:nvPr>
-        </p:nvGraphicFramePr>
-        <p:xfrm>
-          <a:off x="4862945" y="885920"/>
-          <a:ext cx="6059978" cy="2231353"/>
-        </p:xfrm>
-        <a:graphic>
-          <a:graphicData uri="http://schemas.openxmlformats.org/drawingml/2006/table">
-            <a:tbl>
-              <a:tblPr firstRow="1" bandRow="1">
-                <a:tableStyleId>{5C22544A-7EE6-4342-B048-85BDC9FD1C3A}</a:tableStyleId>
-              </a:tblPr>
-              <a:tblGrid>
-                <a:gridCol w="4025394">
-                  <a:extLst>
-                    <a:ext uri="{9D8B030D-6E8A-4147-A177-3AD203B41FA5}">
-                      <a16:colId xmlns:a16="http://schemas.microsoft.com/office/drawing/2014/main" val="2392704665"/>
-                    </a:ext>
-                  </a:extLst>
-                </a:gridCol>
-                <a:gridCol w="2034584">
-                  <a:extLst>
-                    <a:ext uri="{9D8B030D-6E8A-4147-A177-3AD203B41FA5}">
-                      <a16:colId xmlns:a16="http://schemas.microsoft.com/office/drawing/2014/main" val="1796620363"/>
-                    </a:ext>
-                  </a:extLst>
-                </a:gridCol>
-              </a:tblGrid>
-              <a:tr h="370840">
-                <a:tc>
-                  <a:txBody>
-                    <a:bodyPr/>
-                    <a:lstStyle/>
-                    <a:p>
-                      <a:pPr algn="ctr"/>
-                      <a:r>
-                        <a:rPr lang="en-US" sz="1050" b="0" dirty="0" smtClean="0">
-                          <a:latin typeface="EMprint" panose="020B0503020204020204" pitchFamily="34" charset="0"/>
-                          <a:ea typeface="EMprint" panose="020B0503020204020204" pitchFamily="34" charset="0"/>
-                        </a:rPr>
-                        <a:t>TOP SCORE</a:t>
-                      </a:r>
-                      <a:endParaRPr lang="en-US" sz="1400" b="0" dirty="0">
-                        <a:latin typeface="EMprint" panose="020B0503020204020204" pitchFamily="34" charset="0"/>
-                        <a:ea typeface="EMprint" panose="020B0503020204020204" pitchFamily="34" charset="0"/>
-                      </a:endParaRPr>
-                    </a:p>
-                  </a:txBody>
-                  <a:tcPr>
-                    <a:solidFill>
-                      <a:srgbClr val="B71F1F"/>
-                    </a:solidFill>
-                  </a:tcPr>
-                </a:tc>
-                <a:tc>
-                  <a:txBody>
-                    <a:bodyPr/>
-                    <a:lstStyle/>
-                    <a:p>
-                      <a:pPr algn="ctr"/>
-                      <a:endParaRPr lang="en-US" dirty="0">
-                        <a:latin typeface="EMprint" panose="020B0503020204020204" pitchFamily="34" charset="0"/>
-                        <a:ea typeface="EMprint" panose="020B0503020204020204" pitchFamily="34" charset="0"/>
-                      </a:endParaRPr>
-                    </a:p>
-                  </a:txBody>
-                  <a:tcPr>
-                    <a:solidFill>
-                      <a:srgbClr val="B71F1F"/>
-                    </a:solidFill>
-                  </a:tcPr>
-                </a:tc>
-                <a:extLst>
-                  <a:ext uri="{0D108BD9-81ED-4DB2-BD59-A6C34878D82A}">
-                    <a16:rowId xmlns:a16="http://schemas.microsoft.com/office/drawing/2014/main" val="1562972995"/>
-                  </a:ext>
-                </a:extLst>
-              </a:tr>
-              <a:tr h="370840">
-                <a:tc>
-                  <a:txBody>
-                    <a:bodyPr/>
-                    <a:lstStyle/>
-                    <a:p>
-                      <a:r>
-                        <a:rPr lang="en-US" sz="1200" b="0" i="0" kern="1200" dirty="0" smtClean="0">
-                          <a:solidFill>
-                            <a:schemeClr val="dk1"/>
-                          </a:solidFill>
-                          <a:effectLst/>
-                          <a:latin typeface="EMprint" panose="020B0503020204020204" pitchFamily="34" charset="0"/>
-                          <a:ea typeface="EMprint" panose="020B0503020204020204" pitchFamily="34" charset="0"/>
-                          <a:cs typeface="+mn-cs"/>
-                        </a:rPr>
-                        <a:t>1. Chalong, Sasithorn</a:t>
-                      </a:r>
-                      <a:endParaRPr lang="en-US" sz="1200" dirty="0">
-                        <a:latin typeface="EMprint" panose="020B0503020204020204" pitchFamily="34" charset="0"/>
-                        <a:ea typeface="EMprint" panose="020B0503020204020204" pitchFamily="34" charset="0"/>
-                      </a:endParaRPr>
-                    </a:p>
-                  </a:txBody>
-                  <a:tcPr>
-                    <a:solidFill>
-                      <a:schemeClr val="accent4"/>
-                    </a:solidFill>
-                  </a:tcPr>
-                </a:tc>
-                <a:tc>
-                  <a:txBody>
-                    <a:bodyPr/>
-                    <a:lstStyle/>
-                    <a:p>
-                      <a:pPr algn="ctr"/>
-                      <a:r>
-                        <a:rPr lang="en-US" sz="1200" dirty="0" smtClean="0">
-                          <a:latin typeface="EMprint" panose="020B0503020204020204" pitchFamily="34" charset="0"/>
-                          <a:ea typeface="EMprint" panose="020B0503020204020204" pitchFamily="34" charset="0"/>
-                        </a:rPr>
-                        <a:t>450</a:t>
-                      </a:r>
-                      <a:endParaRPr lang="en-US" sz="1200" dirty="0">
-                        <a:latin typeface="EMprint" panose="020B0503020204020204" pitchFamily="34" charset="0"/>
-                        <a:ea typeface="EMprint" panose="020B0503020204020204" pitchFamily="34" charset="0"/>
-                      </a:endParaRPr>
-                    </a:p>
-                  </a:txBody>
-                  <a:tcPr>
-                    <a:solidFill>
-                      <a:schemeClr val="accent4"/>
-                    </a:solidFill>
-                  </a:tcPr>
-                </a:tc>
-                <a:extLst>
-                  <a:ext uri="{0D108BD9-81ED-4DB2-BD59-A6C34878D82A}">
-                    <a16:rowId xmlns:a16="http://schemas.microsoft.com/office/drawing/2014/main" val="3830907580"/>
-                  </a:ext>
-                </a:extLst>
-              </a:tr>
-              <a:tr h="370840">
-                <a:tc>
-                  <a:txBody>
-                    <a:bodyPr/>
-                    <a:lstStyle/>
-                    <a:p>
-                      <a:r>
-                        <a:rPr lang="en-US" sz="1200" b="0" i="0" kern="1200" dirty="0" smtClean="0">
-                          <a:solidFill>
-                            <a:schemeClr val="dk1"/>
-                          </a:solidFill>
-                          <a:effectLst/>
-                          <a:latin typeface="EMprint" panose="020B0503020204020204" pitchFamily="34" charset="0"/>
-                          <a:ea typeface="EMprint" panose="020B0503020204020204" pitchFamily="34" charset="0"/>
-                          <a:cs typeface="+mn-cs"/>
-                        </a:rPr>
-                        <a:t>2. Wongkornvanich, Anunsith (Sea)</a:t>
-                      </a:r>
-                      <a:endParaRPr lang="en-US" sz="1200" dirty="0">
-                        <a:latin typeface="EMprint" panose="020B0503020204020204" pitchFamily="34" charset="0"/>
-                        <a:ea typeface="EMprint" panose="020B0503020204020204" pitchFamily="34" charset="0"/>
-                      </a:endParaRPr>
-                    </a:p>
-                  </a:txBody>
-                  <a:tcPr>
-                    <a:solidFill>
-                      <a:schemeClr val="bg1"/>
-                    </a:solidFill>
-                  </a:tcPr>
-                </a:tc>
-                <a:tc>
-                  <a:txBody>
-                    <a:bodyPr/>
-                    <a:lstStyle/>
-                    <a:p>
-                      <a:pPr algn="ctr"/>
-                      <a:r>
-                        <a:rPr lang="en-US" sz="1200" dirty="0" smtClean="0">
-                          <a:latin typeface="EMprint" panose="020B0503020204020204" pitchFamily="34" charset="0"/>
-                          <a:ea typeface="EMprint" panose="020B0503020204020204" pitchFamily="34" charset="0"/>
-                        </a:rPr>
-                        <a:t>400</a:t>
-                      </a:r>
-                      <a:endParaRPr lang="en-US" sz="1200" dirty="0">
-                        <a:latin typeface="EMprint" panose="020B0503020204020204" pitchFamily="34" charset="0"/>
-                        <a:ea typeface="EMprint" panose="020B0503020204020204" pitchFamily="34" charset="0"/>
-                      </a:endParaRPr>
-                    </a:p>
-                  </a:txBody>
-                  <a:tcPr>
-                    <a:solidFill>
-                      <a:schemeClr val="bg1"/>
-                    </a:solidFill>
-                  </a:tcPr>
-                </a:tc>
-                <a:extLst>
-                  <a:ext uri="{0D108BD9-81ED-4DB2-BD59-A6C34878D82A}">
-                    <a16:rowId xmlns:a16="http://schemas.microsoft.com/office/drawing/2014/main" val="2329145063"/>
-                  </a:ext>
-                </a:extLst>
-              </a:tr>
-              <a:tr h="370840">
-                <a:tc>
-                  <a:txBody>
-                    <a:bodyPr/>
-                    <a:lstStyle/>
-                    <a:p>
-                      <a:r>
-                        <a:rPr lang="en-US" sz="1200" b="0" i="0" kern="1200" dirty="0" smtClean="0">
-                          <a:solidFill>
-                            <a:schemeClr val="dk1"/>
-                          </a:solidFill>
-                          <a:effectLst/>
-                          <a:latin typeface="EMprint" panose="020B0503020204020204" pitchFamily="34" charset="0"/>
-                          <a:ea typeface="EMprint" panose="020B0503020204020204" pitchFamily="34" charset="0"/>
-                          <a:cs typeface="+mn-cs"/>
-                        </a:rPr>
-                        <a:t>3. Chia-Piyasakul, Karnrawee</a:t>
-                      </a:r>
-                      <a:endParaRPr lang="en-US" sz="1200" dirty="0">
-                        <a:latin typeface="EMprint" panose="020B0503020204020204" pitchFamily="34" charset="0"/>
-                        <a:ea typeface="EMprint" panose="020B0503020204020204" pitchFamily="34" charset="0"/>
-                      </a:endParaRPr>
-                    </a:p>
-                  </a:txBody>
-                  <a:tcPr>
-                    <a:solidFill>
-                      <a:schemeClr val="accent2">
-                        <a:lumMod val="40000"/>
-                        <a:lumOff val="60000"/>
-                      </a:schemeClr>
-                    </a:solidFill>
-                  </a:tcPr>
-                </a:tc>
-                <a:tc>
-                  <a:txBody>
-                    <a:bodyPr/>
-                    <a:lstStyle/>
-                    <a:p>
-                      <a:pPr algn="ctr"/>
-                      <a:r>
-                        <a:rPr lang="en-US" sz="1200" dirty="0" smtClean="0">
-                          <a:latin typeface="EMprint" panose="020B0503020204020204" pitchFamily="34" charset="0"/>
-                          <a:ea typeface="EMprint" panose="020B0503020204020204" pitchFamily="34" charset="0"/>
-                        </a:rPr>
-                        <a:t>350</a:t>
-                      </a:r>
-                      <a:endParaRPr lang="en-US" sz="1200" dirty="0">
-                        <a:latin typeface="EMprint" panose="020B0503020204020204" pitchFamily="34" charset="0"/>
-                        <a:ea typeface="EMprint" panose="020B0503020204020204" pitchFamily="34" charset="0"/>
-                      </a:endParaRPr>
-                    </a:p>
-                  </a:txBody>
-                  <a:tcPr>
-                    <a:solidFill>
-                      <a:schemeClr val="accent2">
-                        <a:lumMod val="40000"/>
-                        <a:lumOff val="60000"/>
-                      </a:schemeClr>
-                    </a:solidFill>
-                  </a:tcPr>
-                </a:tc>
-                <a:extLst>
-                  <a:ext uri="{0D108BD9-81ED-4DB2-BD59-A6C34878D82A}">
-                    <a16:rowId xmlns:a16="http://schemas.microsoft.com/office/drawing/2014/main" val="2523538187"/>
-                  </a:ext>
-                </a:extLst>
-              </a:tr>
-              <a:tr h="370840">
-                <a:tc>
-                  <a:txBody>
-                    <a:bodyPr/>
-                    <a:lstStyle/>
-                    <a:p>
-                      <a:r>
-                        <a:rPr lang="en-US" sz="1200" dirty="0" smtClean="0">
-                          <a:latin typeface="EMprint" panose="020B0503020204020204" pitchFamily="34" charset="0"/>
-                          <a:ea typeface="EMprint" panose="020B0503020204020204" pitchFamily="34" charset="0"/>
-                        </a:rPr>
-                        <a:t>4. Apiwattanapron, Siraphatr (Off)</a:t>
-                      </a:r>
-                      <a:endParaRPr lang="en-US" sz="1200" dirty="0">
-                        <a:latin typeface="EMprint" panose="020B0503020204020204" pitchFamily="34" charset="0"/>
-                        <a:ea typeface="EMprint" panose="020B0503020204020204" pitchFamily="34" charset="0"/>
-                      </a:endParaRPr>
-                    </a:p>
-                  </a:txBody>
-                  <a:tcPr>
-                    <a:solidFill>
-                      <a:schemeClr val="tx2">
-                        <a:lumMod val="20000"/>
-                        <a:lumOff val="80000"/>
-                      </a:schemeClr>
-                    </a:solidFill>
-                  </a:tcPr>
-                </a:tc>
-                <a:tc>
-                  <a:txBody>
-                    <a:bodyPr/>
-                    <a:lstStyle/>
-                    <a:p>
-                      <a:pPr algn="ctr"/>
-                      <a:r>
-                        <a:rPr lang="en-US" sz="1200" dirty="0" smtClean="0">
-                          <a:latin typeface="EMprint" panose="020B0503020204020204" pitchFamily="34" charset="0"/>
-                          <a:ea typeface="EMprint" panose="020B0503020204020204" pitchFamily="34" charset="0"/>
-                        </a:rPr>
-                        <a:t>300</a:t>
-                      </a:r>
-                      <a:endParaRPr lang="en-US" sz="1200" dirty="0">
-                        <a:latin typeface="EMprint" panose="020B0503020204020204" pitchFamily="34" charset="0"/>
-                        <a:ea typeface="EMprint" panose="020B0503020204020204" pitchFamily="34" charset="0"/>
-                      </a:endParaRPr>
-                    </a:p>
-                  </a:txBody>
-                  <a:tcPr>
-                    <a:solidFill>
-                      <a:schemeClr val="tx2">
-                        <a:lumMod val="20000"/>
-                        <a:lumOff val="80000"/>
-                      </a:schemeClr>
-                    </a:solidFill>
-                  </a:tcPr>
-                </a:tc>
-                <a:extLst>
-                  <a:ext uri="{0D108BD9-81ED-4DB2-BD59-A6C34878D82A}">
-                    <a16:rowId xmlns:a16="http://schemas.microsoft.com/office/drawing/2014/main" val="229485906"/>
-                  </a:ext>
-                </a:extLst>
-              </a:tr>
-              <a:tr h="377153">
-                <a:tc>
-                  <a:txBody>
-                    <a:bodyPr/>
-                    <a:lstStyle/>
-                    <a:p>
-                      <a:r>
-                        <a:rPr lang="en-US" sz="1200" dirty="0" smtClean="0">
-                          <a:latin typeface="EMprint" panose="020B0503020204020204" pitchFamily="34" charset="0"/>
-                          <a:ea typeface="EMprint" panose="020B0503020204020204" pitchFamily="34" charset="0"/>
-                        </a:rPr>
-                        <a:t>5. Sukseree, Manasicha</a:t>
-                      </a:r>
-                      <a:endParaRPr lang="en-US" sz="1200" dirty="0">
-                        <a:latin typeface="EMprint" panose="020B0503020204020204" pitchFamily="34" charset="0"/>
-                        <a:ea typeface="EMprint" panose="020B0503020204020204" pitchFamily="34" charset="0"/>
-                      </a:endParaRPr>
-                    </a:p>
-                  </a:txBody>
-                  <a:tcPr>
-                    <a:solidFill>
-                      <a:schemeClr val="tx2">
-                        <a:lumMod val="20000"/>
-                        <a:lumOff val="80000"/>
-                      </a:schemeClr>
-                    </a:solidFill>
-                  </a:tcPr>
-                </a:tc>
-                <a:tc>
-                  <a:txBody>
-                    <a:bodyPr/>
-                    <a:lstStyle/>
-                    <a:p>
-                      <a:pPr algn="ctr"/>
-                      <a:r>
-                        <a:rPr lang="en-US" sz="1200" dirty="0" smtClean="0">
-                          <a:latin typeface="EMprint" panose="020B0503020204020204" pitchFamily="34" charset="0"/>
-                          <a:ea typeface="EMprint" panose="020B0503020204020204" pitchFamily="34" charset="0"/>
-                        </a:rPr>
-                        <a:t>250</a:t>
-                      </a:r>
-                      <a:endParaRPr lang="en-US" sz="1200" dirty="0">
-                        <a:latin typeface="EMprint" panose="020B0503020204020204" pitchFamily="34" charset="0"/>
-                        <a:ea typeface="EMprint" panose="020B0503020204020204" pitchFamily="34" charset="0"/>
-                      </a:endParaRPr>
-                    </a:p>
-                  </a:txBody>
-                  <a:tcPr>
-                    <a:solidFill>
-                      <a:schemeClr val="tx2">
-                        <a:lumMod val="20000"/>
-                        <a:lumOff val="80000"/>
-                      </a:schemeClr>
-                    </a:solidFill>
-                  </a:tcPr>
-                </a:tc>
-                <a:extLst>
-                  <a:ext uri="{0D108BD9-81ED-4DB2-BD59-A6C34878D82A}">
-                    <a16:rowId xmlns:a16="http://schemas.microsoft.com/office/drawing/2014/main" val="3809959146"/>
-                  </a:ext>
-                </a:extLst>
-              </a:tr>
-            </a:tbl>
-          </a:graphicData>
-        </a:graphic>
-      </p:graphicFrame>
-      <p:graphicFrame>
-        <p:nvGraphicFramePr>
-          <p:cNvPr id="5" name="Table 4"/>
-          <p:cNvGraphicFramePr>
-            <a:graphicFrameLocks noGrp="1"/>
-          </p:cNvGraphicFramePr>
-          <p:nvPr>
-            <p:extLst>
-              <p:ext uri="{D42A27DB-BD31-4B8C-83A1-F6EECF244321}">
-                <p14:modId xmlns:p14="http://schemas.microsoft.com/office/powerpoint/2010/main" val="2175352659"/>
-              </p:ext>
-            </p:extLst>
-          </p:nvPr>
-        </p:nvGraphicFramePr>
-        <p:xfrm>
-          <a:off x="4862945" y="3203633"/>
-          <a:ext cx="6059978" cy="2231353"/>
-        </p:xfrm>
-        <a:graphic>
-          <a:graphicData uri="http://schemas.openxmlformats.org/drawingml/2006/table">
-            <a:tbl>
-              <a:tblPr firstRow="1" bandRow="1">
-                <a:tableStyleId>{5C22544A-7EE6-4342-B048-85BDC9FD1C3A}</a:tableStyleId>
-              </a:tblPr>
-              <a:tblGrid>
-                <a:gridCol w="4025394">
-                  <a:extLst>
-                    <a:ext uri="{9D8B030D-6E8A-4147-A177-3AD203B41FA5}">
-                      <a16:colId xmlns:a16="http://schemas.microsoft.com/office/drawing/2014/main" val="2392704665"/>
-                    </a:ext>
-                  </a:extLst>
-                </a:gridCol>
-                <a:gridCol w="2034584">
-                  <a:extLst>
-                    <a:ext uri="{9D8B030D-6E8A-4147-A177-3AD203B41FA5}">
-                      <a16:colId xmlns:a16="http://schemas.microsoft.com/office/drawing/2014/main" val="1796620363"/>
-                    </a:ext>
-                  </a:extLst>
-                </a:gridCol>
-              </a:tblGrid>
-              <a:tr h="370840">
-                <a:tc>
-                  <a:txBody>
-                    <a:bodyPr/>
-                    <a:lstStyle/>
-                    <a:p>
-                      <a:pPr algn="ctr"/>
-                      <a:r>
-                        <a:rPr lang="en-US" sz="1050" b="0" dirty="0" smtClean="0">
-                          <a:latin typeface="EMprint" panose="020B0503020204020204" pitchFamily="34" charset="0"/>
-                          <a:ea typeface="EMprint" panose="020B0503020204020204" pitchFamily="34" charset="0"/>
-                        </a:rPr>
-                        <a:t>Your score</a:t>
-                      </a:r>
-                      <a:endParaRPr lang="en-US" sz="1400" b="0" dirty="0">
-                        <a:latin typeface="EMprint" panose="020B0503020204020204" pitchFamily="34" charset="0"/>
-                        <a:ea typeface="EMprint" panose="020B0503020204020204" pitchFamily="34" charset="0"/>
-                      </a:endParaRPr>
-                    </a:p>
-                  </a:txBody>
-                  <a:tcPr>
-                    <a:solidFill>
-                      <a:srgbClr val="B71F1F"/>
-                    </a:solidFill>
-                  </a:tcPr>
-                </a:tc>
-                <a:tc>
-                  <a:txBody>
-                    <a:bodyPr/>
-                    <a:lstStyle/>
-                    <a:p>
-                      <a:pPr algn="ctr"/>
-                      <a:endParaRPr lang="en-US" dirty="0">
-                        <a:latin typeface="EMprint" panose="020B0503020204020204" pitchFamily="34" charset="0"/>
-                        <a:ea typeface="EMprint" panose="020B0503020204020204" pitchFamily="34" charset="0"/>
-                      </a:endParaRPr>
-                    </a:p>
-                  </a:txBody>
-                  <a:tcPr>
-                    <a:solidFill>
-                      <a:srgbClr val="B71F1F"/>
-                    </a:solidFill>
-                  </a:tcPr>
-                </a:tc>
-                <a:extLst>
-                  <a:ext uri="{0D108BD9-81ED-4DB2-BD59-A6C34878D82A}">
-                    <a16:rowId xmlns:a16="http://schemas.microsoft.com/office/drawing/2014/main" val="1562972995"/>
-                  </a:ext>
-                </a:extLst>
-              </a:tr>
-              <a:tr h="370840">
-                <a:tc>
-                  <a:txBody>
-                    <a:bodyPr/>
-                    <a:lstStyle/>
-                    <a:p>
-                      <a:r>
-                        <a:rPr lang="en-US" sz="1200" b="0" i="0" kern="1200" dirty="0" smtClean="0">
-                          <a:solidFill>
-                            <a:schemeClr val="dk1"/>
-                          </a:solidFill>
-                          <a:effectLst/>
-                          <a:latin typeface="EMprint" panose="020B0503020204020204" pitchFamily="34" charset="0"/>
-                          <a:ea typeface="EMprint" panose="020B0503020204020204" pitchFamily="34" charset="0"/>
-                          <a:cs typeface="+mn-cs"/>
-                        </a:rPr>
-                        <a:t>1. Chalong, Sasithorn</a:t>
-                      </a:r>
-                      <a:endParaRPr lang="en-US" sz="1200" dirty="0">
-                        <a:latin typeface="EMprint" panose="020B0503020204020204" pitchFamily="34" charset="0"/>
-                        <a:ea typeface="EMprint" panose="020B0503020204020204" pitchFamily="34" charset="0"/>
-                      </a:endParaRPr>
-                    </a:p>
-                  </a:txBody>
-                  <a:tcPr>
-                    <a:solidFill>
-                      <a:schemeClr val="tx2">
-                        <a:lumMod val="20000"/>
-                        <a:lumOff val="80000"/>
-                      </a:schemeClr>
-                    </a:solidFill>
-                  </a:tcPr>
-                </a:tc>
-                <a:tc>
-                  <a:txBody>
-                    <a:bodyPr/>
-                    <a:lstStyle/>
-                    <a:p>
-                      <a:pPr algn="ctr"/>
-                      <a:r>
-                        <a:rPr lang="en-US" sz="1200" dirty="0" smtClean="0">
-                          <a:latin typeface="EMprint" panose="020B0503020204020204" pitchFamily="34" charset="0"/>
-                          <a:ea typeface="EMprint" panose="020B0503020204020204" pitchFamily="34" charset="0"/>
-                        </a:rPr>
-                        <a:t>450</a:t>
-                      </a:r>
-                      <a:endParaRPr lang="en-US" sz="1200" dirty="0">
-                        <a:latin typeface="EMprint" panose="020B0503020204020204" pitchFamily="34" charset="0"/>
-                        <a:ea typeface="EMprint" panose="020B0503020204020204" pitchFamily="34" charset="0"/>
-                      </a:endParaRPr>
-                    </a:p>
-                  </a:txBody>
-                  <a:tcPr>
-                    <a:solidFill>
-                      <a:schemeClr val="tx2">
-                        <a:lumMod val="20000"/>
-                        <a:lumOff val="80000"/>
-                      </a:schemeClr>
-                    </a:solidFill>
-                  </a:tcPr>
-                </a:tc>
-                <a:extLst>
-                  <a:ext uri="{0D108BD9-81ED-4DB2-BD59-A6C34878D82A}">
-                    <a16:rowId xmlns:a16="http://schemas.microsoft.com/office/drawing/2014/main" val="3830907580"/>
-                  </a:ext>
-                </a:extLst>
-              </a:tr>
-              <a:tr h="370840">
-                <a:tc>
-                  <a:txBody>
-                    <a:bodyPr/>
-                    <a:lstStyle/>
-                    <a:p>
-                      <a:r>
-                        <a:rPr lang="en-US" sz="1200" b="0" i="0" kern="1200" dirty="0" smtClean="0">
-                          <a:solidFill>
-                            <a:schemeClr val="dk1"/>
-                          </a:solidFill>
-                          <a:effectLst/>
-                          <a:latin typeface="EMprint" panose="020B0503020204020204" pitchFamily="34" charset="0"/>
-                          <a:ea typeface="EMprint" panose="020B0503020204020204" pitchFamily="34" charset="0"/>
-                          <a:cs typeface="+mn-cs"/>
-                        </a:rPr>
-                        <a:t>2. Wongkornvanich, Anunsith (Sea)</a:t>
-                      </a:r>
-                      <a:endParaRPr lang="en-US" sz="1200" dirty="0">
-                        <a:latin typeface="EMprint" panose="020B0503020204020204" pitchFamily="34" charset="0"/>
-                        <a:ea typeface="EMprint" panose="020B0503020204020204" pitchFamily="34" charset="0"/>
-                      </a:endParaRPr>
-                    </a:p>
-                  </a:txBody>
-                  <a:tcPr>
-                    <a:solidFill>
-                      <a:schemeClr val="tx2">
-                        <a:lumMod val="20000"/>
-                        <a:lumOff val="80000"/>
-                      </a:schemeClr>
-                    </a:solidFill>
-                  </a:tcPr>
-                </a:tc>
-                <a:tc>
-                  <a:txBody>
-                    <a:bodyPr/>
-                    <a:lstStyle/>
-                    <a:p>
-                      <a:pPr algn="ctr"/>
-                      <a:r>
-                        <a:rPr lang="en-US" sz="1200" dirty="0" smtClean="0">
-                          <a:latin typeface="EMprint" panose="020B0503020204020204" pitchFamily="34" charset="0"/>
-                          <a:ea typeface="EMprint" panose="020B0503020204020204" pitchFamily="34" charset="0"/>
-                        </a:rPr>
-                        <a:t>400</a:t>
-                      </a:r>
-                      <a:endParaRPr lang="en-US" sz="1200" dirty="0">
-                        <a:latin typeface="EMprint" panose="020B0503020204020204" pitchFamily="34" charset="0"/>
-                        <a:ea typeface="EMprint" panose="020B0503020204020204" pitchFamily="34" charset="0"/>
-                      </a:endParaRPr>
-                    </a:p>
-                  </a:txBody>
-                  <a:tcPr>
-                    <a:solidFill>
-                      <a:schemeClr val="tx2">
-                        <a:lumMod val="20000"/>
-                        <a:lumOff val="80000"/>
-                      </a:schemeClr>
-                    </a:solidFill>
-                  </a:tcPr>
-                </a:tc>
-                <a:extLst>
-                  <a:ext uri="{0D108BD9-81ED-4DB2-BD59-A6C34878D82A}">
-                    <a16:rowId xmlns:a16="http://schemas.microsoft.com/office/drawing/2014/main" val="2329145063"/>
-                  </a:ext>
-                </a:extLst>
-              </a:tr>
-              <a:tr h="370840">
-                <a:tc>
-                  <a:txBody>
-                    <a:bodyPr/>
-                    <a:lstStyle/>
-                    <a:p>
-                      <a:r>
-                        <a:rPr lang="en-US" sz="1200" b="0" i="0" kern="1200" dirty="0" smtClean="0">
-                          <a:solidFill>
-                            <a:schemeClr val="dk1"/>
-                          </a:solidFill>
-                          <a:effectLst/>
-                          <a:latin typeface="EMprint" panose="020B0503020204020204" pitchFamily="34" charset="0"/>
-                          <a:ea typeface="EMprint" panose="020B0503020204020204" pitchFamily="34" charset="0"/>
-                          <a:cs typeface="+mn-cs"/>
-                        </a:rPr>
-                        <a:t>3. Chia-Piyasakul, Karnrawee</a:t>
-                      </a:r>
-                      <a:endParaRPr lang="en-US" sz="1200" dirty="0">
-                        <a:latin typeface="EMprint" panose="020B0503020204020204" pitchFamily="34" charset="0"/>
-                        <a:ea typeface="EMprint" panose="020B0503020204020204" pitchFamily="34" charset="0"/>
-                      </a:endParaRPr>
-                    </a:p>
-                  </a:txBody>
-                  <a:tcPr>
-                    <a:solidFill>
-                      <a:schemeClr val="bg1"/>
-                    </a:solidFill>
-                  </a:tcPr>
-                </a:tc>
-                <a:tc>
-                  <a:txBody>
-                    <a:bodyPr/>
-                    <a:lstStyle/>
-                    <a:p>
-                      <a:pPr algn="ctr"/>
-                      <a:r>
-                        <a:rPr lang="en-US" sz="1200" dirty="0" smtClean="0">
-                          <a:latin typeface="EMprint" panose="020B0503020204020204" pitchFamily="34" charset="0"/>
-                          <a:ea typeface="EMprint" panose="020B0503020204020204" pitchFamily="34" charset="0"/>
-                        </a:rPr>
-                        <a:t>350</a:t>
-                      </a:r>
-                      <a:endParaRPr lang="en-US" sz="1200" dirty="0">
-                        <a:latin typeface="EMprint" panose="020B0503020204020204" pitchFamily="34" charset="0"/>
-                        <a:ea typeface="EMprint" panose="020B0503020204020204" pitchFamily="34" charset="0"/>
-                      </a:endParaRPr>
-                    </a:p>
-                  </a:txBody>
-                  <a:tcPr>
-                    <a:solidFill>
-                      <a:schemeClr val="bg1"/>
-                    </a:solidFill>
-                  </a:tcPr>
-                </a:tc>
-                <a:extLst>
-                  <a:ext uri="{0D108BD9-81ED-4DB2-BD59-A6C34878D82A}">
-                    <a16:rowId xmlns:a16="http://schemas.microsoft.com/office/drawing/2014/main" val="2523538187"/>
-                  </a:ext>
-                </a:extLst>
-              </a:tr>
-              <a:tr h="370840">
-                <a:tc>
-                  <a:txBody>
-                    <a:bodyPr/>
-                    <a:lstStyle/>
-                    <a:p>
-                      <a:r>
-                        <a:rPr lang="en-US" sz="1200" dirty="0" smtClean="0">
-                          <a:latin typeface="EMprint" panose="020B0503020204020204" pitchFamily="34" charset="0"/>
-                          <a:ea typeface="EMprint" panose="020B0503020204020204" pitchFamily="34" charset="0"/>
-                        </a:rPr>
-                        <a:t>4. Apiwattanapron, Siraphatr (Off)</a:t>
-                      </a:r>
-                      <a:endParaRPr lang="en-US" sz="1200" dirty="0">
-                        <a:latin typeface="EMprint" panose="020B0503020204020204" pitchFamily="34" charset="0"/>
-                        <a:ea typeface="EMprint" panose="020B0503020204020204" pitchFamily="34" charset="0"/>
-                      </a:endParaRPr>
-                    </a:p>
-                  </a:txBody>
-                  <a:tcPr>
-                    <a:solidFill>
-                      <a:schemeClr val="tx2">
-                        <a:lumMod val="20000"/>
-                        <a:lumOff val="80000"/>
-                      </a:schemeClr>
-                    </a:solidFill>
-                  </a:tcPr>
-                </a:tc>
-                <a:tc>
-                  <a:txBody>
-                    <a:bodyPr/>
-                    <a:lstStyle/>
-                    <a:p>
-                      <a:pPr algn="ctr"/>
-                      <a:r>
-                        <a:rPr lang="en-US" sz="1200" dirty="0" smtClean="0">
-                          <a:latin typeface="EMprint" panose="020B0503020204020204" pitchFamily="34" charset="0"/>
-                          <a:ea typeface="EMprint" panose="020B0503020204020204" pitchFamily="34" charset="0"/>
-                        </a:rPr>
-                        <a:t>300</a:t>
-                      </a:r>
-                      <a:endParaRPr lang="en-US" sz="1200" dirty="0">
-                        <a:latin typeface="EMprint" panose="020B0503020204020204" pitchFamily="34" charset="0"/>
-                        <a:ea typeface="EMprint" panose="020B0503020204020204" pitchFamily="34" charset="0"/>
-                      </a:endParaRPr>
-                    </a:p>
-                  </a:txBody>
-                  <a:tcPr>
-                    <a:solidFill>
-                      <a:schemeClr val="tx2">
-                        <a:lumMod val="20000"/>
-                        <a:lumOff val="80000"/>
-                      </a:schemeClr>
-                    </a:solidFill>
-                  </a:tcPr>
-                </a:tc>
-                <a:extLst>
-                  <a:ext uri="{0D108BD9-81ED-4DB2-BD59-A6C34878D82A}">
-                    <a16:rowId xmlns:a16="http://schemas.microsoft.com/office/drawing/2014/main" val="229485906"/>
-                  </a:ext>
-                </a:extLst>
-              </a:tr>
-              <a:tr h="377153">
-                <a:tc>
-                  <a:txBody>
-                    <a:bodyPr/>
-                    <a:lstStyle/>
-                    <a:p>
-                      <a:r>
-                        <a:rPr lang="en-US" sz="1200" dirty="0" smtClean="0">
-                          <a:latin typeface="EMprint" panose="020B0503020204020204" pitchFamily="34" charset="0"/>
-                          <a:ea typeface="EMprint" panose="020B0503020204020204" pitchFamily="34" charset="0"/>
-                        </a:rPr>
-                        <a:t>5. Sukseree, Manasicha</a:t>
-                      </a:r>
-                      <a:endParaRPr lang="en-US" sz="1200" dirty="0">
-                        <a:latin typeface="EMprint" panose="020B0503020204020204" pitchFamily="34" charset="0"/>
-                        <a:ea typeface="EMprint" panose="020B0503020204020204" pitchFamily="34" charset="0"/>
-                      </a:endParaRPr>
-                    </a:p>
-                  </a:txBody>
-                  <a:tcPr>
-                    <a:solidFill>
-                      <a:schemeClr val="tx2">
-                        <a:lumMod val="20000"/>
-                        <a:lumOff val="80000"/>
-                      </a:schemeClr>
-                    </a:solidFill>
-                  </a:tcPr>
-                </a:tc>
-                <a:tc>
-                  <a:txBody>
-                    <a:bodyPr/>
-                    <a:lstStyle/>
-                    <a:p>
-                      <a:pPr algn="ctr"/>
-                      <a:r>
-                        <a:rPr lang="en-US" sz="1200" dirty="0" smtClean="0">
-                          <a:latin typeface="EMprint" panose="020B0503020204020204" pitchFamily="34" charset="0"/>
-                          <a:ea typeface="EMprint" panose="020B0503020204020204" pitchFamily="34" charset="0"/>
-                        </a:rPr>
-                        <a:t>250</a:t>
-                      </a:r>
-                      <a:endParaRPr lang="en-US" sz="1200" dirty="0">
-                        <a:latin typeface="EMprint" panose="020B0503020204020204" pitchFamily="34" charset="0"/>
-                        <a:ea typeface="EMprint" panose="020B0503020204020204" pitchFamily="34" charset="0"/>
-                      </a:endParaRPr>
-                    </a:p>
-                  </a:txBody>
-                  <a:tcPr>
-                    <a:solidFill>
-                      <a:schemeClr val="tx2">
-                        <a:lumMod val="20000"/>
-                        <a:lumOff val="80000"/>
-                      </a:schemeClr>
-                    </a:solidFill>
-                  </a:tcPr>
-                </a:tc>
-                <a:extLst>
-                  <a:ext uri="{0D108BD9-81ED-4DB2-BD59-A6C34878D82A}">
-                    <a16:rowId xmlns:a16="http://schemas.microsoft.com/office/drawing/2014/main" val="3809959146"/>
-                  </a:ext>
-                </a:extLst>
-              </a:tr>
-            </a:tbl>
-          </a:graphicData>
-        </a:graphic>
-      </p:graphicFrame>
-      <p:sp>
-        <p:nvSpPr>
-          <p:cNvPr id="7" name="Rectangle 6"/>
-          <p:cNvSpPr/>
-          <p:nvPr/>
-        </p:nvSpPr>
-        <p:spPr>
-          <a:xfrm>
-            <a:off x="9543011" y="274320"/>
-            <a:ext cx="1654233" cy="191193"/>
-          </a:xfrm>
-          <a:prstGeom prst="rect">
-            <a:avLst/>
-          </a:prstGeom>
-          <a:solidFill>
-            <a:schemeClr val="bg1"/>
-          </a:solidFill>
-          <a:ln>
-            <a:solidFill>
-              <a:schemeClr val="bg1"/>
-            </a:solidFill>
-          </a:ln>
-        </p:spPr>
-        <p:style>
-          <a:lnRef idx="2">
-            <a:schemeClr val="accent1">
-              <a:shade val="50000"/>
-            </a:schemeClr>
-          </a:lnRef>
-          <a:fillRef idx="1">
-            <a:schemeClr val="accent1"/>
-          </a:fillRef>
-          <a:effectRef idx="0">
-            <a:schemeClr val="accent1"/>
-          </a:effectRef>
-          <a:fontRef idx="minor">
-            <a:schemeClr val="lt1"/>
-          </a:fontRef>
-        </p:style>
-        <p:txBody>
-          <a:bodyPr rtlCol="0" anchor="ctr"/>
-          <a:lstStyle/>
-          <a:p>
-            <a:pPr algn="ctr"/>
-            <a:endParaRPr lang="en-US"/>
-          </a:p>
-        </p:txBody>
-      </p:sp>
-    </p:spTree>
-    <p:extLst>
-      <p:ext uri="{BB962C8B-B14F-4D97-AF65-F5344CB8AC3E}">
-        <p14:creationId xmlns:p14="http://schemas.microsoft.com/office/powerpoint/2010/main" val="1046936083"/>
-      </p:ext>
-    </p:extLst>
-  </p:cSld>
-  <p:clrMapOvr>
-    <a:masterClrMapping/>
-  </p:clrMapOvr>
-  <mc:AlternateContent xmlns:mc="http://schemas.openxmlformats.org/markup-compatibility/2006" xmlns:p14="http://schemas.microsoft.com/office/powerpoint/2010/main">
-    <mc:Choice Requires="p14">
-      <p:transition spd="slow" p14:dur="2000"/>
-    </mc:Choice>
-    <mc:Fallback xmlns="">
-      <p:transition spd="slow"/>
-    </mc:Fallback>
-  </mc:AlternateContent>
-</p:sld>
-</file>
-
-<file path=ppt/slides/slide7.xml><?xml version="1.0" encoding="utf-8"?>
-<p:sld xmlns:a="http://schemas.openxmlformats.org/drawingml/2006/main" xmlns:r="http://schemas.openxmlformats.org/officeDocument/2006/relationships" xmlns:p="http://schemas.openxmlformats.org/presentationml/2006/main" show="0">
-  <p:cSld>
-    <p:spTree>
-      <p:nvGrpSpPr>
-        <p:cNvPr id="1" name=""/>
-        <p:cNvGrpSpPr/>
-        <p:nvPr/>
-      </p:nvGrpSpPr>
-      <p:grpSpPr>
-        <a:xfrm>
-          <a:off x="0" y="0"/>
-          <a:ext cx="0" cy="0"/>
-          <a:chOff x="0" y="0"/>
-          <a:chExt cx="0" cy="0"/>
-        </a:xfrm>
-      </p:grpSpPr>
-      <p:pic>
-        <p:nvPicPr>
-          <p:cNvPr id="6" name="Picture 5"/>
-          <p:cNvPicPr>
-            <a:picLocks noChangeAspect="1"/>
-          </p:cNvPicPr>
-          <p:nvPr/>
-        </p:nvPicPr>
-        <p:blipFill>
-          <a:blip r:embed="rId2">
-            <a:extLst>
-              <a:ext uri="{28A0092B-C50C-407E-A947-70E740481C1C}">
-                <a14:useLocalDpi xmlns:a14="http://schemas.microsoft.com/office/drawing/2010/main" val="0"/>
-              </a:ext>
-            </a:extLst>
-          </a:blip>
-          <a:stretch>
-            <a:fillRect/>
-          </a:stretch>
-        </p:blipFill>
-        <p:spPr>
-          <a:xfrm>
-            <a:off x="0" y="0"/>
-            <a:ext cx="12128269" cy="5976851"/>
-          </a:xfrm>
-          <a:prstGeom prst="rect">
-            <a:avLst/>
-          </a:prstGeom>
-          <a:ln>
-            <a:solidFill>
-              <a:schemeClr val="bg1"/>
-            </a:solidFill>
-          </a:ln>
-        </p:spPr>
-      </p:pic>
-      <p:graphicFrame>
-        <p:nvGraphicFramePr>
-          <p:cNvPr id="4" name="Table 3"/>
-          <p:cNvGraphicFramePr>
-            <a:graphicFrameLocks noGrp="1"/>
-          </p:cNvGraphicFramePr>
-          <p:nvPr>
-            <p:extLst>
-              <p:ext uri="{D42A27DB-BD31-4B8C-83A1-F6EECF244321}">
-                <p14:modId xmlns:p14="http://schemas.microsoft.com/office/powerpoint/2010/main" val="3536745573"/>
-              </p:ext>
-            </p:extLst>
-          </p:nvPr>
-        </p:nvGraphicFramePr>
-        <p:xfrm>
-          <a:off x="4862945" y="996142"/>
-          <a:ext cx="6059978" cy="1979816"/>
-        </p:xfrm>
-        <a:graphic>
-          <a:graphicData uri="http://schemas.openxmlformats.org/drawingml/2006/table">
-            <a:tbl>
-              <a:tblPr firstRow="1" bandRow="1">
-                <a:tableStyleId>{5C22544A-7EE6-4342-B048-85BDC9FD1C3A}</a:tableStyleId>
-              </a:tblPr>
-              <a:tblGrid>
-                <a:gridCol w="4025394">
-                  <a:extLst>
-                    <a:ext uri="{9D8B030D-6E8A-4147-A177-3AD203B41FA5}">
-                      <a16:colId xmlns:a16="http://schemas.microsoft.com/office/drawing/2014/main" val="2392704665"/>
-                    </a:ext>
-                  </a:extLst>
-                </a:gridCol>
-                <a:gridCol w="2034584">
-                  <a:extLst>
-                    <a:ext uri="{9D8B030D-6E8A-4147-A177-3AD203B41FA5}">
-                      <a16:colId xmlns:a16="http://schemas.microsoft.com/office/drawing/2014/main" val="1796620363"/>
-                    </a:ext>
-                  </a:extLst>
-                </a:gridCol>
-              </a:tblGrid>
-              <a:tr h="494954">
-                <a:tc>
-                  <a:txBody>
-                    <a:bodyPr/>
-                    <a:lstStyle/>
-                    <a:p>
-                      <a:pPr algn="ctr"/>
-                      <a:r>
-                        <a:rPr lang="en-US" sz="1050" b="0" dirty="0" smtClean="0">
-                          <a:latin typeface="EMprint" panose="020B0503020204020204" pitchFamily="34" charset="0"/>
-                          <a:ea typeface="EMprint" panose="020B0503020204020204" pitchFamily="34" charset="0"/>
-                        </a:rPr>
-                        <a:t>TOP SCORE</a:t>
-                      </a:r>
-                      <a:endParaRPr lang="en-US" sz="1400" b="0" dirty="0">
-                        <a:latin typeface="EMprint" panose="020B0503020204020204" pitchFamily="34" charset="0"/>
-                        <a:ea typeface="EMprint" panose="020B0503020204020204" pitchFamily="34" charset="0"/>
-                      </a:endParaRPr>
-                    </a:p>
-                  </a:txBody>
-                  <a:tcPr>
-                    <a:solidFill>
-                      <a:srgbClr val="B71F1F"/>
-                    </a:solidFill>
-                  </a:tcPr>
-                </a:tc>
-                <a:tc>
-                  <a:txBody>
-                    <a:bodyPr/>
-                    <a:lstStyle/>
-                    <a:p>
-                      <a:pPr algn="ctr"/>
-                      <a:endParaRPr lang="en-US" dirty="0">
-                        <a:latin typeface="EMprint" panose="020B0503020204020204" pitchFamily="34" charset="0"/>
-                        <a:ea typeface="EMprint" panose="020B0503020204020204" pitchFamily="34" charset="0"/>
-                      </a:endParaRPr>
-                    </a:p>
-                  </a:txBody>
-                  <a:tcPr>
-                    <a:solidFill>
-                      <a:srgbClr val="B71F1F"/>
-                    </a:solidFill>
-                  </a:tcPr>
-                </a:tc>
-                <a:extLst>
-                  <a:ext uri="{0D108BD9-81ED-4DB2-BD59-A6C34878D82A}">
-                    <a16:rowId xmlns:a16="http://schemas.microsoft.com/office/drawing/2014/main" val="1562972995"/>
-                  </a:ext>
-                </a:extLst>
-              </a:tr>
-              <a:tr h="494954">
-                <a:tc>
-                  <a:txBody>
-                    <a:bodyPr/>
-                    <a:lstStyle/>
-                    <a:p>
-                      <a:r>
-                        <a:rPr lang="en-US" sz="1200" b="0" i="0" kern="1200" dirty="0" smtClean="0">
-                          <a:solidFill>
-                            <a:schemeClr val="dk1"/>
-                          </a:solidFill>
-                          <a:effectLst/>
-                          <a:latin typeface="EMprint" panose="020B0503020204020204" pitchFamily="34" charset="0"/>
-                          <a:ea typeface="EMprint" panose="020B0503020204020204" pitchFamily="34" charset="0"/>
-                          <a:cs typeface="+mn-cs"/>
-                        </a:rPr>
-                        <a:t>1. Chalong, Sasithorn</a:t>
-                      </a:r>
-                      <a:endParaRPr lang="en-US" sz="1200" dirty="0">
-                        <a:latin typeface="EMprint" panose="020B0503020204020204" pitchFamily="34" charset="0"/>
-                        <a:ea typeface="EMprint" panose="020B0503020204020204" pitchFamily="34" charset="0"/>
-                      </a:endParaRPr>
-                    </a:p>
-                  </a:txBody>
-                  <a:tcPr>
-                    <a:solidFill>
-                      <a:schemeClr val="accent4"/>
-                    </a:solidFill>
-                  </a:tcPr>
-                </a:tc>
-                <a:tc>
-                  <a:txBody>
-                    <a:bodyPr/>
-                    <a:lstStyle/>
-                    <a:p>
-                      <a:pPr algn="ctr"/>
-                      <a:r>
-                        <a:rPr lang="en-US" sz="1200" dirty="0" smtClean="0">
-                          <a:latin typeface="EMprint" panose="020B0503020204020204" pitchFamily="34" charset="0"/>
-                          <a:ea typeface="EMprint" panose="020B0503020204020204" pitchFamily="34" charset="0"/>
-                        </a:rPr>
-                        <a:t>450</a:t>
-                      </a:r>
-                      <a:endParaRPr lang="en-US" sz="1200" dirty="0">
-                        <a:latin typeface="EMprint" panose="020B0503020204020204" pitchFamily="34" charset="0"/>
-                        <a:ea typeface="EMprint" panose="020B0503020204020204" pitchFamily="34" charset="0"/>
-                      </a:endParaRPr>
-                    </a:p>
-                  </a:txBody>
-                  <a:tcPr>
-                    <a:solidFill>
-                      <a:schemeClr val="accent4"/>
-                    </a:solidFill>
-                  </a:tcPr>
-                </a:tc>
-                <a:extLst>
-                  <a:ext uri="{0D108BD9-81ED-4DB2-BD59-A6C34878D82A}">
-                    <a16:rowId xmlns:a16="http://schemas.microsoft.com/office/drawing/2014/main" val="3830907580"/>
-                  </a:ext>
-                </a:extLst>
-              </a:tr>
-              <a:tr h="494954">
-                <a:tc>
-                  <a:txBody>
-                    <a:bodyPr/>
-                    <a:lstStyle/>
-                    <a:p>
-                      <a:r>
-                        <a:rPr lang="en-US" sz="1200" b="0" i="0" kern="1200" dirty="0" smtClean="0">
-                          <a:solidFill>
-                            <a:schemeClr val="dk1"/>
-                          </a:solidFill>
-                          <a:effectLst/>
-                          <a:latin typeface="EMprint" panose="020B0503020204020204" pitchFamily="34" charset="0"/>
-                          <a:ea typeface="EMprint" panose="020B0503020204020204" pitchFamily="34" charset="0"/>
-                          <a:cs typeface="+mn-cs"/>
-                        </a:rPr>
-                        <a:t>2. Wongkornvanich, Anunsith (Sea)</a:t>
-                      </a:r>
-                      <a:endParaRPr lang="en-US" sz="1200" dirty="0">
-                        <a:latin typeface="EMprint" panose="020B0503020204020204" pitchFamily="34" charset="0"/>
-                        <a:ea typeface="EMprint" panose="020B0503020204020204" pitchFamily="34" charset="0"/>
-                      </a:endParaRPr>
-                    </a:p>
-                  </a:txBody>
-                  <a:tcPr>
-                    <a:solidFill>
-                      <a:schemeClr val="bg1"/>
-                    </a:solidFill>
-                  </a:tcPr>
-                </a:tc>
-                <a:tc>
-                  <a:txBody>
-                    <a:bodyPr/>
-                    <a:lstStyle/>
-                    <a:p>
-                      <a:pPr algn="ctr"/>
-                      <a:r>
-                        <a:rPr lang="en-US" sz="1200" dirty="0" smtClean="0">
-                          <a:latin typeface="EMprint" panose="020B0503020204020204" pitchFamily="34" charset="0"/>
-                          <a:ea typeface="EMprint" panose="020B0503020204020204" pitchFamily="34" charset="0"/>
-                        </a:rPr>
-                        <a:t>400</a:t>
-                      </a:r>
-                      <a:endParaRPr lang="en-US" sz="1200" dirty="0">
-                        <a:latin typeface="EMprint" panose="020B0503020204020204" pitchFamily="34" charset="0"/>
-                        <a:ea typeface="EMprint" panose="020B0503020204020204" pitchFamily="34" charset="0"/>
-                      </a:endParaRPr>
-                    </a:p>
-                  </a:txBody>
-                  <a:tcPr>
-                    <a:solidFill>
-                      <a:schemeClr val="bg1"/>
-                    </a:solidFill>
-                  </a:tcPr>
-                </a:tc>
-                <a:extLst>
-                  <a:ext uri="{0D108BD9-81ED-4DB2-BD59-A6C34878D82A}">
-                    <a16:rowId xmlns:a16="http://schemas.microsoft.com/office/drawing/2014/main" val="2329145063"/>
-                  </a:ext>
-                </a:extLst>
-              </a:tr>
-              <a:tr h="494954">
-                <a:tc>
-                  <a:txBody>
-                    <a:bodyPr/>
-                    <a:lstStyle/>
-                    <a:p>
-                      <a:r>
-                        <a:rPr lang="en-US" sz="1200" b="0" i="0" kern="1200" dirty="0" smtClean="0">
-                          <a:solidFill>
-                            <a:schemeClr val="dk1"/>
-                          </a:solidFill>
-                          <a:effectLst/>
-                          <a:latin typeface="EMprint" panose="020B0503020204020204" pitchFamily="34" charset="0"/>
-                          <a:ea typeface="EMprint" panose="020B0503020204020204" pitchFamily="34" charset="0"/>
-                          <a:cs typeface="+mn-cs"/>
-                        </a:rPr>
-                        <a:t>3. Chia-Piyasakul, Karnrawee</a:t>
-                      </a:r>
-                      <a:endParaRPr lang="en-US" sz="1200" dirty="0">
-                        <a:latin typeface="EMprint" panose="020B0503020204020204" pitchFamily="34" charset="0"/>
-                        <a:ea typeface="EMprint" panose="020B0503020204020204" pitchFamily="34" charset="0"/>
-                      </a:endParaRPr>
-                    </a:p>
-                  </a:txBody>
-                  <a:tcPr>
-                    <a:solidFill>
-                      <a:schemeClr val="accent2">
-                        <a:lumMod val="40000"/>
-                        <a:lumOff val="60000"/>
-                      </a:schemeClr>
-                    </a:solidFill>
-                  </a:tcPr>
-                </a:tc>
-                <a:tc>
-                  <a:txBody>
-                    <a:bodyPr/>
-                    <a:lstStyle/>
-                    <a:p>
-                      <a:pPr algn="ctr"/>
-                      <a:r>
-                        <a:rPr lang="en-US" sz="1200" dirty="0" smtClean="0">
-                          <a:latin typeface="EMprint" panose="020B0503020204020204" pitchFamily="34" charset="0"/>
-                          <a:ea typeface="EMprint" panose="020B0503020204020204" pitchFamily="34" charset="0"/>
-                        </a:rPr>
-                        <a:t>350</a:t>
-                      </a:r>
-                      <a:endParaRPr lang="en-US" sz="1200" dirty="0">
-                        <a:latin typeface="EMprint" panose="020B0503020204020204" pitchFamily="34" charset="0"/>
-                        <a:ea typeface="EMprint" panose="020B0503020204020204" pitchFamily="34" charset="0"/>
-                      </a:endParaRPr>
-                    </a:p>
-                  </a:txBody>
-                  <a:tcPr>
-                    <a:solidFill>
-                      <a:schemeClr val="accent2">
-                        <a:lumMod val="40000"/>
-                        <a:lumOff val="60000"/>
-                      </a:schemeClr>
-                    </a:solidFill>
-                  </a:tcPr>
-                </a:tc>
-                <a:extLst>
-                  <a:ext uri="{0D108BD9-81ED-4DB2-BD59-A6C34878D82A}">
-                    <a16:rowId xmlns:a16="http://schemas.microsoft.com/office/drawing/2014/main" val="2523538187"/>
-                  </a:ext>
-                </a:extLst>
-              </a:tr>
-            </a:tbl>
-          </a:graphicData>
-        </a:graphic>
-      </p:graphicFrame>
-      <p:graphicFrame>
-        <p:nvGraphicFramePr>
-          <p:cNvPr id="5" name="Table 4"/>
-          <p:cNvGraphicFramePr>
-            <a:graphicFrameLocks noGrp="1"/>
-          </p:cNvGraphicFramePr>
-          <p:nvPr>
-            <p:extLst>
-              <p:ext uri="{D42A27DB-BD31-4B8C-83A1-F6EECF244321}">
-                <p14:modId xmlns:p14="http://schemas.microsoft.com/office/powerpoint/2010/main" val="983867926"/>
-              </p:ext>
-            </p:extLst>
-          </p:nvPr>
-        </p:nvGraphicFramePr>
-        <p:xfrm>
-          <a:off x="4862945" y="2975957"/>
-          <a:ext cx="6059978" cy="1986740"/>
-        </p:xfrm>
-        <a:graphic>
-          <a:graphicData uri="http://schemas.openxmlformats.org/drawingml/2006/table">
-            <a:tbl>
-              <a:tblPr firstRow="1" bandRow="1">
-                <a:tableStyleId>{5C22544A-7EE6-4342-B048-85BDC9FD1C3A}</a:tableStyleId>
-              </a:tblPr>
-              <a:tblGrid>
-                <a:gridCol w="4025394">
-                  <a:extLst>
-                    <a:ext uri="{9D8B030D-6E8A-4147-A177-3AD203B41FA5}">
-                      <a16:colId xmlns:a16="http://schemas.microsoft.com/office/drawing/2014/main" val="2392704665"/>
-                    </a:ext>
-                  </a:extLst>
-                </a:gridCol>
-                <a:gridCol w="2034584">
-                  <a:extLst>
-                    <a:ext uri="{9D8B030D-6E8A-4147-A177-3AD203B41FA5}">
-                      <a16:colId xmlns:a16="http://schemas.microsoft.com/office/drawing/2014/main" val="1796620363"/>
-                    </a:ext>
-                  </a:extLst>
-                </a:gridCol>
-              </a:tblGrid>
-              <a:tr h="496685">
-                <a:tc>
-                  <a:txBody>
-                    <a:bodyPr/>
-                    <a:lstStyle/>
-                    <a:p>
-                      <a:pPr algn="ctr"/>
-                      <a:r>
-                        <a:rPr lang="en-US" sz="1050" b="0" dirty="0" smtClean="0">
-                          <a:latin typeface="EMprint" panose="020B0503020204020204" pitchFamily="34" charset="0"/>
-                          <a:ea typeface="EMprint" panose="020B0503020204020204" pitchFamily="34" charset="0"/>
-                        </a:rPr>
-                        <a:t>Your score</a:t>
-                      </a:r>
-                      <a:endParaRPr lang="en-US" sz="1400" b="0" dirty="0">
-                        <a:latin typeface="EMprint" panose="020B0503020204020204" pitchFamily="34" charset="0"/>
-                        <a:ea typeface="EMprint" panose="020B0503020204020204" pitchFamily="34" charset="0"/>
-                      </a:endParaRPr>
-                    </a:p>
-                  </a:txBody>
-                  <a:tcPr>
-                    <a:solidFill>
-                      <a:srgbClr val="B71F1F"/>
-                    </a:solidFill>
-                  </a:tcPr>
-                </a:tc>
-                <a:tc>
-                  <a:txBody>
-                    <a:bodyPr/>
-                    <a:lstStyle/>
-                    <a:p>
-                      <a:pPr algn="ctr"/>
-                      <a:endParaRPr lang="en-US" dirty="0">
-                        <a:latin typeface="EMprint" panose="020B0503020204020204" pitchFamily="34" charset="0"/>
-                        <a:ea typeface="EMprint" panose="020B0503020204020204" pitchFamily="34" charset="0"/>
-                      </a:endParaRPr>
-                    </a:p>
-                  </a:txBody>
-                  <a:tcPr>
-                    <a:solidFill>
-                      <a:srgbClr val="B71F1F"/>
-                    </a:solidFill>
-                  </a:tcPr>
-                </a:tc>
-                <a:extLst>
-                  <a:ext uri="{0D108BD9-81ED-4DB2-BD59-A6C34878D82A}">
-                    <a16:rowId xmlns:a16="http://schemas.microsoft.com/office/drawing/2014/main" val="1562972995"/>
-                  </a:ext>
-                </a:extLst>
-              </a:tr>
-              <a:tr h="496685">
-                <a:tc>
-                  <a:txBody>
-                    <a:bodyPr/>
-                    <a:lstStyle/>
-                    <a:p>
-                      <a:r>
-                        <a:rPr lang="en-US" sz="1200" b="0" i="0" kern="1200" dirty="0" smtClean="0">
-                          <a:solidFill>
-                            <a:schemeClr val="dk1"/>
-                          </a:solidFill>
-                          <a:effectLst/>
-                          <a:latin typeface="EMprint" panose="020B0503020204020204" pitchFamily="34" charset="0"/>
-                          <a:ea typeface="EMprint" panose="020B0503020204020204" pitchFamily="34" charset="0"/>
-                          <a:cs typeface="+mn-cs"/>
-                        </a:rPr>
-                        <a:t>1. Chalong, Sasithorn</a:t>
-                      </a:r>
-                      <a:endParaRPr lang="en-US" sz="1200" dirty="0">
-                        <a:latin typeface="EMprint" panose="020B0503020204020204" pitchFamily="34" charset="0"/>
-                        <a:ea typeface="EMprint" panose="020B0503020204020204" pitchFamily="34" charset="0"/>
-                      </a:endParaRPr>
-                    </a:p>
-                  </a:txBody>
-                  <a:tcPr>
-                    <a:solidFill>
-                      <a:schemeClr val="tx2">
-                        <a:lumMod val="20000"/>
-                        <a:lumOff val="80000"/>
-                      </a:schemeClr>
-                    </a:solidFill>
-                  </a:tcPr>
-                </a:tc>
-                <a:tc>
-                  <a:txBody>
-                    <a:bodyPr/>
-                    <a:lstStyle/>
-                    <a:p>
-                      <a:pPr algn="ctr"/>
-                      <a:r>
-                        <a:rPr lang="en-US" sz="1200" dirty="0" smtClean="0">
-                          <a:latin typeface="EMprint" panose="020B0503020204020204" pitchFamily="34" charset="0"/>
-                          <a:ea typeface="EMprint" panose="020B0503020204020204" pitchFamily="34" charset="0"/>
-                        </a:rPr>
-                        <a:t>450</a:t>
-                      </a:r>
-                      <a:endParaRPr lang="en-US" sz="1200" dirty="0">
-                        <a:latin typeface="EMprint" panose="020B0503020204020204" pitchFamily="34" charset="0"/>
-                        <a:ea typeface="EMprint" panose="020B0503020204020204" pitchFamily="34" charset="0"/>
-                      </a:endParaRPr>
-                    </a:p>
-                  </a:txBody>
-                  <a:tcPr>
-                    <a:solidFill>
-                      <a:schemeClr val="tx2">
-                        <a:lumMod val="20000"/>
-                        <a:lumOff val="80000"/>
-                      </a:schemeClr>
-                    </a:solidFill>
-                  </a:tcPr>
-                </a:tc>
-                <a:extLst>
-                  <a:ext uri="{0D108BD9-81ED-4DB2-BD59-A6C34878D82A}">
-                    <a16:rowId xmlns:a16="http://schemas.microsoft.com/office/drawing/2014/main" val="3830907580"/>
-                  </a:ext>
-                </a:extLst>
-              </a:tr>
-              <a:tr h="496685">
-                <a:tc>
-                  <a:txBody>
-                    <a:bodyPr/>
-                    <a:lstStyle/>
-                    <a:p>
-                      <a:r>
-                        <a:rPr lang="en-US" sz="1200" b="0" i="0" kern="1200" dirty="0" smtClean="0">
-                          <a:solidFill>
-                            <a:schemeClr val="dk1"/>
-                          </a:solidFill>
-                          <a:effectLst/>
-                          <a:latin typeface="EMprint" panose="020B0503020204020204" pitchFamily="34" charset="0"/>
-                          <a:ea typeface="EMprint" panose="020B0503020204020204" pitchFamily="34" charset="0"/>
-                          <a:cs typeface="+mn-cs"/>
-                        </a:rPr>
-                        <a:t>2. Wongkornvanich, Anunsith (Sea)</a:t>
-                      </a:r>
-                      <a:endParaRPr lang="en-US" sz="1200" dirty="0">
-                        <a:latin typeface="EMprint" panose="020B0503020204020204" pitchFamily="34" charset="0"/>
-                        <a:ea typeface="EMprint" panose="020B0503020204020204" pitchFamily="34" charset="0"/>
-                      </a:endParaRPr>
-                    </a:p>
-                  </a:txBody>
-                  <a:tcPr>
-                    <a:solidFill>
-                      <a:schemeClr val="bg1"/>
-                    </a:solidFill>
-                  </a:tcPr>
-                </a:tc>
-                <a:tc>
-                  <a:txBody>
-                    <a:bodyPr/>
-                    <a:lstStyle/>
-                    <a:p>
-                      <a:pPr algn="ctr"/>
-                      <a:r>
-                        <a:rPr lang="en-US" sz="1200" dirty="0" smtClean="0">
-                          <a:latin typeface="EMprint" panose="020B0503020204020204" pitchFamily="34" charset="0"/>
-                          <a:ea typeface="EMprint" panose="020B0503020204020204" pitchFamily="34" charset="0"/>
-                        </a:rPr>
-                        <a:t>400</a:t>
-                      </a:r>
-                      <a:endParaRPr lang="en-US" sz="1200" dirty="0">
-                        <a:latin typeface="EMprint" panose="020B0503020204020204" pitchFamily="34" charset="0"/>
-                        <a:ea typeface="EMprint" panose="020B0503020204020204" pitchFamily="34" charset="0"/>
-                      </a:endParaRPr>
-                    </a:p>
-                  </a:txBody>
-                  <a:tcPr>
-                    <a:solidFill>
-                      <a:schemeClr val="bg1"/>
-                    </a:solidFill>
-                  </a:tcPr>
-                </a:tc>
-                <a:extLst>
-                  <a:ext uri="{0D108BD9-81ED-4DB2-BD59-A6C34878D82A}">
-                    <a16:rowId xmlns:a16="http://schemas.microsoft.com/office/drawing/2014/main" val="2329145063"/>
-                  </a:ext>
-                </a:extLst>
-              </a:tr>
-              <a:tr h="496685">
-                <a:tc>
-                  <a:txBody>
-                    <a:bodyPr/>
-                    <a:lstStyle/>
-                    <a:p>
-                      <a:r>
-                        <a:rPr lang="en-US" sz="1200" b="0" i="0" kern="1200" dirty="0" smtClean="0">
-                          <a:solidFill>
-                            <a:schemeClr val="dk1"/>
-                          </a:solidFill>
-                          <a:effectLst/>
-                          <a:latin typeface="EMprint" panose="020B0503020204020204" pitchFamily="34" charset="0"/>
-                          <a:ea typeface="EMprint" panose="020B0503020204020204" pitchFamily="34" charset="0"/>
-                          <a:cs typeface="+mn-cs"/>
-                        </a:rPr>
-                        <a:t>3. Chia-Piyasakul, Karnrawee</a:t>
-                      </a:r>
-                      <a:endParaRPr lang="en-US" sz="1200" dirty="0">
-                        <a:latin typeface="EMprint" panose="020B0503020204020204" pitchFamily="34" charset="0"/>
-                        <a:ea typeface="EMprint" panose="020B0503020204020204" pitchFamily="34" charset="0"/>
-                      </a:endParaRPr>
-                    </a:p>
-                  </a:txBody>
-                  <a:tcPr>
-                    <a:solidFill>
-                      <a:schemeClr val="tx2">
-                        <a:lumMod val="20000"/>
-                        <a:lumOff val="80000"/>
-                      </a:schemeClr>
-                    </a:solidFill>
-                  </a:tcPr>
-                </a:tc>
-                <a:tc>
-                  <a:txBody>
-                    <a:bodyPr/>
-                    <a:lstStyle/>
-                    <a:p>
-                      <a:pPr algn="ctr"/>
-                      <a:r>
-                        <a:rPr lang="en-US" sz="1200" dirty="0" smtClean="0">
-                          <a:latin typeface="EMprint" panose="020B0503020204020204" pitchFamily="34" charset="0"/>
-                          <a:ea typeface="EMprint" panose="020B0503020204020204" pitchFamily="34" charset="0"/>
-                        </a:rPr>
-                        <a:t>350</a:t>
-                      </a:r>
-                      <a:endParaRPr lang="en-US" sz="1200" dirty="0">
-                        <a:latin typeface="EMprint" panose="020B0503020204020204" pitchFamily="34" charset="0"/>
-                        <a:ea typeface="EMprint" panose="020B0503020204020204" pitchFamily="34" charset="0"/>
-                      </a:endParaRPr>
-                    </a:p>
-                  </a:txBody>
-                  <a:tcPr>
-                    <a:solidFill>
-                      <a:schemeClr val="tx2">
-                        <a:lumMod val="20000"/>
-                        <a:lumOff val="80000"/>
-                      </a:schemeClr>
-                    </a:solidFill>
-                  </a:tcPr>
-                </a:tc>
-                <a:extLst>
-                  <a:ext uri="{0D108BD9-81ED-4DB2-BD59-A6C34878D82A}">
-                    <a16:rowId xmlns:a16="http://schemas.microsoft.com/office/drawing/2014/main" val="2523538187"/>
-                  </a:ext>
-                </a:extLst>
-              </a:tr>
-            </a:tbl>
-          </a:graphicData>
-        </a:graphic>
-      </p:graphicFrame>
-      <p:sp>
-        <p:nvSpPr>
-          <p:cNvPr id="7" name="Rectangle 6"/>
-          <p:cNvSpPr/>
-          <p:nvPr/>
-        </p:nvSpPr>
-        <p:spPr>
-          <a:xfrm>
-            <a:off x="9543011" y="274320"/>
-            <a:ext cx="1654233" cy="191193"/>
-          </a:xfrm>
-          <a:prstGeom prst="rect">
-            <a:avLst/>
-          </a:prstGeom>
-          <a:solidFill>
-            <a:schemeClr val="bg1"/>
-          </a:solidFill>
-          <a:ln>
-            <a:solidFill>
-              <a:schemeClr val="bg1"/>
-            </a:solidFill>
-          </a:ln>
-        </p:spPr>
-        <p:style>
-          <a:lnRef idx="2">
-            <a:schemeClr val="accent1">
-              <a:shade val="50000"/>
-            </a:schemeClr>
-          </a:lnRef>
-          <a:fillRef idx="1">
-            <a:schemeClr val="accent1"/>
-          </a:fillRef>
-          <a:effectRef idx="0">
-            <a:schemeClr val="accent1"/>
-          </a:effectRef>
-          <a:fontRef idx="minor">
-            <a:schemeClr val="lt1"/>
-          </a:fontRef>
-        </p:style>
-        <p:txBody>
-          <a:bodyPr rtlCol="0" anchor="ctr"/>
-          <a:lstStyle/>
-          <a:p>
-            <a:pPr algn="ctr"/>
-            <a:endParaRPr lang="en-US"/>
-          </a:p>
-        </p:txBody>
-      </p:sp>
-    </p:spTree>
-    <p:extLst>
-      <p:ext uri="{BB962C8B-B14F-4D97-AF65-F5344CB8AC3E}">
-        <p14:creationId xmlns:p14="http://schemas.microsoft.com/office/powerpoint/2010/main" val="940579420"/>
-      </p:ext>
-    </p:extLst>
-  </p:cSld>
-  <p:clrMapOvr>
-    <a:masterClrMapping/>
-  </p:clrMapOvr>
-  <mc:AlternateContent xmlns:mc="http://schemas.openxmlformats.org/markup-compatibility/2006" xmlns:p14="http://schemas.microsoft.com/office/powerpoint/2010/main">
-    <mc:Choice Requires="p14">
-      <p:transition spd="slow" p14:dur="2000"/>
-    </mc:Choice>
-    <mc:Fallback xmlns="">
-      <p:transition spd="slow"/>
-    </mc:Fallback>
-  </mc:AlternateContent>
 </p:sld>
 </file>
 

--- a/LeaderboardTest1.pptx
+++ b/LeaderboardTest1.pptx
@@ -9,6 +9,9 @@
     <p:sldId id="262" r:id="rId3"/>
     <p:sldId id="263" r:id="rId4"/>
     <p:sldId id="265" r:id="rId5"/>
+    <p:sldId id="260" r:id="rId6"/>
+    <p:sldId id="258" r:id="rId7"/>
+    <p:sldId id="259" r:id="rId8"/>
   </p:sldIdLst>
   <p:sldSz cx="12192000" cy="6858000"/>
   <p:notesSz cx="6858000" cy="9144000"/>
@@ -157,9 +160,10 @@
           </a:lstStyle>
           <a:p>
             <a:r>
-              <a:rPr lang="en-US"/>
+              <a:rPr lang="en-US" smtClean="0"/>
               <a:t>Click to edit Master title style</a:t>
             </a:r>
+            <a:endParaRPr lang="en-US"/>
           </a:p>
         </p:txBody>
       </p:sp>
@@ -221,9 +225,10 @@
           </a:lstStyle>
           <a:p>
             <a:r>
-              <a:rPr lang="en-US"/>
+              <a:rPr lang="en-US" smtClean="0"/>
               <a:t>Click to edit Master subtitle style</a:t>
             </a:r>
+            <a:endParaRPr lang="en-US"/>
           </a:p>
         </p:txBody>
       </p:sp>
@@ -244,7 +249,7 @@
           <a:p>
             <a:fld id="{B93B0B30-BF83-45B1-9000-043C4821AC19}" type="datetimeFigureOut">
               <a:rPr lang="en-US" smtClean="0"/>
-              <a:t>8/26/2022</a:t>
+              <a:t>3/10/2022</a:t>
             </a:fld>
             <a:endParaRPr lang="en-US"/>
           </a:p>
@@ -338,9 +343,10 @@
           <a:lstStyle/>
           <a:p>
             <a:r>
-              <a:rPr lang="en-US"/>
+              <a:rPr lang="en-US" smtClean="0"/>
               <a:t>Click to edit Master title style</a:t>
             </a:r>
+            <a:endParaRPr lang="en-US"/>
           </a:p>
         </p:txBody>
       </p:sp>
@@ -361,37 +367,38 @@
           <a:p>
             <a:pPr lvl="0"/>
             <a:r>
-              <a:rPr lang="en-US"/>
+              <a:rPr lang="en-US" smtClean="0"/>
               <a:t>Edit Master text styles</a:t>
             </a:r>
           </a:p>
           <a:p>
             <a:pPr lvl="1"/>
             <a:r>
-              <a:rPr lang="en-US"/>
+              <a:rPr lang="en-US" smtClean="0"/>
               <a:t>Second level</a:t>
             </a:r>
           </a:p>
           <a:p>
             <a:pPr lvl="2"/>
             <a:r>
-              <a:rPr lang="en-US"/>
+              <a:rPr lang="en-US" smtClean="0"/>
               <a:t>Third level</a:t>
             </a:r>
           </a:p>
           <a:p>
             <a:pPr lvl="3"/>
             <a:r>
-              <a:rPr lang="en-US"/>
+              <a:rPr lang="en-US" smtClean="0"/>
               <a:t>Fourth level</a:t>
             </a:r>
           </a:p>
           <a:p>
             <a:pPr lvl="4"/>
             <a:r>
-              <a:rPr lang="en-US"/>
+              <a:rPr lang="en-US" smtClean="0"/>
               <a:t>Fifth level</a:t>
             </a:r>
+            <a:endParaRPr lang="en-US"/>
           </a:p>
         </p:txBody>
       </p:sp>
@@ -412,7 +419,7 @@
           <a:p>
             <a:fld id="{B93B0B30-BF83-45B1-9000-043C4821AC19}" type="datetimeFigureOut">
               <a:rPr lang="en-US" smtClean="0"/>
-              <a:t>8/26/2022</a:t>
+              <a:t>3/10/2022</a:t>
             </a:fld>
             <a:endParaRPr lang="en-US"/>
           </a:p>
@@ -511,9 +518,10 @@
           <a:lstStyle/>
           <a:p>
             <a:r>
-              <a:rPr lang="en-US"/>
+              <a:rPr lang="en-US" smtClean="0"/>
               <a:t>Click to edit Master title style</a:t>
             </a:r>
+            <a:endParaRPr lang="en-US"/>
           </a:p>
         </p:txBody>
       </p:sp>
@@ -539,37 +547,38 @@
           <a:p>
             <a:pPr lvl="0"/>
             <a:r>
-              <a:rPr lang="en-US"/>
+              <a:rPr lang="en-US" smtClean="0"/>
               <a:t>Edit Master text styles</a:t>
             </a:r>
           </a:p>
           <a:p>
             <a:pPr lvl="1"/>
             <a:r>
-              <a:rPr lang="en-US"/>
+              <a:rPr lang="en-US" smtClean="0"/>
               <a:t>Second level</a:t>
             </a:r>
           </a:p>
           <a:p>
             <a:pPr lvl="2"/>
             <a:r>
-              <a:rPr lang="en-US"/>
+              <a:rPr lang="en-US" smtClean="0"/>
               <a:t>Third level</a:t>
             </a:r>
           </a:p>
           <a:p>
             <a:pPr lvl="3"/>
             <a:r>
-              <a:rPr lang="en-US"/>
+              <a:rPr lang="en-US" smtClean="0"/>
               <a:t>Fourth level</a:t>
             </a:r>
           </a:p>
           <a:p>
             <a:pPr lvl="4"/>
             <a:r>
-              <a:rPr lang="en-US"/>
+              <a:rPr lang="en-US" smtClean="0"/>
               <a:t>Fifth level</a:t>
             </a:r>
+            <a:endParaRPr lang="en-US"/>
           </a:p>
         </p:txBody>
       </p:sp>
@@ -590,7 +599,7 @@
           <a:p>
             <a:fld id="{B93B0B30-BF83-45B1-9000-043C4821AC19}" type="datetimeFigureOut">
               <a:rPr lang="en-US" smtClean="0"/>
-              <a:t>8/26/2022</a:t>
+              <a:t>3/10/2022</a:t>
             </a:fld>
             <a:endParaRPr lang="en-US"/>
           </a:p>
@@ -684,9 +693,10 @@
           <a:lstStyle/>
           <a:p>
             <a:r>
-              <a:rPr lang="en-US"/>
+              <a:rPr lang="en-US" smtClean="0"/>
               <a:t>Click to edit Master title style</a:t>
             </a:r>
+            <a:endParaRPr lang="en-US"/>
           </a:p>
         </p:txBody>
       </p:sp>
@@ -707,37 +717,38 @@
           <a:p>
             <a:pPr lvl="0"/>
             <a:r>
-              <a:rPr lang="en-US"/>
+              <a:rPr lang="en-US" smtClean="0"/>
               <a:t>Edit Master text styles</a:t>
             </a:r>
           </a:p>
           <a:p>
             <a:pPr lvl="1"/>
             <a:r>
-              <a:rPr lang="en-US"/>
+              <a:rPr lang="en-US" smtClean="0"/>
               <a:t>Second level</a:t>
             </a:r>
           </a:p>
           <a:p>
             <a:pPr lvl="2"/>
             <a:r>
-              <a:rPr lang="en-US"/>
+              <a:rPr lang="en-US" smtClean="0"/>
               <a:t>Third level</a:t>
             </a:r>
           </a:p>
           <a:p>
             <a:pPr lvl="3"/>
             <a:r>
-              <a:rPr lang="en-US"/>
+              <a:rPr lang="en-US" smtClean="0"/>
               <a:t>Fourth level</a:t>
             </a:r>
           </a:p>
           <a:p>
             <a:pPr lvl="4"/>
             <a:r>
-              <a:rPr lang="en-US"/>
+              <a:rPr lang="en-US" smtClean="0"/>
               <a:t>Fifth level</a:t>
             </a:r>
+            <a:endParaRPr lang="en-US"/>
           </a:p>
         </p:txBody>
       </p:sp>
@@ -758,7 +769,7 @@
           <a:p>
             <a:fld id="{B93B0B30-BF83-45B1-9000-043C4821AC19}" type="datetimeFigureOut">
               <a:rPr lang="en-US" smtClean="0"/>
-              <a:t>8/26/2022</a:t>
+              <a:t>3/10/2022</a:t>
             </a:fld>
             <a:endParaRPr lang="en-US"/>
           </a:p>
@@ -861,9 +872,10 @@
           </a:lstStyle>
           <a:p>
             <a:r>
-              <a:rPr lang="en-US"/>
+              <a:rPr lang="en-US" smtClean="0"/>
               <a:t>Click to edit Master title style</a:t>
             </a:r>
+            <a:endParaRPr lang="en-US"/>
           </a:p>
         </p:txBody>
       </p:sp>
@@ -980,7 +992,7 @@
           <a:p>
             <a:pPr lvl="0"/>
             <a:r>
-              <a:rPr lang="en-US"/>
+              <a:rPr lang="en-US" smtClean="0"/>
               <a:t>Edit Master text styles</a:t>
             </a:r>
           </a:p>
@@ -1003,7 +1015,7 @@
           <a:p>
             <a:fld id="{B93B0B30-BF83-45B1-9000-043C4821AC19}" type="datetimeFigureOut">
               <a:rPr lang="en-US" smtClean="0"/>
-              <a:t>8/26/2022</a:t>
+              <a:t>3/10/2022</a:t>
             </a:fld>
             <a:endParaRPr lang="en-US"/>
           </a:p>
@@ -1097,9 +1109,10 @@
           <a:lstStyle/>
           <a:p>
             <a:r>
-              <a:rPr lang="en-US"/>
+              <a:rPr lang="en-US" smtClean="0"/>
               <a:t>Click to edit Master title style</a:t>
             </a:r>
+            <a:endParaRPr lang="en-US"/>
           </a:p>
         </p:txBody>
       </p:sp>
@@ -1125,37 +1138,38 @@
           <a:p>
             <a:pPr lvl="0"/>
             <a:r>
-              <a:rPr lang="en-US"/>
+              <a:rPr lang="en-US" smtClean="0"/>
               <a:t>Edit Master text styles</a:t>
             </a:r>
           </a:p>
           <a:p>
             <a:pPr lvl="1"/>
             <a:r>
-              <a:rPr lang="en-US"/>
+              <a:rPr lang="en-US" smtClean="0"/>
               <a:t>Second level</a:t>
             </a:r>
           </a:p>
           <a:p>
             <a:pPr lvl="2"/>
             <a:r>
-              <a:rPr lang="en-US"/>
+              <a:rPr lang="en-US" smtClean="0"/>
               <a:t>Third level</a:t>
             </a:r>
           </a:p>
           <a:p>
             <a:pPr lvl="3"/>
             <a:r>
-              <a:rPr lang="en-US"/>
+              <a:rPr lang="en-US" smtClean="0"/>
               <a:t>Fourth level</a:t>
             </a:r>
           </a:p>
           <a:p>
             <a:pPr lvl="4"/>
             <a:r>
-              <a:rPr lang="en-US"/>
+              <a:rPr lang="en-US" smtClean="0"/>
               <a:t>Fifth level</a:t>
             </a:r>
+            <a:endParaRPr lang="en-US"/>
           </a:p>
         </p:txBody>
       </p:sp>
@@ -1181,37 +1195,38 @@
           <a:p>
             <a:pPr lvl="0"/>
             <a:r>
-              <a:rPr lang="en-US"/>
+              <a:rPr lang="en-US" smtClean="0"/>
               <a:t>Edit Master text styles</a:t>
             </a:r>
           </a:p>
           <a:p>
             <a:pPr lvl="1"/>
             <a:r>
-              <a:rPr lang="en-US"/>
+              <a:rPr lang="en-US" smtClean="0"/>
               <a:t>Second level</a:t>
             </a:r>
           </a:p>
           <a:p>
             <a:pPr lvl="2"/>
             <a:r>
-              <a:rPr lang="en-US"/>
+              <a:rPr lang="en-US" smtClean="0"/>
               <a:t>Third level</a:t>
             </a:r>
           </a:p>
           <a:p>
             <a:pPr lvl="3"/>
             <a:r>
-              <a:rPr lang="en-US"/>
+              <a:rPr lang="en-US" smtClean="0"/>
               <a:t>Fourth level</a:t>
             </a:r>
           </a:p>
           <a:p>
             <a:pPr lvl="4"/>
             <a:r>
-              <a:rPr lang="en-US"/>
+              <a:rPr lang="en-US" smtClean="0"/>
               <a:t>Fifth level</a:t>
             </a:r>
+            <a:endParaRPr lang="en-US"/>
           </a:p>
         </p:txBody>
       </p:sp>
@@ -1232,7 +1247,7 @@
           <a:p>
             <a:fld id="{B93B0B30-BF83-45B1-9000-043C4821AC19}" type="datetimeFigureOut">
               <a:rPr lang="en-US" smtClean="0"/>
-              <a:t>8/26/2022</a:t>
+              <a:t>3/10/2022</a:t>
             </a:fld>
             <a:endParaRPr lang="en-US"/>
           </a:p>
@@ -1331,9 +1346,10 @@
           <a:lstStyle/>
           <a:p>
             <a:r>
-              <a:rPr lang="en-US"/>
+              <a:rPr lang="en-US" smtClean="0"/>
               <a:t>Click to edit Master title style</a:t>
             </a:r>
+            <a:endParaRPr lang="en-US"/>
           </a:p>
         </p:txBody>
       </p:sp>
@@ -1396,7 +1412,7 @@
           <a:p>
             <a:pPr lvl="0"/>
             <a:r>
-              <a:rPr lang="en-US"/>
+              <a:rPr lang="en-US" smtClean="0"/>
               <a:t>Edit Master text styles</a:t>
             </a:r>
           </a:p>
@@ -1424,37 +1440,38 @@
           <a:p>
             <a:pPr lvl="0"/>
             <a:r>
-              <a:rPr lang="en-US"/>
+              <a:rPr lang="en-US" smtClean="0"/>
               <a:t>Edit Master text styles</a:t>
             </a:r>
           </a:p>
           <a:p>
             <a:pPr lvl="1"/>
             <a:r>
-              <a:rPr lang="en-US"/>
+              <a:rPr lang="en-US" smtClean="0"/>
               <a:t>Second level</a:t>
             </a:r>
           </a:p>
           <a:p>
             <a:pPr lvl="2"/>
             <a:r>
-              <a:rPr lang="en-US"/>
+              <a:rPr lang="en-US" smtClean="0"/>
               <a:t>Third level</a:t>
             </a:r>
           </a:p>
           <a:p>
             <a:pPr lvl="3"/>
             <a:r>
-              <a:rPr lang="en-US"/>
+              <a:rPr lang="en-US" smtClean="0"/>
               <a:t>Fourth level</a:t>
             </a:r>
           </a:p>
           <a:p>
             <a:pPr lvl="4"/>
             <a:r>
-              <a:rPr lang="en-US"/>
+              <a:rPr lang="en-US" smtClean="0"/>
               <a:t>Fifth level</a:t>
             </a:r>
+            <a:endParaRPr lang="en-US"/>
           </a:p>
         </p:txBody>
       </p:sp>
@@ -1517,7 +1534,7 @@
           <a:p>
             <a:pPr lvl="0"/>
             <a:r>
-              <a:rPr lang="en-US"/>
+              <a:rPr lang="en-US" smtClean="0"/>
               <a:t>Edit Master text styles</a:t>
             </a:r>
           </a:p>
@@ -1545,37 +1562,38 @@
           <a:p>
             <a:pPr lvl="0"/>
             <a:r>
-              <a:rPr lang="en-US"/>
+              <a:rPr lang="en-US" smtClean="0"/>
               <a:t>Edit Master text styles</a:t>
             </a:r>
           </a:p>
           <a:p>
             <a:pPr lvl="1"/>
             <a:r>
-              <a:rPr lang="en-US"/>
+              <a:rPr lang="en-US" smtClean="0"/>
               <a:t>Second level</a:t>
             </a:r>
           </a:p>
           <a:p>
             <a:pPr lvl="2"/>
             <a:r>
-              <a:rPr lang="en-US"/>
+              <a:rPr lang="en-US" smtClean="0"/>
               <a:t>Third level</a:t>
             </a:r>
           </a:p>
           <a:p>
             <a:pPr lvl="3"/>
             <a:r>
-              <a:rPr lang="en-US"/>
+              <a:rPr lang="en-US" smtClean="0"/>
               <a:t>Fourth level</a:t>
             </a:r>
           </a:p>
           <a:p>
             <a:pPr lvl="4"/>
             <a:r>
-              <a:rPr lang="en-US"/>
+              <a:rPr lang="en-US" smtClean="0"/>
               <a:t>Fifth level</a:t>
             </a:r>
+            <a:endParaRPr lang="en-US"/>
           </a:p>
         </p:txBody>
       </p:sp>
@@ -1596,7 +1614,7 @@
           <a:p>
             <a:fld id="{B93B0B30-BF83-45B1-9000-043C4821AC19}" type="datetimeFigureOut">
               <a:rPr lang="en-US" smtClean="0"/>
-              <a:t>8/26/2022</a:t>
+              <a:t>3/10/2022</a:t>
             </a:fld>
             <a:endParaRPr lang="en-US"/>
           </a:p>
@@ -1690,9 +1708,10 @@
           <a:lstStyle/>
           <a:p>
             <a:r>
-              <a:rPr lang="en-US"/>
+              <a:rPr lang="en-US" smtClean="0"/>
               <a:t>Click to edit Master title style</a:t>
             </a:r>
+            <a:endParaRPr lang="en-US"/>
           </a:p>
         </p:txBody>
       </p:sp>
@@ -1713,7 +1732,7 @@
           <a:p>
             <a:fld id="{B93B0B30-BF83-45B1-9000-043C4821AC19}" type="datetimeFigureOut">
               <a:rPr lang="en-US" smtClean="0"/>
-              <a:t>8/26/2022</a:t>
+              <a:t>3/10/2022</a:t>
             </a:fld>
             <a:endParaRPr lang="en-US"/>
           </a:p>
@@ -1808,7 +1827,7 @@
           <a:p>
             <a:fld id="{B93B0B30-BF83-45B1-9000-043C4821AC19}" type="datetimeFigureOut">
               <a:rPr lang="en-US" smtClean="0"/>
-              <a:t>8/26/2022</a:t>
+              <a:t>3/10/2022</a:t>
             </a:fld>
             <a:endParaRPr lang="en-US"/>
           </a:p>
@@ -1911,9 +1930,10 @@
           </a:lstStyle>
           <a:p>
             <a:r>
-              <a:rPr lang="en-US"/>
+              <a:rPr lang="en-US" smtClean="0"/>
               <a:t>Click to edit Master title style</a:t>
             </a:r>
+            <a:endParaRPr lang="en-US"/>
           </a:p>
         </p:txBody>
       </p:sp>
@@ -1967,37 +1987,38 @@
           <a:p>
             <a:pPr lvl="0"/>
             <a:r>
-              <a:rPr lang="en-US"/>
+              <a:rPr lang="en-US" smtClean="0"/>
               <a:t>Edit Master text styles</a:t>
             </a:r>
           </a:p>
           <a:p>
             <a:pPr lvl="1"/>
             <a:r>
-              <a:rPr lang="en-US"/>
+              <a:rPr lang="en-US" smtClean="0"/>
               <a:t>Second level</a:t>
             </a:r>
           </a:p>
           <a:p>
             <a:pPr lvl="2"/>
             <a:r>
-              <a:rPr lang="en-US"/>
+              <a:rPr lang="en-US" smtClean="0"/>
               <a:t>Third level</a:t>
             </a:r>
           </a:p>
           <a:p>
             <a:pPr lvl="3"/>
             <a:r>
-              <a:rPr lang="en-US"/>
+              <a:rPr lang="en-US" smtClean="0"/>
               <a:t>Fourth level</a:t>
             </a:r>
           </a:p>
           <a:p>
             <a:pPr lvl="4"/>
             <a:r>
-              <a:rPr lang="en-US"/>
+              <a:rPr lang="en-US" smtClean="0"/>
               <a:t>Fifth level</a:t>
             </a:r>
+            <a:endParaRPr lang="en-US"/>
           </a:p>
         </p:txBody>
       </p:sp>
@@ -2060,7 +2081,7 @@
           <a:p>
             <a:pPr lvl="0"/>
             <a:r>
-              <a:rPr lang="en-US"/>
+              <a:rPr lang="en-US" smtClean="0"/>
               <a:t>Edit Master text styles</a:t>
             </a:r>
           </a:p>
@@ -2083,7 +2104,7 @@
           <a:p>
             <a:fld id="{B93B0B30-BF83-45B1-9000-043C4821AC19}" type="datetimeFigureOut">
               <a:rPr lang="en-US" smtClean="0"/>
-              <a:t>8/26/2022</a:t>
+              <a:t>3/10/2022</a:t>
             </a:fld>
             <a:endParaRPr lang="en-US"/>
           </a:p>
@@ -2186,9 +2207,10 @@
           </a:lstStyle>
           <a:p>
             <a:r>
-              <a:rPr lang="en-US"/>
+              <a:rPr lang="en-US" smtClean="0"/>
               <a:t>Click to edit Master title style</a:t>
             </a:r>
+            <a:endParaRPr lang="en-US"/>
           </a:p>
         </p:txBody>
       </p:sp>
@@ -2312,7 +2334,7 @@
           <a:p>
             <a:pPr lvl="0"/>
             <a:r>
-              <a:rPr lang="en-US"/>
+              <a:rPr lang="en-US" smtClean="0"/>
               <a:t>Edit Master text styles</a:t>
             </a:r>
           </a:p>
@@ -2335,7 +2357,7 @@
           <a:p>
             <a:fld id="{B93B0B30-BF83-45B1-9000-043C4821AC19}" type="datetimeFigureOut">
               <a:rPr lang="en-US" smtClean="0"/>
-              <a:t>8/26/2022</a:t>
+              <a:t>3/10/2022</a:t>
             </a:fld>
             <a:endParaRPr lang="en-US"/>
           </a:p>
@@ -2444,9 +2466,10 @@
           <a:lstStyle/>
           <a:p>
             <a:r>
-              <a:rPr lang="en-US"/>
+              <a:rPr lang="en-US" smtClean="0"/>
               <a:t>Click to edit Master title style</a:t>
             </a:r>
+            <a:endParaRPr lang="en-US"/>
           </a:p>
         </p:txBody>
       </p:sp>
@@ -2477,37 +2500,38 @@
           <a:p>
             <a:pPr lvl="0"/>
             <a:r>
-              <a:rPr lang="en-US"/>
+              <a:rPr lang="en-US" smtClean="0"/>
               <a:t>Edit Master text styles</a:t>
             </a:r>
           </a:p>
           <a:p>
             <a:pPr lvl="1"/>
             <a:r>
-              <a:rPr lang="en-US"/>
+              <a:rPr lang="en-US" smtClean="0"/>
               <a:t>Second level</a:t>
             </a:r>
           </a:p>
           <a:p>
             <a:pPr lvl="2"/>
             <a:r>
-              <a:rPr lang="en-US"/>
+              <a:rPr lang="en-US" smtClean="0"/>
               <a:t>Third level</a:t>
             </a:r>
           </a:p>
           <a:p>
             <a:pPr lvl="3"/>
             <a:r>
-              <a:rPr lang="en-US"/>
+              <a:rPr lang="en-US" smtClean="0"/>
               <a:t>Fourth level</a:t>
             </a:r>
           </a:p>
           <a:p>
             <a:pPr lvl="4"/>
             <a:r>
-              <a:rPr lang="en-US"/>
+              <a:rPr lang="en-US" smtClean="0"/>
               <a:t>Fifth level</a:t>
             </a:r>
+            <a:endParaRPr lang="en-US"/>
           </a:p>
         </p:txBody>
       </p:sp>
@@ -2546,7 +2570,7 @@
           <a:p>
             <a:fld id="{B93B0B30-BF83-45B1-9000-043C4821AC19}" type="datetimeFigureOut">
               <a:rPr lang="en-US" smtClean="0"/>
-              <a:t>8/26/2022</a:t>
+              <a:t>3/10/2022</a:t>
             </a:fld>
             <a:endParaRPr lang="en-US"/>
           </a:p>
@@ -3104,14 +3128,14 @@
                     <a:p>
                       <a:pPr algn="ctr"/>
                       <a:r>
-                        <a:rPr lang="en-US" sz="1050" b="0" dirty="0">
+                        <a:rPr lang="en-US" sz="1050" b="0" dirty="0" smtClean="0">
                           <a:latin typeface="EMprint" panose="020B0503020204020204" pitchFamily="34" charset="0"/>
                           <a:ea typeface="EMprint" panose="020B0503020204020204" pitchFamily="34" charset="0"/>
                         </a:rPr>
                         <a:t>TOP</a:t>
                       </a:r>
                       <a:r>
-                        <a:rPr lang="en-US" sz="1050" b="0" baseline="0" dirty="0">
+                        <a:rPr lang="en-US" sz="1050" b="0" baseline="0" dirty="0" smtClean="0">
                           <a:latin typeface="EMprint" panose="020B0503020204020204" pitchFamily="34" charset="0"/>
                           <a:ea typeface="EMprint" panose="020B0503020204020204" pitchFamily="34" charset="0"/>
                         </a:rPr>
@@ -3136,12 +3160,16 @@
                     <a:p>
                       <a:pPr algn="ctr"/>
                       <a:r>
-                        <a:rPr lang="en-US" sz="1200" b="0" dirty="0">
+                        <a:rPr lang="en-US" sz="1200" b="0" dirty="0" smtClean="0">
                           <a:latin typeface="EMprint" panose="020B0503020204020204" pitchFamily="34" charset="0"/>
                           <a:ea typeface="EMprint" panose="020B0503020204020204" pitchFamily="34" charset="0"/>
                         </a:rPr>
                         <a:t>Team</a:t>
                       </a:r>
+                      <a:endParaRPr lang="en-US" sz="1200" b="0" dirty="0">
+                        <a:latin typeface="EMprint" panose="020B0503020204020204" pitchFamily="34" charset="0"/>
+                        <a:ea typeface="EMprint" panose="020B0503020204020204" pitchFamily="34" charset="0"/>
+                      </a:endParaRPr>
                     </a:p>
                   </a:txBody>
                   <a:tcPr>
@@ -3157,7 +3185,7 @@
                     <a:p>
                       <a:pPr algn="ctr"/>
                       <a:r>
-                        <a:rPr lang="en-US" sz="1100" b="0" dirty="0">
+                        <a:rPr lang="en-US" sz="1100" b="0" dirty="0" smtClean="0">
                           <a:latin typeface="EMprint" panose="020B0503020204020204" pitchFamily="34" charset="0"/>
                           <a:ea typeface="EMprint" panose="020B0503020204020204" pitchFamily="34" charset="0"/>
                         </a:rPr>
@@ -3188,7 +3216,7 @@
                     <a:lstStyle/>
                     <a:p>
                       <a:r>
-                        <a:rPr lang="en-US" sz="1200" b="0" i="0" kern="1200" dirty="0">
+                        <a:rPr lang="en-US" sz="1200" b="0" i="0" kern="1200" dirty="0" smtClean="0">
                           <a:solidFill>
                             <a:schemeClr val="dk1"/>
                           </a:solidFill>
@@ -3219,14 +3247,14 @@
                     <a:lstStyle/>
                     <a:p>
                       <a:r>
-                        <a:rPr lang="en-US" sz="1200" dirty="0">
+                        <a:rPr lang="en-US" sz="1200" dirty="0" smtClean="0">
                           <a:latin typeface="EMprint" panose="020B0503020204020204" pitchFamily="34" charset="0"/>
                           <a:ea typeface="EMprint" panose="020B0503020204020204" pitchFamily="34" charset="0"/>
                         </a:rPr>
                         <a:t>EM</a:t>
                       </a:r>
                       <a:r>
-                        <a:rPr lang="en-US" sz="1200" baseline="0" dirty="0">
+                        <a:rPr lang="en-US" sz="1200" baseline="0" dirty="0" smtClean="0">
                           <a:latin typeface="EMprint" panose="020B0503020204020204" pitchFamily="34" charset="0"/>
                           <a:ea typeface="EMprint" panose="020B0503020204020204" pitchFamily="34" charset="0"/>
                         </a:rPr>
@@ -3253,12 +3281,16 @@
                     <a:p>
                       <a:pPr algn="ctr"/>
                       <a:r>
-                        <a:rPr lang="en-US" sz="1200" dirty="0">
+                        <a:rPr lang="en-US" sz="1200" dirty="0" smtClean="0">
                           <a:latin typeface="EMprint" panose="020B0503020204020204" pitchFamily="34" charset="0"/>
                           <a:ea typeface="EMprint" panose="020B0503020204020204" pitchFamily="34" charset="0"/>
                         </a:rPr>
                         <a:t>450</a:t>
                       </a:r>
+                      <a:endParaRPr lang="en-US" sz="1200" dirty="0">
+                        <a:latin typeface="EMprint" panose="020B0503020204020204" pitchFamily="34" charset="0"/>
+                        <a:ea typeface="EMprint" panose="020B0503020204020204" pitchFamily="34" charset="0"/>
+                      </a:endParaRPr>
                     </a:p>
                   </a:txBody>
                   <a:tcPr>
@@ -3282,7 +3314,7 @@
                     <a:lstStyle/>
                     <a:p>
                       <a:r>
-                        <a:rPr lang="en-US" sz="1200" b="0" i="0" kern="1200" dirty="0">
+                        <a:rPr lang="en-US" sz="1200" b="0" i="0" kern="1200" dirty="0" smtClean="0">
                           <a:solidFill>
                             <a:schemeClr val="dk1"/>
                           </a:solidFill>
@@ -3313,14 +3345,14 @@
                     <a:lstStyle/>
                     <a:p>
                       <a:r>
-                        <a:rPr lang="en-US" sz="1200" dirty="0">
+                        <a:rPr lang="en-US" sz="1200" dirty="0" smtClean="0">
                           <a:latin typeface="EMprint" panose="020B0503020204020204" pitchFamily="34" charset="0"/>
                           <a:ea typeface="EMprint" panose="020B0503020204020204" pitchFamily="34" charset="0"/>
                         </a:rPr>
                         <a:t>EM</a:t>
                       </a:r>
                       <a:r>
-                        <a:rPr lang="en-US" sz="1200" baseline="0" dirty="0">
+                        <a:rPr lang="en-US" sz="1200" baseline="0" dirty="0" smtClean="0">
                           <a:latin typeface="EMprint" panose="020B0503020204020204" pitchFamily="34" charset="0"/>
                           <a:ea typeface="EMprint" panose="020B0503020204020204" pitchFamily="34" charset="0"/>
                         </a:rPr>
@@ -3347,12 +3379,16 @@
                     <a:p>
                       <a:pPr algn="ctr"/>
                       <a:r>
-                        <a:rPr lang="en-US" sz="1200" dirty="0">
+                        <a:rPr lang="en-US" sz="1200" dirty="0" smtClean="0">
                           <a:latin typeface="EMprint" panose="020B0503020204020204" pitchFamily="34" charset="0"/>
                           <a:ea typeface="EMprint" panose="020B0503020204020204" pitchFamily="34" charset="0"/>
                         </a:rPr>
                         <a:t>400</a:t>
                       </a:r>
+                      <a:endParaRPr lang="en-US" sz="1200" dirty="0">
+                        <a:latin typeface="EMprint" panose="020B0503020204020204" pitchFamily="34" charset="0"/>
+                        <a:ea typeface="EMprint" panose="020B0503020204020204" pitchFamily="34" charset="0"/>
+                      </a:endParaRPr>
                     </a:p>
                   </a:txBody>
                   <a:tcPr>
@@ -3376,7 +3412,7 @@
                     <a:lstStyle/>
                     <a:p>
                       <a:r>
-                        <a:rPr lang="en-US" sz="1200" b="0" i="0" kern="1200" dirty="0">
+                        <a:rPr lang="en-US" sz="1200" b="0" i="0" kern="1200" dirty="0" smtClean="0">
                           <a:solidFill>
                             <a:schemeClr val="dk1"/>
                           </a:solidFill>
@@ -3407,14 +3443,14 @@
                     <a:lstStyle/>
                     <a:p>
                       <a:r>
-                        <a:rPr lang="en-US" sz="1200" dirty="0">
+                        <a:rPr lang="en-US" sz="1200" dirty="0" smtClean="0">
                           <a:latin typeface="EMprint" panose="020B0503020204020204" pitchFamily="34" charset="0"/>
                           <a:ea typeface="EMprint" panose="020B0503020204020204" pitchFamily="34" charset="0"/>
                         </a:rPr>
                         <a:t>EM</a:t>
                       </a:r>
                       <a:r>
-                        <a:rPr lang="en-US" sz="1200" baseline="0" dirty="0">
+                        <a:rPr lang="en-US" sz="1200" baseline="0" dirty="0" smtClean="0">
                           <a:latin typeface="EMprint" panose="020B0503020204020204" pitchFamily="34" charset="0"/>
                           <a:ea typeface="EMprint" panose="020B0503020204020204" pitchFamily="34" charset="0"/>
                         </a:rPr>
@@ -3441,12 +3477,16 @@
                     <a:p>
                       <a:pPr algn="ctr"/>
                       <a:r>
-                        <a:rPr lang="en-US" sz="1200" dirty="0">
+                        <a:rPr lang="en-US" sz="1200" dirty="0" smtClean="0">
                           <a:latin typeface="EMprint" panose="020B0503020204020204" pitchFamily="34" charset="0"/>
                           <a:ea typeface="EMprint" panose="020B0503020204020204" pitchFamily="34" charset="0"/>
                         </a:rPr>
                         <a:t>350</a:t>
                       </a:r>
+                      <a:endParaRPr lang="en-US" sz="1200" dirty="0">
+                        <a:latin typeface="EMprint" panose="020B0503020204020204" pitchFamily="34" charset="0"/>
+                        <a:ea typeface="EMprint" panose="020B0503020204020204" pitchFamily="34" charset="0"/>
+                      </a:endParaRPr>
                     </a:p>
                   </a:txBody>
                   <a:tcPr>
@@ -3470,14 +3510,14 @@
                     <a:lstStyle/>
                     <a:p>
                       <a:r>
-                        <a:rPr lang="en-US" sz="1200" dirty="0">
+                        <a:rPr lang="en-US" sz="1200" dirty="0" smtClean="0">
                           <a:latin typeface="EMprint" panose="020B0503020204020204" pitchFamily="34" charset="0"/>
                           <a:ea typeface="EMprint" panose="020B0503020204020204" pitchFamily="34" charset="0"/>
                         </a:rPr>
                         <a:t>4. </a:t>
                       </a:r>
                       <a:r>
-                        <a:rPr lang="en-US" sz="1200" b="0" i="0" kern="1200" dirty="0">
+                        <a:rPr lang="en-US" sz="1200" b="0" i="0" kern="1200" dirty="0" smtClean="0">
                           <a:solidFill>
                             <a:schemeClr val="dk1"/>
                           </a:solidFill>
@@ -3508,14 +3548,14 @@
                     <a:lstStyle/>
                     <a:p>
                       <a:r>
-                        <a:rPr lang="en-US" sz="1200" dirty="0">
+                        <a:rPr lang="en-US" sz="1200" dirty="0" smtClean="0">
                           <a:latin typeface="EMprint" panose="020B0503020204020204" pitchFamily="34" charset="0"/>
                           <a:ea typeface="EMprint" panose="020B0503020204020204" pitchFamily="34" charset="0"/>
                         </a:rPr>
                         <a:t>EM</a:t>
                       </a:r>
                       <a:r>
-                        <a:rPr lang="en-US" sz="1200" baseline="0" dirty="0">
+                        <a:rPr lang="en-US" sz="1200" baseline="0" dirty="0" smtClean="0">
                           <a:latin typeface="EMprint" panose="020B0503020204020204" pitchFamily="34" charset="0"/>
                           <a:ea typeface="EMprint" panose="020B0503020204020204" pitchFamily="34" charset="0"/>
                         </a:rPr>
@@ -3542,12 +3582,16 @@
                     <a:p>
                       <a:pPr algn="ctr"/>
                       <a:r>
-                        <a:rPr lang="en-US" sz="1200" dirty="0">
+                        <a:rPr lang="en-US" sz="1200" dirty="0" smtClean="0">
                           <a:latin typeface="EMprint" panose="020B0503020204020204" pitchFamily="34" charset="0"/>
                           <a:ea typeface="EMprint" panose="020B0503020204020204" pitchFamily="34" charset="0"/>
                         </a:rPr>
                         <a:t>300</a:t>
                       </a:r>
+                      <a:endParaRPr lang="en-US" sz="1200" dirty="0">
+                        <a:latin typeface="EMprint" panose="020B0503020204020204" pitchFamily="34" charset="0"/>
+                        <a:ea typeface="EMprint" panose="020B0503020204020204" pitchFamily="34" charset="0"/>
+                      </a:endParaRPr>
                     </a:p>
                   </a:txBody>
                   <a:tcPr>
@@ -3571,14 +3615,14 @@
                     <a:lstStyle/>
                     <a:p>
                       <a:r>
-                        <a:rPr lang="en-US" sz="1200" dirty="0">
+                        <a:rPr lang="en-US" sz="1200" dirty="0" smtClean="0">
                           <a:latin typeface="EMprint" panose="020B0503020204020204" pitchFamily="34" charset="0"/>
                           <a:ea typeface="EMprint" panose="020B0503020204020204" pitchFamily="34" charset="0"/>
                         </a:rPr>
                         <a:t>5. </a:t>
                       </a:r>
                       <a:r>
-                        <a:rPr lang="en-US" sz="1200" b="0" i="0" kern="1200" dirty="0">
+                        <a:rPr lang="en-US" sz="1200" b="0" i="0" kern="1200" dirty="0" smtClean="0">
                           <a:solidFill>
                             <a:schemeClr val="dk1"/>
                           </a:solidFill>
@@ -3609,14 +3653,14 @@
                     <a:lstStyle/>
                     <a:p>
                       <a:r>
-                        <a:rPr lang="en-US" sz="1200" dirty="0">
+                        <a:rPr lang="en-US" sz="1200" dirty="0" smtClean="0">
                           <a:latin typeface="EMprint" panose="020B0503020204020204" pitchFamily="34" charset="0"/>
                           <a:ea typeface="EMprint" panose="020B0503020204020204" pitchFamily="34" charset="0"/>
                         </a:rPr>
                         <a:t>EM</a:t>
                       </a:r>
                       <a:r>
-                        <a:rPr lang="en-US" sz="1200" baseline="0" dirty="0">
+                        <a:rPr lang="en-US" sz="1200" baseline="0" dirty="0" smtClean="0">
                           <a:latin typeface="EMprint" panose="020B0503020204020204" pitchFamily="34" charset="0"/>
                           <a:ea typeface="EMprint" panose="020B0503020204020204" pitchFamily="34" charset="0"/>
                         </a:rPr>
@@ -3643,12 +3687,16 @@
                     <a:p>
                       <a:pPr algn="ctr"/>
                       <a:r>
-                        <a:rPr lang="en-US" sz="1200" dirty="0">
+                        <a:rPr lang="en-US" sz="1200" dirty="0" smtClean="0">
                           <a:latin typeface="EMprint" panose="020B0503020204020204" pitchFamily="34" charset="0"/>
                           <a:ea typeface="EMprint" panose="020B0503020204020204" pitchFamily="34" charset="0"/>
                         </a:rPr>
                         <a:t>250</a:t>
                       </a:r>
+                      <a:endParaRPr lang="en-US" sz="1200" dirty="0">
+                        <a:latin typeface="EMprint" panose="020B0503020204020204" pitchFamily="34" charset="0"/>
+                        <a:ea typeface="EMprint" panose="020B0503020204020204" pitchFamily="34" charset="0"/>
+                      </a:endParaRPr>
                     </a:p>
                   </a:txBody>
                   <a:tcPr>
@@ -3900,28 +3948,28 @@
                     <a:p>
                       <a:pPr algn="ctr"/>
                       <a:r>
-                        <a:rPr lang="en-US" sz="1050" b="0" dirty="0">
+                        <a:rPr lang="en-US" sz="1050" b="0" dirty="0" smtClean="0">
                           <a:latin typeface="EMprint" panose="020B0503020204020204" pitchFamily="34" charset="0"/>
                           <a:ea typeface="EMprint" panose="020B0503020204020204" pitchFamily="34" charset="0"/>
                         </a:rPr>
                         <a:t>Team</a:t>
                       </a:r>
                       <a:r>
-                        <a:rPr lang="en-US" sz="1050" b="0" baseline="0" dirty="0">
+                        <a:rPr lang="en-US" sz="1050" b="0" baseline="0" dirty="0" smtClean="0">
                           <a:latin typeface="EMprint" panose="020B0503020204020204" pitchFamily="34" charset="0"/>
                           <a:ea typeface="EMprint" panose="020B0503020204020204" pitchFamily="34" charset="0"/>
                         </a:rPr>
                         <a:t> A </a:t>
                       </a:r>
                       <a:r>
-                        <a:rPr lang="en-US" sz="1050" b="0" dirty="0">
+                        <a:rPr lang="en-US" sz="1050" b="0" dirty="0" smtClean="0">
                           <a:latin typeface="EMprint" panose="020B0503020204020204" pitchFamily="34" charset="0"/>
                           <a:ea typeface="EMprint" panose="020B0503020204020204" pitchFamily="34" charset="0"/>
                         </a:rPr>
                         <a:t>TOP</a:t>
                       </a:r>
                       <a:r>
-                        <a:rPr lang="en-US" sz="1050" b="0" baseline="0" dirty="0">
+                        <a:rPr lang="en-US" sz="1050" b="0" baseline="0" dirty="0" smtClean="0">
                           <a:latin typeface="EMprint" panose="020B0503020204020204" pitchFamily="34" charset="0"/>
                           <a:ea typeface="EMprint" panose="020B0503020204020204" pitchFamily="34" charset="0"/>
                         </a:rPr>
@@ -3946,7 +3994,7 @@
                     <a:p>
                       <a:pPr algn="ctr"/>
                       <a:r>
-                        <a:rPr lang="en-US" sz="1100" b="0" dirty="0">
+                        <a:rPr lang="en-US" sz="1100" b="0" dirty="0" smtClean="0">
                           <a:latin typeface="EMprint" panose="020B0503020204020204" pitchFamily="34" charset="0"/>
                           <a:ea typeface="EMprint" panose="020B0503020204020204" pitchFamily="34" charset="0"/>
                         </a:rPr>
@@ -3971,7 +4019,7 @@
                     <a:p>
                       <a:pPr algn="ctr"/>
                       <a:r>
-                        <a:rPr lang="en-US" sz="1100" b="0" dirty="0">
+                        <a:rPr lang="en-US" sz="1100" b="0" dirty="0" smtClean="0">
                           <a:latin typeface="EMprint" panose="020B0503020204020204" pitchFamily="34" charset="0"/>
                           <a:ea typeface="EMprint" panose="020B0503020204020204" pitchFamily="34" charset="0"/>
                         </a:rPr>
@@ -4002,7 +4050,7 @@
                     <a:lstStyle/>
                     <a:p>
                       <a:r>
-                        <a:rPr lang="en-US" sz="1200" b="0" i="0" kern="1200" dirty="0">
+                        <a:rPr lang="en-US" sz="1200" b="0" i="0" kern="1200" dirty="0" smtClean="0">
                           <a:solidFill>
                             <a:schemeClr val="dk1"/>
                           </a:solidFill>
@@ -4033,14 +4081,14 @@
                     <a:lstStyle/>
                     <a:p>
                       <a:r>
-                        <a:rPr lang="en-US" sz="1200" dirty="0">
+                        <a:rPr lang="en-US" sz="1200" dirty="0" smtClean="0">
                           <a:latin typeface="EMprint" panose="020B0503020204020204" pitchFamily="34" charset="0"/>
                           <a:ea typeface="EMprint" panose="020B0503020204020204" pitchFamily="34" charset="0"/>
                         </a:rPr>
                         <a:t>EM</a:t>
                       </a:r>
                       <a:r>
-                        <a:rPr lang="en-US" sz="1200" baseline="0" dirty="0">
+                        <a:rPr lang="en-US" sz="1200" baseline="0" dirty="0" smtClean="0">
                           <a:latin typeface="EMprint" panose="020B0503020204020204" pitchFamily="34" charset="0"/>
                           <a:ea typeface="EMprint" panose="020B0503020204020204" pitchFamily="34" charset="0"/>
                         </a:rPr>
@@ -4067,12 +4115,16 @@
                     <a:p>
                       <a:pPr algn="ctr"/>
                       <a:r>
-                        <a:rPr lang="en-US" sz="1200" dirty="0">
+                        <a:rPr lang="en-US" sz="1200" dirty="0" smtClean="0">
                           <a:latin typeface="EMprint" panose="020B0503020204020204" pitchFamily="34" charset="0"/>
                           <a:ea typeface="EMprint" panose="020B0503020204020204" pitchFamily="34" charset="0"/>
                         </a:rPr>
                         <a:t>450</a:t>
                       </a:r>
+                      <a:endParaRPr lang="en-US" sz="1200" dirty="0">
+                        <a:latin typeface="EMprint" panose="020B0503020204020204" pitchFamily="34" charset="0"/>
+                        <a:ea typeface="EMprint" panose="020B0503020204020204" pitchFamily="34" charset="0"/>
+                      </a:endParaRPr>
                     </a:p>
                   </a:txBody>
                   <a:tcPr>
@@ -4096,7 +4148,7 @@
                     <a:lstStyle/>
                     <a:p>
                       <a:r>
-                        <a:rPr lang="en-US" sz="1200" b="0" i="0" kern="1200" dirty="0">
+                        <a:rPr lang="en-US" sz="1200" b="0" i="0" kern="1200" dirty="0" smtClean="0">
                           <a:solidFill>
                             <a:schemeClr val="dk1"/>
                           </a:solidFill>
@@ -4127,14 +4179,14 @@
                     <a:lstStyle/>
                     <a:p>
                       <a:r>
-                        <a:rPr lang="en-US" sz="1200" dirty="0">
+                        <a:rPr lang="en-US" sz="1200" dirty="0" smtClean="0">
                           <a:latin typeface="EMprint" panose="020B0503020204020204" pitchFamily="34" charset="0"/>
                           <a:ea typeface="EMprint" panose="020B0503020204020204" pitchFamily="34" charset="0"/>
                         </a:rPr>
                         <a:t>EM</a:t>
                       </a:r>
                       <a:r>
-                        <a:rPr lang="en-US" sz="1200" baseline="0" dirty="0">
+                        <a:rPr lang="en-US" sz="1200" baseline="0" dirty="0" smtClean="0">
                           <a:latin typeface="EMprint" panose="020B0503020204020204" pitchFamily="34" charset="0"/>
                           <a:ea typeface="EMprint" panose="020B0503020204020204" pitchFamily="34" charset="0"/>
                         </a:rPr>
@@ -4161,12 +4213,16 @@
                     <a:p>
                       <a:pPr algn="ctr"/>
                       <a:r>
-                        <a:rPr lang="en-US" sz="1200" dirty="0">
+                        <a:rPr lang="en-US" sz="1200" dirty="0" smtClean="0">
                           <a:latin typeface="EMprint" panose="020B0503020204020204" pitchFamily="34" charset="0"/>
                           <a:ea typeface="EMprint" panose="020B0503020204020204" pitchFamily="34" charset="0"/>
                         </a:rPr>
                         <a:t>400</a:t>
                       </a:r>
+                      <a:endParaRPr lang="en-US" sz="1200" dirty="0">
+                        <a:latin typeface="EMprint" panose="020B0503020204020204" pitchFamily="34" charset="0"/>
+                        <a:ea typeface="EMprint" panose="020B0503020204020204" pitchFamily="34" charset="0"/>
+                      </a:endParaRPr>
                     </a:p>
                   </a:txBody>
                   <a:tcPr>
@@ -4190,7 +4246,7 @@
                     <a:lstStyle/>
                     <a:p>
                       <a:r>
-                        <a:rPr lang="en-US" sz="1200" b="0" i="0" kern="1200" dirty="0">
+                        <a:rPr lang="en-US" sz="1200" b="0" i="0" kern="1200" dirty="0" smtClean="0">
                           <a:solidFill>
                             <a:schemeClr val="dk1"/>
                           </a:solidFill>
@@ -4221,14 +4277,14 @@
                     <a:lstStyle/>
                     <a:p>
                       <a:r>
-                        <a:rPr lang="en-US" sz="1200" dirty="0">
+                        <a:rPr lang="en-US" sz="1200" dirty="0" smtClean="0">
                           <a:latin typeface="EMprint" panose="020B0503020204020204" pitchFamily="34" charset="0"/>
                           <a:ea typeface="EMprint" panose="020B0503020204020204" pitchFamily="34" charset="0"/>
                         </a:rPr>
                         <a:t>EM</a:t>
                       </a:r>
                       <a:r>
-                        <a:rPr lang="en-US" sz="1200" baseline="0" dirty="0">
+                        <a:rPr lang="en-US" sz="1200" baseline="0" dirty="0" smtClean="0">
                           <a:latin typeface="EMprint" panose="020B0503020204020204" pitchFamily="34" charset="0"/>
                           <a:ea typeface="EMprint" panose="020B0503020204020204" pitchFamily="34" charset="0"/>
                         </a:rPr>
@@ -4255,12 +4311,16 @@
                     <a:p>
                       <a:pPr algn="ctr"/>
                       <a:r>
-                        <a:rPr lang="en-US" sz="1200" dirty="0">
+                        <a:rPr lang="en-US" sz="1200" dirty="0" smtClean="0">
                           <a:latin typeface="EMprint" panose="020B0503020204020204" pitchFamily="34" charset="0"/>
                           <a:ea typeface="EMprint" panose="020B0503020204020204" pitchFamily="34" charset="0"/>
                         </a:rPr>
                         <a:t>350</a:t>
                       </a:r>
+                      <a:endParaRPr lang="en-US" sz="1200" dirty="0">
+                        <a:latin typeface="EMprint" panose="020B0503020204020204" pitchFamily="34" charset="0"/>
+                        <a:ea typeface="EMprint" panose="020B0503020204020204" pitchFamily="34" charset="0"/>
+                      </a:endParaRPr>
                     </a:p>
                   </a:txBody>
                   <a:tcPr>
@@ -4284,14 +4344,14 @@
                     <a:lstStyle/>
                     <a:p>
                       <a:r>
-                        <a:rPr lang="en-US" sz="1200" dirty="0">
+                        <a:rPr lang="en-US" sz="1200" dirty="0" smtClean="0">
                           <a:latin typeface="EMprint" panose="020B0503020204020204" pitchFamily="34" charset="0"/>
                           <a:ea typeface="EMprint" panose="020B0503020204020204" pitchFamily="34" charset="0"/>
                         </a:rPr>
                         <a:t>12. </a:t>
                       </a:r>
                       <a:r>
-                        <a:rPr lang="en-US" sz="1200" b="0" i="0" kern="1200" dirty="0">
+                        <a:rPr lang="en-US" sz="1200" b="0" i="0" kern="1200" dirty="0" smtClean="0">
                           <a:solidFill>
                             <a:schemeClr val="dk1"/>
                           </a:solidFill>
@@ -4322,14 +4382,14 @@
                     <a:lstStyle/>
                     <a:p>
                       <a:r>
-                        <a:rPr lang="en-US" sz="1200" dirty="0">
+                        <a:rPr lang="en-US" sz="1200" dirty="0" smtClean="0">
                           <a:latin typeface="EMprint" panose="020B0503020204020204" pitchFamily="34" charset="0"/>
                           <a:ea typeface="EMprint" panose="020B0503020204020204" pitchFamily="34" charset="0"/>
                         </a:rPr>
                         <a:t>EM</a:t>
                       </a:r>
                       <a:r>
-                        <a:rPr lang="en-US" sz="1200" baseline="0" dirty="0">
+                        <a:rPr lang="en-US" sz="1200" baseline="0" dirty="0" smtClean="0">
                           <a:latin typeface="EMprint" panose="020B0503020204020204" pitchFamily="34" charset="0"/>
                           <a:ea typeface="EMprint" panose="020B0503020204020204" pitchFamily="34" charset="0"/>
                         </a:rPr>
@@ -4356,12 +4416,16 @@
                     <a:p>
                       <a:pPr algn="ctr"/>
                       <a:r>
-                        <a:rPr lang="en-US" sz="1200" dirty="0">
+                        <a:rPr lang="en-US" sz="1200" dirty="0" smtClean="0">
                           <a:latin typeface="EMprint" panose="020B0503020204020204" pitchFamily="34" charset="0"/>
                           <a:ea typeface="EMprint" panose="020B0503020204020204" pitchFamily="34" charset="0"/>
                         </a:rPr>
                         <a:t>300</a:t>
                       </a:r>
+                      <a:endParaRPr lang="en-US" sz="1200" dirty="0">
+                        <a:latin typeface="EMprint" panose="020B0503020204020204" pitchFamily="34" charset="0"/>
+                        <a:ea typeface="EMprint" panose="020B0503020204020204" pitchFamily="34" charset="0"/>
+                      </a:endParaRPr>
                     </a:p>
                   </a:txBody>
                   <a:tcPr>
@@ -4385,14 +4449,14 @@
                     <a:lstStyle/>
                     <a:p>
                       <a:r>
-                        <a:rPr lang="en-US" sz="1200" dirty="0">
+                        <a:rPr lang="en-US" sz="1200" dirty="0" smtClean="0">
                           <a:latin typeface="EMprint" panose="020B0503020204020204" pitchFamily="34" charset="0"/>
                           <a:ea typeface="EMprint" panose="020B0503020204020204" pitchFamily="34" charset="0"/>
                         </a:rPr>
                         <a:t>15. </a:t>
                       </a:r>
                       <a:r>
-                        <a:rPr lang="en-US" sz="1200" b="0" i="0" kern="1200" dirty="0">
+                        <a:rPr lang="en-US" sz="1200" b="0" i="0" kern="1200" dirty="0" smtClean="0">
                           <a:solidFill>
                             <a:schemeClr val="dk1"/>
                           </a:solidFill>
@@ -4423,14 +4487,14 @@
                     <a:lstStyle/>
                     <a:p>
                       <a:r>
-                        <a:rPr lang="en-US" sz="1200" dirty="0">
+                        <a:rPr lang="en-US" sz="1200" dirty="0" smtClean="0">
                           <a:latin typeface="EMprint" panose="020B0503020204020204" pitchFamily="34" charset="0"/>
                           <a:ea typeface="EMprint" panose="020B0503020204020204" pitchFamily="34" charset="0"/>
                         </a:rPr>
                         <a:t>EM</a:t>
                       </a:r>
                       <a:r>
-                        <a:rPr lang="en-US" sz="1200" baseline="0" dirty="0">
+                        <a:rPr lang="en-US" sz="1200" baseline="0" dirty="0" smtClean="0">
                           <a:latin typeface="EMprint" panose="020B0503020204020204" pitchFamily="34" charset="0"/>
                           <a:ea typeface="EMprint" panose="020B0503020204020204" pitchFamily="34" charset="0"/>
                         </a:rPr>
@@ -4457,12 +4521,16 @@
                     <a:p>
                       <a:pPr algn="ctr"/>
                       <a:r>
-                        <a:rPr lang="en-US" sz="1200" dirty="0">
+                        <a:rPr lang="en-US" sz="1200" dirty="0" smtClean="0">
                           <a:latin typeface="EMprint" panose="020B0503020204020204" pitchFamily="34" charset="0"/>
                           <a:ea typeface="EMprint" panose="020B0503020204020204" pitchFamily="34" charset="0"/>
                         </a:rPr>
                         <a:t>250</a:t>
                       </a:r>
+                      <a:endParaRPr lang="en-US" sz="1200" dirty="0">
+                        <a:latin typeface="EMprint" panose="020B0503020204020204" pitchFamily="34" charset="0"/>
+                        <a:ea typeface="EMprint" panose="020B0503020204020204" pitchFamily="34" charset="0"/>
+                      </a:endParaRPr>
                     </a:p>
                   </a:txBody>
                   <a:tcPr>
@@ -4714,7 +4782,7 @@
                     <a:p>
                       <a:pPr algn="ctr"/>
                       <a:r>
-                        <a:rPr lang="en-US" sz="1050" b="0" dirty="0">
+                        <a:rPr lang="en-US" sz="1050" b="0" dirty="0" smtClean="0">
                           <a:latin typeface="EMprint" panose="020B0503020204020204" pitchFamily="34" charset="0"/>
                           <a:ea typeface="EMprint" panose="020B0503020204020204" pitchFamily="34" charset="0"/>
                         </a:rPr>
@@ -4739,7 +4807,7 @@
                     <a:p>
                       <a:pPr algn="ctr"/>
                       <a:r>
-                        <a:rPr lang="en-US" sz="1200" b="0" dirty="0">
+                        <a:rPr lang="en-US" sz="1200" b="0" dirty="0" smtClean="0">
                           <a:latin typeface="EMprint" panose="020B0503020204020204" pitchFamily="34" charset="0"/>
                           <a:ea typeface="EMprint" panose="020B0503020204020204" pitchFamily="34" charset="0"/>
                         </a:rPr>
@@ -4764,7 +4832,7 @@
                     <a:p>
                       <a:pPr algn="ctr"/>
                       <a:r>
-                        <a:rPr lang="en-US" sz="1100" b="0" dirty="0">
+                        <a:rPr lang="en-US" sz="1100" b="0" dirty="0" smtClean="0">
                           <a:latin typeface="EMprint" panose="020B0503020204020204" pitchFamily="34" charset="0"/>
                           <a:ea typeface="EMprint" panose="020B0503020204020204" pitchFamily="34" charset="0"/>
                         </a:rPr>
@@ -4795,7 +4863,7 @@
                     <a:lstStyle/>
                     <a:p>
                       <a:r>
-                        <a:rPr lang="en-US" sz="1200" b="0" i="0" kern="1200" dirty="0">
+                        <a:rPr lang="en-US" sz="1200" b="0" i="0" kern="1200" dirty="0" smtClean="0">
                           <a:solidFill>
                             <a:schemeClr val="dk1"/>
                           </a:solidFill>
@@ -4804,7 +4872,19 @@
                           <a:ea typeface="EMprint" panose="020B0503020204020204" pitchFamily="34" charset="0"/>
                           <a:cs typeface="+mn-cs"/>
                         </a:rPr>
-                        <a:t>21. Employee A</a:t>
+                        <a:t>21</a:t>
+                      </a:r>
+                      <a:r>
+                        <a:rPr lang="en-US" sz="1200" b="0" i="0" kern="1200" dirty="0" smtClean="0">
+                          <a:solidFill>
+                            <a:schemeClr val="dk1"/>
+                          </a:solidFill>
+                          <a:effectLst/>
+                          <a:latin typeface="EMprint" panose="020B0503020204020204" pitchFamily="34" charset="0"/>
+                          <a:ea typeface="EMprint" panose="020B0503020204020204" pitchFamily="34" charset="0"/>
+                          <a:cs typeface="+mn-cs"/>
+                        </a:rPr>
+                        <a:t>. Employee A</a:t>
                       </a:r>
                       <a:endParaRPr lang="en-US" sz="1200" dirty="0">
                         <a:latin typeface="EMprint" panose="020B0503020204020204" pitchFamily="34" charset="0"/>
@@ -4826,14 +4906,14 @@
                     <a:lstStyle/>
                     <a:p>
                       <a:r>
-                        <a:rPr lang="en-US" sz="1200" dirty="0">
+                        <a:rPr lang="en-US" sz="1200" dirty="0" smtClean="0">
                           <a:latin typeface="EMprint" panose="020B0503020204020204" pitchFamily="34" charset="0"/>
                           <a:ea typeface="EMprint" panose="020B0503020204020204" pitchFamily="34" charset="0"/>
                         </a:rPr>
                         <a:t>EM</a:t>
                       </a:r>
                       <a:r>
-                        <a:rPr lang="en-US" sz="1200" baseline="0" dirty="0">
+                        <a:rPr lang="en-US" sz="1200" baseline="0" dirty="0" smtClean="0">
                           <a:latin typeface="EMprint" panose="020B0503020204020204" pitchFamily="34" charset="0"/>
                           <a:ea typeface="EMprint" panose="020B0503020204020204" pitchFamily="34" charset="0"/>
                         </a:rPr>
@@ -4860,12 +4940,16 @@
                     <a:p>
                       <a:pPr algn="ctr"/>
                       <a:r>
-                        <a:rPr lang="en-US" sz="1200" dirty="0">
+                        <a:rPr lang="en-US" sz="1200" dirty="0" smtClean="0">
                           <a:latin typeface="EMprint" panose="020B0503020204020204" pitchFamily="34" charset="0"/>
                           <a:ea typeface="EMprint" panose="020B0503020204020204" pitchFamily="34" charset="0"/>
                         </a:rPr>
                         <a:t>450</a:t>
                       </a:r>
+                      <a:endParaRPr lang="en-US" sz="1200" dirty="0">
+                        <a:latin typeface="EMprint" panose="020B0503020204020204" pitchFamily="34" charset="0"/>
+                        <a:ea typeface="EMprint" panose="020B0503020204020204" pitchFamily="34" charset="0"/>
+                      </a:endParaRPr>
                     </a:p>
                   </a:txBody>
                   <a:tcPr>
@@ -4889,7 +4973,7 @@
                     <a:lstStyle/>
                     <a:p>
                       <a:r>
-                        <a:rPr lang="en-US" sz="1200" b="0" i="0" kern="1200" dirty="0">
+                        <a:rPr lang="en-US" sz="1200" b="0" i="0" kern="1200" dirty="0" smtClean="0">
                           <a:solidFill>
                             <a:schemeClr val="dk1"/>
                           </a:solidFill>
@@ -4898,7 +4982,19 @@
                           <a:ea typeface="EMprint" panose="020B0503020204020204" pitchFamily="34" charset="0"/>
                           <a:cs typeface="+mn-cs"/>
                         </a:rPr>
-                        <a:t>22. Employee B</a:t>
+                        <a:t>22. </a:t>
+                      </a:r>
+                      <a:r>
+                        <a:rPr lang="en-US" sz="1200" b="0" i="0" kern="1200" dirty="0" smtClean="0">
+                          <a:solidFill>
+                            <a:schemeClr val="dk1"/>
+                          </a:solidFill>
+                          <a:effectLst/>
+                          <a:latin typeface="EMprint" panose="020B0503020204020204" pitchFamily="34" charset="0"/>
+                          <a:ea typeface="EMprint" panose="020B0503020204020204" pitchFamily="34" charset="0"/>
+                          <a:cs typeface="+mn-cs"/>
+                        </a:rPr>
+                        <a:t>Employee B</a:t>
                       </a:r>
                       <a:endParaRPr lang="en-US" sz="1200" dirty="0">
                         <a:latin typeface="EMprint" panose="020B0503020204020204" pitchFamily="34" charset="0"/>
@@ -4920,14 +5016,14 @@
                     <a:lstStyle/>
                     <a:p>
                       <a:r>
-                        <a:rPr lang="en-US" sz="1200" dirty="0">
+                        <a:rPr lang="en-US" sz="1200" dirty="0" smtClean="0">
                           <a:latin typeface="EMprint" panose="020B0503020204020204" pitchFamily="34" charset="0"/>
                           <a:ea typeface="EMprint" panose="020B0503020204020204" pitchFamily="34" charset="0"/>
                         </a:rPr>
                         <a:t>EM</a:t>
                       </a:r>
                       <a:r>
-                        <a:rPr lang="en-US" sz="1200" baseline="0" dirty="0">
+                        <a:rPr lang="en-US" sz="1200" baseline="0" dirty="0" smtClean="0">
                           <a:latin typeface="EMprint" panose="020B0503020204020204" pitchFamily="34" charset="0"/>
                           <a:ea typeface="EMprint" panose="020B0503020204020204" pitchFamily="34" charset="0"/>
                         </a:rPr>
@@ -4954,12 +5050,16 @@
                     <a:p>
                       <a:pPr algn="ctr"/>
                       <a:r>
-                        <a:rPr lang="en-US" sz="1200" dirty="0">
+                        <a:rPr lang="en-US" sz="1200" dirty="0" smtClean="0">
                           <a:latin typeface="EMprint" panose="020B0503020204020204" pitchFamily="34" charset="0"/>
                           <a:ea typeface="EMprint" panose="020B0503020204020204" pitchFamily="34" charset="0"/>
                         </a:rPr>
                         <a:t>400</a:t>
                       </a:r>
+                      <a:endParaRPr lang="en-US" sz="1200" dirty="0">
+                        <a:latin typeface="EMprint" panose="020B0503020204020204" pitchFamily="34" charset="0"/>
+                        <a:ea typeface="EMprint" panose="020B0503020204020204" pitchFamily="34" charset="0"/>
+                      </a:endParaRPr>
                     </a:p>
                   </a:txBody>
                   <a:tcPr>
@@ -4983,7 +5083,7 @@
                     <a:lstStyle/>
                     <a:p>
                       <a:r>
-                        <a:rPr lang="en-US" sz="1200" b="0" i="0" kern="1200" dirty="0">
+                        <a:rPr lang="en-US" sz="1200" b="0" i="0" kern="1200" dirty="0" smtClean="0">
                           <a:solidFill>
                             <a:schemeClr val="dk1"/>
                           </a:solidFill>
@@ -5014,14 +5114,14 @@
                     <a:lstStyle/>
                     <a:p>
                       <a:r>
-                        <a:rPr lang="en-US" sz="1200" dirty="0">
+                        <a:rPr lang="en-US" sz="1200" dirty="0" smtClean="0">
                           <a:latin typeface="EMprint" panose="020B0503020204020204" pitchFamily="34" charset="0"/>
                           <a:ea typeface="EMprint" panose="020B0503020204020204" pitchFamily="34" charset="0"/>
                         </a:rPr>
                         <a:t>EM</a:t>
                       </a:r>
                       <a:r>
-                        <a:rPr lang="en-US" sz="1200" baseline="0" dirty="0">
+                        <a:rPr lang="en-US" sz="1200" baseline="0" dirty="0" smtClean="0">
                           <a:latin typeface="EMprint" panose="020B0503020204020204" pitchFamily="34" charset="0"/>
                           <a:ea typeface="EMprint" panose="020B0503020204020204" pitchFamily="34" charset="0"/>
                         </a:rPr>
@@ -5048,12 +5148,16 @@
                     <a:p>
                       <a:pPr algn="ctr"/>
                       <a:r>
-                        <a:rPr lang="en-US" sz="1200" dirty="0">
+                        <a:rPr lang="en-US" sz="1200" dirty="0" smtClean="0">
                           <a:latin typeface="EMprint" panose="020B0503020204020204" pitchFamily="34" charset="0"/>
                           <a:ea typeface="EMprint" panose="020B0503020204020204" pitchFamily="34" charset="0"/>
                         </a:rPr>
                         <a:t>350</a:t>
                       </a:r>
+                      <a:endParaRPr lang="en-US" sz="1200" dirty="0">
+                        <a:latin typeface="EMprint" panose="020B0503020204020204" pitchFamily="34" charset="0"/>
+                        <a:ea typeface="EMprint" panose="020B0503020204020204" pitchFamily="34" charset="0"/>
+                      </a:endParaRPr>
                     </a:p>
                   </a:txBody>
                   <a:tcPr>
@@ -5077,14 +5181,21 @@
                     <a:lstStyle/>
                     <a:p>
                       <a:r>
-                        <a:rPr lang="en-US" sz="1200" dirty="0">
-                          <a:latin typeface="EMprint" panose="020B0503020204020204" pitchFamily="34" charset="0"/>
-                          <a:ea typeface="EMprint" panose="020B0503020204020204" pitchFamily="34" charset="0"/>
-                        </a:rPr>
-                        <a:t>24. </a:t>
-                      </a:r>
-                      <a:r>
-                        <a:rPr lang="en-US" sz="1200" b="0" i="0" kern="1200" dirty="0">
+                        <a:rPr lang="en-US" sz="1200" dirty="0" smtClean="0">
+                          <a:latin typeface="EMprint" panose="020B0503020204020204" pitchFamily="34" charset="0"/>
+                          <a:ea typeface="EMprint" panose="020B0503020204020204" pitchFamily="34" charset="0"/>
+                        </a:rPr>
+                        <a:t>24</a:t>
+                      </a:r>
+                      <a:r>
+                        <a:rPr lang="en-US" sz="1200" dirty="0" smtClean="0">
+                          <a:latin typeface="EMprint" panose="020B0503020204020204" pitchFamily="34" charset="0"/>
+                          <a:ea typeface="EMprint" panose="020B0503020204020204" pitchFamily="34" charset="0"/>
+                        </a:rPr>
+                        <a:t>. </a:t>
+                      </a:r>
+                      <a:r>
+                        <a:rPr lang="en-US" sz="1200" b="0" i="0" kern="1200" dirty="0" smtClean="0">
                           <a:solidFill>
                             <a:schemeClr val="dk1"/>
                           </a:solidFill>
@@ -5115,14 +5226,14 @@
                     <a:lstStyle/>
                     <a:p>
                       <a:r>
-                        <a:rPr lang="en-US" sz="1200" dirty="0">
+                        <a:rPr lang="en-US" sz="1200" dirty="0" smtClean="0">
                           <a:latin typeface="EMprint" panose="020B0503020204020204" pitchFamily="34" charset="0"/>
                           <a:ea typeface="EMprint" panose="020B0503020204020204" pitchFamily="34" charset="0"/>
                         </a:rPr>
                         <a:t>EM</a:t>
                       </a:r>
                       <a:r>
-                        <a:rPr lang="en-US" sz="1200" baseline="0" dirty="0">
+                        <a:rPr lang="en-US" sz="1200" baseline="0" dirty="0" smtClean="0">
                           <a:latin typeface="EMprint" panose="020B0503020204020204" pitchFamily="34" charset="0"/>
                           <a:ea typeface="EMprint" panose="020B0503020204020204" pitchFamily="34" charset="0"/>
                         </a:rPr>
@@ -5149,12 +5260,16 @@
                     <a:p>
                       <a:pPr algn="ctr"/>
                       <a:r>
-                        <a:rPr lang="en-US" sz="1200" dirty="0">
+                        <a:rPr lang="en-US" sz="1200" dirty="0" smtClean="0">
                           <a:latin typeface="EMprint" panose="020B0503020204020204" pitchFamily="34" charset="0"/>
                           <a:ea typeface="EMprint" panose="020B0503020204020204" pitchFamily="34" charset="0"/>
                         </a:rPr>
                         <a:t>200</a:t>
                       </a:r>
+                      <a:endParaRPr lang="en-US" sz="1200" dirty="0">
+                        <a:latin typeface="EMprint" panose="020B0503020204020204" pitchFamily="34" charset="0"/>
+                        <a:ea typeface="EMprint" panose="020B0503020204020204" pitchFamily="34" charset="0"/>
+                      </a:endParaRPr>
                     </a:p>
                   </a:txBody>
                   <a:tcPr>
@@ -5178,14 +5293,14 @@
                     <a:lstStyle/>
                     <a:p>
                       <a:r>
-                        <a:rPr lang="en-US" sz="1200" dirty="0">
+                        <a:rPr lang="en-US" sz="1200" dirty="0" smtClean="0">
                           <a:latin typeface="EMprint" panose="020B0503020204020204" pitchFamily="34" charset="0"/>
                           <a:ea typeface="EMprint" panose="020B0503020204020204" pitchFamily="34" charset="0"/>
                         </a:rPr>
                         <a:t>25. </a:t>
                       </a:r>
                       <a:r>
-                        <a:rPr lang="en-US" sz="1200" b="0" i="0" kern="1200" dirty="0">
+                        <a:rPr lang="en-US" sz="1200" b="0" i="0" kern="1200" dirty="0" smtClean="0">
                           <a:solidFill>
                             <a:schemeClr val="dk1"/>
                           </a:solidFill>
@@ -5216,14 +5331,14 @@
                     <a:lstStyle/>
                     <a:p>
                       <a:r>
-                        <a:rPr lang="en-US" sz="1200" dirty="0">
+                        <a:rPr lang="en-US" sz="1200" dirty="0" smtClean="0">
                           <a:latin typeface="EMprint" panose="020B0503020204020204" pitchFamily="34" charset="0"/>
                           <a:ea typeface="EMprint" panose="020B0503020204020204" pitchFamily="34" charset="0"/>
                         </a:rPr>
                         <a:t>EM</a:t>
                       </a:r>
                       <a:r>
-                        <a:rPr lang="en-US" sz="1200" baseline="0" dirty="0">
+                        <a:rPr lang="en-US" sz="1200" baseline="0" dirty="0" smtClean="0">
                           <a:latin typeface="EMprint" panose="020B0503020204020204" pitchFamily="34" charset="0"/>
                           <a:ea typeface="EMprint" panose="020B0503020204020204" pitchFamily="34" charset="0"/>
                         </a:rPr>
@@ -5250,12 +5365,16 @@
                     <a:p>
                       <a:pPr algn="ctr"/>
                       <a:r>
-                        <a:rPr lang="en-US" sz="1200" dirty="0">
+                        <a:rPr lang="en-US" sz="1200" dirty="0" smtClean="0">
                           <a:latin typeface="EMprint" panose="020B0503020204020204" pitchFamily="34" charset="0"/>
                           <a:ea typeface="EMprint" panose="020B0503020204020204" pitchFamily="34" charset="0"/>
                         </a:rPr>
                         <a:t>50</a:t>
                       </a:r>
+                      <a:endParaRPr lang="en-US" sz="1200" dirty="0">
+                        <a:latin typeface="EMprint" panose="020B0503020204020204" pitchFamily="34" charset="0"/>
+                        <a:ea typeface="EMprint" panose="020B0503020204020204" pitchFamily="34" charset="0"/>
+                      </a:endParaRPr>
                     </a:p>
                   </a:txBody>
                   <a:tcPr>
@@ -5507,7 +5626,7 @@
                     <a:p>
                       <a:pPr algn="ctr"/>
                       <a:r>
-                        <a:rPr lang="en-US" sz="1050" b="0" dirty="0">
+                        <a:rPr lang="en-US" sz="1050" b="0" dirty="0" smtClean="0">
                           <a:latin typeface="EMprint" panose="020B0503020204020204" pitchFamily="34" charset="0"/>
                           <a:ea typeface="EMprint" panose="020B0503020204020204" pitchFamily="34" charset="0"/>
                         </a:rPr>
@@ -5532,7 +5651,7 @@
                     <a:p>
                       <a:pPr algn="ctr"/>
                       <a:r>
-                        <a:rPr lang="en-US" sz="1200" b="0" dirty="0">
+                        <a:rPr lang="en-US" sz="1200" b="0" dirty="0" smtClean="0">
                           <a:latin typeface="EMprint" panose="020B0503020204020204" pitchFamily="34" charset="0"/>
                           <a:ea typeface="EMprint" panose="020B0503020204020204" pitchFamily="34" charset="0"/>
                         </a:rPr>
@@ -5557,7 +5676,7 @@
                     <a:p>
                       <a:pPr algn="ctr"/>
                       <a:r>
-                        <a:rPr lang="en-US" sz="1100" b="0" dirty="0">
+                        <a:rPr lang="en-US" sz="1100" b="0" dirty="0" smtClean="0">
                           <a:latin typeface="EMprint" panose="020B0503020204020204" pitchFamily="34" charset="0"/>
                           <a:ea typeface="EMprint" panose="020B0503020204020204" pitchFamily="34" charset="0"/>
                         </a:rPr>
@@ -5588,7 +5707,7 @@
                     <a:lstStyle/>
                     <a:p>
                       <a:r>
-                        <a:rPr lang="en-US" sz="1200" b="0" i="0" kern="1200" dirty="0">
+                        <a:rPr lang="en-US" sz="1200" b="0" i="0" kern="1200" dirty="0" smtClean="0">
                           <a:solidFill>
                             <a:schemeClr val="dk1"/>
                           </a:solidFill>
@@ -5619,14 +5738,14 @@
                     <a:lstStyle/>
                     <a:p>
                       <a:r>
-                        <a:rPr lang="en-US" sz="1200" dirty="0">
+                        <a:rPr lang="en-US" sz="1200" dirty="0" smtClean="0">
                           <a:latin typeface="EMprint" panose="020B0503020204020204" pitchFamily="34" charset="0"/>
                           <a:ea typeface="EMprint" panose="020B0503020204020204" pitchFamily="34" charset="0"/>
                         </a:rPr>
                         <a:t>EM</a:t>
                       </a:r>
                       <a:r>
-                        <a:rPr lang="en-US" sz="1200" baseline="0" dirty="0">
+                        <a:rPr lang="en-US" sz="1200" baseline="0" dirty="0" smtClean="0">
                           <a:latin typeface="EMprint" panose="020B0503020204020204" pitchFamily="34" charset="0"/>
                           <a:ea typeface="EMprint" panose="020B0503020204020204" pitchFamily="34" charset="0"/>
                         </a:rPr>
@@ -5653,12 +5772,16 @@
                     <a:p>
                       <a:pPr algn="ctr"/>
                       <a:r>
-                        <a:rPr lang="en-US" sz="1200" dirty="0">
+                        <a:rPr lang="en-US" sz="1200" dirty="0" smtClean="0">
                           <a:latin typeface="EMprint" panose="020B0503020204020204" pitchFamily="34" charset="0"/>
                           <a:ea typeface="EMprint" panose="020B0503020204020204" pitchFamily="34" charset="0"/>
                         </a:rPr>
                         <a:t>450</a:t>
                       </a:r>
+                      <a:endParaRPr lang="en-US" sz="1200" dirty="0">
+                        <a:latin typeface="EMprint" panose="020B0503020204020204" pitchFamily="34" charset="0"/>
+                        <a:ea typeface="EMprint" panose="020B0503020204020204" pitchFamily="34" charset="0"/>
+                      </a:endParaRPr>
                     </a:p>
                   </a:txBody>
                   <a:tcPr>
@@ -5682,7 +5805,7 @@
                     <a:lstStyle/>
                     <a:p>
                       <a:r>
-                        <a:rPr lang="en-US" sz="1200" b="0" i="0" kern="1200" dirty="0">
+                        <a:rPr lang="en-US" sz="1200" b="0" i="0" kern="1200" dirty="0" smtClean="0">
                           <a:solidFill>
                             <a:schemeClr val="dk1"/>
                           </a:solidFill>
@@ -5713,14 +5836,14 @@
                     <a:lstStyle/>
                     <a:p>
                       <a:r>
-                        <a:rPr lang="en-US" sz="1200" dirty="0">
+                        <a:rPr lang="en-US" sz="1200" dirty="0" smtClean="0">
                           <a:latin typeface="EMprint" panose="020B0503020204020204" pitchFamily="34" charset="0"/>
                           <a:ea typeface="EMprint" panose="020B0503020204020204" pitchFamily="34" charset="0"/>
                         </a:rPr>
                         <a:t>EM</a:t>
                       </a:r>
                       <a:r>
-                        <a:rPr lang="en-US" sz="1200" baseline="0" dirty="0">
+                        <a:rPr lang="en-US" sz="1200" baseline="0" dirty="0" smtClean="0">
                           <a:latin typeface="EMprint" panose="020B0503020204020204" pitchFamily="34" charset="0"/>
                           <a:ea typeface="EMprint" panose="020B0503020204020204" pitchFamily="34" charset="0"/>
                         </a:rPr>
@@ -5747,12 +5870,16 @@
                     <a:p>
                       <a:pPr algn="ctr"/>
                       <a:r>
-                        <a:rPr lang="en-US" sz="1200" dirty="0">
+                        <a:rPr lang="en-US" sz="1200" dirty="0" smtClean="0">
                           <a:latin typeface="EMprint" panose="020B0503020204020204" pitchFamily="34" charset="0"/>
                           <a:ea typeface="EMprint" panose="020B0503020204020204" pitchFamily="34" charset="0"/>
                         </a:rPr>
                         <a:t>400</a:t>
                       </a:r>
+                      <a:endParaRPr lang="en-US" sz="1200" dirty="0">
+                        <a:latin typeface="EMprint" panose="020B0503020204020204" pitchFamily="34" charset="0"/>
+                        <a:ea typeface="EMprint" panose="020B0503020204020204" pitchFamily="34" charset="0"/>
+                      </a:endParaRPr>
                     </a:p>
                   </a:txBody>
                   <a:tcPr>
@@ -5776,7 +5903,7 @@
                     <a:lstStyle/>
                     <a:p>
                       <a:r>
-                        <a:rPr lang="en-US" sz="1200" b="0" i="0" kern="1200" dirty="0">
+                        <a:rPr lang="en-US" sz="1200" b="0" i="0" kern="1200" dirty="0" smtClean="0">
                           <a:solidFill>
                             <a:schemeClr val="dk1"/>
                           </a:solidFill>
@@ -5807,14 +5934,14 @@
                     <a:lstStyle/>
                     <a:p>
                       <a:r>
-                        <a:rPr lang="en-US" sz="1200" dirty="0">
+                        <a:rPr lang="en-US" sz="1200" dirty="0" smtClean="0">
                           <a:latin typeface="EMprint" panose="020B0503020204020204" pitchFamily="34" charset="0"/>
                           <a:ea typeface="EMprint" panose="020B0503020204020204" pitchFamily="34" charset="0"/>
                         </a:rPr>
                         <a:t>EM</a:t>
                       </a:r>
                       <a:r>
-                        <a:rPr lang="en-US" sz="1200" baseline="0" dirty="0">
+                        <a:rPr lang="en-US" sz="1200" baseline="0" dirty="0" smtClean="0">
                           <a:latin typeface="EMprint" panose="020B0503020204020204" pitchFamily="34" charset="0"/>
                           <a:ea typeface="EMprint" panose="020B0503020204020204" pitchFamily="34" charset="0"/>
                         </a:rPr>
@@ -5841,12 +5968,16 @@
                     <a:p>
                       <a:pPr algn="ctr"/>
                       <a:r>
-                        <a:rPr lang="en-US" sz="1200" dirty="0">
+                        <a:rPr lang="en-US" sz="1200" dirty="0" smtClean="0">
                           <a:latin typeface="EMprint" panose="020B0503020204020204" pitchFamily="34" charset="0"/>
                           <a:ea typeface="EMprint" panose="020B0503020204020204" pitchFamily="34" charset="0"/>
                         </a:rPr>
                         <a:t>350</a:t>
                       </a:r>
+                      <a:endParaRPr lang="en-US" sz="1200" dirty="0">
+                        <a:latin typeface="EMprint" panose="020B0503020204020204" pitchFamily="34" charset="0"/>
+                        <a:ea typeface="EMprint" panose="020B0503020204020204" pitchFamily="34" charset="0"/>
+                      </a:endParaRPr>
                     </a:p>
                   </a:txBody>
                   <a:tcPr>
@@ -5870,14 +6001,14 @@
                     <a:lstStyle/>
                     <a:p>
                       <a:r>
-                        <a:rPr lang="en-US" sz="1200" dirty="0">
+                        <a:rPr lang="en-US" sz="1200" dirty="0" smtClean="0">
                           <a:latin typeface="EMprint" panose="020B0503020204020204" pitchFamily="34" charset="0"/>
                           <a:ea typeface="EMprint" panose="020B0503020204020204" pitchFamily="34" charset="0"/>
                         </a:rPr>
                         <a:t>21. </a:t>
                       </a:r>
                       <a:r>
-                        <a:rPr lang="en-US" sz="1200" b="0" i="0" kern="1200" dirty="0">
+                        <a:rPr lang="en-US" sz="1200" b="0" i="0" kern="1200" dirty="0" smtClean="0">
                           <a:solidFill>
                             <a:schemeClr val="dk1"/>
                           </a:solidFill>
@@ -5908,14 +6039,14 @@
                     <a:lstStyle/>
                     <a:p>
                       <a:r>
-                        <a:rPr lang="en-US" sz="1200" dirty="0">
+                        <a:rPr lang="en-US" sz="1200" dirty="0" smtClean="0">
                           <a:latin typeface="EMprint" panose="020B0503020204020204" pitchFamily="34" charset="0"/>
                           <a:ea typeface="EMprint" panose="020B0503020204020204" pitchFamily="34" charset="0"/>
                         </a:rPr>
                         <a:t>EM</a:t>
                       </a:r>
                       <a:r>
-                        <a:rPr lang="en-US" sz="1200" baseline="0" dirty="0">
+                        <a:rPr lang="en-US" sz="1200" baseline="0" dirty="0" smtClean="0">
                           <a:latin typeface="EMprint" panose="020B0503020204020204" pitchFamily="34" charset="0"/>
                           <a:ea typeface="EMprint" panose="020B0503020204020204" pitchFamily="34" charset="0"/>
                         </a:rPr>
@@ -5942,12 +6073,16 @@
                     <a:p>
                       <a:pPr algn="ctr"/>
                       <a:r>
-                        <a:rPr lang="en-US" sz="1200" dirty="0">
+                        <a:rPr lang="en-US" sz="1200" dirty="0" smtClean="0">
                           <a:latin typeface="EMprint" panose="020B0503020204020204" pitchFamily="34" charset="0"/>
                           <a:ea typeface="EMprint" panose="020B0503020204020204" pitchFamily="34" charset="0"/>
                         </a:rPr>
                         <a:t>300</a:t>
                       </a:r>
+                      <a:endParaRPr lang="en-US" sz="1200" dirty="0">
+                        <a:latin typeface="EMprint" panose="020B0503020204020204" pitchFamily="34" charset="0"/>
+                        <a:ea typeface="EMprint" panose="020B0503020204020204" pitchFamily="34" charset="0"/>
+                      </a:endParaRPr>
                     </a:p>
                   </a:txBody>
                   <a:tcPr>
@@ -5971,14 +6106,14 @@
                     <a:lstStyle/>
                     <a:p>
                       <a:r>
-                        <a:rPr lang="en-US" sz="1200" dirty="0">
+                        <a:rPr lang="en-US" sz="1200" dirty="0" smtClean="0">
                           <a:latin typeface="EMprint" panose="020B0503020204020204" pitchFamily="34" charset="0"/>
                           <a:ea typeface="EMprint" panose="020B0503020204020204" pitchFamily="34" charset="0"/>
                         </a:rPr>
                         <a:t>55. </a:t>
                       </a:r>
                       <a:r>
-                        <a:rPr lang="en-US" sz="1200" b="0" i="0" kern="1200" dirty="0">
+                        <a:rPr lang="en-US" sz="1200" b="0" i="0" kern="1200" dirty="0" smtClean="0">
                           <a:solidFill>
                             <a:schemeClr val="dk1"/>
                           </a:solidFill>
@@ -6009,14 +6144,14 @@
                     <a:lstStyle/>
                     <a:p>
                       <a:r>
-                        <a:rPr lang="en-US" sz="1200" dirty="0">
+                        <a:rPr lang="en-US" sz="1200" dirty="0" smtClean="0">
                           <a:latin typeface="EMprint" panose="020B0503020204020204" pitchFamily="34" charset="0"/>
                           <a:ea typeface="EMprint" panose="020B0503020204020204" pitchFamily="34" charset="0"/>
                         </a:rPr>
                         <a:t>EM</a:t>
                       </a:r>
                       <a:r>
-                        <a:rPr lang="en-US" sz="1200" baseline="0" dirty="0">
+                        <a:rPr lang="en-US" sz="1200" baseline="0" dirty="0" smtClean="0">
                           <a:latin typeface="EMprint" panose="020B0503020204020204" pitchFamily="34" charset="0"/>
                           <a:ea typeface="EMprint" panose="020B0503020204020204" pitchFamily="34" charset="0"/>
                         </a:rPr>
@@ -6043,12 +6178,16 @@
                     <a:p>
                       <a:pPr algn="ctr"/>
                       <a:r>
-                        <a:rPr lang="en-US" sz="1200" dirty="0">
+                        <a:rPr lang="en-US" sz="1200" dirty="0" smtClean="0">
                           <a:latin typeface="EMprint" panose="020B0503020204020204" pitchFamily="34" charset="0"/>
                           <a:ea typeface="EMprint" panose="020B0503020204020204" pitchFamily="34" charset="0"/>
                         </a:rPr>
                         <a:t>250</a:t>
                       </a:r>
+                      <a:endParaRPr lang="en-US" sz="1200" dirty="0">
+                        <a:latin typeface="EMprint" panose="020B0503020204020204" pitchFamily="34" charset="0"/>
+                        <a:ea typeface="EMprint" panose="020B0503020204020204" pitchFamily="34" charset="0"/>
+                      </a:endParaRPr>
                     </a:p>
                   </a:txBody>
                   <a:tcPr>
@@ -6157,7 +6296,7 @@
           <a:p>
             <a:pPr algn="ctr"/>
             <a:r>
-              <a:rPr lang="en-US" sz="1400" dirty="0">
+              <a:rPr lang="en-US" sz="1400" dirty="0" smtClean="0">
                 <a:solidFill>
                   <a:schemeClr val="tx1"/>
                 </a:solidFill>
@@ -6166,6 +6305,13 @@
               </a:rPr>
               <a:t>Add friends name</a:t>
             </a:r>
+            <a:endParaRPr lang="en-US" sz="1400" dirty="0">
+              <a:solidFill>
+                <a:schemeClr val="tx1"/>
+              </a:solidFill>
+              <a:latin typeface="EMprint" panose="020B0503020204020204" pitchFamily="34" charset="0"/>
+              <a:ea typeface="EMprint" panose="020B0503020204020204" pitchFamily="34" charset="0"/>
+            </a:endParaRPr>
           </a:p>
         </p:txBody>
       </p:sp>
@@ -6179,6 +6325,2572 @@
   <p:clrMapOvr>
     <a:masterClrMapping/>
   </p:clrMapOvr>
+</p:sld>
+</file>
+
+<file path=ppt/slides/slide5.xml><?xml version="1.0" encoding="utf-8"?>
+<p:sld xmlns:a="http://schemas.openxmlformats.org/drawingml/2006/main" xmlns:r="http://schemas.openxmlformats.org/officeDocument/2006/relationships" xmlns:p="http://schemas.openxmlformats.org/presentationml/2006/main" show="0">
+  <p:cSld>
+    <p:spTree>
+      <p:nvGrpSpPr>
+        <p:cNvPr id="1" name=""/>
+        <p:cNvGrpSpPr/>
+        <p:nvPr/>
+      </p:nvGrpSpPr>
+      <p:grpSpPr>
+        <a:xfrm>
+          <a:off x="0" y="0"/>
+          <a:ext cx="0" cy="0"/>
+          <a:chOff x="0" y="0"/>
+          <a:chExt cx="0" cy="0"/>
+        </a:xfrm>
+      </p:grpSpPr>
+      <p:pic>
+        <p:nvPicPr>
+          <p:cNvPr id="6" name="Picture 5"/>
+          <p:cNvPicPr>
+            <a:picLocks noChangeAspect="1"/>
+          </p:cNvPicPr>
+          <p:nvPr/>
+        </p:nvPicPr>
+        <p:blipFill>
+          <a:blip r:embed="rId2">
+            <a:extLst>
+              <a:ext uri="{28A0092B-C50C-407E-A947-70E740481C1C}">
+                <a14:useLocalDpi xmlns:a14="http://schemas.microsoft.com/office/drawing/2010/main" val="0"/>
+              </a:ext>
+            </a:extLst>
+          </a:blip>
+          <a:stretch>
+            <a:fillRect/>
+          </a:stretch>
+        </p:blipFill>
+        <p:spPr>
+          <a:xfrm>
+            <a:off x="16626" y="0"/>
+            <a:ext cx="12128269" cy="5976851"/>
+          </a:xfrm>
+          <a:prstGeom prst="rect">
+            <a:avLst/>
+          </a:prstGeom>
+          <a:ln>
+            <a:solidFill>
+              <a:schemeClr val="bg1"/>
+            </a:solidFill>
+          </a:ln>
+        </p:spPr>
+      </p:pic>
+      <p:graphicFrame>
+        <p:nvGraphicFramePr>
+          <p:cNvPr id="4" name="Table 3"/>
+          <p:cNvGraphicFramePr>
+            <a:graphicFrameLocks noGrp="1"/>
+          </p:cNvGraphicFramePr>
+          <p:nvPr>
+            <p:extLst>
+              <p:ext uri="{D42A27DB-BD31-4B8C-83A1-F6EECF244321}">
+                <p14:modId xmlns:p14="http://schemas.microsoft.com/office/powerpoint/2010/main" val="2648372438"/>
+              </p:ext>
+            </p:extLst>
+          </p:nvPr>
+        </p:nvGraphicFramePr>
+        <p:xfrm>
+          <a:off x="4862945" y="885920"/>
+          <a:ext cx="6059978" cy="2081724"/>
+        </p:xfrm>
+        <a:graphic>
+          <a:graphicData uri="http://schemas.openxmlformats.org/drawingml/2006/table">
+            <a:tbl>
+              <a:tblPr firstRow="1" bandRow="1">
+                <a:tableStyleId>{5C22544A-7EE6-4342-B048-85BDC9FD1C3A}</a:tableStyleId>
+              </a:tblPr>
+              <a:tblGrid>
+                <a:gridCol w="2786213">
+                  <a:extLst>
+                    <a:ext uri="{9D8B030D-6E8A-4147-A177-3AD203B41FA5}">
+                      <a16:colId xmlns:a16="http://schemas.microsoft.com/office/drawing/2014/main" val="2392704665"/>
+                    </a:ext>
+                  </a:extLst>
+                </a:gridCol>
+                <a:gridCol w="1865509">
+                  <a:extLst>
+                    <a:ext uri="{9D8B030D-6E8A-4147-A177-3AD203B41FA5}">
+                      <a16:colId xmlns:a16="http://schemas.microsoft.com/office/drawing/2014/main" val="1219337431"/>
+                    </a:ext>
+                  </a:extLst>
+                </a:gridCol>
+                <a:gridCol w="1408256">
+                  <a:extLst>
+                    <a:ext uri="{9D8B030D-6E8A-4147-A177-3AD203B41FA5}">
+                      <a16:colId xmlns:a16="http://schemas.microsoft.com/office/drawing/2014/main" val="1796620363"/>
+                    </a:ext>
+                  </a:extLst>
+                </a:gridCol>
+              </a:tblGrid>
+              <a:tr h="491799">
+                <a:tc>
+                  <a:txBody>
+                    <a:bodyPr/>
+                    <a:lstStyle/>
+                    <a:p>
+                      <a:pPr algn="ctr"/>
+                      <a:r>
+                        <a:rPr lang="en-US" sz="1050" b="0" dirty="0" smtClean="0">
+                          <a:latin typeface="EMprint" panose="020B0503020204020204" pitchFamily="34" charset="0"/>
+                          <a:ea typeface="EMprint" panose="020B0503020204020204" pitchFamily="34" charset="0"/>
+                        </a:rPr>
+                        <a:t>TOP THREE</a:t>
+                      </a:r>
+                      <a:endParaRPr lang="en-US" sz="1400" b="0" dirty="0">
+                        <a:latin typeface="EMprint" panose="020B0503020204020204" pitchFamily="34" charset="0"/>
+                        <a:ea typeface="EMprint" panose="020B0503020204020204" pitchFamily="34" charset="0"/>
+                      </a:endParaRPr>
+                    </a:p>
+                  </a:txBody>
+                  <a:tcPr>
+                    <a:solidFill>
+                      <a:srgbClr val="B71F1F"/>
+                    </a:solidFill>
+                  </a:tcPr>
+                </a:tc>
+                <a:tc>
+                  <a:txBody>
+                    <a:bodyPr/>
+                    <a:lstStyle/>
+                    <a:p>
+                      <a:endParaRPr lang="en-US" dirty="0">
+                        <a:latin typeface="EMprint" panose="020B0503020204020204" pitchFamily="34" charset="0"/>
+                        <a:ea typeface="EMprint" panose="020B0503020204020204" pitchFamily="34" charset="0"/>
+                      </a:endParaRPr>
+                    </a:p>
+                  </a:txBody>
+                  <a:tcPr>
+                    <a:solidFill>
+                      <a:srgbClr val="B71F1F"/>
+                    </a:solidFill>
+                  </a:tcPr>
+                </a:tc>
+                <a:tc>
+                  <a:txBody>
+                    <a:bodyPr/>
+                    <a:lstStyle/>
+                    <a:p>
+                      <a:pPr algn="ctr"/>
+                      <a:endParaRPr lang="en-US" dirty="0">
+                        <a:latin typeface="EMprint" panose="020B0503020204020204" pitchFamily="34" charset="0"/>
+                        <a:ea typeface="EMprint" panose="020B0503020204020204" pitchFamily="34" charset="0"/>
+                      </a:endParaRPr>
+                    </a:p>
+                  </a:txBody>
+                  <a:tcPr>
+                    <a:solidFill>
+                      <a:srgbClr val="B71F1F"/>
+                    </a:solidFill>
+                  </a:tcPr>
+                </a:tc>
+                <a:extLst>
+                  <a:ext uri="{0D108BD9-81ED-4DB2-BD59-A6C34878D82A}">
+                    <a16:rowId xmlns:a16="http://schemas.microsoft.com/office/drawing/2014/main" val="1562972995"/>
+                  </a:ext>
+                </a:extLst>
+              </a:tr>
+              <a:tr h="491799">
+                <a:tc>
+                  <a:txBody>
+                    <a:bodyPr/>
+                    <a:lstStyle/>
+                    <a:p>
+                      <a:r>
+                        <a:rPr lang="en-US" sz="1200" b="0" i="0" kern="1200" dirty="0" smtClean="0">
+                          <a:solidFill>
+                            <a:schemeClr val="dk1"/>
+                          </a:solidFill>
+                          <a:effectLst/>
+                          <a:latin typeface="EMprint" panose="020B0503020204020204" pitchFamily="34" charset="0"/>
+                          <a:ea typeface="EMprint" panose="020B0503020204020204" pitchFamily="34" charset="0"/>
+                          <a:cs typeface="+mn-cs"/>
+                        </a:rPr>
+                        <a:t>1. Chalong, Sasithorn</a:t>
+                      </a:r>
+                      <a:endParaRPr lang="en-US" sz="1200" dirty="0">
+                        <a:latin typeface="EMprint" panose="020B0503020204020204" pitchFamily="34" charset="0"/>
+                        <a:ea typeface="EMprint" panose="020B0503020204020204" pitchFamily="34" charset="0"/>
+                      </a:endParaRPr>
+                    </a:p>
+                  </a:txBody>
+                  <a:tcPr>
+                    <a:solidFill>
+                      <a:schemeClr val="accent4"/>
+                    </a:solidFill>
+                  </a:tcPr>
+                </a:tc>
+                <a:tc>
+                  <a:txBody>
+                    <a:bodyPr/>
+                    <a:lstStyle/>
+                    <a:p>
+                      <a:r>
+                        <a:rPr lang="en-US" sz="1200" dirty="0" smtClean="0">
+                          <a:latin typeface="EMprint" panose="020B0503020204020204" pitchFamily="34" charset="0"/>
+                          <a:ea typeface="EMprint" panose="020B0503020204020204" pitchFamily="34" charset="0"/>
+                        </a:rPr>
+                        <a:t>GSC EMIT</a:t>
+                      </a:r>
+                      <a:endParaRPr lang="en-US" sz="1200" dirty="0">
+                        <a:latin typeface="EMprint" panose="020B0503020204020204" pitchFamily="34" charset="0"/>
+                        <a:ea typeface="EMprint" panose="020B0503020204020204" pitchFamily="34" charset="0"/>
+                      </a:endParaRPr>
+                    </a:p>
+                  </a:txBody>
+                  <a:tcPr>
+                    <a:solidFill>
+                      <a:schemeClr val="accent4"/>
+                    </a:solidFill>
+                  </a:tcPr>
+                </a:tc>
+                <a:tc>
+                  <a:txBody>
+                    <a:bodyPr/>
+                    <a:lstStyle/>
+                    <a:p>
+                      <a:pPr algn="ctr"/>
+                      <a:r>
+                        <a:rPr lang="en-US" sz="1200" dirty="0" smtClean="0">
+                          <a:latin typeface="EMprint" panose="020B0503020204020204" pitchFamily="34" charset="0"/>
+                          <a:ea typeface="EMprint" panose="020B0503020204020204" pitchFamily="34" charset="0"/>
+                        </a:rPr>
+                        <a:t>450</a:t>
+                      </a:r>
+                      <a:endParaRPr lang="en-US" sz="1200" dirty="0">
+                        <a:latin typeface="EMprint" panose="020B0503020204020204" pitchFamily="34" charset="0"/>
+                        <a:ea typeface="EMprint" panose="020B0503020204020204" pitchFamily="34" charset="0"/>
+                      </a:endParaRPr>
+                    </a:p>
+                  </a:txBody>
+                  <a:tcPr>
+                    <a:solidFill>
+                      <a:schemeClr val="accent4"/>
+                    </a:solidFill>
+                  </a:tcPr>
+                </a:tc>
+                <a:extLst>
+                  <a:ext uri="{0D108BD9-81ED-4DB2-BD59-A6C34878D82A}">
+                    <a16:rowId xmlns:a16="http://schemas.microsoft.com/office/drawing/2014/main" val="3830907580"/>
+                  </a:ext>
+                </a:extLst>
+              </a:tr>
+              <a:tr h="491799">
+                <a:tc>
+                  <a:txBody>
+                    <a:bodyPr/>
+                    <a:lstStyle/>
+                    <a:p>
+                      <a:r>
+                        <a:rPr lang="en-US" sz="1200" b="0" i="0" kern="1200" dirty="0" smtClean="0">
+                          <a:solidFill>
+                            <a:schemeClr val="dk1"/>
+                          </a:solidFill>
+                          <a:effectLst/>
+                          <a:latin typeface="EMprint" panose="020B0503020204020204" pitchFamily="34" charset="0"/>
+                          <a:ea typeface="EMprint" panose="020B0503020204020204" pitchFamily="34" charset="0"/>
+                          <a:cs typeface="+mn-cs"/>
+                        </a:rPr>
+                        <a:t>2. Wongkornvanich, Anunsith (Sea)</a:t>
+                      </a:r>
+                      <a:endParaRPr lang="en-US" sz="1200" dirty="0">
+                        <a:latin typeface="EMprint" panose="020B0503020204020204" pitchFamily="34" charset="0"/>
+                        <a:ea typeface="EMprint" panose="020B0503020204020204" pitchFamily="34" charset="0"/>
+                      </a:endParaRPr>
+                    </a:p>
+                  </a:txBody>
+                  <a:tcPr>
+                    <a:solidFill>
+                      <a:schemeClr val="bg1"/>
+                    </a:solidFill>
+                  </a:tcPr>
+                </a:tc>
+                <a:tc>
+                  <a:txBody>
+                    <a:bodyPr/>
+                    <a:lstStyle/>
+                    <a:p>
+                      <a:r>
+                        <a:rPr lang="en-US" sz="1200" dirty="0" smtClean="0">
+                          <a:latin typeface="EMprint" panose="020B0503020204020204" pitchFamily="34" charset="0"/>
+                          <a:ea typeface="EMprint" panose="020B0503020204020204" pitchFamily="34" charset="0"/>
+                        </a:rPr>
+                        <a:t>GSC EMIT</a:t>
+                      </a:r>
+                      <a:endParaRPr lang="en-US" sz="1200" dirty="0">
+                        <a:latin typeface="EMprint" panose="020B0503020204020204" pitchFamily="34" charset="0"/>
+                        <a:ea typeface="EMprint" panose="020B0503020204020204" pitchFamily="34" charset="0"/>
+                      </a:endParaRPr>
+                    </a:p>
+                  </a:txBody>
+                  <a:tcPr>
+                    <a:solidFill>
+                      <a:schemeClr val="bg1"/>
+                    </a:solidFill>
+                  </a:tcPr>
+                </a:tc>
+                <a:tc>
+                  <a:txBody>
+                    <a:bodyPr/>
+                    <a:lstStyle/>
+                    <a:p>
+                      <a:pPr algn="ctr"/>
+                      <a:r>
+                        <a:rPr lang="en-US" sz="1200" dirty="0" smtClean="0">
+                          <a:latin typeface="EMprint" panose="020B0503020204020204" pitchFamily="34" charset="0"/>
+                          <a:ea typeface="EMprint" panose="020B0503020204020204" pitchFamily="34" charset="0"/>
+                        </a:rPr>
+                        <a:t>400</a:t>
+                      </a:r>
+                      <a:endParaRPr lang="en-US" sz="1200" dirty="0">
+                        <a:latin typeface="EMprint" panose="020B0503020204020204" pitchFamily="34" charset="0"/>
+                        <a:ea typeface="EMprint" panose="020B0503020204020204" pitchFamily="34" charset="0"/>
+                      </a:endParaRPr>
+                    </a:p>
+                  </a:txBody>
+                  <a:tcPr>
+                    <a:solidFill>
+                      <a:schemeClr val="bg1"/>
+                    </a:solidFill>
+                  </a:tcPr>
+                </a:tc>
+                <a:extLst>
+                  <a:ext uri="{0D108BD9-81ED-4DB2-BD59-A6C34878D82A}">
+                    <a16:rowId xmlns:a16="http://schemas.microsoft.com/office/drawing/2014/main" val="2329145063"/>
+                  </a:ext>
+                </a:extLst>
+              </a:tr>
+              <a:tr h="606327">
+                <a:tc>
+                  <a:txBody>
+                    <a:bodyPr/>
+                    <a:lstStyle/>
+                    <a:p>
+                      <a:r>
+                        <a:rPr lang="en-US" sz="1200" b="0" i="0" kern="1200" dirty="0" smtClean="0">
+                          <a:solidFill>
+                            <a:schemeClr val="dk1"/>
+                          </a:solidFill>
+                          <a:effectLst/>
+                          <a:latin typeface="EMprint" panose="020B0503020204020204" pitchFamily="34" charset="0"/>
+                          <a:ea typeface="EMprint" panose="020B0503020204020204" pitchFamily="34" charset="0"/>
+                          <a:cs typeface="+mn-cs"/>
+                        </a:rPr>
+                        <a:t>3. Chia-Piyasakul, Karnrawee</a:t>
+                      </a:r>
+                      <a:endParaRPr lang="en-US" sz="1200" dirty="0">
+                        <a:latin typeface="EMprint" panose="020B0503020204020204" pitchFamily="34" charset="0"/>
+                        <a:ea typeface="EMprint" panose="020B0503020204020204" pitchFamily="34" charset="0"/>
+                      </a:endParaRPr>
+                    </a:p>
+                  </a:txBody>
+                  <a:tcPr>
+                    <a:solidFill>
+                      <a:schemeClr val="accent2">
+                        <a:lumMod val="40000"/>
+                        <a:lumOff val="60000"/>
+                      </a:schemeClr>
+                    </a:solidFill>
+                  </a:tcPr>
+                </a:tc>
+                <a:tc>
+                  <a:txBody>
+                    <a:bodyPr/>
+                    <a:lstStyle/>
+                    <a:p>
+                      <a:pPr marL="0" marR="0" lvl="0" indent="0" algn="l" defTabSz="914400" rtl="0" eaLnBrk="1" fontAlgn="auto" latinLnBrk="0" hangingPunct="1">
+                        <a:lnSpc>
+                          <a:spcPct val="100000"/>
+                        </a:lnSpc>
+                        <a:spcBef>
+                          <a:spcPts val="0"/>
+                        </a:spcBef>
+                        <a:spcAft>
+                          <a:spcPts val="0"/>
+                        </a:spcAft>
+                        <a:buClrTx/>
+                        <a:buSzTx/>
+                        <a:buFontTx/>
+                        <a:buNone/>
+                        <a:tabLst/>
+                        <a:defRPr/>
+                      </a:pPr>
+                      <a:r>
+                        <a:rPr lang="en-US" sz="1200" dirty="0" smtClean="0">
+                          <a:latin typeface="EMprint" panose="020B0503020204020204" pitchFamily="34" charset="0"/>
+                          <a:ea typeface="EMprint" panose="020B0503020204020204" pitchFamily="34" charset="0"/>
+                        </a:rPr>
+                        <a:t>GSC EMIT</a:t>
+                      </a:r>
+                    </a:p>
+                    <a:p>
+                      <a:endParaRPr lang="en-US" sz="1200" dirty="0">
+                        <a:latin typeface="EMprint" panose="020B0503020204020204" pitchFamily="34" charset="0"/>
+                        <a:ea typeface="EMprint" panose="020B0503020204020204" pitchFamily="34" charset="0"/>
+                      </a:endParaRPr>
+                    </a:p>
+                  </a:txBody>
+                  <a:tcPr>
+                    <a:solidFill>
+                      <a:schemeClr val="accent2">
+                        <a:lumMod val="40000"/>
+                        <a:lumOff val="60000"/>
+                      </a:schemeClr>
+                    </a:solidFill>
+                  </a:tcPr>
+                </a:tc>
+                <a:tc>
+                  <a:txBody>
+                    <a:bodyPr/>
+                    <a:lstStyle/>
+                    <a:p>
+                      <a:pPr algn="ctr"/>
+                      <a:r>
+                        <a:rPr lang="en-US" sz="1200" dirty="0" smtClean="0">
+                          <a:latin typeface="EMprint" panose="020B0503020204020204" pitchFamily="34" charset="0"/>
+                          <a:ea typeface="EMprint" panose="020B0503020204020204" pitchFamily="34" charset="0"/>
+                        </a:rPr>
+                        <a:t>350</a:t>
+                      </a:r>
+                      <a:endParaRPr lang="en-US" sz="1200" dirty="0">
+                        <a:latin typeface="EMprint" panose="020B0503020204020204" pitchFamily="34" charset="0"/>
+                        <a:ea typeface="EMprint" panose="020B0503020204020204" pitchFamily="34" charset="0"/>
+                      </a:endParaRPr>
+                    </a:p>
+                  </a:txBody>
+                  <a:tcPr>
+                    <a:solidFill>
+                      <a:schemeClr val="accent2">
+                        <a:lumMod val="40000"/>
+                        <a:lumOff val="60000"/>
+                      </a:schemeClr>
+                    </a:solidFill>
+                  </a:tcPr>
+                </a:tc>
+                <a:extLst>
+                  <a:ext uri="{0D108BD9-81ED-4DB2-BD59-A6C34878D82A}">
+                    <a16:rowId xmlns:a16="http://schemas.microsoft.com/office/drawing/2014/main" val="2523538187"/>
+                  </a:ext>
+                </a:extLst>
+              </a:tr>
+            </a:tbl>
+          </a:graphicData>
+        </a:graphic>
+      </p:graphicFrame>
+      <p:graphicFrame>
+        <p:nvGraphicFramePr>
+          <p:cNvPr id="5" name="Table 4"/>
+          <p:cNvGraphicFramePr>
+            <a:graphicFrameLocks noGrp="1"/>
+          </p:cNvGraphicFramePr>
+          <p:nvPr>
+            <p:extLst>
+              <p:ext uri="{D42A27DB-BD31-4B8C-83A1-F6EECF244321}">
+                <p14:modId xmlns:p14="http://schemas.microsoft.com/office/powerpoint/2010/main" val="379662420"/>
+              </p:ext>
+            </p:extLst>
+          </p:nvPr>
+        </p:nvGraphicFramePr>
+        <p:xfrm>
+          <a:off x="4862945" y="2967645"/>
+          <a:ext cx="6059978" cy="2036616"/>
+        </p:xfrm>
+        <a:graphic>
+          <a:graphicData uri="http://schemas.openxmlformats.org/drawingml/2006/table">
+            <a:tbl>
+              <a:tblPr firstRow="1" bandRow="1">
+                <a:tableStyleId>{5C22544A-7EE6-4342-B048-85BDC9FD1C3A}</a:tableStyleId>
+              </a:tblPr>
+              <a:tblGrid>
+                <a:gridCol w="2786213">
+                  <a:extLst>
+                    <a:ext uri="{9D8B030D-6E8A-4147-A177-3AD203B41FA5}">
+                      <a16:colId xmlns:a16="http://schemas.microsoft.com/office/drawing/2014/main" val="2392704665"/>
+                    </a:ext>
+                  </a:extLst>
+                </a:gridCol>
+                <a:gridCol w="1865509">
+                  <a:extLst>
+                    <a:ext uri="{9D8B030D-6E8A-4147-A177-3AD203B41FA5}">
+                      <a16:colId xmlns:a16="http://schemas.microsoft.com/office/drawing/2014/main" val="1219337431"/>
+                    </a:ext>
+                  </a:extLst>
+                </a:gridCol>
+                <a:gridCol w="1408256">
+                  <a:extLst>
+                    <a:ext uri="{9D8B030D-6E8A-4147-A177-3AD203B41FA5}">
+                      <a16:colId xmlns:a16="http://schemas.microsoft.com/office/drawing/2014/main" val="1796620363"/>
+                    </a:ext>
+                  </a:extLst>
+                </a:gridCol>
+              </a:tblGrid>
+              <a:tr h="481142">
+                <a:tc>
+                  <a:txBody>
+                    <a:bodyPr/>
+                    <a:lstStyle/>
+                    <a:p>
+                      <a:pPr algn="ctr"/>
+                      <a:r>
+                        <a:rPr lang="en-US" sz="1050" b="0" dirty="0" smtClean="0">
+                          <a:latin typeface="EMprint" panose="020B0503020204020204" pitchFamily="34" charset="0"/>
+                          <a:ea typeface="EMprint" panose="020B0503020204020204" pitchFamily="34" charset="0"/>
+                        </a:rPr>
+                        <a:t>Your score</a:t>
+                      </a:r>
+                      <a:endParaRPr lang="en-US" sz="1400" b="0" dirty="0">
+                        <a:latin typeface="EMprint" panose="020B0503020204020204" pitchFamily="34" charset="0"/>
+                        <a:ea typeface="EMprint" panose="020B0503020204020204" pitchFamily="34" charset="0"/>
+                      </a:endParaRPr>
+                    </a:p>
+                  </a:txBody>
+                  <a:tcPr>
+                    <a:solidFill>
+                      <a:srgbClr val="B71F1F"/>
+                    </a:solidFill>
+                  </a:tcPr>
+                </a:tc>
+                <a:tc>
+                  <a:txBody>
+                    <a:bodyPr/>
+                    <a:lstStyle/>
+                    <a:p>
+                      <a:endParaRPr lang="en-US" dirty="0">
+                        <a:latin typeface="EMprint" panose="020B0503020204020204" pitchFamily="34" charset="0"/>
+                        <a:ea typeface="EMprint" panose="020B0503020204020204" pitchFamily="34" charset="0"/>
+                      </a:endParaRPr>
+                    </a:p>
+                  </a:txBody>
+                  <a:tcPr>
+                    <a:solidFill>
+                      <a:srgbClr val="B71F1F"/>
+                    </a:solidFill>
+                  </a:tcPr>
+                </a:tc>
+                <a:tc>
+                  <a:txBody>
+                    <a:bodyPr/>
+                    <a:lstStyle/>
+                    <a:p>
+                      <a:pPr algn="ctr"/>
+                      <a:endParaRPr lang="en-US" dirty="0">
+                        <a:latin typeface="EMprint" panose="020B0503020204020204" pitchFamily="34" charset="0"/>
+                        <a:ea typeface="EMprint" panose="020B0503020204020204" pitchFamily="34" charset="0"/>
+                      </a:endParaRPr>
+                    </a:p>
+                  </a:txBody>
+                  <a:tcPr>
+                    <a:solidFill>
+                      <a:srgbClr val="B71F1F"/>
+                    </a:solidFill>
+                  </a:tcPr>
+                </a:tc>
+                <a:extLst>
+                  <a:ext uri="{0D108BD9-81ED-4DB2-BD59-A6C34878D82A}">
+                    <a16:rowId xmlns:a16="http://schemas.microsoft.com/office/drawing/2014/main" val="1562972995"/>
+                  </a:ext>
+                </a:extLst>
+              </a:tr>
+              <a:tr h="481142">
+                <a:tc>
+                  <a:txBody>
+                    <a:bodyPr/>
+                    <a:lstStyle/>
+                    <a:p>
+                      <a:r>
+                        <a:rPr lang="en-US" sz="1200" b="0" i="0" kern="1200" dirty="0" smtClean="0">
+                          <a:solidFill>
+                            <a:schemeClr val="dk1"/>
+                          </a:solidFill>
+                          <a:effectLst/>
+                          <a:latin typeface="EMprint" panose="020B0503020204020204" pitchFamily="34" charset="0"/>
+                          <a:ea typeface="EMprint" panose="020B0503020204020204" pitchFamily="34" charset="0"/>
+                          <a:cs typeface="+mn-cs"/>
+                        </a:rPr>
+                        <a:t>1. Chalong, Sasithorn</a:t>
+                      </a:r>
+                      <a:endParaRPr lang="en-US" sz="1200" dirty="0">
+                        <a:latin typeface="EMprint" panose="020B0503020204020204" pitchFamily="34" charset="0"/>
+                        <a:ea typeface="EMprint" panose="020B0503020204020204" pitchFamily="34" charset="0"/>
+                      </a:endParaRPr>
+                    </a:p>
+                  </a:txBody>
+                  <a:tcPr>
+                    <a:solidFill>
+                      <a:schemeClr val="tx2">
+                        <a:lumMod val="20000"/>
+                        <a:lumOff val="80000"/>
+                      </a:schemeClr>
+                    </a:solidFill>
+                  </a:tcPr>
+                </a:tc>
+                <a:tc>
+                  <a:txBody>
+                    <a:bodyPr/>
+                    <a:lstStyle/>
+                    <a:p>
+                      <a:r>
+                        <a:rPr lang="en-US" sz="1200" dirty="0" smtClean="0">
+                          <a:latin typeface="EMprint" panose="020B0503020204020204" pitchFamily="34" charset="0"/>
+                          <a:ea typeface="EMprint" panose="020B0503020204020204" pitchFamily="34" charset="0"/>
+                        </a:rPr>
+                        <a:t>GSC EMIT</a:t>
+                      </a:r>
+                      <a:endParaRPr lang="en-US" sz="1200" dirty="0">
+                        <a:latin typeface="EMprint" panose="020B0503020204020204" pitchFamily="34" charset="0"/>
+                        <a:ea typeface="EMprint" panose="020B0503020204020204" pitchFamily="34" charset="0"/>
+                      </a:endParaRPr>
+                    </a:p>
+                  </a:txBody>
+                  <a:tcPr>
+                    <a:solidFill>
+                      <a:schemeClr val="tx2">
+                        <a:lumMod val="20000"/>
+                        <a:lumOff val="80000"/>
+                      </a:schemeClr>
+                    </a:solidFill>
+                  </a:tcPr>
+                </a:tc>
+                <a:tc>
+                  <a:txBody>
+                    <a:bodyPr/>
+                    <a:lstStyle/>
+                    <a:p>
+                      <a:pPr algn="ctr"/>
+                      <a:r>
+                        <a:rPr lang="en-US" sz="1200" dirty="0" smtClean="0">
+                          <a:latin typeface="EMprint" panose="020B0503020204020204" pitchFamily="34" charset="0"/>
+                          <a:ea typeface="EMprint" panose="020B0503020204020204" pitchFamily="34" charset="0"/>
+                        </a:rPr>
+                        <a:t>450</a:t>
+                      </a:r>
+                      <a:endParaRPr lang="en-US" sz="1200" dirty="0">
+                        <a:latin typeface="EMprint" panose="020B0503020204020204" pitchFamily="34" charset="0"/>
+                        <a:ea typeface="EMprint" panose="020B0503020204020204" pitchFamily="34" charset="0"/>
+                      </a:endParaRPr>
+                    </a:p>
+                  </a:txBody>
+                  <a:tcPr>
+                    <a:solidFill>
+                      <a:schemeClr val="tx2">
+                        <a:lumMod val="20000"/>
+                        <a:lumOff val="80000"/>
+                      </a:schemeClr>
+                    </a:solidFill>
+                  </a:tcPr>
+                </a:tc>
+                <a:extLst>
+                  <a:ext uri="{0D108BD9-81ED-4DB2-BD59-A6C34878D82A}">
+                    <a16:rowId xmlns:a16="http://schemas.microsoft.com/office/drawing/2014/main" val="3830907580"/>
+                  </a:ext>
+                </a:extLst>
+              </a:tr>
+              <a:tr h="481142">
+                <a:tc>
+                  <a:txBody>
+                    <a:bodyPr/>
+                    <a:lstStyle/>
+                    <a:p>
+                      <a:r>
+                        <a:rPr lang="en-US" sz="1200" b="0" i="0" kern="1200" dirty="0" smtClean="0">
+                          <a:solidFill>
+                            <a:schemeClr val="dk1"/>
+                          </a:solidFill>
+                          <a:effectLst/>
+                          <a:latin typeface="EMprint" panose="020B0503020204020204" pitchFamily="34" charset="0"/>
+                          <a:ea typeface="EMprint" panose="020B0503020204020204" pitchFamily="34" charset="0"/>
+                          <a:cs typeface="+mn-cs"/>
+                        </a:rPr>
+                        <a:t>2. Wongkornvanich, Anunsith (Sea)</a:t>
+                      </a:r>
+                      <a:endParaRPr lang="en-US" sz="1200" dirty="0">
+                        <a:latin typeface="EMprint" panose="020B0503020204020204" pitchFamily="34" charset="0"/>
+                        <a:ea typeface="EMprint" panose="020B0503020204020204" pitchFamily="34" charset="0"/>
+                      </a:endParaRPr>
+                    </a:p>
+                  </a:txBody>
+                  <a:tcPr>
+                    <a:solidFill>
+                      <a:schemeClr val="bg1"/>
+                    </a:solidFill>
+                  </a:tcPr>
+                </a:tc>
+                <a:tc>
+                  <a:txBody>
+                    <a:bodyPr/>
+                    <a:lstStyle/>
+                    <a:p>
+                      <a:r>
+                        <a:rPr lang="en-US" sz="1200" dirty="0" smtClean="0">
+                          <a:latin typeface="EMprint" panose="020B0503020204020204" pitchFamily="34" charset="0"/>
+                          <a:ea typeface="EMprint" panose="020B0503020204020204" pitchFamily="34" charset="0"/>
+                        </a:rPr>
+                        <a:t>GSC EMIT</a:t>
+                      </a:r>
+                      <a:endParaRPr lang="en-US" sz="1200" dirty="0">
+                        <a:latin typeface="EMprint" panose="020B0503020204020204" pitchFamily="34" charset="0"/>
+                        <a:ea typeface="EMprint" panose="020B0503020204020204" pitchFamily="34" charset="0"/>
+                      </a:endParaRPr>
+                    </a:p>
+                  </a:txBody>
+                  <a:tcPr>
+                    <a:solidFill>
+                      <a:schemeClr val="bg1"/>
+                    </a:solidFill>
+                  </a:tcPr>
+                </a:tc>
+                <a:tc>
+                  <a:txBody>
+                    <a:bodyPr/>
+                    <a:lstStyle/>
+                    <a:p>
+                      <a:pPr algn="ctr"/>
+                      <a:r>
+                        <a:rPr lang="en-US" sz="1200" dirty="0" smtClean="0">
+                          <a:latin typeface="EMprint" panose="020B0503020204020204" pitchFamily="34" charset="0"/>
+                          <a:ea typeface="EMprint" panose="020B0503020204020204" pitchFamily="34" charset="0"/>
+                        </a:rPr>
+                        <a:t>400</a:t>
+                      </a:r>
+                      <a:endParaRPr lang="en-US" sz="1200" dirty="0">
+                        <a:latin typeface="EMprint" panose="020B0503020204020204" pitchFamily="34" charset="0"/>
+                        <a:ea typeface="EMprint" panose="020B0503020204020204" pitchFamily="34" charset="0"/>
+                      </a:endParaRPr>
+                    </a:p>
+                  </a:txBody>
+                  <a:tcPr>
+                    <a:solidFill>
+                      <a:schemeClr val="bg1"/>
+                    </a:solidFill>
+                  </a:tcPr>
+                </a:tc>
+                <a:extLst>
+                  <a:ext uri="{0D108BD9-81ED-4DB2-BD59-A6C34878D82A}">
+                    <a16:rowId xmlns:a16="http://schemas.microsoft.com/office/drawing/2014/main" val="2329145063"/>
+                  </a:ext>
+                </a:extLst>
+              </a:tr>
+              <a:tr h="593190">
+                <a:tc>
+                  <a:txBody>
+                    <a:bodyPr/>
+                    <a:lstStyle/>
+                    <a:p>
+                      <a:r>
+                        <a:rPr lang="en-US" sz="1200" b="0" i="0" kern="1200" dirty="0" smtClean="0">
+                          <a:solidFill>
+                            <a:schemeClr val="dk1"/>
+                          </a:solidFill>
+                          <a:effectLst/>
+                          <a:latin typeface="EMprint" panose="020B0503020204020204" pitchFamily="34" charset="0"/>
+                          <a:ea typeface="EMprint" panose="020B0503020204020204" pitchFamily="34" charset="0"/>
+                          <a:cs typeface="+mn-cs"/>
+                        </a:rPr>
+                        <a:t>3. Chia-Piyasakul, Karnrawee</a:t>
+                      </a:r>
+                      <a:endParaRPr lang="en-US" sz="1200" dirty="0">
+                        <a:latin typeface="EMprint" panose="020B0503020204020204" pitchFamily="34" charset="0"/>
+                        <a:ea typeface="EMprint" panose="020B0503020204020204" pitchFamily="34" charset="0"/>
+                      </a:endParaRPr>
+                    </a:p>
+                  </a:txBody>
+                  <a:tcPr>
+                    <a:solidFill>
+                      <a:schemeClr val="tx2">
+                        <a:lumMod val="20000"/>
+                        <a:lumOff val="80000"/>
+                      </a:schemeClr>
+                    </a:solidFill>
+                  </a:tcPr>
+                </a:tc>
+                <a:tc>
+                  <a:txBody>
+                    <a:bodyPr/>
+                    <a:lstStyle/>
+                    <a:p>
+                      <a:pPr marL="0" marR="0" lvl="0" indent="0" algn="l" defTabSz="914400" rtl="0" eaLnBrk="1" fontAlgn="auto" latinLnBrk="0" hangingPunct="1">
+                        <a:lnSpc>
+                          <a:spcPct val="100000"/>
+                        </a:lnSpc>
+                        <a:spcBef>
+                          <a:spcPts val="0"/>
+                        </a:spcBef>
+                        <a:spcAft>
+                          <a:spcPts val="0"/>
+                        </a:spcAft>
+                        <a:buClrTx/>
+                        <a:buSzTx/>
+                        <a:buFontTx/>
+                        <a:buNone/>
+                        <a:tabLst/>
+                        <a:defRPr/>
+                      </a:pPr>
+                      <a:r>
+                        <a:rPr lang="en-US" sz="1200" dirty="0" smtClean="0">
+                          <a:latin typeface="EMprint" panose="020B0503020204020204" pitchFamily="34" charset="0"/>
+                          <a:ea typeface="EMprint" panose="020B0503020204020204" pitchFamily="34" charset="0"/>
+                        </a:rPr>
+                        <a:t>GSC EMIT</a:t>
+                      </a:r>
+                    </a:p>
+                    <a:p>
+                      <a:endParaRPr lang="en-US" sz="1200" dirty="0">
+                        <a:latin typeface="EMprint" panose="020B0503020204020204" pitchFamily="34" charset="0"/>
+                        <a:ea typeface="EMprint" panose="020B0503020204020204" pitchFamily="34" charset="0"/>
+                      </a:endParaRPr>
+                    </a:p>
+                  </a:txBody>
+                  <a:tcPr>
+                    <a:solidFill>
+                      <a:schemeClr val="tx2">
+                        <a:lumMod val="20000"/>
+                        <a:lumOff val="80000"/>
+                      </a:schemeClr>
+                    </a:solidFill>
+                  </a:tcPr>
+                </a:tc>
+                <a:tc>
+                  <a:txBody>
+                    <a:bodyPr/>
+                    <a:lstStyle/>
+                    <a:p>
+                      <a:pPr algn="ctr"/>
+                      <a:r>
+                        <a:rPr lang="en-US" sz="1200" dirty="0" smtClean="0">
+                          <a:latin typeface="EMprint" panose="020B0503020204020204" pitchFamily="34" charset="0"/>
+                          <a:ea typeface="EMprint" panose="020B0503020204020204" pitchFamily="34" charset="0"/>
+                        </a:rPr>
+                        <a:t>350</a:t>
+                      </a:r>
+                      <a:endParaRPr lang="en-US" sz="1200" dirty="0">
+                        <a:latin typeface="EMprint" panose="020B0503020204020204" pitchFamily="34" charset="0"/>
+                        <a:ea typeface="EMprint" panose="020B0503020204020204" pitchFamily="34" charset="0"/>
+                      </a:endParaRPr>
+                    </a:p>
+                  </a:txBody>
+                  <a:tcPr>
+                    <a:solidFill>
+                      <a:schemeClr val="tx2">
+                        <a:lumMod val="20000"/>
+                        <a:lumOff val="80000"/>
+                      </a:schemeClr>
+                    </a:solidFill>
+                  </a:tcPr>
+                </a:tc>
+                <a:extLst>
+                  <a:ext uri="{0D108BD9-81ED-4DB2-BD59-A6C34878D82A}">
+                    <a16:rowId xmlns:a16="http://schemas.microsoft.com/office/drawing/2014/main" val="2523538187"/>
+                  </a:ext>
+                </a:extLst>
+              </a:tr>
+            </a:tbl>
+          </a:graphicData>
+        </a:graphic>
+      </p:graphicFrame>
+      <p:sp>
+        <p:nvSpPr>
+          <p:cNvPr id="7" name="Rectangle 6"/>
+          <p:cNvSpPr/>
+          <p:nvPr/>
+        </p:nvSpPr>
+        <p:spPr>
+          <a:xfrm>
+            <a:off x="9543011" y="274320"/>
+            <a:ext cx="1654233" cy="191193"/>
+          </a:xfrm>
+          <a:prstGeom prst="rect">
+            <a:avLst/>
+          </a:prstGeom>
+          <a:solidFill>
+            <a:schemeClr val="bg1"/>
+          </a:solidFill>
+          <a:ln>
+            <a:solidFill>
+              <a:schemeClr val="bg1"/>
+            </a:solidFill>
+          </a:ln>
+        </p:spPr>
+        <p:style>
+          <a:lnRef idx="2">
+            <a:schemeClr val="accent1">
+              <a:shade val="50000"/>
+            </a:schemeClr>
+          </a:lnRef>
+          <a:fillRef idx="1">
+            <a:schemeClr val="accent1"/>
+          </a:fillRef>
+          <a:effectRef idx="0">
+            <a:schemeClr val="accent1"/>
+          </a:effectRef>
+          <a:fontRef idx="minor">
+            <a:schemeClr val="lt1"/>
+          </a:fontRef>
+        </p:style>
+        <p:txBody>
+          <a:bodyPr rtlCol="0" anchor="ctr"/>
+          <a:lstStyle/>
+          <a:p>
+            <a:pPr algn="ctr"/>
+            <a:endParaRPr lang="en-US"/>
+          </a:p>
+        </p:txBody>
+      </p:sp>
+    </p:spTree>
+    <p:extLst>
+      <p:ext uri="{BB962C8B-B14F-4D97-AF65-F5344CB8AC3E}">
+        <p14:creationId xmlns:p14="http://schemas.microsoft.com/office/powerpoint/2010/main" val="1166550029"/>
+      </p:ext>
+    </p:extLst>
+  </p:cSld>
+  <p:clrMapOvr>
+    <a:masterClrMapping/>
+  </p:clrMapOvr>
+  <mc:AlternateContent xmlns:mc="http://schemas.openxmlformats.org/markup-compatibility/2006" xmlns:p14="http://schemas.microsoft.com/office/powerpoint/2010/main">
+    <mc:Choice Requires="p14">
+      <p:transition spd="slow" p14:dur="2000"/>
+    </mc:Choice>
+    <mc:Fallback xmlns="">
+      <p:transition spd="slow"/>
+    </mc:Fallback>
+  </mc:AlternateContent>
+</p:sld>
+</file>
+
+<file path=ppt/slides/slide6.xml><?xml version="1.0" encoding="utf-8"?>
+<p:sld xmlns:a="http://schemas.openxmlformats.org/drawingml/2006/main" xmlns:r="http://schemas.openxmlformats.org/officeDocument/2006/relationships" xmlns:p="http://schemas.openxmlformats.org/presentationml/2006/main" show="0">
+  <p:cSld>
+    <p:spTree>
+      <p:nvGrpSpPr>
+        <p:cNvPr id="1" name=""/>
+        <p:cNvGrpSpPr/>
+        <p:nvPr/>
+      </p:nvGrpSpPr>
+      <p:grpSpPr>
+        <a:xfrm>
+          <a:off x="0" y="0"/>
+          <a:ext cx="0" cy="0"/>
+          <a:chOff x="0" y="0"/>
+          <a:chExt cx="0" cy="0"/>
+        </a:xfrm>
+      </p:grpSpPr>
+      <p:pic>
+        <p:nvPicPr>
+          <p:cNvPr id="6" name="Picture 5"/>
+          <p:cNvPicPr>
+            <a:picLocks noChangeAspect="1"/>
+          </p:cNvPicPr>
+          <p:nvPr/>
+        </p:nvPicPr>
+        <p:blipFill>
+          <a:blip r:embed="rId2">
+            <a:extLst>
+              <a:ext uri="{28A0092B-C50C-407E-A947-70E740481C1C}">
+                <a14:useLocalDpi xmlns:a14="http://schemas.microsoft.com/office/drawing/2010/main" val="0"/>
+              </a:ext>
+            </a:extLst>
+          </a:blip>
+          <a:stretch>
+            <a:fillRect/>
+          </a:stretch>
+        </p:blipFill>
+        <p:spPr>
+          <a:xfrm>
+            <a:off x="0" y="0"/>
+            <a:ext cx="12128269" cy="5976851"/>
+          </a:xfrm>
+          <a:prstGeom prst="rect">
+            <a:avLst/>
+          </a:prstGeom>
+          <a:ln>
+            <a:solidFill>
+              <a:schemeClr val="bg1"/>
+            </a:solidFill>
+          </a:ln>
+        </p:spPr>
+      </p:pic>
+      <p:graphicFrame>
+        <p:nvGraphicFramePr>
+          <p:cNvPr id="4" name="Table 3"/>
+          <p:cNvGraphicFramePr>
+            <a:graphicFrameLocks noGrp="1"/>
+          </p:cNvGraphicFramePr>
+          <p:nvPr>
+            <p:extLst>
+              <p:ext uri="{D42A27DB-BD31-4B8C-83A1-F6EECF244321}">
+                <p14:modId xmlns:p14="http://schemas.microsoft.com/office/powerpoint/2010/main" val="3818400911"/>
+              </p:ext>
+            </p:extLst>
+          </p:nvPr>
+        </p:nvGraphicFramePr>
+        <p:xfrm>
+          <a:off x="4862945" y="885920"/>
+          <a:ext cx="6059978" cy="2231353"/>
+        </p:xfrm>
+        <a:graphic>
+          <a:graphicData uri="http://schemas.openxmlformats.org/drawingml/2006/table">
+            <a:tbl>
+              <a:tblPr firstRow="1" bandRow="1">
+                <a:tableStyleId>{5C22544A-7EE6-4342-B048-85BDC9FD1C3A}</a:tableStyleId>
+              </a:tblPr>
+              <a:tblGrid>
+                <a:gridCol w="4025394">
+                  <a:extLst>
+                    <a:ext uri="{9D8B030D-6E8A-4147-A177-3AD203B41FA5}">
+                      <a16:colId xmlns:a16="http://schemas.microsoft.com/office/drawing/2014/main" val="2392704665"/>
+                    </a:ext>
+                  </a:extLst>
+                </a:gridCol>
+                <a:gridCol w="2034584">
+                  <a:extLst>
+                    <a:ext uri="{9D8B030D-6E8A-4147-A177-3AD203B41FA5}">
+                      <a16:colId xmlns:a16="http://schemas.microsoft.com/office/drawing/2014/main" val="1796620363"/>
+                    </a:ext>
+                  </a:extLst>
+                </a:gridCol>
+              </a:tblGrid>
+              <a:tr h="370840">
+                <a:tc>
+                  <a:txBody>
+                    <a:bodyPr/>
+                    <a:lstStyle/>
+                    <a:p>
+                      <a:pPr algn="ctr"/>
+                      <a:r>
+                        <a:rPr lang="en-US" sz="1050" b="0" dirty="0" smtClean="0">
+                          <a:latin typeface="EMprint" panose="020B0503020204020204" pitchFamily="34" charset="0"/>
+                          <a:ea typeface="EMprint" panose="020B0503020204020204" pitchFamily="34" charset="0"/>
+                        </a:rPr>
+                        <a:t>TOP SCORE</a:t>
+                      </a:r>
+                      <a:endParaRPr lang="en-US" sz="1400" b="0" dirty="0">
+                        <a:latin typeface="EMprint" panose="020B0503020204020204" pitchFamily="34" charset="0"/>
+                        <a:ea typeface="EMprint" panose="020B0503020204020204" pitchFamily="34" charset="0"/>
+                      </a:endParaRPr>
+                    </a:p>
+                  </a:txBody>
+                  <a:tcPr>
+                    <a:solidFill>
+                      <a:srgbClr val="B71F1F"/>
+                    </a:solidFill>
+                  </a:tcPr>
+                </a:tc>
+                <a:tc>
+                  <a:txBody>
+                    <a:bodyPr/>
+                    <a:lstStyle/>
+                    <a:p>
+                      <a:pPr algn="ctr"/>
+                      <a:endParaRPr lang="en-US" dirty="0">
+                        <a:latin typeface="EMprint" panose="020B0503020204020204" pitchFamily="34" charset="0"/>
+                        <a:ea typeface="EMprint" panose="020B0503020204020204" pitchFamily="34" charset="0"/>
+                      </a:endParaRPr>
+                    </a:p>
+                  </a:txBody>
+                  <a:tcPr>
+                    <a:solidFill>
+                      <a:srgbClr val="B71F1F"/>
+                    </a:solidFill>
+                  </a:tcPr>
+                </a:tc>
+                <a:extLst>
+                  <a:ext uri="{0D108BD9-81ED-4DB2-BD59-A6C34878D82A}">
+                    <a16:rowId xmlns:a16="http://schemas.microsoft.com/office/drawing/2014/main" val="1562972995"/>
+                  </a:ext>
+                </a:extLst>
+              </a:tr>
+              <a:tr h="370840">
+                <a:tc>
+                  <a:txBody>
+                    <a:bodyPr/>
+                    <a:lstStyle/>
+                    <a:p>
+                      <a:r>
+                        <a:rPr lang="en-US" sz="1200" b="0" i="0" kern="1200" dirty="0" smtClean="0">
+                          <a:solidFill>
+                            <a:schemeClr val="dk1"/>
+                          </a:solidFill>
+                          <a:effectLst/>
+                          <a:latin typeface="EMprint" panose="020B0503020204020204" pitchFamily="34" charset="0"/>
+                          <a:ea typeface="EMprint" panose="020B0503020204020204" pitchFamily="34" charset="0"/>
+                          <a:cs typeface="+mn-cs"/>
+                        </a:rPr>
+                        <a:t>1. Chalong, Sasithorn</a:t>
+                      </a:r>
+                      <a:endParaRPr lang="en-US" sz="1200" dirty="0">
+                        <a:latin typeface="EMprint" panose="020B0503020204020204" pitchFamily="34" charset="0"/>
+                        <a:ea typeface="EMprint" panose="020B0503020204020204" pitchFamily="34" charset="0"/>
+                      </a:endParaRPr>
+                    </a:p>
+                  </a:txBody>
+                  <a:tcPr>
+                    <a:solidFill>
+                      <a:schemeClr val="accent4"/>
+                    </a:solidFill>
+                  </a:tcPr>
+                </a:tc>
+                <a:tc>
+                  <a:txBody>
+                    <a:bodyPr/>
+                    <a:lstStyle/>
+                    <a:p>
+                      <a:pPr algn="ctr"/>
+                      <a:r>
+                        <a:rPr lang="en-US" sz="1200" dirty="0" smtClean="0">
+                          <a:latin typeface="EMprint" panose="020B0503020204020204" pitchFamily="34" charset="0"/>
+                          <a:ea typeface="EMprint" panose="020B0503020204020204" pitchFamily="34" charset="0"/>
+                        </a:rPr>
+                        <a:t>450</a:t>
+                      </a:r>
+                      <a:endParaRPr lang="en-US" sz="1200" dirty="0">
+                        <a:latin typeface="EMprint" panose="020B0503020204020204" pitchFamily="34" charset="0"/>
+                        <a:ea typeface="EMprint" panose="020B0503020204020204" pitchFamily="34" charset="0"/>
+                      </a:endParaRPr>
+                    </a:p>
+                  </a:txBody>
+                  <a:tcPr>
+                    <a:solidFill>
+                      <a:schemeClr val="accent4"/>
+                    </a:solidFill>
+                  </a:tcPr>
+                </a:tc>
+                <a:extLst>
+                  <a:ext uri="{0D108BD9-81ED-4DB2-BD59-A6C34878D82A}">
+                    <a16:rowId xmlns:a16="http://schemas.microsoft.com/office/drawing/2014/main" val="3830907580"/>
+                  </a:ext>
+                </a:extLst>
+              </a:tr>
+              <a:tr h="370840">
+                <a:tc>
+                  <a:txBody>
+                    <a:bodyPr/>
+                    <a:lstStyle/>
+                    <a:p>
+                      <a:r>
+                        <a:rPr lang="en-US" sz="1200" b="0" i="0" kern="1200" dirty="0" smtClean="0">
+                          <a:solidFill>
+                            <a:schemeClr val="dk1"/>
+                          </a:solidFill>
+                          <a:effectLst/>
+                          <a:latin typeface="EMprint" panose="020B0503020204020204" pitchFamily="34" charset="0"/>
+                          <a:ea typeface="EMprint" panose="020B0503020204020204" pitchFamily="34" charset="0"/>
+                          <a:cs typeface="+mn-cs"/>
+                        </a:rPr>
+                        <a:t>2. Wongkornvanich, Anunsith (Sea)</a:t>
+                      </a:r>
+                      <a:endParaRPr lang="en-US" sz="1200" dirty="0">
+                        <a:latin typeface="EMprint" panose="020B0503020204020204" pitchFamily="34" charset="0"/>
+                        <a:ea typeface="EMprint" panose="020B0503020204020204" pitchFamily="34" charset="0"/>
+                      </a:endParaRPr>
+                    </a:p>
+                  </a:txBody>
+                  <a:tcPr>
+                    <a:solidFill>
+                      <a:schemeClr val="bg1"/>
+                    </a:solidFill>
+                  </a:tcPr>
+                </a:tc>
+                <a:tc>
+                  <a:txBody>
+                    <a:bodyPr/>
+                    <a:lstStyle/>
+                    <a:p>
+                      <a:pPr algn="ctr"/>
+                      <a:r>
+                        <a:rPr lang="en-US" sz="1200" dirty="0" smtClean="0">
+                          <a:latin typeface="EMprint" panose="020B0503020204020204" pitchFamily="34" charset="0"/>
+                          <a:ea typeface="EMprint" panose="020B0503020204020204" pitchFamily="34" charset="0"/>
+                        </a:rPr>
+                        <a:t>400</a:t>
+                      </a:r>
+                      <a:endParaRPr lang="en-US" sz="1200" dirty="0">
+                        <a:latin typeface="EMprint" panose="020B0503020204020204" pitchFamily="34" charset="0"/>
+                        <a:ea typeface="EMprint" panose="020B0503020204020204" pitchFamily="34" charset="0"/>
+                      </a:endParaRPr>
+                    </a:p>
+                  </a:txBody>
+                  <a:tcPr>
+                    <a:solidFill>
+                      <a:schemeClr val="bg1"/>
+                    </a:solidFill>
+                  </a:tcPr>
+                </a:tc>
+                <a:extLst>
+                  <a:ext uri="{0D108BD9-81ED-4DB2-BD59-A6C34878D82A}">
+                    <a16:rowId xmlns:a16="http://schemas.microsoft.com/office/drawing/2014/main" val="2329145063"/>
+                  </a:ext>
+                </a:extLst>
+              </a:tr>
+              <a:tr h="370840">
+                <a:tc>
+                  <a:txBody>
+                    <a:bodyPr/>
+                    <a:lstStyle/>
+                    <a:p>
+                      <a:r>
+                        <a:rPr lang="en-US" sz="1200" b="0" i="0" kern="1200" dirty="0" smtClean="0">
+                          <a:solidFill>
+                            <a:schemeClr val="dk1"/>
+                          </a:solidFill>
+                          <a:effectLst/>
+                          <a:latin typeface="EMprint" panose="020B0503020204020204" pitchFamily="34" charset="0"/>
+                          <a:ea typeface="EMprint" panose="020B0503020204020204" pitchFamily="34" charset="0"/>
+                          <a:cs typeface="+mn-cs"/>
+                        </a:rPr>
+                        <a:t>3. Chia-Piyasakul, Karnrawee</a:t>
+                      </a:r>
+                      <a:endParaRPr lang="en-US" sz="1200" dirty="0">
+                        <a:latin typeface="EMprint" panose="020B0503020204020204" pitchFamily="34" charset="0"/>
+                        <a:ea typeface="EMprint" panose="020B0503020204020204" pitchFamily="34" charset="0"/>
+                      </a:endParaRPr>
+                    </a:p>
+                  </a:txBody>
+                  <a:tcPr>
+                    <a:solidFill>
+                      <a:schemeClr val="accent2">
+                        <a:lumMod val="40000"/>
+                        <a:lumOff val="60000"/>
+                      </a:schemeClr>
+                    </a:solidFill>
+                  </a:tcPr>
+                </a:tc>
+                <a:tc>
+                  <a:txBody>
+                    <a:bodyPr/>
+                    <a:lstStyle/>
+                    <a:p>
+                      <a:pPr algn="ctr"/>
+                      <a:r>
+                        <a:rPr lang="en-US" sz="1200" dirty="0" smtClean="0">
+                          <a:latin typeface="EMprint" panose="020B0503020204020204" pitchFamily="34" charset="0"/>
+                          <a:ea typeface="EMprint" panose="020B0503020204020204" pitchFamily="34" charset="0"/>
+                        </a:rPr>
+                        <a:t>350</a:t>
+                      </a:r>
+                      <a:endParaRPr lang="en-US" sz="1200" dirty="0">
+                        <a:latin typeface="EMprint" panose="020B0503020204020204" pitchFamily="34" charset="0"/>
+                        <a:ea typeface="EMprint" panose="020B0503020204020204" pitchFamily="34" charset="0"/>
+                      </a:endParaRPr>
+                    </a:p>
+                  </a:txBody>
+                  <a:tcPr>
+                    <a:solidFill>
+                      <a:schemeClr val="accent2">
+                        <a:lumMod val="40000"/>
+                        <a:lumOff val="60000"/>
+                      </a:schemeClr>
+                    </a:solidFill>
+                  </a:tcPr>
+                </a:tc>
+                <a:extLst>
+                  <a:ext uri="{0D108BD9-81ED-4DB2-BD59-A6C34878D82A}">
+                    <a16:rowId xmlns:a16="http://schemas.microsoft.com/office/drawing/2014/main" val="2523538187"/>
+                  </a:ext>
+                </a:extLst>
+              </a:tr>
+              <a:tr h="370840">
+                <a:tc>
+                  <a:txBody>
+                    <a:bodyPr/>
+                    <a:lstStyle/>
+                    <a:p>
+                      <a:r>
+                        <a:rPr lang="en-US" sz="1200" dirty="0" smtClean="0">
+                          <a:latin typeface="EMprint" panose="020B0503020204020204" pitchFamily="34" charset="0"/>
+                          <a:ea typeface="EMprint" panose="020B0503020204020204" pitchFamily="34" charset="0"/>
+                        </a:rPr>
+                        <a:t>4. Apiwattanapron, Siraphatr (Off)</a:t>
+                      </a:r>
+                      <a:endParaRPr lang="en-US" sz="1200" dirty="0">
+                        <a:latin typeface="EMprint" panose="020B0503020204020204" pitchFamily="34" charset="0"/>
+                        <a:ea typeface="EMprint" panose="020B0503020204020204" pitchFamily="34" charset="0"/>
+                      </a:endParaRPr>
+                    </a:p>
+                  </a:txBody>
+                  <a:tcPr>
+                    <a:solidFill>
+                      <a:schemeClr val="tx2">
+                        <a:lumMod val="20000"/>
+                        <a:lumOff val="80000"/>
+                      </a:schemeClr>
+                    </a:solidFill>
+                  </a:tcPr>
+                </a:tc>
+                <a:tc>
+                  <a:txBody>
+                    <a:bodyPr/>
+                    <a:lstStyle/>
+                    <a:p>
+                      <a:pPr algn="ctr"/>
+                      <a:r>
+                        <a:rPr lang="en-US" sz="1200" dirty="0" smtClean="0">
+                          <a:latin typeface="EMprint" panose="020B0503020204020204" pitchFamily="34" charset="0"/>
+                          <a:ea typeface="EMprint" panose="020B0503020204020204" pitchFamily="34" charset="0"/>
+                        </a:rPr>
+                        <a:t>300</a:t>
+                      </a:r>
+                      <a:endParaRPr lang="en-US" sz="1200" dirty="0">
+                        <a:latin typeface="EMprint" panose="020B0503020204020204" pitchFamily="34" charset="0"/>
+                        <a:ea typeface="EMprint" panose="020B0503020204020204" pitchFamily="34" charset="0"/>
+                      </a:endParaRPr>
+                    </a:p>
+                  </a:txBody>
+                  <a:tcPr>
+                    <a:solidFill>
+                      <a:schemeClr val="tx2">
+                        <a:lumMod val="20000"/>
+                        <a:lumOff val="80000"/>
+                      </a:schemeClr>
+                    </a:solidFill>
+                  </a:tcPr>
+                </a:tc>
+                <a:extLst>
+                  <a:ext uri="{0D108BD9-81ED-4DB2-BD59-A6C34878D82A}">
+                    <a16:rowId xmlns:a16="http://schemas.microsoft.com/office/drawing/2014/main" val="229485906"/>
+                  </a:ext>
+                </a:extLst>
+              </a:tr>
+              <a:tr h="377153">
+                <a:tc>
+                  <a:txBody>
+                    <a:bodyPr/>
+                    <a:lstStyle/>
+                    <a:p>
+                      <a:r>
+                        <a:rPr lang="en-US" sz="1200" dirty="0" smtClean="0">
+                          <a:latin typeface="EMprint" panose="020B0503020204020204" pitchFamily="34" charset="0"/>
+                          <a:ea typeface="EMprint" panose="020B0503020204020204" pitchFamily="34" charset="0"/>
+                        </a:rPr>
+                        <a:t>5. Sukseree, Manasicha</a:t>
+                      </a:r>
+                      <a:endParaRPr lang="en-US" sz="1200" dirty="0">
+                        <a:latin typeface="EMprint" panose="020B0503020204020204" pitchFamily="34" charset="0"/>
+                        <a:ea typeface="EMprint" panose="020B0503020204020204" pitchFamily="34" charset="0"/>
+                      </a:endParaRPr>
+                    </a:p>
+                  </a:txBody>
+                  <a:tcPr>
+                    <a:solidFill>
+                      <a:schemeClr val="tx2">
+                        <a:lumMod val="20000"/>
+                        <a:lumOff val="80000"/>
+                      </a:schemeClr>
+                    </a:solidFill>
+                  </a:tcPr>
+                </a:tc>
+                <a:tc>
+                  <a:txBody>
+                    <a:bodyPr/>
+                    <a:lstStyle/>
+                    <a:p>
+                      <a:pPr algn="ctr"/>
+                      <a:r>
+                        <a:rPr lang="en-US" sz="1200" dirty="0" smtClean="0">
+                          <a:latin typeface="EMprint" panose="020B0503020204020204" pitchFamily="34" charset="0"/>
+                          <a:ea typeface="EMprint" panose="020B0503020204020204" pitchFamily="34" charset="0"/>
+                        </a:rPr>
+                        <a:t>250</a:t>
+                      </a:r>
+                      <a:endParaRPr lang="en-US" sz="1200" dirty="0">
+                        <a:latin typeface="EMprint" panose="020B0503020204020204" pitchFamily="34" charset="0"/>
+                        <a:ea typeface="EMprint" panose="020B0503020204020204" pitchFamily="34" charset="0"/>
+                      </a:endParaRPr>
+                    </a:p>
+                  </a:txBody>
+                  <a:tcPr>
+                    <a:solidFill>
+                      <a:schemeClr val="tx2">
+                        <a:lumMod val="20000"/>
+                        <a:lumOff val="80000"/>
+                      </a:schemeClr>
+                    </a:solidFill>
+                  </a:tcPr>
+                </a:tc>
+                <a:extLst>
+                  <a:ext uri="{0D108BD9-81ED-4DB2-BD59-A6C34878D82A}">
+                    <a16:rowId xmlns:a16="http://schemas.microsoft.com/office/drawing/2014/main" val="3809959146"/>
+                  </a:ext>
+                </a:extLst>
+              </a:tr>
+            </a:tbl>
+          </a:graphicData>
+        </a:graphic>
+      </p:graphicFrame>
+      <p:graphicFrame>
+        <p:nvGraphicFramePr>
+          <p:cNvPr id="5" name="Table 4"/>
+          <p:cNvGraphicFramePr>
+            <a:graphicFrameLocks noGrp="1"/>
+          </p:cNvGraphicFramePr>
+          <p:nvPr>
+            <p:extLst>
+              <p:ext uri="{D42A27DB-BD31-4B8C-83A1-F6EECF244321}">
+                <p14:modId xmlns:p14="http://schemas.microsoft.com/office/powerpoint/2010/main" val="2175352659"/>
+              </p:ext>
+            </p:extLst>
+          </p:nvPr>
+        </p:nvGraphicFramePr>
+        <p:xfrm>
+          <a:off x="4862945" y="3203633"/>
+          <a:ext cx="6059978" cy="2231353"/>
+        </p:xfrm>
+        <a:graphic>
+          <a:graphicData uri="http://schemas.openxmlformats.org/drawingml/2006/table">
+            <a:tbl>
+              <a:tblPr firstRow="1" bandRow="1">
+                <a:tableStyleId>{5C22544A-7EE6-4342-B048-85BDC9FD1C3A}</a:tableStyleId>
+              </a:tblPr>
+              <a:tblGrid>
+                <a:gridCol w="4025394">
+                  <a:extLst>
+                    <a:ext uri="{9D8B030D-6E8A-4147-A177-3AD203B41FA5}">
+                      <a16:colId xmlns:a16="http://schemas.microsoft.com/office/drawing/2014/main" val="2392704665"/>
+                    </a:ext>
+                  </a:extLst>
+                </a:gridCol>
+                <a:gridCol w="2034584">
+                  <a:extLst>
+                    <a:ext uri="{9D8B030D-6E8A-4147-A177-3AD203B41FA5}">
+                      <a16:colId xmlns:a16="http://schemas.microsoft.com/office/drawing/2014/main" val="1796620363"/>
+                    </a:ext>
+                  </a:extLst>
+                </a:gridCol>
+              </a:tblGrid>
+              <a:tr h="370840">
+                <a:tc>
+                  <a:txBody>
+                    <a:bodyPr/>
+                    <a:lstStyle/>
+                    <a:p>
+                      <a:pPr algn="ctr"/>
+                      <a:r>
+                        <a:rPr lang="en-US" sz="1050" b="0" dirty="0" smtClean="0">
+                          <a:latin typeface="EMprint" panose="020B0503020204020204" pitchFamily="34" charset="0"/>
+                          <a:ea typeface="EMprint" panose="020B0503020204020204" pitchFamily="34" charset="0"/>
+                        </a:rPr>
+                        <a:t>Your score</a:t>
+                      </a:r>
+                      <a:endParaRPr lang="en-US" sz="1400" b="0" dirty="0">
+                        <a:latin typeface="EMprint" panose="020B0503020204020204" pitchFamily="34" charset="0"/>
+                        <a:ea typeface="EMprint" panose="020B0503020204020204" pitchFamily="34" charset="0"/>
+                      </a:endParaRPr>
+                    </a:p>
+                  </a:txBody>
+                  <a:tcPr>
+                    <a:solidFill>
+                      <a:srgbClr val="B71F1F"/>
+                    </a:solidFill>
+                  </a:tcPr>
+                </a:tc>
+                <a:tc>
+                  <a:txBody>
+                    <a:bodyPr/>
+                    <a:lstStyle/>
+                    <a:p>
+                      <a:pPr algn="ctr"/>
+                      <a:endParaRPr lang="en-US" dirty="0">
+                        <a:latin typeface="EMprint" panose="020B0503020204020204" pitchFamily="34" charset="0"/>
+                        <a:ea typeface="EMprint" panose="020B0503020204020204" pitchFamily="34" charset="0"/>
+                      </a:endParaRPr>
+                    </a:p>
+                  </a:txBody>
+                  <a:tcPr>
+                    <a:solidFill>
+                      <a:srgbClr val="B71F1F"/>
+                    </a:solidFill>
+                  </a:tcPr>
+                </a:tc>
+                <a:extLst>
+                  <a:ext uri="{0D108BD9-81ED-4DB2-BD59-A6C34878D82A}">
+                    <a16:rowId xmlns:a16="http://schemas.microsoft.com/office/drawing/2014/main" val="1562972995"/>
+                  </a:ext>
+                </a:extLst>
+              </a:tr>
+              <a:tr h="370840">
+                <a:tc>
+                  <a:txBody>
+                    <a:bodyPr/>
+                    <a:lstStyle/>
+                    <a:p>
+                      <a:r>
+                        <a:rPr lang="en-US" sz="1200" b="0" i="0" kern="1200" dirty="0" smtClean="0">
+                          <a:solidFill>
+                            <a:schemeClr val="dk1"/>
+                          </a:solidFill>
+                          <a:effectLst/>
+                          <a:latin typeface="EMprint" panose="020B0503020204020204" pitchFamily="34" charset="0"/>
+                          <a:ea typeface="EMprint" panose="020B0503020204020204" pitchFamily="34" charset="0"/>
+                          <a:cs typeface="+mn-cs"/>
+                        </a:rPr>
+                        <a:t>1. Chalong, Sasithorn</a:t>
+                      </a:r>
+                      <a:endParaRPr lang="en-US" sz="1200" dirty="0">
+                        <a:latin typeface="EMprint" panose="020B0503020204020204" pitchFamily="34" charset="0"/>
+                        <a:ea typeface="EMprint" panose="020B0503020204020204" pitchFamily="34" charset="0"/>
+                      </a:endParaRPr>
+                    </a:p>
+                  </a:txBody>
+                  <a:tcPr>
+                    <a:solidFill>
+                      <a:schemeClr val="tx2">
+                        <a:lumMod val="20000"/>
+                        <a:lumOff val="80000"/>
+                      </a:schemeClr>
+                    </a:solidFill>
+                  </a:tcPr>
+                </a:tc>
+                <a:tc>
+                  <a:txBody>
+                    <a:bodyPr/>
+                    <a:lstStyle/>
+                    <a:p>
+                      <a:pPr algn="ctr"/>
+                      <a:r>
+                        <a:rPr lang="en-US" sz="1200" dirty="0" smtClean="0">
+                          <a:latin typeface="EMprint" panose="020B0503020204020204" pitchFamily="34" charset="0"/>
+                          <a:ea typeface="EMprint" panose="020B0503020204020204" pitchFamily="34" charset="0"/>
+                        </a:rPr>
+                        <a:t>450</a:t>
+                      </a:r>
+                      <a:endParaRPr lang="en-US" sz="1200" dirty="0">
+                        <a:latin typeface="EMprint" panose="020B0503020204020204" pitchFamily="34" charset="0"/>
+                        <a:ea typeface="EMprint" panose="020B0503020204020204" pitchFamily="34" charset="0"/>
+                      </a:endParaRPr>
+                    </a:p>
+                  </a:txBody>
+                  <a:tcPr>
+                    <a:solidFill>
+                      <a:schemeClr val="tx2">
+                        <a:lumMod val="20000"/>
+                        <a:lumOff val="80000"/>
+                      </a:schemeClr>
+                    </a:solidFill>
+                  </a:tcPr>
+                </a:tc>
+                <a:extLst>
+                  <a:ext uri="{0D108BD9-81ED-4DB2-BD59-A6C34878D82A}">
+                    <a16:rowId xmlns:a16="http://schemas.microsoft.com/office/drawing/2014/main" val="3830907580"/>
+                  </a:ext>
+                </a:extLst>
+              </a:tr>
+              <a:tr h="370840">
+                <a:tc>
+                  <a:txBody>
+                    <a:bodyPr/>
+                    <a:lstStyle/>
+                    <a:p>
+                      <a:r>
+                        <a:rPr lang="en-US" sz="1200" b="0" i="0" kern="1200" dirty="0" smtClean="0">
+                          <a:solidFill>
+                            <a:schemeClr val="dk1"/>
+                          </a:solidFill>
+                          <a:effectLst/>
+                          <a:latin typeface="EMprint" panose="020B0503020204020204" pitchFamily="34" charset="0"/>
+                          <a:ea typeface="EMprint" panose="020B0503020204020204" pitchFamily="34" charset="0"/>
+                          <a:cs typeface="+mn-cs"/>
+                        </a:rPr>
+                        <a:t>2. Wongkornvanich, Anunsith (Sea)</a:t>
+                      </a:r>
+                      <a:endParaRPr lang="en-US" sz="1200" dirty="0">
+                        <a:latin typeface="EMprint" panose="020B0503020204020204" pitchFamily="34" charset="0"/>
+                        <a:ea typeface="EMprint" panose="020B0503020204020204" pitchFamily="34" charset="0"/>
+                      </a:endParaRPr>
+                    </a:p>
+                  </a:txBody>
+                  <a:tcPr>
+                    <a:solidFill>
+                      <a:schemeClr val="tx2">
+                        <a:lumMod val="20000"/>
+                        <a:lumOff val="80000"/>
+                      </a:schemeClr>
+                    </a:solidFill>
+                  </a:tcPr>
+                </a:tc>
+                <a:tc>
+                  <a:txBody>
+                    <a:bodyPr/>
+                    <a:lstStyle/>
+                    <a:p>
+                      <a:pPr algn="ctr"/>
+                      <a:r>
+                        <a:rPr lang="en-US" sz="1200" dirty="0" smtClean="0">
+                          <a:latin typeface="EMprint" panose="020B0503020204020204" pitchFamily="34" charset="0"/>
+                          <a:ea typeface="EMprint" panose="020B0503020204020204" pitchFamily="34" charset="0"/>
+                        </a:rPr>
+                        <a:t>400</a:t>
+                      </a:r>
+                      <a:endParaRPr lang="en-US" sz="1200" dirty="0">
+                        <a:latin typeface="EMprint" panose="020B0503020204020204" pitchFamily="34" charset="0"/>
+                        <a:ea typeface="EMprint" panose="020B0503020204020204" pitchFamily="34" charset="0"/>
+                      </a:endParaRPr>
+                    </a:p>
+                  </a:txBody>
+                  <a:tcPr>
+                    <a:solidFill>
+                      <a:schemeClr val="tx2">
+                        <a:lumMod val="20000"/>
+                        <a:lumOff val="80000"/>
+                      </a:schemeClr>
+                    </a:solidFill>
+                  </a:tcPr>
+                </a:tc>
+                <a:extLst>
+                  <a:ext uri="{0D108BD9-81ED-4DB2-BD59-A6C34878D82A}">
+                    <a16:rowId xmlns:a16="http://schemas.microsoft.com/office/drawing/2014/main" val="2329145063"/>
+                  </a:ext>
+                </a:extLst>
+              </a:tr>
+              <a:tr h="370840">
+                <a:tc>
+                  <a:txBody>
+                    <a:bodyPr/>
+                    <a:lstStyle/>
+                    <a:p>
+                      <a:r>
+                        <a:rPr lang="en-US" sz="1200" b="0" i="0" kern="1200" dirty="0" smtClean="0">
+                          <a:solidFill>
+                            <a:schemeClr val="dk1"/>
+                          </a:solidFill>
+                          <a:effectLst/>
+                          <a:latin typeface="EMprint" panose="020B0503020204020204" pitchFamily="34" charset="0"/>
+                          <a:ea typeface="EMprint" panose="020B0503020204020204" pitchFamily="34" charset="0"/>
+                          <a:cs typeface="+mn-cs"/>
+                        </a:rPr>
+                        <a:t>3. Chia-Piyasakul, Karnrawee</a:t>
+                      </a:r>
+                      <a:endParaRPr lang="en-US" sz="1200" dirty="0">
+                        <a:latin typeface="EMprint" panose="020B0503020204020204" pitchFamily="34" charset="0"/>
+                        <a:ea typeface="EMprint" panose="020B0503020204020204" pitchFamily="34" charset="0"/>
+                      </a:endParaRPr>
+                    </a:p>
+                  </a:txBody>
+                  <a:tcPr>
+                    <a:solidFill>
+                      <a:schemeClr val="bg1"/>
+                    </a:solidFill>
+                  </a:tcPr>
+                </a:tc>
+                <a:tc>
+                  <a:txBody>
+                    <a:bodyPr/>
+                    <a:lstStyle/>
+                    <a:p>
+                      <a:pPr algn="ctr"/>
+                      <a:r>
+                        <a:rPr lang="en-US" sz="1200" dirty="0" smtClean="0">
+                          <a:latin typeface="EMprint" panose="020B0503020204020204" pitchFamily="34" charset="0"/>
+                          <a:ea typeface="EMprint" panose="020B0503020204020204" pitchFamily="34" charset="0"/>
+                        </a:rPr>
+                        <a:t>350</a:t>
+                      </a:r>
+                      <a:endParaRPr lang="en-US" sz="1200" dirty="0">
+                        <a:latin typeface="EMprint" panose="020B0503020204020204" pitchFamily="34" charset="0"/>
+                        <a:ea typeface="EMprint" panose="020B0503020204020204" pitchFamily="34" charset="0"/>
+                      </a:endParaRPr>
+                    </a:p>
+                  </a:txBody>
+                  <a:tcPr>
+                    <a:solidFill>
+                      <a:schemeClr val="bg1"/>
+                    </a:solidFill>
+                  </a:tcPr>
+                </a:tc>
+                <a:extLst>
+                  <a:ext uri="{0D108BD9-81ED-4DB2-BD59-A6C34878D82A}">
+                    <a16:rowId xmlns:a16="http://schemas.microsoft.com/office/drawing/2014/main" val="2523538187"/>
+                  </a:ext>
+                </a:extLst>
+              </a:tr>
+              <a:tr h="370840">
+                <a:tc>
+                  <a:txBody>
+                    <a:bodyPr/>
+                    <a:lstStyle/>
+                    <a:p>
+                      <a:r>
+                        <a:rPr lang="en-US" sz="1200" dirty="0" smtClean="0">
+                          <a:latin typeface="EMprint" panose="020B0503020204020204" pitchFamily="34" charset="0"/>
+                          <a:ea typeface="EMprint" panose="020B0503020204020204" pitchFamily="34" charset="0"/>
+                        </a:rPr>
+                        <a:t>4. Apiwattanapron, Siraphatr (Off)</a:t>
+                      </a:r>
+                      <a:endParaRPr lang="en-US" sz="1200" dirty="0">
+                        <a:latin typeface="EMprint" panose="020B0503020204020204" pitchFamily="34" charset="0"/>
+                        <a:ea typeface="EMprint" panose="020B0503020204020204" pitchFamily="34" charset="0"/>
+                      </a:endParaRPr>
+                    </a:p>
+                  </a:txBody>
+                  <a:tcPr>
+                    <a:solidFill>
+                      <a:schemeClr val="tx2">
+                        <a:lumMod val="20000"/>
+                        <a:lumOff val="80000"/>
+                      </a:schemeClr>
+                    </a:solidFill>
+                  </a:tcPr>
+                </a:tc>
+                <a:tc>
+                  <a:txBody>
+                    <a:bodyPr/>
+                    <a:lstStyle/>
+                    <a:p>
+                      <a:pPr algn="ctr"/>
+                      <a:r>
+                        <a:rPr lang="en-US" sz="1200" dirty="0" smtClean="0">
+                          <a:latin typeface="EMprint" panose="020B0503020204020204" pitchFamily="34" charset="0"/>
+                          <a:ea typeface="EMprint" panose="020B0503020204020204" pitchFamily="34" charset="0"/>
+                        </a:rPr>
+                        <a:t>300</a:t>
+                      </a:r>
+                      <a:endParaRPr lang="en-US" sz="1200" dirty="0">
+                        <a:latin typeface="EMprint" panose="020B0503020204020204" pitchFamily="34" charset="0"/>
+                        <a:ea typeface="EMprint" panose="020B0503020204020204" pitchFamily="34" charset="0"/>
+                      </a:endParaRPr>
+                    </a:p>
+                  </a:txBody>
+                  <a:tcPr>
+                    <a:solidFill>
+                      <a:schemeClr val="tx2">
+                        <a:lumMod val="20000"/>
+                        <a:lumOff val="80000"/>
+                      </a:schemeClr>
+                    </a:solidFill>
+                  </a:tcPr>
+                </a:tc>
+                <a:extLst>
+                  <a:ext uri="{0D108BD9-81ED-4DB2-BD59-A6C34878D82A}">
+                    <a16:rowId xmlns:a16="http://schemas.microsoft.com/office/drawing/2014/main" val="229485906"/>
+                  </a:ext>
+                </a:extLst>
+              </a:tr>
+              <a:tr h="377153">
+                <a:tc>
+                  <a:txBody>
+                    <a:bodyPr/>
+                    <a:lstStyle/>
+                    <a:p>
+                      <a:r>
+                        <a:rPr lang="en-US" sz="1200" dirty="0" smtClean="0">
+                          <a:latin typeface="EMprint" panose="020B0503020204020204" pitchFamily="34" charset="0"/>
+                          <a:ea typeface="EMprint" panose="020B0503020204020204" pitchFamily="34" charset="0"/>
+                        </a:rPr>
+                        <a:t>5. Sukseree, Manasicha</a:t>
+                      </a:r>
+                      <a:endParaRPr lang="en-US" sz="1200" dirty="0">
+                        <a:latin typeface="EMprint" panose="020B0503020204020204" pitchFamily="34" charset="0"/>
+                        <a:ea typeface="EMprint" panose="020B0503020204020204" pitchFamily="34" charset="0"/>
+                      </a:endParaRPr>
+                    </a:p>
+                  </a:txBody>
+                  <a:tcPr>
+                    <a:solidFill>
+                      <a:schemeClr val="tx2">
+                        <a:lumMod val="20000"/>
+                        <a:lumOff val="80000"/>
+                      </a:schemeClr>
+                    </a:solidFill>
+                  </a:tcPr>
+                </a:tc>
+                <a:tc>
+                  <a:txBody>
+                    <a:bodyPr/>
+                    <a:lstStyle/>
+                    <a:p>
+                      <a:pPr algn="ctr"/>
+                      <a:r>
+                        <a:rPr lang="en-US" sz="1200" dirty="0" smtClean="0">
+                          <a:latin typeface="EMprint" panose="020B0503020204020204" pitchFamily="34" charset="0"/>
+                          <a:ea typeface="EMprint" panose="020B0503020204020204" pitchFamily="34" charset="0"/>
+                        </a:rPr>
+                        <a:t>250</a:t>
+                      </a:r>
+                      <a:endParaRPr lang="en-US" sz="1200" dirty="0">
+                        <a:latin typeface="EMprint" panose="020B0503020204020204" pitchFamily="34" charset="0"/>
+                        <a:ea typeface="EMprint" panose="020B0503020204020204" pitchFamily="34" charset="0"/>
+                      </a:endParaRPr>
+                    </a:p>
+                  </a:txBody>
+                  <a:tcPr>
+                    <a:solidFill>
+                      <a:schemeClr val="tx2">
+                        <a:lumMod val="20000"/>
+                        <a:lumOff val="80000"/>
+                      </a:schemeClr>
+                    </a:solidFill>
+                  </a:tcPr>
+                </a:tc>
+                <a:extLst>
+                  <a:ext uri="{0D108BD9-81ED-4DB2-BD59-A6C34878D82A}">
+                    <a16:rowId xmlns:a16="http://schemas.microsoft.com/office/drawing/2014/main" val="3809959146"/>
+                  </a:ext>
+                </a:extLst>
+              </a:tr>
+            </a:tbl>
+          </a:graphicData>
+        </a:graphic>
+      </p:graphicFrame>
+      <p:sp>
+        <p:nvSpPr>
+          <p:cNvPr id="7" name="Rectangle 6"/>
+          <p:cNvSpPr/>
+          <p:nvPr/>
+        </p:nvSpPr>
+        <p:spPr>
+          <a:xfrm>
+            <a:off x="9543011" y="274320"/>
+            <a:ext cx="1654233" cy="191193"/>
+          </a:xfrm>
+          <a:prstGeom prst="rect">
+            <a:avLst/>
+          </a:prstGeom>
+          <a:solidFill>
+            <a:schemeClr val="bg1"/>
+          </a:solidFill>
+          <a:ln>
+            <a:solidFill>
+              <a:schemeClr val="bg1"/>
+            </a:solidFill>
+          </a:ln>
+        </p:spPr>
+        <p:style>
+          <a:lnRef idx="2">
+            <a:schemeClr val="accent1">
+              <a:shade val="50000"/>
+            </a:schemeClr>
+          </a:lnRef>
+          <a:fillRef idx="1">
+            <a:schemeClr val="accent1"/>
+          </a:fillRef>
+          <a:effectRef idx="0">
+            <a:schemeClr val="accent1"/>
+          </a:effectRef>
+          <a:fontRef idx="minor">
+            <a:schemeClr val="lt1"/>
+          </a:fontRef>
+        </p:style>
+        <p:txBody>
+          <a:bodyPr rtlCol="0" anchor="ctr"/>
+          <a:lstStyle/>
+          <a:p>
+            <a:pPr algn="ctr"/>
+            <a:endParaRPr lang="en-US"/>
+          </a:p>
+        </p:txBody>
+      </p:sp>
+    </p:spTree>
+    <p:extLst>
+      <p:ext uri="{BB962C8B-B14F-4D97-AF65-F5344CB8AC3E}">
+        <p14:creationId xmlns:p14="http://schemas.microsoft.com/office/powerpoint/2010/main" val="1046936083"/>
+      </p:ext>
+    </p:extLst>
+  </p:cSld>
+  <p:clrMapOvr>
+    <a:masterClrMapping/>
+  </p:clrMapOvr>
+  <mc:AlternateContent xmlns:mc="http://schemas.openxmlformats.org/markup-compatibility/2006" xmlns:p14="http://schemas.microsoft.com/office/powerpoint/2010/main">
+    <mc:Choice Requires="p14">
+      <p:transition spd="slow" p14:dur="2000"/>
+    </mc:Choice>
+    <mc:Fallback xmlns="">
+      <p:transition spd="slow"/>
+    </mc:Fallback>
+  </mc:AlternateContent>
+</p:sld>
+</file>
+
+<file path=ppt/slides/slide7.xml><?xml version="1.0" encoding="utf-8"?>
+<p:sld xmlns:a="http://schemas.openxmlformats.org/drawingml/2006/main" xmlns:r="http://schemas.openxmlformats.org/officeDocument/2006/relationships" xmlns:p="http://schemas.openxmlformats.org/presentationml/2006/main" show="0">
+  <p:cSld>
+    <p:spTree>
+      <p:nvGrpSpPr>
+        <p:cNvPr id="1" name=""/>
+        <p:cNvGrpSpPr/>
+        <p:nvPr/>
+      </p:nvGrpSpPr>
+      <p:grpSpPr>
+        <a:xfrm>
+          <a:off x="0" y="0"/>
+          <a:ext cx="0" cy="0"/>
+          <a:chOff x="0" y="0"/>
+          <a:chExt cx="0" cy="0"/>
+        </a:xfrm>
+      </p:grpSpPr>
+      <p:pic>
+        <p:nvPicPr>
+          <p:cNvPr id="6" name="Picture 5"/>
+          <p:cNvPicPr>
+            <a:picLocks noChangeAspect="1"/>
+          </p:cNvPicPr>
+          <p:nvPr/>
+        </p:nvPicPr>
+        <p:blipFill>
+          <a:blip r:embed="rId2">
+            <a:extLst>
+              <a:ext uri="{28A0092B-C50C-407E-A947-70E740481C1C}">
+                <a14:useLocalDpi xmlns:a14="http://schemas.microsoft.com/office/drawing/2010/main" val="0"/>
+              </a:ext>
+            </a:extLst>
+          </a:blip>
+          <a:stretch>
+            <a:fillRect/>
+          </a:stretch>
+        </p:blipFill>
+        <p:spPr>
+          <a:xfrm>
+            <a:off x="0" y="0"/>
+            <a:ext cx="12128269" cy="5976851"/>
+          </a:xfrm>
+          <a:prstGeom prst="rect">
+            <a:avLst/>
+          </a:prstGeom>
+          <a:ln>
+            <a:solidFill>
+              <a:schemeClr val="bg1"/>
+            </a:solidFill>
+          </a:ln>
+        </p:spPr>
+      </p:pic>
+      <p:graphicFrame>
+        <p:nvGraphicFramePr>
+          <p:cNvPr id="4" name="Table 3"/>
+          <p:cNvGraphicFramePr>
+            <a:graphicFrameLocks noGrp="1"/>
+          </p:cNvGraphicFramePr>
+          <p:nvPr>
+            <p:extLst>
+              <p:ext uri="{D42A27DB-BD31-4B8C-83A1-F6EECF244321}">
+                <p14:modId xmlns:p14="http://schemas.microsoft.com/office/powerpoint/2010/main" val="3536745573"/>
+              </p:ext>
+            </p:extLst>
+          </p:nvPr>
+        </p:nvGraphicFramePr>
+        <p:xfrm>
+          <a:off x="4862945" y="996142"/>
+          <a:ext cx="6059978" cy="1979816"/>
+        </p:xfrm>
+        <a:graphic>
+          <a:graphicData uri="http://schemas.openxmlformats.org/drawingml/2006/table">
+            <a:tbl>
+              <a:tblPr firstRow="1" bandRow="1">
+                <a:tableStyleId>{5C22544A-7EE6-4342-B048-85BDC9FD1C3A}</a:tableStyleId>
+              </a:tblPr>
+              <a:tblGrid>
+                <a:gridCol w="4025394">
+                  <a:extLst>
+                    <a:ext uri="{9D8B030D-6E8A-4147-A177-3AD203B41FA5}">
+                      <a16:colId xmlns:a16="http://schemas.microsoft.com/office/drawing/2014/main" val="2392704665"/>
+                    </a:ext>
+                  </a:extLst>
+                </a:gridCol>
+                <a:gridCol w="2034584">
+                  <a:extLst>
+                    <a:ext uri="{9D8B030D-6E8A-4147-A177-3AD203B41FA5}">
+                      <a16:colId xmlns:a16="http://schemas.microsoft.com/office/drawing/2014/main" val="1796620363"/>
+                    </a:ext>
+                  </a:extLst>
+                </a:gridCol>
+              </a:tblGrid>
+              <a:tr h="494954">
+                <a:tc>
+                  <a:txBody>
+                    <a:bodyPr/>
+                    <a:lstStyle/>
+                    <a:p>
+                      <a:pPr algn="ctr"/>
+                      <a:r>
+                        <a:rPr lang="en-US" sz="1050" b="0" dirty="0" smtClean="0">
+                          <a:latin typeface="EMprint" panose="020B0503020204020204" pitchFamily="34" charset="0"/>
+                          <a:ea typeface="EMprint" panose="020B0503020204020204" pitchFamily="34" charset="0"/>
+                        </a:rPr>
+                        <a:t>TOP SCORE</a:t>
+                      </a:r>
+                      <a:endParaRPr lang="en-US" sz="1400" b="0" dirty="0">
+                        <a:latin typeface="EMprint" panose="020B0503020204020204" pitchFamily="34" charset="0"/>
+                        <a:ea typeface="EMprint" panose="020B0503020204020204" pitchFamily="34" charset="0"/>
+                      </a:endParaRPr>
+                    </a:p>
+                  </a:txBody>
+                  <a:tcPr>
+                    <a:solidFill>
+                      <a:srgbClr val="B71F1F"/>
+                    </a:solidFill>
+                  </a:tcPr>
+                </a:tc>
+                <a:tc>
+                  <a:txBody>
+                    <a:bodyPr/>
+                    <a:lstStyle/>
+                    <a:p>
+                      <a:pPr algn="ctr"/>
+                      <a:endParaRPr lang="en-US" dirty="0">
+                        <a:latin typeface="EMprint" panose="020B0503020204020204" pitchFamily="34" charset="0"/>
+                        <a:ea typeface="EMprint" panose="020B0503020204020204" pitchFamily="34" charset="0"/>
+                      </a:endParaRPr>
+                    </a:p>
+                  </a:txBody>
+                  <a:tcPr>
+                    <a:solidFill>
+                      <a:srgbClr val="B71F1F"/>
+                    </a:solidFill>
+                  </a:tcPr>
+                </a:tc>
+                <a:extLst>
+                  <a:ext uri="{0D108BD9-81ED-4DB2-BD59-A6C34878D82A}">
+                    <a16:rowId xmlns:a16="http://schemas.microsoft.com/office/drawing/2014/main" val="1562972995"/>
+                  </a:ext>
+                </a:extLst>
+              </a:tr>
+              <a:tr h="494954">
+                <a:tc>
+                  <a:txBody>
+                    <a:bodyPr/>
+                    <a:lstStyle/>
+                    <a:p>
+                      <a:r>
+                        <a:rPr lang="en-US" sz="1200" b="0" i="0" kern="1200" dirty="0" smtClean="0">
+                          <a:solidFill>
+                            <a:schemeClr val="dk1"/>
+                          </a:solidFill>
+                          <a:effectLst/>
+                          <a:latin typeface="EMprint" panose="020B0503020204020204" pitchFamily="34" charset="0"/>
+                          <a:ea typeface="EMprint" panose="020B0503020204020204" pitchFamily="34" charset="0"/>
+                          <a:cs typeface="+mn-cs"/>
+                        </a:rPr>
+                        <a:t>1. Chalong, Sasithorn</a:t>
+                      </a:r>
+                      <a:endParaRPr lang="en-US" sz="1200" dirty="0">
+                        <a:latin typeface="EMprint" panose="020B0503020204020204" pitchFamily="34" charset="0"/>
+                        <a:ea typeface="EMprint" panose="020B0503020204020204" pitchFamily="34" charset="0"/>
+                      </a:endParaRPr>
+                    </a:p>
+                  </a:txBody>
+                  <a:tcPr>
+                    <a:solidFill>
+                      <a:schemeClr val="accent4"/>
+                    </a:solidFill>
+                  </a:tcPr>
+                </a:tc>
+                <a:tc>
+                  <a:txBody>
+                    <a:bodyPr/>
+                    <a:lstStyle/>
+                    <a:p>
+                      <a:pPr algn="ctr"/>
+                      <a:r>
+                        <a:rPr lang="en-US" sz="1200" dirty="0" smtClean="0">
+                          <a:latin typeface="EMprint" panose="020B0503020204020204" pitchFamily="34" charset="0"/>
+                          <a:ea typeface="EMprint" panose="020B0503020204020204" pitchFamily="34" charset="0"/>
+                        </a:rPr>
+                        <a:t>450</a:t>
+                      </a:r>
+                      <a:endParaRPr lang="en-US" sz="1200" dirty="0">
+                        <a:latin typeface="EMprint" panose="020B0503020204020204" pitchFamily="34" charset="0"/>
+                        <a:ea typeface="EMprint" panose="020B0503020204020204" pitchFamily="34" charset="0"/>
+                      </a:endParaRPr>
+                    </a:p>
+                  </a:txBody>
+                  <a:tcPr>
+                    <a:solidFill>
+                      <a:schemeClr val="accent4"/>
+                    </a:solidFill>
+                  </a:tcPr>
+                </a:tc>
+                <a:extLst>
+                  <a:ext uri="{0D108BD9-81ED-4DB2-BD59-A6C34878D82A}">
+                    <a16:rowId xmlns:a16="http://schemas.microsoft.com/office/drawing/2014/main" val="3830907580"/>
+                  </a:ext>
+                </a:extLst>
+              </a:tr>
+              <a:tr h="494954">
+                <a:tc>
+                  <a:txBody>
+                    <a:bodyPr/>
+                    <a:lstStyle/>
+                    <a:p>
+                      <a:r>
+                        <a:rPr lang="en-US" sz="1200" b="0" i="0" kern="1200" dirty="0" smtClean="0">
+                          <a:solidFill>
+                            <a:schemeClr val="dk1"/>
+                          </a:solidFill>
+                          <a:effectLst/>
+                          <a:latin typeface="EMprint" panose="020B0503020204020204" pitchFamily="34" charset="0"/>
+                          <a:ea typeface="EMprint" panose="020B0503020204020204" pitchFamily="34" charset="0"/>
+                          <a:cs typeface="+mn-cs"/>
+                        </a:rPr>
+                        <a:t>2. Wongkornvanich, Anunsith (Sea)</a:t>
+                      </a:r>
+                      <a:endParaRPr lang="en-US" sz="1200" dirty="0">
+                        <a:latin typeface="EMprint" panose="020B0503020204020204" pitchFamily="34" charset="0"/>
+                        <a:ea typeface="EMprint" panose="020B0503020204020204" pitchFamily="34" charset="0"/>
+                      </a:endParaRPr>
+                    </a:p>
+                  </a:txBody>
+                  <a:tcPr>
+                    <a:solidFill>
+                      <a:schemeClr val="bg1"/>
+                    </a:solidFill>
+                  </a:tcPr>
+                </a:tc>
+                <a:tc>
+                  <a:txBody>
+                    <a:bodyPr/>
+                    <a:lstStyle/>
+                    <a:p>
+                      <a:pPr algn="ctr"/>
+                      <a:r>
+                        <a:rPr lang="en-US" sz="1200" dirty="0" smtClean="0">
+                          <a:latin typeface="EMprint" panose="020B0503020204020204" pitchFamily="34" charset="0"/>
+                          <a:ea typeface="EMprint" panose="020B0503020204020204" pitchFamily="34" charset="0"/>
+                        </a:rPr>
+                        <a:t>400</a:t>
+                      </a:r>
+                      <a:endParaRPr lang="en-US" sz="1200" dirty="0">
+                        <a:latin typeface="EMprint" panose="020B0503020204020204" pitchFamily="34" charset="0"/>
+                        <a:ea typeface="EMprint" panose="020B0503020204020204" pitchFamily="34" charset="0"/>
+                      </a:endParaRPr>
+                    </a:p>
+                  </a:txBody>
+                  <a:tcPr>
+                    <a:solidFill>
+                      <a:schemeClr val="bg1"/>
+                    </a:solidFill>
+                  </a:tcPr>
+                </a:tc>
+                <a:extLst>
+                  <a:ext uri="{0D108BD9-81ED-4DB2-BD59-A6C34878D82A}">
+                    <a16:rowId xmlns:a16="http://schemas.microsoft.com/office/drawing/2014/main" val="2329145063"/>
+                  </a:ext>
+                </a:extLst>
+              </a:tr>
+              <a:tr h="494954">
+                <a:tc>
+                  <a:txBody>
+                    <a:bodyPr/>
+                    <a:lstStyle/>
+                    <a:p>
+                      <a:r>
+                        <a:rPr lang="en-US" sz="1200" b="0" i="0" kern="1200" dirty="0" smtClean="0">
+                          <a:solidFill>
+                            <a:schemeClr val="dk1"/>
+                          </a:solidFill>
+                          <a:effectLst/>
+                          <a:latin typeface="EMprint" panose="020B0503020204020204" pitchFamily="34" charset="0"/>
+                          <a:ea typeface="EMprint" panose="020B0503020204020204" pitchFamily="34" charset="0"/>
+                          <a:cs typeface="+mn-cs"/>
+                        </a:rPr>
+                        <a:t>3. Chia-Piyasakul, Karnrawee</a:t>
+                      </a:r>
+                      <a:endParaRPr lang="en-US" sz="1200" dirty="0">
+                        <a:latin typeface="EMprint" panose="020B0503020204020204" pitchFamily="34" charset="0"/>
+                        <a:ea typeface="EMprint" panose="020B0503020204020204" pitchFamily="34" charset="0"/>
+                      </a:endParaRPr>
+                    </a:p>
+                  </a:txBody>
+                  <a:tcPr>
+                    <a:solidFill>
+                      <a:schemeClr val="accent2">
+                        <a:lumMod val="40000"/>
+                        <a:lumOff val="60000"/>
+                      </a:schemeClr>
+                    </a:solidFill>
+                  </a:tcPr>
+                </a:tc>
+                <a:tc>
+                  <a:txBody>
+                    <a:bodyPr/>
+                    <a:lstStyle/>
+                    <a:p>
+                      <a:pPr algn="ctr"/>
+                      <a:r>
+                        <a:rPr lang="en-US" sz="1200" dirty="0" smtClean="0">
+                          <a:latin typeface="EMprint" panose="020B0503020204020204" pitchFamily="34" charset="0"/>
+                          <a:ea typeface="EMprint" panose="020B0503020204020204" pitchFamily="34" charset="0"/>
+                        </a:rPr>
+                        <a:t>350</a:t>
+                      </a:r>
+                      <a:endParaRPr lang="en-US" sz="1200" dirty="0">
+                        <a:latin typeface="EMprint" panose="020B0503020204020204" pitchFamily="34" charset="0"/>
+                        <a:ea typeface="EMprint" panose="020B0503020204020204" pitchFamily="34" charset="0"/>
+                      </a:endParaRPr>
+                    </a:p>
+                  </a:txBody>
+                  <a:tcPr>
+                    <a:solidFill>
+                      <a:schemeClr val="accent2">
+                        <a:lumMod val="40000"/>
+                        <a:lumOff val="60000"/>
+                      </a:schemeClr>
+                    </a:solidFill>
+                  </a:tcPr>
+                </a:tc>
+                <a:extLst>
+                  <a:ext uri="{0D108BD9-81ED-4DB2-BD59-A6C34878D82A}">
+                    <a16:rowId xmlns:a16="http://schemas.microsoft.com/office/drawing/2014/main" val="2523538187"/>
+                  </a:ext>
+                </a:extLst>
+              </a:tr>
+            </a:tbl>
+          </a:graphicData>
+        </a:graphic>
+      </p:graphicFrame>
+      <p:graphicFrame>
+        <p:nvGraphicFramePr>
+          <p:cNvPr id="5" name="Table 4"/>
+          <p:cNvGraphicFramePr>
+            <a:graphicFrameLocks noGrp="1"/>
+          </p:cNvGraphicFramePr>
+          <p:nvPr>
+            <p:extLst>
+              <p:ext uri="{D42A27DB-BD31-4B8C-83A1-F6EECF244321}">
+                <p14:modId xmlns:p14="http://schemas.microsoft.com/office/powerpoint/2010/main" val="983867926"/>
+              </p:ext>
+            </p:extLst>
+          </p:nvPr>
+        </p:nvGraphicFramePr>
+        <p:xfrm>
+          <a:off x="4862945" y="2975957"/>
+          <a:ext cx="6059978" cy="1986740"/>
+        </p:xfrm>
+        <a:graphic>
+          <a:graphicData uri="http://schemas.openxmlformats.org/drawingml/2006/table">
+            <a:tbl>
+              <a:tblPr firstRow="1" bandRow="1">
+                <a:tableStyleId>{5C22544A-7EE6-4342-B048-85BDC9FD1C3A}</a:tableStyleId>
+              </a:tblPr>
+              <a:tblGrid>
+                <a:gridCol w="4025394">
+                  <a:extLst>
+                    <a:ext uri="{9D8B030D-6E8A-4147-A177-3AD203B41FA5}">
+                      <a16:colId xmlns:a16="http://schemas.microsoft.com/office/drawing/2014/main" val="2392704665"/>
+                    </a:ext>
+                  </a:extLst>
+                </a:gridCol>
+                <a:gridCol w="2034584">
+                  <a:extLst>
+                    <a:ext uri="{9D8B030D-6E8A-4147-A177-3AD203B41FA5}">
+                      <a16:colId xmlns:a16="http://schemas.microsoft.com/office/drawing/2014/main" val="1796620363"/>
+                    </a:ext>
+                  </a:extLst>
+                </a:gridCol>
+              </a:tblGrid>
+              <a:tr h="496685">
+                <a:tc>
+                  <a:txBody>
+                    <a:bodyPr/>
+                    <a:lstStyle/>
+                    <a:p>
+                      <a:pPr algn="ctr"/>
+                      <a:r>
+                        <a:rPr lang="en-US" sz="1050" b="0" dirty="0" smtClean="0">
+                          <a:latin typeface="EMprint" panose="020B0503020204020204" pitchFamily="34" charset="0"/>
+                          <a:ea typeface="EMprint" panose="020B0503020204020204" pitchFamily="34" charset="0"/>
+                        </a:rPr>
+                        <a:t>Your score</a:t>
+                      </a:r>
+                      <a:endParaRPr lang="en-US" sz="1400" b="0" dirty="0">
+                        <a:latin typeface="EMprint" panose="020B0503020204020204" pitchFamily="34" charset="0"/>
+                        <a:ea typeface="EMprint" panose="020B0503020204020204" pitchFamily="34" charset="0"/>
+                      </a:endParaRPr>
+                    </a:p>
+                  </a:txBody>
+                  <a:tcPr>
+                    <a:solidFill>
+                      <a:srgbClr val="B71F1F"/>
+                    </a:solidFill>
+                  </a:tcPr>
+                </a:tc>
+                <a:tc>
+                  <a:txBody>
+                    <a:bodyPr/>
+                    <a:lstStyle/>
+                    <a:p>
+                      <a:pPr algn="ctr"/>
+                      <a:endParaRPr lang="en-US" dirty="0">
+                        <a:latin typeface="EMprint" panose="020B0503020204020204" pitchFamily="34" charset="0"/>
+                        <a:ea typeface="EMprint" panose="020B0503020204020204" pitchFamily="34" charset="0"/>
+                      </a:endParaRPr>
+                    </a:p>
+                  </a:txBody>
+                  <a:tcPr>
+                    <a:solidFill>
+                      <a:srgbClr val="B71F1F"/>
+                    </a:solidFill>
+                  </a:tcPr>
+                </a:tc>
+                <a:extLst>
+                  <a:ext uri="{0D108BD9-81ED-4DB2-BD59-A6C34878D82A}">
+                    <a16:rowId xmlns:a16="http://schemas.microsoft.com/office/drawing/2014/main" val="1562972995"/>
+                  </a:ext>
+                </a:extLst>
+              </a:tr>
+              <a:tr h="496685">
+                <a:tc>
+                  <a:txBody>
+                    <a:bodyPr/>
+                    <a:lstStyle/>
+                    <a:p>
+                      <a:r>
+                        <a:rPr lang="en-US" sz="1200" b="0" i="0" kern="1200" dirty="0" smtClean="0">
+                          <a:solidFill>
+                            <a:schemeClr val="dk1"/>
+                          </a:solidFill>
+                          <a:effectLst/>
+                          <a:latin typeface="EMprint" panose="020B0503020204020204" pitchFamily="34" charset="0"/>
+                          <a:ea typeface="EMprint" panose="020B0503020204020204" pitchFamily="34" charset="0"/>
+                          <a:cs typeface="+mn-cs"/>
+                        </a:rPr>
+                        <a:t>1. Chalong, Sasithorn</a:t>
+                      </a:r>
+                      <a:endParaRPr lang="en-US" sz="1200" dirty="0">
+                        <a:latin typeface="EMprint" panose="020B0503020204020204" pitchFamily="34" charset="0"/>
+                        <a:ea typeface="EMprint" panose="020B0503020204020204" pitchFamily="34" charset="0"/>
+                      </a:endParaRPr>
+                    </a:p>
+                  </a:txBody>
+                  <a:tcPr>
+                    <a:solidFill>
+                      <a:schemeClr val="tx2">
+                        <a:lumMod val="20000"/>
+                        <a:lumOff val="80000"/>
+                      </a:schemeClr>
+                    </a:solidFill>
+                  </a:tcPr>
+                </a:tc>
+                <a:tc>
+                  <a:txBody>
+                    <a:bodyPr/>
+                    <a:lstStyle/>
+                    <a:p>
+                      <a:pPr algn="ctr"/>
+                      <a:r>
+                        <a:rPr lang="en-US" sz="1200" dirty="0" smtClean="0">
+                          <a:latin typeface="EMprint" panose="020B0503020204020204" pitchFamily="34" charset="0"/>
+                          <a:ea typeface="EMprint" panose="020B0503020204020204" pitchFamily="34" charset="0"/>
+                        </a:rPr>
+                        <a:t>450</a:t>
+                      </a:r>
+                      <a:endParaRPr lang="en-US" sz="1200" dirty="0">
+                        <a:latin typeface="EMprint" panose="020B0503020204020204" pitchFamily="34" charset="0"/>
+                        <a:ea typeface="EMprint" panose="020B0503020204020204" pitchFamily="34" charset="0"/>
+                      </a:endParaRPr>
+                    </a:p>
+                  </a:txBody>
+                  <a:tcPr>
+                    <a:solidFill>
+                      <a:schemeClr val="tx2">
+                        <a:lumMod val="20000"/>
+                        <a:lumOff val="80000"/>
+                      </a:schemeClr>
+                    </a:solidFill>
+                  </a:tcPr>
+                </a:tc>
+                <a:extLst>
+                  <a:ext uri="{0D108BD9-81ED-4DB2-BD59-A6C34878D82A}">
+                    <a16:rowId xmlns:a16="http://schemas.microsoft.com/office/drawing/2014/main" val="3830907580"/>
+                  </a:ext>
+                </a:extLst>
+              </a:tr>
+              <a:tr h="496685">
+                <a:tc>
+                  <a:txBody>
+                    <a:bodyPr/>
+                    <a:lstStyle/>
+                    <a:p>
+                      <a:r>
+                        <a:rPr lang="en-US" sz="1200" b="0" i="0" kern="1200" dirty="0" smtClean="0">
+                          <a:solidFill>
+                            <a:schemeClr val="dk1"/>
+                          </a:solidFill>
+                          <a:effectLst/>
+                          <a:latin typeface="EMprint" panose="020B0503020204020204" pitchFamily="34" charset="0"/>
+                          <a:ea typeface="EMprint" panose="020B0503020204020204" pitchFamily="34" charset="0"/>
+                          <a:cs typeface="+mn-cs"/>
+                        </a:rPr>
+                        <a:t>2. Wongkornvanich, Anunsith (Sea)</a:t>
+                      </a:r>
+                      <a:endParaRPr lang="en-US" sz="1200" dirty="0">
+                        <a:latin typeface="EMprint" panose="020B0503020204020204" pitchFamily="34" charset="0"/>
+                        <a:ea typeface="EMprint" panose="020B0503020204020204" pitchFamily="34" charset="0"/>
+                      </a:endParaRPr>
+                    </a:p>
+                  </a:txBody>
+                  <a:tcPr>
+                    <a:solidFill>
+                      <a:schemeClr val="bg1"/>
+                    </a:solidFill>
+                  </a:tcPr>
+                </a:tc>
+                <a:tc>
+                  <a:txBody>
+                    <a:bodyPr/>
+                    <a:lstStyle/>
+                    <a:p>
+                      <a:pPr algn="ctr"/>
+                      <a:r>
+                        <a:rPr lang="en-US" sz="1200" dirty="0" smtClean="0">
+                          <a:latin typeface="EMprint" panose="020B0503020204020204" pitchFamily="34" charset="0"/>
+                          <a:ea typeface="EMprint" panose="020B0503020204020204" pitchFamily="34" charset="0"/>
+                        </a:rPr>
+                        <a:t>400</a:t>
+                      </a:r>
+                      <a:endParaRPr lang="en-US" sz="1200" dirty="0">
+                        <a:latin typeface="EMprint" panose="020B0503020204020204" pitchFamily="34" charset="0"/>
+                        <a:ea typeface="EMprint" panose="020B0503020204020204" pitchFamily="34" charset="0"/>
+                      </a:endParaRPr>
+                    </a:p>
+                  </a:txBody>
+                  <a:tcPr>
+                    <a:solidFill>
+                      <a:schemeClr val="bg1"/>
+                    </a:solidFill>
+                  </a:tcPr>
+                </a:tc>
+                <a:extLst>
+                  <a:ext uri="{0D108BD9-81ED-4DB2-BD59-A6C34878D82A}">
+                    <a16:rowId xmlns:a16="http://schemas.microsoft.com/office/drawing/2014/main" val="2329145063"/>
+                  </a:ext>
+                </a:extLst>
+              </a:tr>
+              <a:tr h="496685">
+                <a:tc>
+                  <a:txBody>
+                    <a:bodyPr/>
+                    <a:lstStyle/>
+                    <a:p>
+                      <a:r>
+                        <a:rPr lang="en-US" sz="1200" b="0" i="0" kern="1200" dirty="0" smtClean="0">
+                          <a:solidFill>
+                            <a:schemeClr val="dk1"/>
+                          </a:solidFill>
+                          <a:effectLst/>
+                          <a:latin typeface="EMprint" panose="020B0503020204020204" pitchFamily="34" charset="0"/>
+                          <a:ea typeface="EMprint" panose="020B0503020204020204" pitchFamily="34" charset="0"/>
+                          <a:cs typeface="+mn-cs"/>
+                        </a:rPr>
+                        <a:t>3. Chia-Piyasakul, Karnrawee</a:t>
+                      </a:r>
+                      <a:endParaRPr lang="en-US" sz="1200" dirty="0">
+                        <a:latin typeface="EMprint" panose="020B0503020204020204" pitchFamily="34" charset="0"/>
+                        <a:ea typeface="EMprint" panose="020B0503020204020204" pitchFamily="34" charset="0"/>
+                      </a:endParaRPr>
+                    </a:p>
+                  </a:txBody>
+                  <a:tcPr>
+                    <a:solidFill>
+                      <a:schemeClr val="tx2">
+                        <a:lumMod val="20000"/>
+                        <a:lumOff val="80000"/>
+                      </a:schemeClr>
+                    </a:solidFill>
+                  </a:tcPr>
+                </a:tc>
+                <a:tc>
+                  <a:txBody>
+                    <a:bodyPr/>
+                    <a:lstStyle/>
+                    <a:p>
+                      <a:pPr algn="ctr"/>
+                      <a:r>
+                        <a:rPr lang="en-US" sz="1200" dirty="0" smtClean="0">
+                          <a:latin typeface="EMprint" panose="020B0503020204020204" pitchFamily="34" charset="0"/>
+                          <a:ea typeface="EMprint" panose="020B0503020204020204" pitchFamily="34" charset="0"/>
+                        </a:rPr>
+                        <a:t>350</a:t>
+                      </a:r>
+                      <a:endParaRPr lang="en-US" sz="1200" dirty="0">
+                        <a:latin typeface="EMprint" panose="020B0503020204020204" pitchFamily="34" charset="0"/>
+                        <a:ea typeface="EMprint" panose="020B0503020204020204" pitchFamily="34" charset="0"/>
+                      </a:endParaRPr>
+                    </a:p>
+                  </a:txBody>
+                  <a:tcPr>
+                    <a:solidFill>
+                      <a:schemeClr val="tx2">
+                        <a:lumMod val="20000"/>
+                        <a:lumOff val="80000"/>
+                      </a:schemeClr>
+                    </a:solidFill>
+                  </a:tcPr>
+                </a:tc>
+                <a:extLst>
+                  <a:ext uri="{0D108BD9-81ED-4DB2-BD59-A6C34878D82A}">
+                    <a16:rowId xmlns:a16="http://schemas.microsoft.com/office/drawing/2014/main" val="2523538187"/>
+                  </a:ext>
+                </a:extLst>
+              </a:tr>
+            </a:tbl>
+          </a:graphicData>
+        </a:graphic>
+      </p:graphicFrame>
+      <p:sp>
+        <p:nvSpPr>
+          <p:cNvPr id="7" name="Rectangle 6"/>
+          <p:cNvSpPr/>
+          <p:nvPr/>
+        </p:nvSpPr>
+        <p:spPr>
+          <a:xfrm>
+            <a:off x="9543011" y="274320"/>
+            <a:ext cx="1654233" cy="191193"/>
+          </a:xfrm>
+          <a:prstGeom prst="rect">
+            <a:avLst/>
+          </a:prstGeom>
+          <a:solidFill>
+            <a:schemeClr val="bg1"/>
+          </a:solidFill>
+          <a:ln>
+            <a:solidFill>
+              <a:schemeClr val="bg1"/>
+            </a:solidFill>
+          </a:ln>
+        </p:spPr>
+        <p:style>
+          <a:lnRef idx="2">
+            <a:schemeClr val="accent1">
+              <a:shade val="50000"/>
+            </a:schemeClr>
+          </a:lnRef>
+          <a:fillRef idx="1">
+            <a:schemeClr val="accent1"/>
+          </a:fillRef>
+          <a:effectRef idx="0">
+            <a:schemeClr val="accent1"/>
+          </a:effectRef>
+          <a:fontRef idx="minor">
+            <a:schemeClr val="lt1"/>
+          </a:fontRef>
+        </p:style>
+        <p:txBody>
+          <a:bodyPr rtlCol="0" anchor="ctr"/>
+          <a:lstStyle/>
+          <a:p>
+            <a:pPr algn="ctr"/>
+            <a:endParaRPr lang="en-US"/>
+          </a:p>
+        </p:txBody>
+      </p:sp>
+    </p:spTree>
+    <p:extLst>
+      <p:ext uri="{BB962C8B-B14F-4D97-AF65-F5344CB8AC3E}">
+        <p14:creationId xmlns:p14="http://schemas.microsoft.com/office/powerpoint/2010/main" val="940579420"/>
+      </p:ext>
+    </p:extLst>
+  </p:cSld>
+  <p:clrMapOvr>
+    <a:masterClrMapping/>
+  </p:clrMapOvr>
+  <mc:AlternateContent xmlns:mc="http://schemas.openxmlformats.org/markup-compatibility/2006" xmlns:p14="http://schemas.microsoft.com/office/powerpoint/2010/main">
+    <mc:Choice Requires="p14">
+      <p:transition spd="slow" p14:dur="2000"/>
+    </mc:Choice>
+    <mc:Fallback xmlns="">
+      <p:transition spd="slow"/>
+    </mc:Fallback>
+  </mc:AlternateContent>
 </p:sld>
 </file>
 
